--- a/TIC_PP.pptx
+++ b/TIC_PP.pptx
@@ -1,9 +1,12 @@
 
 <file path=ppt/presentation.xml><?xml version="1.0" encoding="utf-8"?>
-<p:presentation xmlns:a="http://schemas.openxmlformats.org/drawingml/2006/main" xmlns:r="http://schemas.openxmlformats.org/officeDocument/2006/relationships" xmlns:p="http://schemas.openxmlformats.org/presentationml/2006/main" saveSubsetFonts="1" bookmarkIdSeed="2">
+<p:presentation xmlns:a="http://schemas.openxmlformats.org/drawingml/2006/main" xmlns:r="http://schemas.openxmlformats.org/officeDocument/2006/relationships" xmlns:p="http://schemas.openxmlformats.org/presentationml/2006/main" saveSubsetFonts="1" bookmarkIdSeed="3">
   <p:sldMasterIdLst>
     <p:sldMasterId id="2147483728" r:id="rId1"/>
   </p:sldMasterIdLst>
+  <p:notesMasterIdLst>
+    <p:notesMasterId r:id="rId21"/>
+  </p:notesMasterIdLst>
   <p:sldIdLst>
     <p:sldId id="256" r:id="rId2"/>
     <p:sldId id="257" r:id="rId3"/>
@@ -16,6 +19,14 @@
     <p:sldId id="264" r:id="rId10"/>
     <p:sldId id="266" r:id="rId11"/>
     <p:sldId id="267" r:id="rId12"/>
+    <p:sldId id="268" r:id="rId13"/>
+    <p:sldId id="276" r:id="rId14"/>
+    <p:sldId id="270" r:id="rId15"/>
+    <p:sldId id="271" r:id="rId16"/>
+    <p:sldId id="272" r:id="rId17"/>
+    <p:sldId id="273" r:id="rId18"/>
+    <p:sldId id="274" r:id="rId19"/>
+    <p:sldId id="275" r:id="rId20"/>
   </p:sldIdLst>
   <p:sldSz cx="12192000" cy="6858000"/>
   <p:notesSz cx="6858000" cy="9144000"/>
@@ -127,12 +138,12 @@
   <pc:docChgLst>
     <pc:chgData name="Chahinez Yahiaoui" userId="60bbd5248aadbc6a" providerId="LiveId" clId="{755EDBCF-F2E2-4603-A54C-DE63A909D963}"/>
     <pc:docChg chg="undo redo custSel addSld delSld modSld sldOrd">
-      <pc:chgData name="Chahinez Yahiaoui" userId="60bbd5248aadbc6a" providerId="LiveId" clId="{755EDBCF-F2E2-4603-A54C-DE63A909D963}" dt="2024-01-02T14:03:32.743" v="4964"/>
+      <pc:chgData name="Chahinez Yahiaoui" userId="60bbd5248aadbc6a" providerId="LiveId" clId="{755EDBCF-F2E2-4603-A54C-DE63A909D963}" dt="2024-01-05T02:10:26.262" v="6800" actId="1076"/>
       <pc:docMkLst>
         <pc:docMk/>
       </pc:docMkLst>
-      <pc:sldChg chg="modSp new mod">
-        <pc:chgData name="Chahinez Yahiaoui" userId="60bbd5248aadbc6a" providerId="LiveId" clId="{755EDBCF-F2E2-4603-A54C-DE63A909D963}" dt="2024-01-01T19:55:28.367" v="3474" actId="14100"/>
+      <pc:sldChg chg="modSp new mod modTransition">
+        <pc:chgData name="Chahinez Yahiaoui" userId="60bbd5248aadbc6a" providerId="LiveId" clId="{755EDBCF-F2E2-4603-A54C-DE63A909D963}" dt="2024-01-05T01:46:48.738" v="6704"/>
         <pc:sldMkLst>
           <pc:docMk/>
           <pc:sldMk cId="2399716777" sldId="256"/>
@@ -154,8 +165,8 @@
           </ac:spMkLst>
         </pc:spChg>
       </pc:sldChg>
-      <pc:sldChg chg="addSp delSp modSp new mod ord modAnim">
-        <pc:chgData name="Chahinez Yahiaoui" userId="60bbd5248aadbc6a" providerId="LiveId" clId="{755EDBCF-F2E2-4603-A54C-DE63A909D963}" dt="2024-01-02T14:03:32.743" v="4964"/>
+      <pc:sldChg chg="addSp delSp modSp new mod ord modTransition modAnim">
+        <pc:chgData name="Chahinez Yahiaoui" userId="60bbd5248aadbc6a" providerId="LiveId" clId="{755EDBCF-F2E2-4603-A54C-DE63A909D963}" dt="2024-01-05T01:47:59.248" v="6713"/>
         <pc:sldMkLst>
           <pc:docMk/>
           <pc:sldMk cId="1559006165" sldId="257"/>
@@ -185,8 +196,8 @@
           </ac:spMkLst>
         </pc:spChg>
       </pc:sldChg>
-      <pc:sldChg chg="addSp delSp modSp new mod ord">
-        <pc:chgData name="Chahinez Yahiaoui" userId="60bbd5248aadbc6a" providerId="LiveId" clId="{755EDBCF-F2E2-4603-A54C-DE63A909D963}" dt="2024-01-02T10:51:06.973" v="4962"/>
+      <pc:sldChg chg="addSp delSp modSp new mod ord modTransition">
+        <pc:chgData name="Chahinez Yahiaoui" userId="60bbd5248aadbc6a" providerId="LiveId" clId="{755EDBCF-F2E2-4603-A54C-DE63A909D963}" dt="2024-01-05T01:48:09.722" v="6714"/>
         <pc:sldMkLst>
           <pc:docMk/>
           <pc:sldMk cId="543704357" sldId="258"/>
@@ -216,7 +227,7 @@
           </ac:spMkLst>
         </pc:spChg>
         <pc:spChg chg="add mod">
-          <ac:chgData name="Chahinez Yahiaoui" userId="60bbd5248aadbc6a" providerId="LiveId" clId="{755EDBCF-F2E2-4603-A54C-DE63A909D963}" dt="2024-01-01T18:45:12.504" v="1501" actId="207"/>
+          <ac:chgData name="Chahinez Yahiaoui" userId="60bbd5248aadbc6a" providerId="LiveId" clId="{755EDBCF-F2E2-4603-A54C-DE63A909D963}" dt="2024-01-05T00:37:10.706" v="6140" actId="113"/>
           <ac:spMkLst>
             <pc:docMk/>
             <pc:sldMk cId="543704357" sldId="258"/>
@@ -224,8 +235,8 @@
           </ac:spMkLst>
         </pc:spChg>
       </pc:sldChg>
-      <pc:sldChg chg="addSp delSp modSp new mod">
-        <pc:chgData name="Chahinez Yahiaoui" userId="60bbd5248aadbc6a" providerId="LiveId" clId="{755EDBCF-F2E2-4603-A54C-DE63A909D963}" dt="2024-01-01T19:05:15.974" v="1571" actId="255"/>
+      <pc:sldChg chg="addSp delSp modSp new mod modTransition">
+        <pc:chgData name="Chahinez Yahiaoui" userId="60bbd5248aadbc6a" providerId="LiveId" clId="{755EDBCF-F2E2-4603-A54C-DE63A909D963}" dt="2024-01-05T01:48:23.320" v="6715"/>
         <pc:sldMkLst>
           <pc:docMk/>
           <pc:sldMk cId="3235880577" sldId="259"/>
@@ -279,7 +290,7 @@
           </ac:spMkLst>
         </pc:spChg>
         <pc:spChg chg="add mod">
-          <ac:chgData name="Chahinez Yahiaoui" userId="60bbd5248aadbc6a" providerId="LiveId" clId="{755EDBCF-F2E2-4603-A54C-DE63A909D963}" dt="2024-01-01T19:05:15.974" v="1571" actId="255"/>
+          <ac:chgData name="Chahinez Yahiaoui" userId="60bbd5248aadbc6a" providerId="LiveId" clId="{755EDBCF-F2E2-4603-A54C-DE63A909D963}" dt="2024-01-05T00:37:36.697" v="6143" actId="20577"/>
           <ac:spMkLst>
             <pc:docMk/>
             <pc:sldMk cId="3235880577" sldId="259"/>
@@ -303,8 +314,8 @@
           </ac:picMkLst>
         </pc:picChg>
       </pc:sldChg>
-      <pc:sldChg chg="addSp modSp new mod ord">
-        <pc:chgData name="Chahinez Yahiaoui" userId="60bbd5248aadbc6a" providerId="LiveId" clId="{755EDBCF-F2E2-4603-A54C-DE63A909D963}" dt="2024-01-01T20:20:15.569" v="4501"/>
+      <pc:sldChg chg="addSp delSp modSp new mod ord modTransition modAnim">
+        <pc:chgData name="Chahinez Yahiaoui" userId="60bbd5248aadbc6a" providerId="LiveId" clId="{755EDBCF-F2E2-4603-A54C-DE63A909D963}" dt="2024-01-05T01:48:32.994" v="6716"/>
         <pc:sldMkLst>
           <pc:docMk/>
           <pc:sldMk cId="198681742" sldId="260"/>
@@ -317,15 +328,63 @@
             <ac:spMk id="2" creationId="{B46766FD-13FA-A76E-5D0C-ECF61041806A}"/>
           </ac:spMkLst>
         </pc:spChg>
+        <pc:spChg chg="add del mod">
+          <ac:chgData name="Chahinez Yahiaoui" userId="60bbd5248aadbc6a" providerId="LiveId" clId="{755EDBCF-F2E2-4603-A54C-DE63A909D963}" dt="2024-01-04T22:32:40.018" v="5006"/>
+          <ac:spMkLst>
+            <pc:docMk/>
+            <pc:sldMk cId="198681742" sldId="260"/>
+            <ac:spMk id="3" creationId="{F4CDFCC2-EEE6-5514-8523-A15F88F6CED0}"/>
+          </ac:spMkLst>
+        </pc:spChg>
+        <pc:spChg chg="add del mod">
+          <ac:chgData name="Chahinez Yahiaoui" userId="60bbd5248aadbc6a" providerId="LiveId" clId="{755EDBCF-F2E2-4603-A54C-DE63A909D963}" dt="2024-01-04T23:35:53.902" v="5061"/>
+          <ac:spMkLst>
+            <pc:docMk/>
+            <pc:sldMk cId="198681742" sldId="260"/>
+            <ac:spMk id="5" creationId="{E96582C3-48C7-31DD-E97A-1D1729F11DA9}"/>
+          </ac:spMkLst>
+        </pc:spChg>
+        <pc:spChg chg="add mod">
+          <ac:chgData name="Chahinez Yahiaoui" userId="60bbd5248aadbc6a" providerId="LiveId" clId="{755EDBCF-F2E2-4603-A54C-DE63A909D963}" dt="2024-01-04T23:45:17.262" v="5099" actId="207"/>
+          <ac:spMkLst>
+            <pc:docMk/>
+            <pc:sldMk cId="198681742" sldId="260"/>
+            <ac:spMk id="6" creationId="{7AFC094C-7DFE-8BC1-9F8A-F40FD9620BD3}"/>
+          </ac:spMkLst>
+        </pc:spChg>
+        <pc:spChg chg="add mod">
+          <ac:chgData name="Chahinez Yahiaoui" userId="60bbd5248aadbc6a" providerId="LiveId" clId="{755EDBCF-F2E2-4603-A54C-DE63A909D963}" dt="2024-01-04T23:45:12.015" v="5098" actId="207"/>
+          <ac:spMkLst>
+            <pc:docMk/>
+            <pc:sldMk cId="198681742" sldId="260"/>
+            <ac:spMk id="8" creationId="{C127FC83-96B6-72A2-DD7B-F8D67ABD8F8A}"/>
+          </ac:spMkLst>
+        </pc:spChg>
+        <pc:picChg chg="add mod">
+          <ac:chgData name="Chahinez Yahiaoui" userId="60bbd5248aadbc6a" providerId="LiveId" clId="{755EDBCF-F2E2-4603-A54C-DE63A909D963}" dt="2024-01-04T22:32:57.444" v="5012" actId="1076"/>
+          <ac:picMkLst>
+            <pc:docMk/>
+            <pc:sldMk cId="198681742" sldId="260"/>
+            <ac:picMk id="4" creationId="{0BAB4BEE-1792-EDFF-BB5D-1DDCED558A26}"/>
+          </ac:picMkLst>
+        </pc:picChg>
+        <pc:picChg chg="add mod">
+          <ac:chgData name="Chahinez Yahiaoui" userId="60bbd5248aadbc6a" providerId="LiveId" clId="{755EDBCF-F2E2-4603-A54C-DE63A909D963}" dt="2024-01-04T23:41:04.890" v="5069" actId="14100"/>
+          <ac:picMkLst>
+            <pc:docMk/>
+            <pc:sldMk cId="198681742" sldId="260"/>
+            <ac:picMk id="7" creationId="{C16E08CE-86EB-A5BD-DCD9-F0697C08F25B}"/>
+          </ac:picMkLst>
+        </pc:picChg>
       </pc:sldChg>
-      <pc:sldChg chg="addSp modSp new mod ord">
-        <pc:chgData name="Chahinez Yahiaoui" userId="60bbd5248aadbc6a" providerId="LiveId" clId="{755EDBCF-F2E2-4603-A54C-DE63A909D963}" dt="2024-01-01T20:20:09.332" v="4499"/>
+      <pc:sldChg chg="addSp modSp new mod ord modTransition">
+        <pc:chgData name="Chahinez Yahiaoui" userId="60bbd5248aadbc6a" providerId="LiveId" clId="{755EDBCF-F2E2-4603-A54C-DE63A909D963}" dt="2024-01-05T01:49:31.594" v="6717"/>
         <pc:sldMkLst>
           <pc:docMk/>
           <pc:sldMk cId="902849525" sldId="261"/>
         </pc:sldMkLst>
         <pc:spChg chg="add mod">
-          <ac:chgData name="Chahinez Yahiaoui" userId="60bbd5248aadbc6a" providerId="LiveId" clId="{755EDBCF-F2E2-4603-A54C-DE63A909D963}" dt="2024-01-01T19:32:39.302" v="2186" actId="20577"/>
+          <ac:chgData name="Chahinez Yahiaoui" userId="60bbd5248aadbc6a" providerId="LiveId" clId="{755EDBCF-F2E2-4603-A54C-DE63A909D963}" dt="2024-01-05T00:50:37.692" v="6235" actId="1076"/>
           <ac:spMkLst>
             <pc:docMk/>
             <pc:sldMk cId="902849525" sldId="261"/>
@@ -333,8 +392,8 @@
           </ac:spMkLst>
         </pc:spChg>
       </pc:sldChg>
-      <pc:sldChg chg="addSp modSp new mod">
-        <pc:chgData name="Chahinez Yahiaoui" userId="60bbd5248aadbc6a" providerId="LiveId" clId="{755EDBCF-F2E2-4603-A54C-DE63A909D963}" dt="2024-01-01T20:19:20.581" v="4491" actId="115"/>
+      <pc:sldChg chg="addSp delSp modSp new mod modTransition modAnim">
+        <pc:chgData name="Chahinez Yahiaoui" userId="60bbd5248aadbc6a" providerId="LiveId" clId="{755EDBCF-F2E2-4603-A54C-DE63A909D963}" dt="2024-01-05T01:49:41.451" v="6718"/>
         <pc:sldMkLst>
           <pc:docMk/>
           <pc:sldMk cId="2478927583" sldId="262"/>
@@ -347,9 +406,49 @@
             <ac:spMk id="2" creationId="{F905FAE5-04EB-156C-104E-15A3C61619BA}"/>
           </ac:spMkLst>
         </pc:spChg>
+        <pc:spChg chg="add mod">
+          <ac:chgData name="Chahinez Yahiaoui" userId="60bbd5248aadbc6a" providerId="LiveId" clId="{755EDBCF-F2E2-4603-A54C-DE63A909D963}" dt="2024-01-05T00:56:09.635" v="6294" actId="20577"/>
+          <ac:spMkLst>
+            <pc:docMk/>
+            <pc:sldMk cId="2478927583" sldId="262"/>
+            <ac:spMk id="5" creationId="{346A1028-412A-E975-F3E4-260F52A2FA6A}"/>
+          </ac:spMkLst>
+        </pc:spChg>
+        <pc:spChg chg="add del mod">
+          <ac:chgData name="Chahinez Yahiaoui" userId="60bbd5248aadbc6a" providerId="LiveId" clId="{755EDBCF-F2E2-4603-A54C-DE63A909D963}" dt="2024-01-05T00:56:20.542" v="6297"/>
+          <ac:spMkLst>
+            <pc:docMk/>
+            <pc:sldMk cId="2478927583" sldId="262"/>
+            <ac:spMk id="6" creationId="{ED4B6E2C-BF57-E8CB-D865-B804CB5E1843}"/>
+          </ac:spMkLst>
+        </pc:spChg>
+        <pc:spChg chg="add mod">
+          <ac:chgData name="Chahinez Yahiaoui" userId="60bbd5248aadbc6a" providerId="LiveId" clId="{755EDBCF-F2E2-4603-A54C-DE63A909D963}" dt="2024-01-05T00:59:28.489" v="6308" actId="1076"/>
+          <ac:spMkLst>
+            <pc:docMk/>
+            <pc:sldMk cId="2478927583" sldId="262"/>
+            <ac:spMk id="7" creationId="{33179808-142A-B63A-F5D0-0F46CCE6F98B}"/>
+          </ac:spMkLst>
+        </pc:spChg>
+        <pc:picChg chg="add mod">
+          <ac:chgData name="Chahinez Yahiaoui" userId="60bbd5248aadbc6a" providerId="LiveId" clId="{755EDBCF-F2E2-4603-A54C-DE63A909D963}" dt="2024-01-05T00:52:43.383" v="6252" actId="1076"/>
+          <ac:picMkLst>
+            <pc:docMk/>
+            <pc:sldMk cId="2478927583" sldId="262"/>
+            <ac:picMk id="3" creationId="{57260E48-1D51-2CEF-A58C-2C56E8F98054}"/>
+          </ac:picMkLst>
+        </pc:picChg>
+        <pc:picChg chg="add mod">
+          <ac:chgData name="Chahinez Yahiaoui" userId="60bbd5248aadbc6a" providerId="LiveId" clId="{755EDBCF-F2E2-4603-A54C-DE63A909D963}" dt="2024-01-05T00:52:37.960" v="6251" actId="1076"/>
+          <ac:picMkLst>
+            <pc:docMk/>
+            <pc:sldMk cId="2478927583" sldId="262"/>
+            <ac:picMk id="4" creationId="{41163CC1-CB5D-1BAD-647A-505DB6EBE534}"/>
+          </ac:picMkLst>
+        </pc:picChg>
       </pc:sldChg>
-      <pc:sldChg chg="addSp delSp modSp new mod">
-        <pc:chgData name="Chahinez Yahiaoui" userId="60bbd5248aadbc6a" providerId="LiveId" clId="{755EDBCF-F2E2-4603-A54C-DE63A909D963}" dt="2024-01-01T20:22:25.050" v="4608" actId="14100"/>
+      <pc:sldChg chg="addSp delSp modSp new mod modTransition">
+        <pc:chgData name="Chahinez Yahiaoui" userId="60bbd5248aadbc6a" providerId="LiveId" clId="{755EDBCF-F2E2-4603-A54C-DE63A909D963}" dt="2024-01-05T01:50:21.296" v="6719"/>
         <pc:sldMkLst>
           <pc:docMk/>
           <pc:sldMk cId="1064202949" sldId="263"/>
@@ -363,7 +462,7 @@
           </ac:spMkLst>
         </pc:spChg>
         <pc:spChg chg="add mod">
-          <ac:chgData name="Chahinez Yahiaoui" userId="60bbd5248aadbc6a" providerId="LiveId" clId="{755EDBCF-F2E2-4603-A54C-DE63A909D963}" dt="2024-01-01T20:22:25.050" v="4608" actId="14100"/>
+          <ac:chgData name="Chahinez Yahiaoui" userId="60bbd5248aadbc6a" providerId="LiveId" clId="{755EDBCF-F2E2-4603-A54C-DE63A909D963}" dt="2024-01-05T00:38:01.071" v="6148" actId="207"/>
           <ac:spMkLst>
             <pc:docMk/>
             <pc:sldMk cId="1064202949" sldId="263"/>
@@ -378,8 +477,8 @@
           <pc:sldMk cId="3716604078" sldId="263"/>
         </pc:sldMkLst>
       </pc:sldChg>
-      <pc:sldChg chg="addSp delSp modSp new mod">
-        <pc:chgData name="Chahinez Yahiaoui" userId="60bbd5248aadbc6a" providerId="LiveId" clId="{755EDBCF-F2E2-4603-A54C-DE63A909D963}" dt="2024-01-01T20:24:19.466" v="4617" actId="255"/>
+      <pc:sldChg chg="addSp delSp modSp new mod modTransition">
+        <pc:chgData name="Chahinez Yahiaoui" userId="60bbd5248aadbc6a" providerId="LiveId" clId="{755EDBCF-F2E2-4603-A54C-DE63A909D963}" dt="2024-01-05T01:50:34.869" v="6720"/>
         <pc:sldMkLst>
           <pc:docMk/>
           <pc:sldMk cId="96640490" sldId="264"/>
@@ -457,7 +556,7 @@
           </ac:spMkLst>
         </pc:spChg>
         <pc:spChg chg="add mod">
-          <ac:chgData name="Chahinez Yahiaoui" userId="60bbd5248aadbc6a" providerId="LiveId" clId="{755EDBCF-F2E2-4603-A54C-DE63A909D963}" dt="2024-01-01T20:24:19.466" v="4617" actId="255"/>
+          <ac:chgData name="Chahinez Yahiaoui" userId="60bbd5248aadbc6a" providerId="LiveId" clId="{755EDBCF-F2E2-4603-A54C-DE63A909D963}" dt="2024-01-05T00:38:08.605" v="6149" actId="207"/>
           <ac:spMkLst>
             <pc:docMk/>
             <pc:sldMk cId="96640490" sldId="264"/>
@@ -664,8 +763,8 @@
           </ac:picMkLst>
         </pc:picChg>
       </pc:sldChg>
-      <pc:sldChg chg="addSp delSp modSp new mod modAnim">
-        <pc:chgData name="Chahinez Yahiaoui" userId="60bbd5248aadbc6a" providerId="LiveId" clId="{755EDBCF-F2E2-4603-A54C-DE63A909D963}" dt="2024-01-01T20:52:59.093" v="4946"/>
+      <pc:sldChg chg="addSp delSp modSp new mod ord modTransition modAnim">
+        <pc:chgData name="Chahinez Yahiaoui" userId="60bbd5248aadbc6a" providerId="LiveId" clId="{755EDBCF-F2E2-4603-A54C-DE63A909D963}" dt="2024-01-05T01:50:52.274" v="6721"/>
         <pc:sldMkLst>
           <pc:docMk/>
           <pc:sldMk cId="4004600038" sldId="266"/>
@@ -679,7 +778,7 @@
           </ac:spMkLst>
         </pc:spChg>
         <pc:graphicFrameChg chg="add mod modGraphic">
-          <ac:chgData name="Chahinez Yahiaoui" userId="60bbd5248aadbc6a" providerId="LiveId" clId="{755EDBCF-F2E2-4603-A54C-DE63A909D963}" dt="2024-01-01T20:52:49.827" v="4945" actId="207"/>
+          <ac:chgData name="Chahinez Yahiaoui" userId="60bbd5248aadbc6a" providerId="LiveId" clId="{755EDBCF-F2E2-4603-A54C-DE63A909D963}" dt="2024-01-05T00:38:23.696" v="6153" actId="207"/>
           <ac:graphicFrameMkLst>
             <pc:docMk/>
             <pc:sldMk cId="4004600038" sldId="266"/>
@@ -711,8 +810,8 @@
           </ac:picMkLst>
         </pc:picChg>
       </pc:sldChg>
-      <pc:sldChg chg="addSp delSp modSp new mod modAnim">
-        <pc:chgData name="Chahinez Yahiaoui" userId="60bbd5248aadbc6a" providerId="LiveId" clId="{755EDBCF-F2E2-4603-A54C-DE63A909D963}" dt="2024-01-02T10:42:25.308" v="4957" actId="1076"/>
+      <pc:sldChg chg="addSp delSp modSp new mod modTransition modAnim">
+        <pc:chgData name="Chahinez Yahiaoui" userId="60bbd5248aadbc6a" providerId="LiveId" clId="{755EDBCF-F2E2-4603-A54C-DE63A909D963}" dt="2024-01-05T02:09:18.018" v="6785" actId="1076"/>
         <pc:sldMkLst>
           <pc:docMk/>
           <pc:sldMk cId="294865878" sldId="267"/>
@@ -734,7 +833,7 @@
           </ac:spMkLst>
         </pc:spChg>
         <pc:graphicFrameChg chg="add mod modGraphic">
-          <ac:chgData name="Chahinez Yahiaoui" userId="60bbd5248aadbc6a" providerId="LiveId" clId="{755EDBCF-F2E2-4603-A54C-DE63A909D963}" dt="2024-01-02T10:42:05.241" v="4953" actId="1076"/>
+          <ac:chgData name="Chahinez Yahiaoui" userId="60bbd5248aadbc6a" providerId="LiveId" clId="{755EDBCF-F2E2-4603-A54C-DE63A909D963}" dt="2024-01-05T02:09:08.583" v="6782" actId="1076"/>
           <ac:graphicFrameMkLst>
             <pc:docMk/>
             <pc:sldMk cId="294865878" sldId="267"/>
@@ -742,7 +841,7 @@
           </ac:graphicFrameMkLst>
         </pc:graphicFrameChg>
         <pc:picChg chg="add mod">
-          <ac:chgData name="Chahinez Yahiaoui" userId="60bbd5248aadbc6a" providerId="LiveId" clId="{755EDBCF-F2E2-4603-A54C-DE63A909D963}" dt="2024-01-02T10:41:38.789" v="4952" actId="1076"/>
+          <ac:chgData name="Chahinez Yahiaoui" userId="60bbd5248aadbc6a" providerId="LiveId" clId="{755EDBCF-F2E2-4603-A54C-DE63A909D963}" dt="2024-01-05T02:09:10.728" v="6783" actId="1076"/>
           <ac:picMkLst>
             <pc:docMk/>
             <pc:sldMk cId="294865878" sldId="267"/>
@@ -750,7 +849,7 @@
           </ac:picMkLst>
         </pc:picChg>
         <pc:picChg chg="add mod">
-          <ac:chgData name="Chahinez Yahiaoui" userId="60bbd5248aadbc6a" providerId="LiveId" clId="{755EDBCF-F2E2-4603-A54C-DE63A909D963}" dt="2024-01-02T10:42:18.895" v="4956" actId="1076"/>
+          <ac:chgData name="Chahinez Yahiaoui" userId="60bbd5248aadbc6a" providerId="LiveId" clId="{755EDBCF-F2E2-4603-A54C-DE63A909D963}" dt="2024-01-05T02:09:14.652" v="6784" actId="1076"/>
           <ac:picMkLst>
             <pc:docMk/>
             <pc:sldMk cId="294865878" sldId="267"/>
@@ -758,11 +857,330 @@
           </ac:picMkLst>
         </pc:picChg>
         <pc:picChg chg="add mod">
-          <ac:chgData name="Chahinez Yahiaoui" userId="60bbd5248aadbc6a" providerId="LiveId" clId="{755EDBCF-F2E2-4603-A54C-DE63A909D963}" dt="2024-01-02T10:42:25.308" v="4957" actId="1076"/>
+          <ac:chgData name="Chahinez Yahiaoui" userId="60bbd5248aadbc6a" providerId="LiveId" clId="{755EDBCF-F2E2-4603-A54C-DE63A909D963}" dt="2024-01-05T02:09:18.018" v="6785" actId="1076"/>
           <ac:picMkLst>
             <pc:docMk/>
             <pc:sldMk cId="294865878" sldId="267"/>
             <ac:picMk id="5123" creationId="{7EBCD687-912D-C76D-4C81-0B27F65E10DE}"/>
+          </ac:picMkLst>
+        </pc:picChg>
+      </pc:sldChg>
+      <pc:sldChg chg="addSp delSp modSp new mod modTransition">
+        <pc:chgData name="Chahinez Yahiaoui" userId="60bbd5248aadbc6a" providerId="LiveId" clId="{755EDBCF-F2E2-4603-A54C-DE63A909D963}" dt="2024-01-05T02:04:36.268" v="6744" actId="1076"/>
+        <pc:sldMkLst>
+          <pc:docMk/>
+          <pc:sldMk cId="2676184725" sldId="268"/>
+        </pc:sldMkLst>
+        <pc:spChg chg="add del mod">
+          <ac:chgData name="Chahinez Yahiaoui" userId="60bbd5248aadbc6a" providerId="LiveId" clId="{755EDBCF-F2E2-4603-A54C-DE63A909D963}" dt="2024-01-04T23:46:38.030" v="5105"/>
+          <ac:spMkLst>
+            <pc:docMk/>
+            <pc:sldMk cId="2676184725" sldId="268"/>
+            <ac:spMk id="2" creationId="{6DF30F67-F5BB-2449-8919-23C609B94ADA}"/>
+          </ac:spMkLst>
+        </pc:spChg>
+        <pc:spChg chg="add mod">
+          <ac:chgData name="Chahinez Yahiaoui" userId="60bbd5248aadbc6a" providerId="LiveId" clId="{755EDBCF-F2E2-4603-A54C-DE63A909D963}" dt="2024-01-04T23:46:38.028" v="5103"/>
+          <ac:spMkLst>
+            <pc:docMk/>
+            <pc:sldMk cId="2676184725" sldId="268"/>
+            <ac:spMk id="5" creationId="{4D65E2AD-7A1A-6999-7278-98F4C00B0097}"/>
+          </ac:spMkLst>
+        </pc:spChg>
+        <pc:spChg chg="add mod">
+          <ac:chgData name="Chahinez Yahiaoui" userId="60bbd5248aadbc6a" providerId="LiveId" clId="{755EDBCF-F2E2-4603-A54C-DE63A909D963}" dt="2024-01-04T23:58:07.964" v="5525" actId="1076"/>
+          <ac:spMkLst>
+            <pc:docMk/>
+            <pc:sldMk cId="2676184725" sldId="268"/>
+            <ac:spMk id="6" creationId="{9A340D9D-58D8-14E7-264B-C2BE51EB1811}"/>
+          </ac:spMkLst>
+        </pc:spChg>
+        <pc:spChg chg="add del mod">
+          <ac:chgData name="Chahinez Yahiaoui" userId="60bbd5248aadbc6a" providerId="LiveId" clId="{755EDBCF-F2E2-4603-A54C-DE63A909D963}" dt="2024-01-05T00:03:12.580" v="5579"/>
+          <ac:spMkLst>
+            <pc:docMk/>
+            <pc:sldMk cId="2676184725" sldId="268"/>
+            <ac:spMk id="13" creationId="{350A3587-7F53-EC18-0E7D-31620C255C72}"/>
+          </ac:spMkLst>
+        </pc:spChg>
+        <pc:graphicFrameChg chg="add mod">
+          <ac:chgData name="Chahinez Yahiaoui" userId="60bbd5248aadbc6a" providerId="LiveId" clId="{755EDBCF-F2E2-4603-A54C-DE63A909D963}" dt="2024-01-04T23:46:26.890" v="5102"/>
+          <ac:graphicFrameMkLst>
+            <pc:docMk/>
+            <pc:sldMk cId="2676184725" sldId="268"/>
+            <ac:graphicFrameMk id="3" creationId="{C427E37E-034D-459D-9024-AB7F6CD788C4}"/>
+          </ac:graphicFrameMkLst>
+        </pc:graphicFrameChg>
+        <pc:graphicFrameChg chg="add mod">
+          <ac:chgData name="Chahinez Yahiaoui" userId="60bbd5248aadbc6a" providerId="LiveId" clId="{755EDBCF-F2E2-4603-A54C-DE63A909D963}" dt="2024-01-04T23:46:26.890" v="5102"/>
+          <ac:graphicFrameMkLst>
+            <pc:docMk/>
+            <pc:sldMk cId="2676184725" sldId="268"/>
+            <ac:graphicFrameMk id="4" creationId="{DF4D680A-3FA1-0007-C407-FF8005A8C9D2}"/>
+          </ac:graphicFrameMkLst>
+        </pc:graphicFrameChg>
+        <pc:graphicFrameChg chg="add mod">
+          <ac:chgData name="Chahinez Yahiaoui" userId="60bbd5248aadbc6a" providerId="LiveId" clId="{755EDBCF-F2E2-4603-A54C-DE63A909D963}" dt="2024-01-04T23:51:06.293" v="5120" actId="1076"/>
+          <ac:graphicFrameMkLst>
+            <pc:docMk/>
+            <pc:sldMk cId="2676184725" sldId="268"/>
+            <ac:graphicFrameMk id="7" creationId="{6DA018A6-A9AF-1D65-EA83-00BC0C928218}"/>
+          </ac:graphicFrameMkLst>
+        </pc:graphicFrameChg>
+        <pc:graphicFrameChg chg="add del mod modGraphic">
+          <ac:chgData name="Chahinez Yahiaoui" userId="60bbd5248aadbc6a" providerId="LiveId" clId="{755EDBCF-F2E2-4603-A54C-DE63A909D963}" dt="2024-01-04T23:59:03.833" v="5546" actId="478"/>
+          <ac:graphicFrameMkLst>
+            <pc:docMk/>
+            <pc:sldMk cId="2676184725" sldId="268"/>
+            <ac:graphicFrameMk id="8" creationId="{2850B8FA-0F39-9F9E-C2B4-83974DC8B9FC}"/>
+          </ac:graphicFrameMkLst>
+        </pc:graphicFrameChg>
+        <pc:graphicFrameChg chg="add del mod">
+          <ac:chgData name="Chahinez Yahiaoui" userId="60bbd5248aadbc6a" providerId="LiveId" clId="{755EDBCF-F2E2-4603-A54C-DE63A909D963}" dt="2024-01-05T00:01:38.515" v="5564" actId="21"/>
+          <ac:graphicFrameMkLst>
+            <pc:docMk/>
+            <pc:sldMk cId="2676184725" sldId="268"/>
+            <ac:graphicFrameMk id="9" creationId="{FC338599-EA6C-0D75-4A1D-AFD0023C7470}"/>
+          </ac:graphicFrameMkLst>
+        </pc:graphicFrameChg>
+        <pc:graphicFrameChg chg="add del mod">
+          <ac:chgData name="Chahinez Yahiaoui" userId="60bbd5248aadbc6a" providerId="LiveId" clId="{755EDBCF-F2E2-4603-A54C-DE63A909D963}" dt="2024-01-05T00:02:15.147" v="5570" actId="21"/>
+          <ac:graphicFrameMkLst>
+            <pc:docMk/>
+            <pc:sldMk cId="2676184725" sldId="268"/>
+            <ac:graphicFrameMk id="10" creationId="{611BBDD4-B6B5-9427-F308-FADDCFCB0735}"/>
+          </ac:graphicFrameMkLst>
+        </pc:graphicFrameChg>
+        <pc:graphicFrameChg chg="add mod">
+          <ac:chgData name="Chahinez Yahiaoui" userId="60bbd5248aadbc6a" providerId="LiveId" clId="{755EDBCF-F2E2-4603-A54C-DE63A909D963}" dt="2024-01-05T00:02:55.321" v="5572"/>
+          <ac:graphicFrameMkLst>
+            <pc:docMk/>
+            <pc:sldMk cId="2676184725" sldId="268"/>
+            <ac:graphicFrameMk id="14" creationId="{47D01D7F-28A1-1442-ADCE-50C36F441356}"/>
+          </ac:graphicFrameMkLst>
+        </pc:graphicFrameChg>
+        <pc:graphicFrameChg chg="add mod modGraphic">
+          <ac:chgData name="Chahinez Yahiaoui" userId="60bbd5248aadbc6a" providerId="LiveId" clId="{755EDBCF-F2E2-4603-A54C-DE63A909D963}" dt="2024-01-05T02:04:31.024" v="6743" actId="1076"/>
+          <ac:graphicFrameMkLst>
+            <pc:docMk/>
+            <pc:sldMk cId="2676184725" sldId="268"/>
+            <ac:graphicFrameMk id="15" creationId="{7E529470-F2A3-1F1C-DFA7-4D9EA3279DD5}"/>
+          </ac:graphicFrameMkLst>
+        </pc:graphicFrameChg>
+        <pc:picChg chg="add del mod">
+          <ac:chgData name="Chahinez Yahiaoui" userId="60bbd5248aadbc6a" providerId="LiveId" clId="{755EDBCF-F2E2-4603-A54C-DE63A909D963}" dt="2024-01-05T01:39:55.988" v="6651" actId="21"/>
+          <ac:picMkLst>
+            <pc:docMk/>
+            <pc:sldMk cId="2676184725" sldId="268"/>
+            <ac:picMk id="3" creationId="{3A8A318E-C281-05A3-4C17-BDB900A2AB45}"/>
+          </ac:picMkLst>
+        </pc:picChg>
+        <pc:picChg chg="add del mod">
+          <ac:chgData name="Chahinez Yahiaoui" userId="60bbd5248aadbc6a" providerId="LiveId" clId="{755EDBCF-F2E2-4603-A54C-DE63A909D963}" dt="2024-01-05T01:41:31.485" v="6665" actId="21"/>
+          <ac:picMkLst>
+            <pc:docMk/>
+            <pc:sldMk cId="2676184725" sldId="268"/>
+            <ac:picMk id="4" creationId="{DFAB9194-4921-F668-1593-48A2F4D40EC1}"/>
+          </ac:picMkLst>
+        </pc:picChg>
+        <pc:picChg chg="add del mod">
+          <ac:chgData name="Chahinez Yahiaoui" userId="60bbd5248aadbc6a" providerId="LiveId" clId="{755EDBCF-F2E2-4603-A54C-DE63A909D963}" dt="2024-01-05T01:43:28.388" v="6676" actId="21"/>
+          <ac:picMkLst>
+            <pc:docMk/>
+            <pc:sldMk cId="2676184725" sldId="268"/>
+            <ac:picMk id="5" creationId="{D76572E9-9E13-3761-B128-17FB755E09AC}"/>
+          </ac:picMkLst>
+        </pc:picChg>
+        <pc:picChg chg="add del mod">
+          <ac:chgData name="Chahinez Yahiaoui" userId="60bbd5248aadbc6a" providerId="LiveId" clId="{755EDBCF-F2E2-4603-A54C-DE63A909D963}" dt="2024-01-05T01:41:24.465" v="6662" actId="21"/>
+          <ac:picMkLst>
+            <pc:docMk/>
+            <pc:sldMk cId="2676184725" sldId="268"/>
+            <ac:picMk id="7" creationId="{DF477858-011E-CA3C-4E6B-38BBF7E63FFD}"/>
+          </ac:picMkLst>
+        </pc:picChg>
+        <pc:picChg chg="add del mod">
+          <ac:chgData name="Chahinez Yahiaoui" userId="60bbd5248aadbc6a" providerId="LiveId" clId="{755EDBCF-F2E2-4603-A54C-DE63A909D963}" dt="2024-01-05T01:41:19.188" v="6661" actId="21"/>
+          <ac:picMkLst>
+            <pc:docMk/>
+            <pc:sldMk cId="2676184725" sldId="268"/>
+            <ac:picMk id="8" creationId="{C27B1700-6B87-6EDB-6BD8-B985C95455E3}"/>
+          </ac:picMkLst>
+        </pc:picChg>
+        <pc:picChg chg="add mod">
+          <ac:chgData name="Chahinez Yahiaoui" userId="60bbd5248aadbc6a" providerId="LiveId" clId="{755EDBCF-F2E2-4603-A54C-DE63A909D963}" dt="2024-01-05T02:04:36.268" v="6744" actId="1076"/>
+          <ac:picMkLst>
+            <pc:docMk/>
+            <pc:sldMk cId="2676184725" sldId="268"/>
+            <ac:picMk id="10" creationId="{F683813E-3B9B-2847-38AA-2E7E87B4B791}"/>
+          </ac:picMkLst>
+        </pc:picChg>
+        <pc:picChg chg="add del mod">
+          <ac:chgData name="Chahinez Yahiaoui" userId="60bbd5248aadbc6a" providerId="LiveId" clId="{755EDBCF-F2E2-4603-A54C-DE63A909D963}" dt="2024-01-05T00:02:15.147" v="5570" actId="21"/>
+          <ac:picMkLst>
+            <pc:docMk/>
+            <pc:sldMk cId="2676184725" sldId="268"/>
+            <ac:picMk id="11" creationId="{4DD4D83D-1DEF-E82A-876B-596C645989A0}"/>
+          </ac:picMkLst>
+        </pc:picChg>
+        <pc:picChg chg="add mod">
+          <ac:chgData name="Chahinez Yahiaoui" userId="60bbd5248aadbc6a" providerId="LiveId" clId="{755EDBCF-F2E2-4603-A54C-DE63A909D963}" dt="2024-01-05T01:44:46.162" v="6691" actId="14100"/>
+          <ac:picMkLst>
+            <pc:docMk/>
+            <pc:sldMk cId="2676184725" sldId="268"/>
+            <ac:picMk id="12" creationId="{5DB4802A-FBDA-D415-E470-8619AA52C68E}"/>
+          </ac:picMkLst>
+        </pc:picChg>
+        <pc:picChg chg="add del mod">
+          <ac:chgData name="Chahinez Yahiaoui" userId="60bbd5248aadbc6a" providerId="LiveId" clId="{755EDBCF-F2E2-4603-A54C-DE63A909D963}" dt="2024-01-05T00:02:15.147" v="5570" actId="21"/>
+          <ac:picMkLst>
+            <pc:docMk/>
+            <pc:sldMk cId="2676184725" sldId="268"/>
+            <ac:picMk id="12" creationId="{B05AA79B-A899-0460-6404-4022EA10E993}"/>
+          </ac:picMkLst>
+        </pc:picChg>
+        <pc:picChg chg="add mod">
+          <ac:chgData name="Chahinez Yahiaoui" userId="60bbd5248aadbc6a" providerId="LiveId" clId="{755EDBCF-F2E2-4603-A54C-DE63A909D963}" dt="2024-01-04T23:46:38.028" v="5103"/>
+          <ac:picMkLst>
+            <pc:docMk/>
+            <pc:sldMk cId="2676184725" sldId="268"/>
+            <ac:picMk id="2049" creationId="{FA845D75-087A-4464-0BED-BE4BACD0062B}"/>
+          </ac:picMkLst>
+        </pc:picChg>
+        <pc:picChg chg="add mod">
+          <ac:chgData name="Chahinez Yahiaoui" userId="60bbd5248aadbc6a" providerId="LiveId" clId="{755EDBCF-F2E2-4603-A54C-DE63A909D963}" dt="2024-01-04T23:46:38.028" v="5103"/>
+          <ac:picMkLst>
+            <pc:docMk/>
+            <pc:sldMk cId="2676184725" sldId="268"/>
+            <ac:picMk id="2050" creationId="{9A919920-41B0-6F40-D87E-54B58FBACD5A}"/>
+          </ac:picMkLst>
+        </pc:picChg>
+        <pc:picChg chg="add mod">
+          <ac:chgData name="Chahinez Yahiaoui" userId="60bbd5248aadbc6a" providerId="LiveId" clId="{755EDBCF-F2E2-4603-A54C-DE63A909D963}" dt="2024-01-04T23:46:38.028" v="5103"/>
+          <ac:picMkLst>
+            <pc:docMk/>
+            <pc:sldMk cId="2676184725" sldId="268"/>
+            <ac:picMk id="2051" creationId="{626CA930-C039-E718-4E49-D88C46AFC442}"/>
+          </ac:picMkLst>
+        </pc:picChg>
+        <pc:picChg chg="add mod">
+          <ac:chgData name="Chahinez Yahiaoui" userId="60bbd5248aadbc6a" providerId="LiveId" clId="{755EDBCF-F2E2-4603-A54C-DE63A909D963}" dt="2024-01-04T23:46:38.028" v="5103"/>
+          <ac:picMkLst>
+            <pc:docMk/>
+            <pc:sldMk cId="2676184725" sldId="268"/>
+            <ac:picMk id="2052" creationId="{E41FDBD2-2A1B-4BCB-26FB-B2DB574D956B}"/>
+          </ac:picMkLst>
+        </pc:picChg>
+        <pc:picChg chg="add mod">
+          <ac:chgData name="Chahinez Yahiaoui" userId="60bbd5248aadbc6a" providerId="LiveId" clId="{755EDBCF-F2E2-4603-A54C-DE63A909D963}" dt="2024-01-04T23:51:07.384" v="5121"/>
+          <ac:picMkLst>
+            <pc:docMk/>
+            <pc:sldMk cId="2676184725" sldId="268"/>
+            <ac:picMk id="2054" creationId="{DF450745-2752-57C5-5859-688562003B2B}"/>
+          </ac:picMkLst>
+        </pc:picChg>
+        <pc:picChg chg="add mod">
+          <ac:chgData name="Chahinez Yahiaoui" userId="60bbd5248aadbc6a" providerId="LiveId" clId="{755EDBCF-F2E2-4603-A54C-DE63A909D963}" dt="2024-01-04T23:51:07.384" v="5121"/>
+          <ac:picMkLst>
+            <pc:docMk/>
+            <pc:sldMk cId="2676184725" sldId="268"/>
+            <ac:picMk id="2055" creationId="{4BE00C38-C12C-D778-C75B-2E01A5F4148F}"/>
+          </ac:picMkLst>
+        </pc:picChg>
+        <pc:picChg chg="add mod">
+          <ac:chgData name="Chahinez Yahiaoui" userId="60bbd5248aadbc6a" providerId="LiveId" clId="{755EDBCF-F2E2-4603-A54C-DE63A909D963}" dt="2024-01-04T23:51:07.384" v="5121"/>
+          <ac:picMkLst>
+            <pc:docMk/>
+            <pc:sldMk cId="2676184725" sldId="268"/>
+            <ac:picMk id="2056" creationId="{9D365BE5-1473-E509-57D3-D721BB43AEF7}"/>
+          </ac:picMkLst>
+        </pc:picChg>
+        <pc:picChg chg="add mod">
+          <ac:chgData name="Chahinez Yahiaoui" userId="60bbd5248aadbc6a" providerId="LiveId" clId="{755EDBCF-F2E2-4603-A54C-DE63A909D963}" dt="2024-01-04T23:51:07.384" v="5121"/>
+          <ac:picMkLst>
+            <pc:docMk/>
+            <pc:sldMk cId="2676184725" sldId="268"/>
+            <ac:picMk id="2057" creationId="{710C553C-749C-F48F-AC3C-24FFB0037E13}"/>
+          </ac:picMkLst>
+        </pc:picChg>
+        <pc:picChg chg="add mod">
+          <ac:chgData name="Chahinez Yahiaoui" userId="60bbd5248aadbc6a" providerId="LiveId" clId="{755EDBCF-F2E2-4603-A54C-DE63A909D963}" dt="2024-01-04T23:51:07.384" v="5121"/>
+          <ac:picMkLst>
+            <pc:docMk/>
+            <pc:sldMk cId="2676184725" sldId="268"/>
+            <ac:picMk id="2058" creationId="{26DD71F5-98A5-D144-4065-8E9250A105D1}"/>
+          </ac:picMkLst>
+        </pc:picChg>
+        <pc:picChg chg="add del mod">
+          <ac:chgData name="Chahinez Yahiaoui" userId="60bbd5248aadbc6a" providerId="LiveId" clId="{755EDBCF-F2E2-4603-A54C-DE63A909D963}" dt="2024-01-04T23:59:26.084" v="5548" actId="21"/>
+          <ac:picMkLst>
+            <pc:docMk/>
+            <pc:sldMk cId="2676184725" sldId="268"/>
+            <ac:picMk id="2059" creationId="{2DEC3A67-4992-CF56-1242-C4F6555DF80F}"/>
+          </ac:picMkLst>
+        </pc:picChg>
+        <pc:picChg chg="add del mod">
+          <ac:chgData name="Chahinez Yahiaoui" userId="60bbd5248aadbc6a" providerId="LiveId" clId="{755EDBCF-F2E2-4603-A54C-DE63A909D963}" dt="2024-01-04T23:59:32.885" v="5549" actId="21"/>
+          <ac:picMkLst>
+            <pc:docMk/>
+            <pc:sldMk cId="2676184725" sldId="268"/>
+            <ac:picMk id="2060" creationId="{55B745E1-06EC-A3E7-E51D-BA634FD844A3}"/>
+          </ac:picMkLst>
+        </pc:picChg>
+        <pc:picChg chg="add del mod">
+          <ac:chgData name="Chahinez Yahiaoui" userId="60bbd5248aadbc6a" providerId="LiveId" clId="{755EDBCF-F2E2-4603-A54C-DE63A909D963}" dt="2024-01-04T23:59:39.717" v="5550" actId="21"/>
+          <ac:picMkLst>
+            <pc:docMk/>
+            <pc:sldMk cId="2676184725" sldId="268"/>
+            <ac:picMk id="2061" creationId="{FE138689-DFE5-E3FA-7624-873C43ED3D9F}"/>
+          </ac:picMkLst>
+        </pc:picChg>
+        <pc:picChg chg="add del mod">
+          <ac:chgData name="Chahinez Yahiaoui" userId="60bbd5248aadbc6a" providerId="LiveId" clId="{755EDBCF-F2E2-4603-A54C-DE63A909D963}" dt="2024-01-05T00:01:38.515" v="5564" actId="21"/>
+          <ac:picMkLst>
+            <pc:docMk/>
+            <pc:sldMk cId="2676184725" sldId="268"/>
+            <ac:picMk id="2062" creationId="{52F47A92-74FD-5707-1495-511D5CD2AA19}"/>
+          </ac:picMkLst>
+        </pc:picChg>
+        <pc:picChg chg="add del mod">
+          <ac:chgData name="Chahinez Yahiaoui" userId="60bbd5248aadbc6a" providerId="LiveId" clId="{755EDBCF-F2E2-4603-A54C-DE63A909D963}" dt="2024-01-05T00:01:38.515" v="5564" actId="21"/>
+          <ac:picMkLst>
+            <pc:docMk/>
+            <pc:sldMk cId="2676184725" sldId="268"/>
+            <ac:picMk id="2063" creationId="{9356DB5D-3F7A-9D8F-2110-CA1C10972F1D}"/>
+          </ac:picMkLst>
+        </pc:picChg>
+        <pc:picChg chg="add mod">
+          <ac:chgData name="Chahinez Yahiaoui" userId="60bbd5248aadbc6a" providerId="LiveId" clId="{755EDBCF-F2E2-4603-A54C-DE63A909D963}" dt="2024-01-05T00:03:04.304" v="5575"/>
+          <ac:picMkLst>
+            <pc:docMk/>
+            <pc:sldMk cId="2676184725" sldId="268"/>
+            <ac:picMk id="2064" creationId="{DCF85FF8-794C-0871-D30E-60A5787FA28A}"/>
+          </ac:picMkLst>
+        </pc:picChg>
+        <pc:picChg chg="add mod">
+          <ac:chgData name="Chahinez Yahiaoui" userId="60bbd5248aadbc6a" providerId="LiveId" clId="{755EDBCF-F2E2-4603-A54C-DE63A909D963}" dt="2024-01-05T00:03:04.304" v="5575"/>
+          <ac:picMkLst>
+            <pc:docMk/>
+            <pc:sldMk cId="2676184725" sldId="268"/>
+            <ac:picMk id="2065" creationId="{C84B65E6-AC73-5C33-331D-986339C56E01}"/>
+          </ac:picMkLst>
+        </pc:picChg>
+        <pc:picChg chg="add del mod">
+          <ac:chgData name="Chahinez Yahiaoui" userId="60bbd5248aadbc6a" providerId="LiveId" clId="{755EDBCF-F2E2-4603-A54C-DE63A909D963}" dt="2024-01-05T00:07:00.850" v="5621" actId="21"/>
+          <ac:picMkLst>
+            <pc:docMk/>
+            <pc:sldMk cId="2676184725" sldId="268"/>
+            <ac:picMk id="2066" creationId="{16A7E756-849B-5F04-78BA-62AD42969A19}"/>
+          </ac:picMkLst>
+        </pc:picChg>
+        <pc:picChg chg="add del mod">
+          <ac:chgData name="Chahinez Yahiaoui" userId="60bbd5248aadbc6a" providerId="LiveId" clId="{755EDBCF-F2E2-4603-A54C-DE63A909D963}" dt="2024-01-05T00:06:48.119" v="5620" actId="21"/>
+          <ac:picMkLst>
+            <pc:docMk/>
+            <pc:sldMk cId="2676184725" sldId="268"/>
+            <ac:picMk id="2067" creationId="{058CDCC4-222D-A8C7-9B7D-6F036A473CB0}"/>
           </ac:picMkLst>
         </pc:picChg>
       </pc:sldChg>
@@ -837,9 +1255,1136 @@
           </ac:picMkLst>
         </pc:picChg>
       </pc:sldChg>
+      <pc:sldChg chg="addSp delSp modSp new del mod">
+        <pc:chgData name="Chahinez Yahiaoui" userId="60bbd5248aadbc6a" providerId="LiveId" clId="{755EDBCF-F2E2-4603-A54C-DE63A909D963}" dt="2024-01-05T01:34:24.420" v="6627" actId="2696"/>
+        <pc:sldMkLst>
+          <pc:docMk/>
+          <pc:sldMk cId="3014113207" sldId="269"/>
+        </pc:sldMkLst>
+        <pc:spChg chg="add del mod">
+          <ac:chgData name="Chahinez Yahiaoui" userId="60bbd5248aadbc6a" providerId="LiveId" clId="{755EDBCF-F2E2-4603-A54C-DE63A909D963}" dt="2024-01-05T00:12:10.612" v="5674"/>
+          <ac:spMkLst>
+            <pc:docMk/>
+            <pc:sldMk cId="3014113207" sldId="269"/>
+            <ac:spMk id="2" creationId="{62563D55-D28A-A4BE-9104-C495E55783A9}"/>
+          </ac:spMkLst>
+        </pc:spChg>
+        <pc:spChg chg="add del mod">
+          <ac:chgData name="Chahinez Yahiaoui" userId="60bbd5248aadbc6a" providerId="LiveId" clId="{755EDBCF-F2E2-4603-A54C-DE63A909D963}" dt="2024-01-05T00:13:03.984" v="5684"/>
+          <ac:spMkLst>
+            <pc:docMk/>
+            <pc:sldMk cId="3014113207" sldId="269"/>
+            <ac:spMk id="4" creationId="{483ECDAC-9D96-A6EF-87BC-D196E75E3EE6}"/>
+          </ac:spMkLst>
+        </pc:spChg>
+        <pc:spChg chg="add del mod">
+          <ac:chgData name="Chahinez Yahiaoui" userId="60bbd5248aadbc6a" providerId="LiveId" clId="{755EDBCF-F2E2-4603-A54C-DE63A909D963}" dt="2024-01-05T01:02:55.991" v="6320"/>
+          <ac:spMkLst>
+            <pc:docMk/>
+            <pc:sldMk cId="3014113207" sldId="269"/>
+            <ac:spMk id="6" creationId="{30EFA878-193D-7289-8D7F-9F4F2E653A74}"/>
+          </ac:spMkLst>
+        </pc:spChg>
+        <pc:spChg chg="add del mod">
+          <ac:chgData name="Chahinez Yahiaoui" userId="60bbd5248aadbc6a" providerId="LiveId" clId="{755EDBCF-F2E2-4603-A54C-DE63A909D963}" dt="2024-01-05T01:03:21.754" v="6329"/>
+          <ac:spMkLst>
+            <pc:docMk/>
+            <pc:sldMk cId="3014113207" sldId="269"/>
+            <ac:spMk id="8" creationId="{255B6868-667A-32B1-84B1-5530E5BF6BF8}"/>
+          </ac:spMkLst>
+        </pc:spChg>
+        <pc:spChg chg="add del mod">
+          <ac:chgData name="Chahinez Yahiaoui" userId="60bbd5248aadbc6a" providerId="LiveId" clId="{755EDBCF-F2E2-4603-A54C-DE63A909D963}" dt="2024-01-05T01:05:59.417" v="6378" actId="1076"/>
+          <ac:spMkLst>
+            <pc:docMk/>
+            <pc:sldMk cId="3014113207" sldId="269"/>
+            <ac:spMk id="10" creationId="{1F9B634E-89A7-8AFD-C14A-C70630BAA6DC}"/>
+          </ac:spMkLst>
+        </pc:spChg>
+        <pc:spChg chg="add del mod">
+          <ac:chgData name="Chahinez Yahiaoui" userId="60bbd5248aadbc6a" providerId="LiveId" clId="{755EDBCF-F2E2-4603-A54C-DE63A909D963}" dt="2024-01-05T01:16:25.326" v="6509"/>
+          <ac:spMkLst>
+            <pc:docMk/>
+            <pc:sldMk cId="3014113207" sldId="269"/>
+            <ac:spMk id="15" creationId="{EFB46907-BA44-F8C2-279B-4699B3D26509}"/>
+          </ac:spMkLst>
+        </pc:spChg>
+        <pc:graphicFrameChg chg="add mod">
+          <ac:chgData name="Chahinez Yahiaoui" userId="60bbd5248aadbc6a" providerId="LiveId" clId="{755EDBCF-F2E2-4603-A54C-DE63A909D963}" dt="2024-01-05T00:12:04.578" v="5671"/>
+          <ac:graphicFrameMkLst>
+            <pc:docMk/>
+            <pc:sldMk cId="3014113207" sldId="269"/>
+            <ac:graphicFrameMk id="3" creationId="{BFC58E50-CEAE-73EF-F409-0C2F3E2789EF}"/>
+          </ac:graphicFrameMkLst>
+        </pc:graphicFrameChg>
+        <pc:graphicFrameChg chg="add mod">
+          <ac:chgData name="Chahinez Yahiaoui" userId="60bbd5248aadbc6a" providerId="LiveId" clId="{755EDBCF-F2E2-4603-A54C-DE63A909D963}" dt="2024-01-05T00:13:03.252" v="5681" actId="1076"/>
+          <ac:graphicFrameMkLst>
+            <pc:docMk/>
+            <pc:sldMk cId="3014113207" sldId="269"/>
+            <ac:graphicFrameMk id="5" creationId="{A40BEDF1-54C5-DCDB-F7AB-64D02B880396}"/>
+          </ac:graphicFrameMkLst>
+        </pc:graphicFrameChg>
+        <pc:graphicFrameChg chg="add mod">
+          <ac:chgData name="Chahinez Yahiaoui" userId="60bbd5248aadbc6a" providerId="LiveId" clId="{755EDBCF-F2E2-4603-A54C-DE63A909D963}" dt="2024-01-05T01:02:47.407" v="6317"/>
+          <ac:graphicFrameMkLst>
+            <pc:docMk/>
+            <pc:sldMk cId="3014113207" sldId="269"/>
+            <ac:graphicFrameMk id="7" creationId="{263B1E03-136A-912E-2241-F71474D04A01}"/>
+          </ac:graphicFrameMkLst>
+        </pc:graphicFrameChg>
+        <pc:graphicFrameChg chg="add mod">
+          <ac:chgData name="Chahinez Yahiaoui" userId="60bbd5248aadbc6a" providerId="LiveId" clId="{755EDBCF-F2E2-4603-A54C-DE63A909D963}" dt="2024-01-05T01:03:21.531" v="6326" actId="14100"/>
+          <ac:graphicFrameMkLst>
+            <pc:docMk/>
+            <pc:sldMk cId="3014113207" sldId="269"/>
+            <ac:graphicFrameMk id="9" creationId="{B43CF0BC-32E3-74F2-6FA1-E053B1B53BAE}"/>
+          </ac:graphicFrameMkLst>
+        </pc:graphicFrameChg>
+        <pc:graphicFrameChg chg="add mod">
+          <ac:chgData name="Chahinez Yahiaoui" userId="60bbd5248aadbc6a" providerId="LiveId" clId="{755EDBCF-F2E2-4603-A54C-DE63A909D963}" dt="2024-01-05T01:05:28.181" v="6368" actId="1076"/>
+          <ac:graphicFrameMkLst>
+            <pc:docMk/>
+            <pc:sldMk cId="3014113207" sldId="269"/>
+            <ac:graphicFrameMk id="11" creationId="{142005D6-91B1-93E1-53BB-2D78DF6675DB}"/>
+          </ac:graphicFrameMkLst>
+        </pc:graphicFrameChg>
+        <pc:graphicFrameChg chg="add mod modGraphic">
+          <ac:chgData name="Chahinez Yahiaoui" userId="60bbd5248aadbc6a" providerId="LiveId" clId="{755EDBCF-F2E2-4603-A54C-DE63A909D963}" dt="2024-01-05T01:16:24.656" v="6506" actId="14734"/>
+          <ac:graphicFrameMkLst>
+            <pc:docMk/>
+            <pc:sldMk cId="3014113207" sldId="269"/>
+            <ac:graphicFrameMk id="12" creationId="{365B4258-A956-4CF2-68E8-A813D7D136E1}"/>
+          </ac:graphicFrameMkLst>
+        </pc:graphicFrameChg>
+        <pc:graphicFrameChg chg="add mod">
+          <ac:chgData name="Chahinez Yahiaoui" userId="60bbd5248aadbc6a" providerId="LiveId" clId="{755EDBCF-F2E2-4603-A54C-DE63A909D963}" dt="2024-01-05T01:11:59.060" v="6442"/>
+          <ac:graphicFrameMkLst>
+            <pc:docMk/>
+            <pc:sldMk cId="3014113207" sldId="269"/>
+            <ac:graphicFrameMk id="13" creationId="{E26D1586-A1E9-FBF0-5F84-E8BCD0D4F2D9}"/>
+          </ac:graphicFrameMkLst>
+        </pc:graphicFrameChg>
+        <pc:graphicFrameChg chg="add mod modGraphic">
+          <ac:chgData name="Chahinez Yahiaoui" userId="60bbd5248aadbc6a" providerId="LiveId" clId="{755EDBCF-F2E2-4603-A54C-DE63A909D963}" dt="2024-01-05T01:14:14.730" v="6483"/>
+          <ac:graphicFrameMkLst>
+            <pc:docMk/>
+            <pc:sldMk cId="3014113207" sldId="269"/>
+            <ac:graphicFrameMk id="14" creationId="{E00D7B32-622C-17DF-5335-9679EB779B7B}"/>
+          </ac:graphicFrameMkLst>
+        </pc:graphicFrameChg>
+        <pc:graphicFrameChg chg="add mod modGraphic">
+          <ac:chgData name="Chahinez Yahiaoui" userId="60bbd5248aadbc6a" providerId="LiveId" clId="{755EDBCF-F2E2-4603-A54C-DE63A909D963}" dt="2024-01-05T01:16:23.719" v="6504" actId="14734"/>
+          <ac:graphicFrameMkLst>
+            <pc:docMk/>
+            <pc:sldMk cId="3014113207" sldId="269"/>
+            <ac:graphicFrameMk id="16" creationId="{C51A49EE-5B19-B1D0-9194-71766C6F3548}"/>
+          </ac:graphicFrameMkLst>
+        </pc:graphicFrameChg>
+        <pc:picChg chg="add mod">
+          <ac:chgData name="Chahinez Yahiaoui" userId="60bbd5248aadbc6a" providerId="LiveId" clId="{755EDBCF-F2E2-4603-A54C-DE63A909D963}" dt="2024-01-05T00:12:10.608" v="5672"/>
+          <ac:picMkLst>
+            <pc:docMk/>
+            <pc:sldMk cId="3014113207" sldId="269"/>
+            <ac:picMk id="4097" creationId="{562A71E9-2F19-FA9D-A8D5-0621C2E8679B}"/>
+          </ac:picMkLst>
+        </pc:picChg>
+        <pc:picChg chg="add mod">
+          <ac:chgData name="Chahinez Yahiaoui" userId="60bbd5248aadbc6a" providerId="LiveId" clId="{755EDBCF-F2E2-4603-A54C-DE63A909D963}" dt="2024-01-05T00:12:10.608" v="5672"/>
+          <ac:picMkLst>
+            <pc:docMk/>
+            <pc:sldMk cId="3014113207" sldId="269"/>
+            <ac:picMk id="4098" creationId="{F5BD48B7-0A7F-F9BA-E67D-AAA2945B6BB2}"/>
+          </ac:picMkLst>
+        </pc:picChg>
+        <pc:picChg chg="add mod">
+          <ac:chgData name="Chahinez Yahiaoui" userId="60bbd5248aadbc6a" providerId="LiveId" clId="{755EDBCF-F2E2-4603-A54C-DE63A909D963}" dt="2024-01-05T00:12:10.608" v="5672"/>
+          <ac:picMkLst>
+            <pc:docMk/>
+            <pc:sldMk cId="3014113207" sldId="269"/>
+            <ac:picMk id="4099" creationId="{FCD2F738-92CF-7ABB-63CE-D15DE2DB04DF}"/>
+          </ac:picMkLst>
+        </pc:picChg>
+        <pc:picChg chg="add mod">
+          <ac:chgData name="Chahinez Yahiaoui" userId="60bbd5248aadbc6a" providerId="LiveId" clId="{755EDBCF-F2E2-4603-A54C-DE63A909D963}" dt="2024-01-05T00:12:10.608" v="5672"/>
+          <ac:picMkLst>
+            <pc:docMk/>
+            <pc:sldMk cId="3014113207" sldId="269"/>
+            <ac:picMk id="4100" creationId="{43F36497-6195-F6F1-D0DC-C64E01A159C7}"/>
+          </ac:picMkLst>
+        </pc:picChg>
+        <pc:picChg chg="add mod">
+          <ac:chgData name="Chahinez Yahiaoui" userId="60bbd5248aadbc6a" providerId="LiveId" clId="{755EDBCF-F2E2-4603-A54C-DE63A909D963}" dt="2024-01-05T00:12:10.608" v="5672"/>
+          <ac:picMkLst>
+            <pc:docMk/>
+            <pc:sldMk cId="3014113207" sldId="269"/>
+            <ac:picMk id="4101" creationId="{8299E884-E2CD-1107-14D7-70922E19CD2E}"/>
+          </ac:picMkLst>
+        </pc:picChg>
+        <pc:picChg chg="add mod">
+          <ac:chgData name="Chahinez Yahiaoui" userId="60bbd5248aadbc6a" providerId="LiveId" clId="{755EDBCF-F2E2-4603-A54C-DE63A909D963}" dt="2024-01-05T00:13:03.984" v="5682"/>
+          <ac:picMkLst>
+            <pc:docMk/>
+            <pc:sldMk cId="3014113207" sldId="269"/>
+            <ac:picMk id="4102" creationId="{F2EEAC90-97F6-E31E-F417-439AA6A95FFE}"/>
+          </ac:picMkLst>
+        </pc:picChg>
+        <pc:picChg chg="add mod">
+          <ac:chgData name="Chahinez Yahiaoui" userId="60bbd5248aadbc6a" providerId="LiveId" clId="{755EDBCF-F2E2-4603-A54C-DE63A909D963}" dt="2024-01-05T00:13:03.984" v="5682"/>
+          <ac:picMkLst>
+            <pc:docMk/>
+            <pc:sldMk cId="3014113207" sldId="269"/>
+            <ac:picMk id="4103" creationId="{9EADDD96-175F-FFB1-3B76-92C01AF75E9A}"/>
+          </ac:picMkLst>
+        </pc:picChg>
+        <pc:picChg chg="add mod">
+          <ac:chgData name="Chahinez Yahiaoui" userId="60bbd5248aadbc6a" providerId="LiveId" clId="{755EDBCF-F2E2-4603-A54C-DE63A909D963}" dt="2024-01-05T00:13:03.984" v="5682"/>
+          <ac:picMkLst>
+            <pc:docMk/>
+            <pc:sldMk cId="3014113207" sldId="269"/>
+            <ac:picMk id="4104" creationId="{0A969581-FDF9-05DB-AD4A-E1164921BC64}"/>
+          </ac:picMkLst>
+        </pc:picChg>
+        <pc:picChg chg="add mod">
+          <ac:chgData name="Chahinez Yahiaoui" userId="60bbd5248aadbc6a" providerId="LiveId" clId="{755EDBCF-F2E2-4603-A54C-DE63A909D963}" dt="2024-01-05T00:13:03.984" v="5682"/>
+          <ac:picMkLst>
+            <pc:docMk/>
+            <pc:sldMk cId="3014113207" sldId="269"/>
+            <ac:picMk id="4105" creationId="{6D33D95D-2022-3FA4-7E82-05BE05BB5DC3}"/>
+          </ac:picMkLst>
+        </pc:picChg>
+        <pc:picChg chg="add mod">
+          <ac:chgData name="Chahinez Yahiaoui" userId="60bbd5248aadbc6a" providerId="LiveId" clId="{755EDBCF-F2E2-4603-A54C-DE63A909D963}" dt="2024-01-05T00:13:03.984" v="5682"/>
+          <ac:picMkLst>
+            <pc:docMk/>
+            <pc:sldMk cId="3014113207" sldId="269"/>
+            <ac:picMk id="4106" creationId="{D6BB720F-9E9E-A820-99B3-60CAD417E0B9}"/>
+          </ac:picMkLst>
+        </pc:picChg>
+        <pc:picChg chg="add mod">
+          <ac:chgData name="Chahinez Yahiaoui" userId="60bbd5248aadbc6a" providerId="LiveId" clId="{755EDBCF-F2E2-4603-A54C-DE63A909D963}" dt="2024-01-05T01:02:55.991" v="6318"/>
+          <ac:picMkLst>
+            <pc:docMk/>
+            <pc:sldMk cId="3014113207" sldId="269"/>
+            <ac:picMk id="4107" creationId="{A0DF60D0-4E31-5E44-F69A-324634FEAF15}"/>
+          </ac:picMkLst>
+        </pc:picChg>
+        <pc:picChg chg="add mod">
+          <ac:chgData name="Chahinez Yahiaoui" userId="60bbd5248aadbc6a" providerId="LiveId" clId="{755EDBCF-F2E2-4603-A54C-DE63A909D963}" dt="2024-01-05T01:02:55.991" v="6318"/>
+          <ac:picMkLst>
+            <pc:docMk/>
+            <pc:sldMk cId="3014113207" sldId="269"/>
+            <ac:picMk id="4108" creationId="{3212D004-BAB0-FE0D-C918-5A2360AD9254}"/>
+          </ac:picMkLst>
+        </pc:picChg>
+        <pc:picChg chg="add mod">
+          <ac:chgData name="Chahinez Yahiaoui" userId="60bbd5248aadbc6a" providerId="LiveId" clId="{755EDBCF-F2E2-4603-A54C-DE63A909D963}" dt="2024-01-05T01:02:55.991" v="6318"/>
+          <ac:picMkLst>
+            <pc:docMk/>
+            <pc:sldMk cId="3014113207" sldId="269"/>
+            <ac:picMk id="4109" creationId="{E96A0C65-1815-7B18-7F18-6B7CE337A48D}"/>
+          </ac:picMkLst>
+        </pc:picChg>
+        <pc:picChg chg="add mod">
+          <ac:chgData name="Chahinez Yahiaoui" userId="60bbd5248aadbc6a" providerId="LiveId" clId="{755EDBCF-F2E2-4603-A54C-DE63A909D963}" dt="2024-01-05T01:02:55.991" v="6318"/>
+          <ac:picMkLst>
+            <pc:docMk/>
+            <pc:sldMk cId="3014113207" sldId="269"/>
+            <ac:picMk id="4110" creationId="{DA7264A2-2044-B97D-3925-2AAA6958A129}"/>
+          </ac:picMkLst>
+        </pc:picChg>
+        <pc:picChg chg="add mod">
+          <ac:chgData name="Chahinez Yahiaoui" userId="60bbd5248aadbc6a" providerId="LiveId" clId="{755EDBCF-F2E2-4603-A54C-DE63A909D963}" dt="2024-01-05T01:02:55.991" v="6318"/>
+          <ac:picMkLst>
+            <pc:docMk/>
+            <pc:sldMk cId="3014113207" sldId="269"/>
+            <ac:picMk id="4111" creationId="{FA3FEA29-0F75-B84D-2627-0873BE406C0D}"/>
+          </ac:picMkLst>
+        </pc:picChg>
+        <pc:picChg chg="add mod">
+          <ac:chgData name="Chahinez Yahiaoui" userId="60bbd5248aadbc6a" providerId="LiveId" clId="{755EDBCF-F2E2-4603-A54C-DE63A909D963}" dt="2024-01-05T01:03:21.747" v="6327"/>
+          <ac:picMkLst>
+            <pc:docMk/>
+            <pc:sldMk cId="3014113207" sldId="269"/>
+            <ac:picMk id="4112" creationId="{8F7FD2AD-D7E5-3967-547B-9FE251E0FF55}"/>
+          </ac:picMkLst>
+        </pc:picChg>
+        <pc:picChg chg="add mod">
+          <ac:chgData name="Chahinez Yahiaoui" userId="60bbd5248aadbc6a" providerId="LiveId" clId="{755EDBCF-F2E2-4603-A54C-DE63A909D963}" dt="2024-01-05T01:03:21.747" v="6327"/>
+          <ac:picMkLst>
+            <pc:docMk/>
+            <pc:sldMk cId="3014113207" sldId="269"/>
+            <ac:picMk id="4113" creationId="{70B98B97-880B-A0A3-57CD-86B15FF50D31}"/>
+          </ac:picMkLst>
+        </pc:picChg>
+        <pc:picChg chg="add mod">
+          <ac:chgData name="Chahinez Yahiaoui" userId="60bbd5248aadbc6a" providerId="LiveId" clId="{755EDBCF-F2E2-4603-A54C-DE63A909D963}" dt="2024-01-05T01:03:21.747" v="6327"/>
+          <ac:picMkLst>
+            <pc:docMk/>
+            <pc:sldMk cId="3014113207" sldId="269"/>
+            <ac:picMk id="4114" creationId="{94260AC1-3587-EF1D-FE81-DC086BC0A998}"/>
+          </ac:picMkLst>
+        </pc:picChg>
+        <pc:picChg chg="add mod">
+          <ac:chgData name="Chahinez Yahiaoui" userId="60bbd5248aadbc6a" providerId="LiveId" clId="{755EDBCF-F2E2-4603-A54C-DE63A909D963}" dt="2024-01-05T01:03:21.747" v="6327"/>
+          <ac:picMkLst>
+            <pc:docMk/>
+            <pc:sldMk cId="3014113207" sldId="269"/>
+            <ac:picMk id="4115" creationId="{5FF36675-9EE8-18D0-327A-7069A6436192}"/>
+          </ac:picMkLst>
+        </pc:picChg>
+        <pc:picChg chg="add mod">
+          <ac:chgData name="Chahinez Yahiaoui" userId="60bbd5248aadbc6a" providerId="LiveId" clId="{755EDBCF-F2E2-4603-A54C-DE63A909D963}" dt="2024-01-05T01:03:21.747" v="6327"/>
+          <ac:picMkLst>
+            <pc:docMk/>
+            <pc:sldMk cId="3014113207" sldId="269"/>
+            <ac:picMk id="4116" creationId="{086ECBC0-E4C9-9E94-D948-76AE40808C89}"/>
+          </ac:picMkLst>
+        </pc:picChg>
+        <pc:picChg chg="add mod">
+          <ac:chgData name="Chahinez Yahiaoui" userId="60bbd5248aadbc6a" providerId="LiveId" clId="{755EDBCF-F2E2-4603-A54C-DE63A909D963}" dt="2024-01-05T01:05:28.822" v="6370"/>
+          <ac:picMkLst>
+            <pc:docMk/>
+            <pc:sldMk cId="3014113207" sldId="269"/>
+            <ac:picMk id="4117" creationId="{8B917B13-B13F-7453-08EC-28A29A32C987}"/>
+          </ac:picMkLst>
+        </pc:picChg>
+        <pc:picChg chg="add mod">
+          <ac:chgData name="Chahinez Yahiaoui" userId="60bbd5248aadbc6a" providerId="LiveId" clId="{755EDBCF-F2E2-4603-A54C-DE63A909D963}" dt="2024-01-05T01:05:28.822" v="6370"/>
+          <ac:picMkLst>
+            <pc:docMk/>
+            <pc:sldMk cId="3014113207" sldId="269"/>
+            <ac:picMk id="4118" creationId="{61EE42E3-7096-6F71-AB51-A44AAB7F3773}"/>
+          </ac:picMkLst>
+        </pc:picChg>
+        <pc:picChg chg="add mod">
+          <ac:chgData name="Chahinez Yahiaoui" userId="60bbd5248aadbc6a" providerId="LiveId" clId="{755EDBCF-F2E2-4603-A54C-DE63A909D963}" dt="2024-01-05T01:05:28.822" v="6370"/>
+          <ac:picMkLst>
+            <pc:docMk/>
+            <pc:sldMk cId="3014113207" sldId="269"/>
+            <ac:picMk id="4119" creationId="{F396AC23-F1D0-9151-2C09-6A0862F73A96}"/>
+          </ac:picMkLst>
+        </pc:picChg>
+        <pc:picChg chg="add mod">
+          <ac:chgData name="Chahinez Yahiaoui" userId="60bbd5248aadbc6a" providerId="LiveId" clId="{755EDBCF-F2E2-4603-A54C-DE63A909D963}" dt="2024-01-05T01:15:20.897" v="6493" actId="1076"/>
+          <ac:picMkLst>
+            <pc:docMk/>
+            <pc:sldMk cId="3014113207" sldId="269"/>
+            <ac:picMk id="4120" creationId="{6A133297-3F2A-CF61-07AD-AD4B4A51E0EF}"/>
+          </ac:picMkLst>
+        </pc:picChg>
+        <pc:picChg chg="add mod">
+          <ac:chgData name="Chahinez Yahiaoui" userId="60bbd5248aadbc6a" providerId="LiveId" clId="{755EDBCF-F2E2-4603-A54C-DE63A909D963}" dt="2024-01-05T01:15:18.001" v="6492" actId="1076"/>
+          <ac:picMkLst>
+            <pc:docMk/>
+            <pc:sldMk cId="3014113207" sldId="269"/>
+            <ac:picMk id="4121" creationId="{40E3AFBE-B1F7-E1E4-5D13-3438C08B038D}"/>
+          </ac:picMkLst>
+        </pc:picChg>
+        <pc:picChg chg="add mod">
+          <ac:chgData name="Chahinez Yahiaoui" userId="60bbd5248aadbc6a" providerId="LiveId" clId="{755EDBCF-F2E2-4603-A54C-DE63A909D963}" dt="2024-01-05T01:15:14.659" v="6491" actId="1076"/>
+          <ac:picMkLst>
+            <pc:docMk/>
+            <pc:sldMk cId="3014113207" sldId="269"/>
+            <ac:picMk id="4122" creationId="{3CBE8757-C49C-8DD6-ABBD-E0A05F469A67}"/>
+          </ac:picMkLst>
+        </pc:picChg>
+        <pc:picChg chg="add mod">
+          <ac:chgData name="Chahinez Yahiaoui" userId="60bbd5248aadbc6a" providerId="LiveId" clId="{755EDBCF-F2E2-4603-A54C-DE63A909D963}" dt="2024-01-05T01:12:05.466" v="6443"/>
+          <ac:picMkLst>
+            <pc:docMk/>
+            <pc:sldMk cId="3014113207" sldId="269"/>
+            <ac:picMk id="4123" creationId="{863F4D76-4F53-A0B6-5983-47E5F7257B47}"/>
+          </ac:picMkLst>
+        </pc:picChg>
+        <pc:picChg chg="add mod">
+          <ac:chgData name="Chahinez Yahiaoui" userId="60bbd5248aadbc6a" providerId="LiveId" clId="{755EDBCF-F2E2-4603-A54C-DE63A909D963}" dt="2024-01-05T01:12:05.466" v="6443"/>
+          <ac:picMkLst>
+            <pc:docMk/>
+            <pc:sldMk cId="3014113207" sldId="269"/>
+            <ac:picMk id="4124" creationId="{40A81084-6B8A-BFFE-CA20-61D3AC72EAA6}"/>
+          </ac:picMkLst>
+        </pc:picChg>
+        <pc:picChg chg="add mod">
+          <ac:chgData name="Chahinez Yahiaoui" userId="60bbd5248aadbc6a" providerId="LiveId" clId="{755EDBCF-F2E2-4603-A54C-DE63A909D963}" dt="2024-01-05T01:16:25.326" v="6507"/>
+          <ac:picMkLst>
+            <pc:docMk/>
+            <pc:sldMk cId="3014113207" sldId="269"/>
+            <ac:picMk id="4125" creationId="{C68DD66F-A337-E666-D19A-EF99AF8EF557}"/>
+          </ac:picMkLst>
+        </pc:picChg>
+        <pc:picChg chg="add mod">
+          <ac:chgData name="Chahinez Yahiaoui" userId="60bbd5248aadbc6a" providerId="LiveId" clId="{755EDBCF-F2E2-4603-A54C-DE63A909D963}" dt="2024-01-05T01:16:25.326" v="6507"/>
+          <ac:picMkLst>
+            <pc:docMk/>
+            <pc:sldMk cId="3014113207" sldId="269"/>
+            <ac:picMk id="4126" creationId="{3185CAF0-C8D8-7524-4A73-7CBB686E0BDC}"/>
+          </ac:picMkLst>
+        </pc:picChg>
+      </pc:sldChg>
+      <pc:sldChg chg="addSp delSp modSp new del mod">
+        <pc:chgData name="Chahinez Yahiaoui" userId="60bbd5248aadbc6a" providerId="LiveId" clId="{755EDBCF-F2E2-4603-A54C-DE63A909D963}" dt="2024-01-05T00:10:59.426" v="5668" actId="2696"/>
+        <pc:sldMkLst>
+          <pc:docMk/>
+          <pc:sldMk cId="4275049582" sldId="269"/>
+        </pc:sldMkLst>
+        <pc:spChg chg="add del mod">
+          <ac:chgData name="Chahinez Yahiaoui" userId="60bbd5248aadbc6a" providerId="LiveId" clId="{755EDBCF-F2E2-4603-A54C-DE63A909D963}" dt="2024-01-05T00:10:56.216" v="5667"/>
+          <ac:spMkLst>
+            <pc:docMk/>
+            <pc:sldMk cId="4275049582" sldId="269"/>
+            <ac:spMk id="2" creationId="{F7C930ED-C60F-68F6-11D8-F5455BD13333}"/>
+          </ac:spMkLst>
+        </pc:spChg>
+        <pc:graphicFrameChg chg="add mod">
+          <ac:chgData name="Chahinez Yahiaoui" userId="60bbd5248aadbc6a" providerId="LiveId" clId="{755EDBCF-F2E2-4603-A54C-DE63A909D963}" dt="2024-01-05T00:10:54.849" v="5665" actId="1076"/>
+          <ac:graphicFrameMkLst>
+            <pc:docMk/>
+            <pc:sldMk cId="4275049582" sldId="269"/>
+            <ac:graphicFrameMk id="3" creationId="{F030C029-FAFC-A88F-12BA-B452A75FCA2F}"/>
+          </ac:graphicFrameMkLst>
+        </pc:graphicFrameChg>
+        <pc:picChg chg="add mod">
+          <ac:chgData name="Chahinez Yahiaoui" userId="60bbd5248aadbc6a" providerId="LiveId" clId="{755EDBCF-F2E2-4603-A54C-DE63A909D963}" dt="2024-01-05T00:10:54.849" v="5665" actId="1076"/>
+          <ac:picMkLst>
+            <pc:docMk/>
+            <pc:sldMk cId="4275049582" sldId="269"/>
+            <ac:picMk id="3073" creationId="{B41A24DA-5160-8052-B6F7-8CFD05E825C0}"/>
+          </ac:picMkLst>
+        </pc:picChg>
+        <pc:picChg chg="add mod">
+          <ac:chgData name="Chahinez Yahiaoui" userId="60bbd5248aadbc6a" providerId="LiveId" clId="{755EDBCF-F2E2-4603-A54C-DE63A909D963}" dt="2024-01-05T00:10:54.849" v="5665" actId="1076"/>
+          <ac:picMkLst>
+            <pc:docMk/>
+            <pc:sldMk cId="4275049582" sldId="269"/>
+            <ac:picMk id="3074" creationId="{30EC3A97-2F33-EF75-4979-08C1699E8806}"/>
+          </ac:picMkLst>
+        </pc:picChg>
+        <pc:picChg chg="add mod">
+          <ac:chgData name="Chahinez Yahiaoui" userId="60bbd5248aadbc6a" providerId="LiveId" clId="{755EDBCF-F2E2-4603-A54C-DE63A909D963}" dt="2024-01-05T00:10:54.849" v="5665" actId="1076"/>
+          <ac:picMkLst>
+            <pc:docMk/>
+            <pc:sldMk cId="4275049582" sldId="269"/>
+            <ac:picMk id="3075" creationId="{BBC86A86-6DCE-51D1-AD1D-3E51C60526B0}"/>
+          </ac:picMkLst>
+        </pc:picChg>
+        <pc:picChg chg="add mod">
+          <ac:chgData name="Chahinez Yahiaoui" userId="60bbd5248aadbc6a" providerId="LiveId" clId="{755EDBCF-F2E2-4603-A54C-DE63A909D963}" dt="2024-01-05T00:10:54.849" v="5665" actId="1076"/>
+          <ac:picMkLst>
+            <pc:docMk/>
+            <pc:sldMk cId="4275049582" sldId="269"/>
+            <ac:picMk id="3076" creationId="{7917B0F9-6837-3F66-806D-BFBD618A6E4C}"/>
+          </ac:picMkLst>
+        </pc:picChg>
+        <pc:picChg chg="add mod">
+          <ac:chgData name="Chahinez Yahiaoui" userId="60bbd5248aadbc6a" providerId="LiveId" clId="{755EDBCF-F2E2-4603-A54C-DE63A909D963}" dt="2024-01-05T00:10:54.849" v="5665" actId="1076"/>
+          <ac:picMkLst>
+            <pc:docMk/>
+            <pc:sldMk cId="4275049582" sldId="269"/>
+            <ac:picMk id="3077" creationId="{33FB1E2B-1CB2-ED63-BDCA-0963E057D246}"/>
+          </ac:picMkLst>
+        </pc:picChg>
+      </pc:sldChg>
+      <pc:sldChg chg="addSp modSp new mod modTransition">
+        <pc:chgData name="Chahinez Yahiaoui" userId="60bbd5248aadbc6a" providerId="LiveId" clId="{755EDBCF-F2E2-4603-A54C-DE63A909D963}" dt="2024-01-05T01:52:20.556" v="6725"/>
+        <pc:sldMkLst>
+          <pc:docMk/>
+          <pc:sldMk cId="1589372400" sldId="270"/>
+        </pc:sldMkLst>
+        <pc:spChg chg="add mod">
+          <ac:chgData name="Chahinez Yahiaoui" userId="60bbd5248aadbc6a" providerId="LiveId" clId="{755EDBCF-F2E2-4603-A54C-DE63A909D963}" dt="2024-01-05T00:16:07.714" v="5704" actId="207"/>
+          <ac:spMkLst>
+            <pc:docMk/>
+            <pc:sldMk cId="1589372400" sldId="270"/>
+            <ac:spMk id="2" creationId="{9BBD504D-0EAF-4953-94F0-F3E204F16644}"/>
+          </ac:spMkLst>
+        </pc:spChg>
+      </pc:sldChg>
+      <pc:sldChg chg="addSp modSp new mod modTransition">
+        <pc:chgData name="Chahinez Yahiaoui" userId="60bbd5248aadbc6a" providerId="LiveId" clId="{755EDBCF-F2E2-4603-A54C-DE63A909D963}" dt="2024-01-05T01:53:08.076" v="6729"/>
+        <pc:sldMkLst>
+          <pc:docMk/>
+          <pc:sldMk cId="2764676045" sldId="271"/>
+        </pc:sldMkLst>
+        <pc:spChg chg="add mod">
+          <ac:chgData name="Chahinez Yahiaoui" userId="60bbd5248aadbc6a" providerId="LiveId" clId="{755EDBCF-F2E2-4603-A54C-DE63A909D963}" dt="2024-01-05T00:20:00.160" v="5717" actId="1076"/>
+          <ac:spMkLst>
+            <pc:docMk/>
+            <pc:sldMk cId="2764676045" sldId="271"/>
+            <ac:spMk id="2" creationId="{CFCC5DA9-7501-EADF-E600-EE8F01B62759}"/>
+          </ac:spMkLst>
+        </pc:spChg>
+      </pc:sldChg>
+      <pc:sldChg chg="addSp modSp new mod modTransition">
+        <pc:chgData name="Chahinez Yahiaoui" userId="60bbd5248aadbc6a" providerId="LiveId" clId="{755EDBCF-F2E2-4603-A54C-DE63A909D963}" dt="2024-01-05T01:53:00.497" v="6728"/>
+        <pc:sldMkLst>
+          <pc:docMk/>
+          <pc:sldMk cId="51140407" sldId="272"/>
+        </pc:sldMkLst>
+        <pc:spChg chg="add mod">
+          <ac:chgData name="Chahinez Yahiaoui" userId="60bbd5248aadbc6a" providerId="LiveId" clId="{755EDBCF-F2E2-4603-A54C-DE63A909D963}" dt="2024-01-05T00:38:59.492" v="6156" actId="1076"/>
+          <ac:spMkLst>
+            <pc:docMk/>
+            <pc:sldMk cId="51140407" sldId="272"/>
+            <ac:spMk id="2" creationId="{E6D8106F-9011-E7F0-41C5-0E6123B03C80}"/>
+          </ac:spMkLst>
+        </pc:spChg>
+      </pc:sldChg>
+      <pc:sldChg chg="addSp modSp new mod modTransition modAnim">
+        <pc:chgData name="Chahinez Yahiaoui" userId="60bbd5248aadbc6a" providerId="LiveId" clId="{755EDBCF-F2E2-4603-A54C-DE63A909D963}" dt="2024-01-05T01:52:43.146" v="6727"/>
+        <pc:sldMkLst>
+          <pc:docMk/>
+          <pc:sldMk cId="1324247123" sldId="273"/>
+        </pc:sldMkLst>
+        <pc:spChg chg="add mod">
+          <ac:chgData name="Chahinez Yahiaoui" userId="60bbd5248aadbc6a" providerId="LiveId" clId="{755EDBCF-F2E2-4603-A54C-DE63A909D963}" dt="2024-01-05T00:40:07.396" v="6164" actId="12"/>
+          <ac:spMkLst>
+            <pc:docMk/>
+            <pc:sldMk cId="1324247123" sldId="273"/>
+            <ac:spMk id="2" creationId="{6B9CBF0F-625C-7CC9-10CA-5BB3A42679E3}"/>
+          </ac:spMkLst>
+        </pc:spChg>
+      </pc:sldChg>
+      <pc:sldChg chg="addSp modSp new mod modAnim">
+        <pc:chgData name="Chahinez Yahiaoui" userId="60bbd5248aadbc6a" providerId="LiveId" clId="{755EDBCF-F2E2-4603-A54C-DE63A909D963}" dt="2024-01-05T00:44:07.633" v="6191"/>
+        <pc:sldMkLst>
+          <pc:docMk/>
+          <pc:sldMk cId="2068087437" sldId="274"/>
+        </pc:sldMkLst>
+        <pc:spChg chg="add mod">
+          <ac:chgData name="Chahinez Yahiaoui" userId="60bbd5248aadbc6a" providerId="LiveId" clId="{755EDBCF-F2E2-4603-A54C-DE63A909D963}" dt="2024-01-05T00:40:56.369" v="6170" actId="12"/>
+          <ac:spMkLst>
+            <pc:docMk/>
+            <pc:sldMk cId="2068087437" sldId="274"/>
+            <ac:spMk id="2" creationId="{033AC089-2B10-09A8-A2A9-5AEEEDA1A601}"/>
+          </ac:spMkLst>
+        </pc:spChg>
+      </pc:sldChg>
+      <pc:sldChg chg="addSp modSp new mod ord modTransition">
+        <pc:chgData name="Chahinez Yahiaoui" userId="60bbd5248aadbc6a" providerId="LiveId" clId="{755EDBCF-F2E2-4603-A54C-DE63A909D963}" dt="2024-01-05T01:52:28.891" v="6726"/>
+        <pc:sldMkLst>
+          <pc:docMk/>
+          <pc:sldMk cId="125317397" sldId="275"/>
+        </pc:sldMkLst>
+        <pc:spChg chg="add mod">
+          <ac:chgData name="Chahinez Yahiaoui" userId="60bbd5248aadbc6a" providerId="LiveId" clId="{755EDBCF-F2E2-4603-A54C-DE63A909D963}" dt="2024-01-05T00:41:21.818" v="6173" actId="2711"/>
+          <ac:spMkLst>
+            <pc:docMk/>
+            <pc:sldMk cId="125317397" sldId="275"/>
+            <ac:spMk id="2" creationId="{A0BFDCA0-93D5-D38F-A776-AEFD97C7721F}"/>
+          </ac:spMkLst>
+        </pc:spChg>
+      </pc:sldChg>
+      <pc:sldChg chg="addSp delSp modSp new del mod ord">
+        <pc:chgData name="Chahinez Yahiaoui" userId="60bbd5248aadbc6a" providerId="LiveId" clId="{755EDBCF-F2E2-4603-A54C-DE63A909D963}" dt="2024-01-05T01:15:30.231" v="6494" actId="2696"/>
+        <pc:sldMkLst>
+          <pc:docMk/>
+          <pc:sldMk cId="1105670657" sldId="276"/>
+        </pc:sldMkLst>
+        <pc:spChg chg="add del mod">
+          <ac:chgData name="Chahinez Yahiaoui" userId="60bbd5248aadbc6a" providerId="LiveId" clId="{755EDBCF-F2E2-4603-A54C-DE63A909D963}" dt="2024-01-05T01:07:39.441" v="6395"/>
+          <ac:spMkLst>
+            <pc:docMk/>
+            <pc:sldMk cId="1105670657" sldId="276"/>
+            <ac:spMk id="2" creationId="{4AFB3E05-3454-B8C8-2220-6C5898A61A0E}"/>
+          </ac:spMkLst>
+        </pc:spChg>
+        <pc:spChg chg="add del mod">
+          <ac:chgData name="Chahinez Yahiaoui" userId="60bbd5248aadbc6a" providerId="LiveId" clId="{755EDBCF-F2E2-4603-A54C-DE63A909D963}" dt="2024-01-05T01:08:39.520" v="6405"/>
+          <ac:spMkLst>
+            <pc:docMk/>
+            <pc:sldMk cId="1105670657" sldId="276"/>
+            <ac:spMk id="4" creationId="{FE5B89D4-6581-7FFB-165A-875C3C7556B3}"/>
+          </ac:spMkLst>
+        </pc:spChg>
+        <pc:graphicFrameChg chg="add mod">
+          <ac:chgData name="Chahinez Yahiaoui" userId="60bbd5248aadbc6a" providerId="LiveId" clId="{755EDBCF-F2E2-4603-A54C-DE63A909D963}" dt="2024-01-05T01:07:36.778" v="6392"/>
+          <ac:graphicFrameMkLst>
+            <pc:docMk/>
+            <pc:sldMk cId="1105670657" sldId="276"/>
+            <ac:graphicFrameMk id="3" creationId="{2AFA1EC6-6511-9807-4FF8-3346706B1D15}"/>
+          </ac:graphicFrameMkLst>
+        </pc:graphicFrameChg>
+        <pc:picChg chg="add mod">
+          <ac:chgData name="Chahinez Yahiaoui" userId="60bbd5248aadbc6a" providerId="LiveId" clId="{755EDBCF-F2E2-4603-A54C-DE63A909D963}" dt="2024-01-05T01:08:38.819" v="6403" actId="14100"/>
+          <ac:picMkLst>
+            <pc:docMk/>
+            <pc:sldMk cId="1105670657" sldId="276"/>
+            <ac:picMk id="5" creationId="{453C9F1D-9F12-A8DF-49F1-C34976E47E89}"/>
+          </ac:picMkLst>
+        </pc:picChg>
+        <pc:picChg chg="add mod">
+          <ac:chgData name="Chahinez Yahiaoui" userId="60bbd5248aadbc6a" providerId="LiveId" clId="{755EDBCF-F2E2-4603-A54C-DE63A909D963}" dt="2024-01-05T01:07:39.439" v="6393"/>
+          <ac:picMkLst>
+            <pc:docMk/>
+            <pc:sldMk cId="1105670657" sldId="276"/>
+            <ac:picMk id="5121" creationId="{1DC428F0-12BE-FF9E-9D29-DA9B8FE3F5D2}"/>
+          </ac:picMkLst>
+        </pc:picChg>
+        <pc:picChg chg="add mod">
+          <ac:chgData name="Chahinez Yahiaoui" userId="60bbd5248aadbc6a" providerId="LiveId" clId="{755EDBCF-F2E2-4603-A54C-DE63A909D963}" dt="2024-01-05T01:07:39.439" v="6393"/>
+          <ac:picMkLst>
+            <pc:docMk/>
+            <pc:sldMk cId="1105670657" sldId="276"/>
+            <ac:picMk id="5122" creationId="{43D47967-AF3A-C06A-6198-437AB58BE38D}"/>
+          </ac:picMkLst>
+        </pc:picChg>
+        <pc:picChg chg="add mod">
+          <ac:chgData name="Chahinez Yahiaoui" userId="60bbd5248aadbc6a" providerId="LiveId" clId="{755EDBCF-F2E2-4603-A54C-DE63A909D963}" dt="2024-01-05T01:07:39.439" v="6393"/>
+          <ac:picMkLst>
+            <pc:docMk/>
+            <pc:sldMk cId="1105670657" sldId="276"/>
+            <ac:picMk id="5123" creationId="{38A8046B-2064-37D2-9BA2-2A218E2BF61A}"/>
+          </ac:picMkLst>
+        </pc:picChg>
+        <pc:picChg chg="add mod">
+          <ac:chgData name="Chahinez Yahiaoui" userId="60bbd5248aadbc6a" providerId="LiveId" clId="{755EDBCF-F2E2-4603-A54C-DE63A909D963}" dt="2024-01-05T01:07:39.439" v="6393"/>
+          <ac:picMkLst>
+            <pc:docMk/>
+            <pc:sldMk cId="1105670657" sldId="276"/>
+            <ac:picMk id="5124" creationId="{59154540-3494-B086-BA7F-BB8BC4B2187C}"/>
+          </ac:picMkLst>
+        </pc:picChg>
+        <pc:picChg chg="add mod">
+          <ac:chgData name="Chahinez Yahiaoui" userId="60bbd5248aadbc6a" providerId="LiveId" clId="{755EDBCF-F2E2-4603-A54C-DE63A909D963}" dt="2024-01-05T01:07:39.439" v="6393"/>
+          <ac:picMkLst>
+            <pc:docMk/>
+            <pc:sldMk cId="1105670657" sldId="276"/>
+            <ac:picMk id="5125" creationId="{06566E9B-E0E7-D9AB-A765-4C4F00EDA45B}"/>
+          </ac:picMkLst>
+        </pc:picChg>
+      </pc:sldChg>
+      <pc:sldChg chg="addSp delSp modSp new mod modTransition">
+        <pc:chgData name="Chahinez Yahiaoui" userId="60bbd5248aadbc6a" providerId="LiveId" clId="{755EDBCF-F2E2-4603-A54C-DE63A909D963}" dt="2024-01-05T02:10:26.262" v="6800" actId="1076"/>
+        <pc:sldMkLst>
+          <pc:docMk/>
+          <pc:sldMk cId="2961191062" sldId="276"/>
+        </pc:sldMkLst>
+        <pc:spChg chg="add del mod">
+          <ac:chgData name="Chahinez Yahiaoui" userId="60bbd5248aadbc6a" providerId="LiveId" clId="{755EDBCF-F2E2-4603-A54C-DE63A909D963}" dt="2024-01-05T01:18:17.128" v="6525"/>
+          <ac:spMkLst>
+            <pc:docMk/>
+            <pc:sldMk cId="2961191062" sldId="276"/>
+            <ac:spMk id="2" creationId="{D0F85E5A-11AB-8DFF-1418-96236EAA1B02}"/>
+          </ac:spMkLst>
+        </pc:spChg>
+        <pc:graphicFrameChg chg="add mod modGraphic">
+          <ac:chgData name="Chahinez Yahiaoui" userId="60bbd5248aadbc6a" providerId="LiveId" clId="{755EDBCF-F2E2-4603-A54C-DE63A909D963}" dt="2024-01-05T02:10:16.001" v="6796" actId="1076"/>
+          <ac:graphicFrameMkLst>
+            <pc:docMk/>
+            <pc:sldMk cId="2961191062" sldId="276"/>
+            <ac:graphicFrameMk id="3" creationId="{5C4D185E-ED66-C4D3-CF50-B9A6528F132F}"/>
+          </ac:graphicFrameMkLst>
+        </pc:graphicFrameChg>
+        <pc:graphicFrameChg chg="add del mod">
+          <ac:chgData name="Chahinez Yahiaoui" userId="60bbd5248aadbc6a" providerId="LiveId" clId="{755EDBCF-F2E2-4603-A54C-DE63A909D963}" dt="2024-01-05T01:22:05.336" v="6532" actId="478"/>
+          <ac:graphicFrameMkLst>
+            <pc:docMk/>
+            <pc:sldMk cId="2961191062" sldId="276"/>
+            <ac:graphicFrameMk id="4" creationId="{B824A019-D96C-2B4D-FDF1-38F458D606F2}"/>
+          </ac:graphicFrameMkLst>
+        </pc:graphicFrameChg>
+        <pc:picChg chg="add del mod">
+          <ac:chgData name="Chahinez Yahiaoui" userId="60bbd5248aadbc6a" providerId="LiveId" clId="{755EDBCF-F2E2-4603-A54C-DE63A909D963}" dt="2024-01-05T01:22:15.040" v="6534" actId="21"/>
+          <ac:picMkLst>
+            <pc:docMk/>
+            <pc:sldMk cId="2961191062" sldId="276"/>
+            <ac:picMk id="6145" creationId="{95D38287-7700-3508-1C1B-9312A07D149E}"/>
+          </ac:picMkLst>
+        </pc:picChg>
+        <pc:picChg chg="add del mod">
+          <ac:chgData name="Chahinez Yahiaoui" userId="60bbd5248aadbc6a" providerId="LiveId" clId="{755EDBCF-F2E2-4603-A54C-DE63A909D963}" dt="2024-01-05T01:22:18.545" v="6535" actId="21"/>
+          <ac:picMkLst>
+            <pc:docMk/>
+            <pc:sldMk cId="2961191062" sldId="276"/>
+            <ac:picMk id="6146" creationId="{464CA6DE-99C2-D700-C3E9-46AE68016F21}"/>
+          </ac:picMkLst>
+        </pc:picChg>
+        <pc:picChg chg="add del mod">
+          <ac:chgData name="Chahinez Yahiaoui" userId="60bbd5248aadbc6a" providerId="LiveId" clId="{755EDBCF-F2E2-4603-A54C-DE63A909D963}" dt="2024-01-05T01:22:21.849" v="6536" actId="21"/>
+          <ac:picMkLst>
+            <pc:docMk/>
+            <pc:sldMk cId="2961191062" sldId="276"/>
+            <ac:picMk id="6147" creationId="{10AB23E1-CFE8-BD58-424A-5FCABA58DC58}"/>
+          </ac:picMkLst>
+        </pc:picChg>
+        <pc:picChg chg="add del mod">
+          <ac:chgData name="Chahinez Yahiaoui" userId="60bbd5248aadbc6a" providerId="LiveId" clId="{755EDBCF-F2E2-4603-A54C-DE63A909D963}" dt="2024-01-05T01:22:24.545" v="6537" actId="21"/>
+          <ac:picMkLst>
+            <pc:docMk/>
+            <pc:sldMk cId="2961191062" sldId="276"/>
+            <ac:picMk id="6148" creationId="{62B4F718-A3F5-9583-7737-795CB5F268AD}"/>
+          </ac:picMkLst>
+        </pc:picChg>
+        <pc:picChg chg="add mod">
+          <ac:chgData name="Chahinez Yahiaoui" userId="60bbd5248aadbc6a" providerId="LiveId" clId="{755EDBCF-F2E2-4603-A54C-DE63A909D963}" dt="2024-01-05T02:10:18.741" v="6797" actId="1076"/>
+          <ac:picMkLst>
+            <pc:docMk/>
+            <pc:sldMk cId="2961191062" sldId="276"/>
+            <ac:picMk id="6149" creationId="{791DFB55-A62D-E18D-3313-26CEEFFCC6AA}"/>
+          </ac:picMkLst>
+        </pc:picChg>
+        <pc:picChg chg="add mod">
+          <ac:chgData name="Chahinez Yahiaoui" userId="60bbd5248aadbc6a" providerId="LiveId" clId="{755EDBCF-F2E2-4603-A54C-DE63A909D963}" dt="2024-01-05T02:10:21.810" v="6798" actId="1076"/>
+          <ac:picMkLst>
+            <pc:docMk/>
+            <pc:sldMk cId="2961191062" sldId="276"/>
+            <ac:picMk id="6150" creationId="{D9C44402-07F4-A1EF-71DC-EF3A075DA2A3}"/>
+          </ac:picMkLst>
+        </pc:picChg>
+        <pc:picChg chg="add mod">
+          <ac:chgData name="Chahinez Yahiaoui" userId="60bbd5248aadbc6a" providerId="LiveId" clId="{755EDBCF-F2E2-4603-A54C-DE63A909D963}" dt="2024-01-05T02:10:23.751" v="6799" actId="1076"/>
+          <ac:picMkLst>
+            <pc:docMk/>
+            <pc:sldMk cId="2961191062" sldId="276"/>
+            <ac:picMk id="6151" creationId="{47BF3C8D-49C3-6D2A-F521-74B89E8E06F0}"/>
+          </ac:picMkLst>
+        </pc:picChg>
+        <pc:picChg chg="add mod">
+          <ac:chgData name="Chahinez Yahiaoui" userId="60bbd5248aadbc6a" providerId="LiveId" clId="{755EDBCF-F2E2-4603-A54C-DE63A909D963}" dt="2024-01-05T02:10:26.262" v="6800" actId="1076"/>
+          <ac:picMkLst>
+            <pc:docMk/>
+            <pc:sldMk cId="2961191062" sldId="276"/>
+            <ac:picMk id="6152" creationId="{5985C68D-8816-B820-3443-334970E8DDAD}"/>
+          </ac:picMkLst>
+        </pc:picChg>
+      </pc:sldChg>
     </pc:docChg>
   </pc:docChgLst>
 </pc:chgInfo>
+</file>
+
+<file path=ppt/notesMasters/notesMaster1.xml><?xml version="1.0" encoding="utf-8"?>
+<p:notesMaster xmlns:a="http://schemas.openxmlformats.org/drawingml/2006/main" xmlns:r="http://schemas.openxmlformats.org/officeDocument/2006/relationships" xmlns:p="http://schemas.openxmlformats.org/presentationml/2006/main">
+  <p:cSld>
+    <p:bg>
+      <p:bgRef idx="1001">
+        <a:schemeClr val="bg1"/>
+      </p:bgRef>
+    </p:bg>
+    <p:spTree>
+      <p:nvGrpSpPr>
+        <p:cNvPr id="1" name=""/>
+        <p:cNvGrpSpPr/>
+        <p:nvPr/>
+      </p:nvGrpSpPr>
+      <p:grpSpPr>
+        <a:xfrm>
+          <a:off x="0" y="0"/>
+          <a:ext cx="0" cy="0"/>
+          <a:chOff x="0" y="0"/>
+          <a:chExt cx="0" cy="0"/>
+        </a:xfrm>
+      </p:grpSpPr>
+      <p:sp>
+        <p:nvSpPr>
+          <p:cNvPr id="2" name="Espace réservé de l'en-tête 1"/>
+          <p:cNvSpPr>
+            <a:spLocks noGrp="1"/>
+          </p:cNvSpPr>
+          <p:nvPr>
+            <p:ph type="hdr" sz="quarter"/>
+          </p:nvPr>
+        </p:nvSpPr>
+        <p:spPr>
+          <a:xfrm>
+            <a:off x="0" y="0"/>
+            <a:ext cx="2971800" cy="458788"/>
+          </a:xfrm>
+          <a:prstGeom prst="rect">
+            <a:avLst/>
+          </a:prstGeom>
+        </p:spPr>
+        <p:txBody>
+          <a:bodyPr vert="horz" lIns="91440" tIns="45720" rIns="91440" bIns="45720" rtlCol="0"/>
+          <a:lstStyle>
+            <a:lvl1pPr algn="l">
+              <a:defRPr sz="1200"/>
+            </a:lvl1pPr>
+          </a:lstStyle>
+          <a:p>
+            <a:endParaRPr lang="fr-FR"/>
+          </a:p>
+        </p:txBody>
+      </p:sp>
+      <p:sp>
+        <p:nvSpPr>
+          <p:cNvPr id="3" name="Espace réservé de la date 2"/>
+          <p:cNvSpPr>
+            <a:spLocks noGrp="1"/>
+          </p:cNvSpPr>
+          <p:nvPr>
+            <p:ph type="dt" idx="1"/>
+          </p:nvPr>
+        </p:nvSpPr>
+        <p:spPr>
+          <a:xfrm>
+            <a:off x="3884613" y="0"/>
+            <a:ext cx="2971800" cy="458788"/>
+          </a:xfrm>
+          <a:prstGeom prst="rect">
+            <a:avLst/>
+          </a:prstGeom>
+        </p:spPr>
+        <p:txBody>
+          <a:bodyPr vert="horz" lIns="91440" tIns="45720" rIns="91440" bIns="45720" rtlCol="0"/>
+          <a:lstStyle>
+            <a:lvl1pPr algn="r">
+              <a:defRPr sz="1200"/>
+            </a:lvl1pPr>
+          </a:lstStyle>
+          <a:p>
+            <a:fld id="{C9FD88B6-F424-4102-AE40-3C0B3564DEF7}" type="datetimeFigureOut">
+              <a:rPr lang="fr-FR" smtClean="0"/>
+              <a:t>05/01/2024</a:t>
+            </a:fld>
+            <a:endParaRPr lang="fr-FR"/>
+          </a:p>
+        </p:txBody>
+      </p:sp>
+      <p:sp>
+        <p:nvSpPr>
+          <p:cNvPr id="4" name="Espace réservé de l'image des diapositives 3"/>
+          <p:cNvSpPr>
+            <a:spLocks noGrp="1" noRot="1" noChangeAspect="1"/>
+          </p:cNvSpPr>
+          <p:nvPr>
+            <p:ph type="sldImg" idx="2"/>
+          </p:nvPr>
+        </p:nvSpPr>
+        <p:spPr>
+          <a:xfrm>
+            <a:off x="685800" y="1143000"/>
+            <a:ext cx="5486400" cy="3086100"/>
+          </a:xfrm>
+          <a:prstGeom prst="rect">
+            <a:avLst/>
+          </a:prstGeom>
+          <a:noFill/>
+          <a:ln w="12700">
+            <a:solidFill>
+              <a:prstClr val="black"/>
+            </a:solidFill>
+          </a:ln>
+        </p:spPr>
+        <p:txBody>
+          <a:bodyPr vert="horz" lIns="91440" tIns="45720" rIns="91440" bIns="45720" rtlCol="0" anchor="ctr"/>
+          <a:lstStyle/>
+          <a:p>
+            <a:endParaRPr lang="fr-FR"/>
+          </a:p>
+        </p:txBody>
+      </p:sp>
+      <p:sp>
+        <p:nvSpPr>
+          <p:cNvPr id="5" name="Espace réservé des notes 4"/>
+          <p:cNvSpPr>
+            <a:spLocks noGrp="1"/>
+          </p:cNvSpPr>
+          <p:nvPr>
+            <p:ph type="body" sz="quarter" idx="3"/>
+          </p:nvPr>
+        </p:nvSpPr>
+        <p:spPr>
+          <a:xfrm>
+            <a:off x="685800" y="4400550"/>
+            <a:ext cx="5486400" cy="3600450"/>
+          </a:xfrm>
+          <a:prstGeom prst="rect">
+            <a:avLst/>
+          </a:prstGeom>
+        </p:spPr>
+        <p:txBody>
+          <a:bodyPr vert="horz" lIns="91440" tIns="45720" rIns="91440" bIns="45720" rtlCol="0"/>
+          <a:lstStyle/>
+          <a:p>
+            <a:pPr lvl="0"/>
+            <a:r>
+              <a:rPr lang="fr-FR"/>
+              <a:t>Cliquez pour modifier les styles du texte du masque</a:t>
+            </a:r>
+          </a:p>
+          <a:p>
+            <a:pPr lvl="1"/>
+            <a:r>
+              <a:rPr lang="fr-FR"/>
+              <a:t>Deuxième niveau</a:t>
+            </a:r>
+          </a:p>
+          <a:p>
+            <a:pPr lvl="2"/>
+            <a:r>
+              <a:rPr lang="fr-FR"/>
+              <a:t>Troisième niveau</a:t>
+            </a:r>
+          </a:p>
+          <a:p>
+            <a:pPr lvl="3"/>
+            <a:r>
+              <a:rPr lang="fr-FR"/>
+              <a:t>Quatrième niveau</a:t>
+            </a:r>
+          </a:p>
+          <a:p>
+            <a:pPr lvl="4"/>
+            <a:r>
+              <a:rPr lang="fr-FR"/>
+              <a:t>Cinquième niveau</a:t>
+            </a:r>
+          </a:p>
+        </p:txBody>
+      </p:sp>
+      <p:sp>
+        <p:nvSpPr>
+          <p:cNvPr id="6" name="Espace réservé du pied de page 5"/>
+          <p:cNvSpPr>
+            <a:spLocks noGrp="1"/>
+          </p:cNvSpPr>
+          <p:nvPr>
+            <p:ph type="ftr" sz="quarter" idx="4"/>
+          </p:nvPr>
+        </p:nvSpPr>
+        <p:spPr>
+          <a:xfrm>
+            <a:off x="0" y="8685213"/>
+            <a:ext cx="2971800" cy="458787"/>
+          </a:xfrm>
+          <a:prstGeom prst="rect">
+            <a:avLst/>
+          </a:prstGeom>
+        </p:spPr>
+        <p:txBody>
+          <a:bodyPr vert="horz" lIns="91440" tIns="45720" rIns="91440" bIns="45720" rtlCol="0" anchor="b"/>
+          <a:lstStyle>
+            <a:lvl1pPr algn="l">
+              <a:defRPr sz="1200"/>
+            </a:lvl1pPr>
+          </a:lstStyle>
+          <a:p>
+            <a:endParaRPr lang="fr-FR"/>
+          </a:p>
+        </p:txBody>
+      </p:sp>
+      <p:sp>
+        <p:nvSpPr>
+          <p:cNvPr id="7" name="Espace réservé du numéro de diapositive 6"/>
+          <p:cNvSpPr>
+            <a:spLocks noGrp="1"/>
+          </p:cNvSpPr>
+          <p:nvPr>
+            <p:ph type="sldNum" sz="quarter" idx="5"/>
+          </p:nvPr>
+        </p:nvSpPr>
+        <p:spPr>
+          <a:xfrm>
+            <a:off x="3884613" y="8685213"/>
+            <a:ext cx="2971800" cy="458787"/>
+          </a:xfrm>
+          <a:prstGeom prst="rect">
+            <a:avLst/>
+          </a:prstGeom>
+        </p:spPr>
+        <p:txBody>
+          <a:bodyPr vert="horz" lIns="91440" tIns="45720" rIns="91440" bIns="45720" rtlCol="0" anchor="b"/>
+          <a:lstStyle>
+            <a:lvl1pPr algn="r">
+              <a:defRPr sz="1200"/>
+            </a:lvl1pPr>
+          </a:lstStyle>
+          <a:p>
+            <a:fld id="{B49106CB-B942-48EC-94C1-78010D346AA5}" type="slidenum">
+              <a:rPr lang="fr-FR" smtClean="0"/>
+              <a:t>‹N°›</a:t>
+            </a:fld>
+            <a:endParaRPr lang="fr-FR"/>
+          </a:p>
+        </p:txBody>
+      </p:sp>
+    </p:spTree>
+    <p:extLst>
+      <p:ext uri="{BB962C8B-B14F-4D97-AF65-F5344CB8AC3E}">
+        <p14:creationId xmlns:p14="http://schemas.microsoft.com/office/powerpoint/2010/main" val="3932114085"/>
+      </p:ext>
+    </p:extLst>
+  </p:cSld>
+  <p:clrMap bg1="lt1" tx1="dk1" bg2="lt2" tx2="dk2" accent1="accent1" accent2="accent2" accent3="accent3" accent4="accent4" accent5="accent5" accent6="accent6" hlink="hlink" folHlink="folHlink"/>
+  <p:notesStyle>
+    <a:lvl1pPr marL="0" algn="l" defTabSz="914400" rtl="0" eaLnBrk="1" latinLnBrk="0" hangingPunct="1">
+      <a:defRPr sz="1200" kern="1200">
+        <a:solidFill>
+          <a:schemeClr val="tx1"/>
+        </a:solidFill>
+        <a:latin typeface="+mn-lt"/>
+        <a:ea typeface="+mn-ea"/>
+        <a:cs typeface="+mn-cs"/>
+      </a:defRPr>
+    </a:lvl1pPr>
+    <a:lvl2pPr marL="457200" algn="l" defTabSz="914400" rtl="0" eaLnBrk="1" latinLnBrk="0" hangingPunct="1">
+      <a:defRPr sz="1200" kern="1200">
+        <a:solidFill>
+          <a:schemeClr val="tx1"/>
+        </a:solidFill>
+        <a:latin typeface="+mn-lt"/>
+        <a:ea typeface="+mn-ea"/>
+        <a:cs typeface="+mn-cs"/>
+      </a:defRPr>
+    </a:lvl2pPr>
+    <a:lvl3pPr marL="914400" algn="l" defTabSz="914400" rtl="0" eaLnBrk="1" latinLnBrk="0" hangingPunct="1">
+      <a:defRPr sz="1200" kern="1200">
+        <a:solidFill>
+          <a:schemeClr val="tx1"/>
+        </a:solidFill>
+        <a:latin typeface="+mn-lt"/>
+        <a:ea typeface="+mn-ea"/>
+        <a:cs typeface="+mn-cs"/>
+      </a:defRPr>
+    </a:lvl3pPr>
+    <a:lvl4pPr marL="1371600" algn="l" defTabSz="914400" rtl="0" eaLnBrk="1" latinLnBrk="0" hangingPunct="1">
+      <a:defRPr sz="1200" kern="1200">
+        <a:solidFill>
+          <a:schemeClr val="tx1"/>
+        </a:solidFill>
+        <a:latin typeface="+mn-lt"/>
+        <a:ea typeface="+mn-ea"/>
+        <a:cs typeface="+mn-cs"/>
+      </a:defRPr>
+    </a:lvl4pPr>
+    <a:lvl5pPr marL="1828800" algn="l" defTabSz="914400" rtl="0" eaLnBrk="1" latinLnBrk="0" hangingPunct="1">
+      <a:defRPr sz="1200" kern="1200">
+        <a:solidFill>
+          <a:schemeClr val="tx1"/>
+        </a:solidFill>
+        <a:latin typeface="+mn-lt"/>
+        <a:ea typeface="+mn-ea"/>
+        <a:cs typeface="+mn-cs"/>
+      </a:defRPr>
+    </a:lvl5pPr>
+    <a:lvl6pPr marL="2286000" algn="l" defTabSz="914400" rtl="0" eaLnBrk="1" latinLnBrk="0" hangingPunct="1">
+      <a:defRPr sz="1200" kern="1200">
+        <a:solidFill>
+          <a:schemeClr val="tx1"/>
+        </a:solidFill>
+        <a:latin typeface="+mn-lt"/>
+        <a:ea typeface="+mn-ea"/>
+        <a:cs typeface="+mn-cs"/>
+      </a:defRPr>
+    </a:lvl6pPr>
+    <a:lvl7pPr marL="2743200" algn="l" defTabSz="914400" rtl="0" eaLnBrk="1" latinLnBrk="0" hangingPunct="1">
+      <a:defRPr sz="1200" kern="1200">
+        <a:solidFill>
+          <a:schemeClr val="tx1"/>
+        </a:solidFill>
+        <a:latin typeface="+mn-lt"/>
+        <a:ea typeface="+mn-ea"/>
+        <a:cs typeface="+mn-cs"/>
+      </a:defRPr>
+    </a:lvl7pPr>
+    <a:lvl8pPr marL="3200400" algn="l" defTabSz="914400" rtl="0" eaLnBrk="1" latinLnBrk="0" hangingPunct="1">
+      <a:defRPr sz="1200" kern="1200">
+        <a:solidFill>
+          <a:schemeClr val="tx1"/>
+        </a:solidFill>
+        <a:latin typeface="+mn-lt"/>
+        <a:ea typeface="+mn-ea"/>
+        <a:cs typeface="+mn-cs"/>
+      </a:defRPr>
+    </a:lvl8pPr>
+    <a:lvl9pPr marL="3657600" algn="l" defTabSz="914400" rtl="0" eaLnBrk="1" latinLnBrk="0" hangingPunct="1">
+      <a:defRPr sz="1200" kern="1200">
+        <a:solidFill>
+          <a:schemeClr val="tx1"/>
+        </a:solidFill>
+        <a:latin typeface="+mn-lt"/>
+        <a:ea typeface="+mn-ea"/>
+        <a:cs typeface="+mn-cs"/>
+      </a:defRPr>
+    </a:lvl9pPr>
+  </p:notesStyle>
+</p:notesMaster>
+</file>
+
+<file path=ppt/notesSlides/notesSlide1.xml><?xml version="1.0" encoding="utf-8"?>
+<p:notes xmlns:a="http://schemas.openxmlformats.org/drawingml/2006/main" xmlns:r="http://schemas.openxmlformats.org/officeDocument/2006/relationships" xmlns:p="http://schemas.openxmlformats.org/presentationml/2006/main">
+  <p:cSld>
+    <p:spTree>
+      <p:nvGrpSpPr>
+        <p:cNvPr id="1" name=""/>
+        <p:cNvGrpSpPr/>
+        <p:nvPr/>
+      </p:nvGrpSpPr>
+      <p:grpSpPr>
+        <a:xfrm>
+          <a:off x="0" y="0"/>
+          <a:ext cx="0" cy="0"/>
+          <a:chOff x="0" y="0"/>
+          <a:chExt cx="0" cy="0"/>
+        </a:xfrm>
+      </p:grpSpPr>
+      <p:sp>
+        <p:nvSpPr>
+          <p:cNvPr id="2" name="Espace réservé de l'image des diapositives 1"/>
+          <p:cNvSpPr>
+            <a:spLocks noGrp="1" noRot="1" noChangeAspect="1"/>
+          </p:cNvSpPr>
+          <p:nvPr>
+            <p:ph type="sldImg"/>
+          </p:nvPr>
+        </p:nvSpPr>
+        <p:spPr/>
+      </p:sp>
+      <p:sp>
+        <p:nvSpPr>
+          <p:cNvPr id="3" name="Espace réservé des notes 2"/>
+          <p:cNvSpPr>
+            <a:spLocks noGrp="1"/>
+          </p:cNvSpPr>
+          <p:nvPr>
+            <p:ph type="body" idx="1"/>
+          </p:nvPr>
+        </p:nvSpPr>
+        <p:spPr/>
+        <p:txBody>
+          <a:bodyPr/>
+          <a:lstStyle/>
+          <a:p>
+            <a:endParaRPr lang="fr-FR" dirty="0"/>
+          </a:p>
+        </p:txBody>
+      </p:sp>
+      <p:sp>
+        <p:nvSpPr>
+          <p:cNvPr id="4" name="Espace réservé du numéro de diapositive 3"/>
+          <p:cNvSpPr>
+            <a:spLocks noGrp="1"/>
+          </p:cNvSpPr>
+          <p:nvPr>
+            <p:ph type="sldNum" sz="quarter" idx="5"/>
+          </p:nvPr>
+        </p:nvSpPr>
+        <p:spPr/>
+        <p:txBody>
+          <a:bodyPr/>
+          <a:lstStyle/>
+          <a:p>
+            <a:fld id="{B49106CB-B942-48EC-94C1-78010D346AA5}" type="slidenum">
+              <a:rPr lang="fr-FR" smtClean="0"/>
+              <a:t>12</a:t>
+            </a:fld>
+            <a:endParaRPr lang="fr-FR"/>
+          </a:p>
+        </p:txBody>
+      </p:sp>
+    </p:spTree>
+    <p:extLst>
+      <p:ext uri="{BB962C8B-B14F-4D97-AF65-F5344CB8AC3E}">
+        <p14:creationId xmlns:p14="http://schemas.microsoft.com/office/powerpoint/2010/main" val="935676079"/>
+      </p:ext>
+    </p:extLst>
+  </p:cSld>
+  <p:clrMapOvr>
+    <a:masterClrMapping/>
+  </p:clrMapOvr>
+</p:notes>
 </file>
 
 <file path=ppt/slideLayouts/slideLayout1.xml><?xml version="1.0" encoding="utf-8"?>
@@ -1564,7 +3109,7 @@
           <a:p>
             <a:fld id="{11FBE087-39FD-4DE5-9863-65272CA81442}" type="datetimeFigureOut">
               <a:rPr lang="fr-FR" smtClean="0"/>
-              <a:t>01/01/2024</a:t>
+              <a:t>05/01/2024</a:t>
             </a:fld>
             <a:endParaRPr lang="fr-FR"/>
           </a:p>
@@ -1815,7 +3360,7 @@
           <a:p>
             <a:fld id="{11FBE087-39FD-4DE5-9863-65272CA81442}" type="datetimeFigureOut">
               <a:rPr lang="fr-FR" smtClean="0"/>
-              <a:t>01/01/2024</a:t>
+              <a:t>05/01/2024</a:t>
             </a:fld>
             <a:endParaRPr lang="fr-FR"/>
           </a:p>
@@ -2129,7 +3674,7 @@
           <a:p>
             <a:fld id="{11FBE087-39FD-4DE5-9863-65272CA81442}" type="datetimeFigureOut">
               <a:rPr lang="fr-FR" smtClean="0"/>
-              <a:t>01/01/2024</a:t>
+              <a:t>05/01/2024</a:t>
             </a:fld>
             <a:endParaRPr lang="fr-FR"/>
           </a:p>
@@ -2470,7 +4015,7 @@
           <a:p>
             <a:fld id="{11FBE087-39FD-4DE5-9863-65272CA81442}" type="datetimeFigureOut">
               <a:rPr lang="fr-FR" smtClean="0"/>
-              <a:t>01/01/2024</a:t>
+              <a:t>05/01/2024</a:t>
             </a:fld>
             <a:endParaRPr lang="fr-FR"/>
           </a:p>
@@ -2784,7 +4329,7 @@
           <a:p>
             <a:fld id="{11FBE087-39FD-4DE5-9863-65272CA81442}" type="datetimeFigureOut">
               <a:rPr lang="fr-FR" smtClean="0"/>
-              <a:t>01/01/2024</a:t>
+              <a:t>05/01/2024</a:t>
             </a:fld>
             <a:endParaRPr lang="fr-FR"/>
           </a:p>
@@ -3177,7 +4722,7 @@
           <a:p>
             <a:fld id="{11FBE087-39FD-4DE5-9863-65272CA81442}" type="datetimeFigureOut">
               <a:rPr lang="fr-FR" smtClean="0"/>
-              <a:t>01/01/2024</a:t>
+              <a:t>05/01/2024</a:t>
             </a:fld>
             <a:endParaRPr lang="fr-FR"/>
           </a:p>
@@ -3347,7 +4892,7 @@
           <a:p>
             <a:fld id="{11FBE087-39FD-4DE5-9863-65272CA81442}" type="datetimeFigureOut">
               <a:rPr lang="fr-FR" smtClean="0"/>
-              <a:t>01/01/2024</a:t>
+              <a:t>05/01/2024</a:t>
             </a:fld>
             <a:endParaRPr lang="fr-FR"/>
           </a:p>
@@ -3527,7 +5072,7 @@
           <a:p>
             <a:fld id="{11FBE087-39FD-4DE5-9863-65272CA81442}" type="datetimeFigureOut">
               <a:rPr lang="fr-FR" smtClean="0"/>
-              <a:t>01/01/2024</a:t>
+              <a:t>05/01/2024</a:t>
             </a:fld>
             <a:endParaRPr lang="fr-FR"/>
           </a:p>
@@ -3703,7 +5248,7 @@
           <a:p>
             <a:fld id="{11FBE087-39FD-4DE5-9863-65272CA81442}" type="datetimeFigureOut">
               <a:rPr lang="fr-FR" smtClean="0"/>
-              <a:t>01/01/2024</a:t>
+              <a:t>05/01/2024</a:t>
             </a:fld>
             <a:endParaRPr lang="fr-FR"/>
           </a:p>
@@ -3950,7 +5495,7 @@
           <a:p>
             <a:fld id="{11FBE087-39FD-4DE5-9863-65272CA81442}" type="datetimeFigureOut">
               <a:rPr lang="fr-FR" smtClean="0"/>
-              <a:t>01/01/2024</a:t>
+              <a:t>05/01/2024</a:t>
             </a:fld>
             <a:endParaRPr lang="fr-FR"/>
           </a:p>
@@ -4182,7 +5727,7 @@
           <a:p>
             <a:fld id="{11FBE087-39FD-4DE5-9863-65272CA81442}" type="datetimeFigureOut">
               <a:rPr lang="fr-FR" smtClean="0"/>
-              <a:t>01/01/2024</a:t>
+              <a:t>05/01/2024</a:t>
             </a:fld>
             <a:endParaRPr lang="fr-FR"/>
           </a:p>
@@ -4556,7 +6101,7 @@
           <a:p>
             <a:fld id="{11FBE087-39FD-4DE5-9863-65272CA81442}" type="datetimeFigureOut">
               <a:rPr lang="fr-FR" smtClean="0"/>
-              <a:t>01/01/2024</a:t>
+              <a:t>05/01/2024</a:t>
             </a:fld>
             <a:endParaRPr lang="fr-FR"/>
           </a:p>
@@ -4679,7 +6224,7 @@
           <a:p>
             <a:fld id="{11FBE087-39FD-4DE5-9863-65272CA81442}" type="datetimeFigureOut">
               <a:rPr lang="fr-FR" smtClean="0"/>
-              <a:t>01/01/2024</a:t>
+              <a:t>05/01/2024</a:t>
             </a:fld>
             <a:endParaRPr lang="fr-FR"/>
           </a:p>
@@ -4774,7 +6319,7 @@
           <a:p>
             <a:fld id="{11FBE087-39FD-4DE5-9863-65272CA81442}" type="datetimeFigureOut">
               <a:rPr lang="fr-FR" smtClean="0"/>
-              <a:t>01/01/2024</a:t>
+              <a:t>05/01/2024</a:t>
             </a:fld>
             <a:endParaRPr lang="fr-FR"/>
           </a:p>
@@ -5029,7 +6574,7 @@
           <a:p>
             <a:fld id="{11FBE087-39FD-4DE5-9863-65272CA81442}" type="datetimeFigureOut">
               <a:rPr lang="fr-FR" smtClean="0"/>
-              <a:t>01/01/2024</a:t>
+              <a:t>05/01/2024</a:t>
             </a:fld>
             <a:endParaRPr lang="fr-FR"/>
           </a:p>
@@ -5292,7 +6837,7 @@
           <a:p>
             <a:fld id="{11FBE087-39FD-4DE5-9863-65272CA81442}" type="datetimeFigureOut">
               <a:rPr lang="fr-FR" smtClean="0"/>
-              <a:t>01/01/2024</a:t>
+              <a:t>05/01/2024</a:t>
             </a:fld>
             <a:endParaRPr lang="fr-FR"/>
           </a:p>
@@ -6035,7 +7580,7 @@
           <a:p>
             <a:fld id="{11FBE087-39FD-4DE5-9863-65272CA81442}" type="datetimeFigureOut">
               <a:rPr lang="fr-FR" smtClean="0"/>
-              <a:t>01/01/2024</a:t>
+              <a:t>05/01/2024</a:t>
             </a:fld>
             <a:endParaRPr lang="fr-FR"/>
           </a:p>
@@ -7033,14 +8578,14 @@
           <p:nvPr>
             <p:extLst>
               <p:ext uri="{D42A27DB-BD31-4B8C-83A1-F6EECF244321}">
-                <p14:modId xmlns:p14="http://schemas.microsoft.com/office/powerpoint/2010/main" val="285103403"/>
+                <p14:modId xmlns:p14="http://schemas.microsoft.com/office/powerpoint/2010/main" val="1649685724"/>
               </p:ext>
             </p:extLst>
           </p:nvPr>
         </p:nvGraphicFramePr>
         <p:xfrm>
           <a:off x="402770" y="533402"/>
-          <a:ext cx="8338459" cy="5312227"/>
+          <a:ext cx="8338459" cy="5428233"/>
         </p:xfrm>
         <a:graphic>
           <a:graphicData uri="http://schemas.openxmlformats.org/drawingml/2006/table">
@@ -7064,7 +8609,7 @@
                   </a:extLst>
                 </a:gridCol>
               </a:tblGrid>
-              <a:tr h="606515">
+              <a:tr h="722521">
                 <a:tc gridSpan="2">
                   <a:txBody>
                     <a:bodyPr/>
@@ -7081,7 +8626,7 @@
                       <a:r>
                         <a:rPr lang="en-US" sz="2000" dirty="0">
                           <a:solidFill>
-                            <a:schemeClr val="tx1"/>
+                            <a:schemeClr val="tx2"/>
                           </a:solidFill>
                           <a:effectLst/>
                           <a:latin typeface="Times New Roman" panose="02020603050405020304" pitchFamily="18" charset="0"/>
@@ -7091,7 +8636,7 @@
                       </a:r>
                       <a:endParaRPr lang="fr-FR" sz="2000" dirty="0">
                         <a:solidFill>
-                          <a:schemeClr val="tx1"/>
+                          <a:schemeClr val="tx2"/>
                         </a:solidFill>
                         <a:effectLst/>
                         <a:latin typeface="Times New Roman" panose="02020603050405020304" pitchFamily="18" charset="0"/>
@@ -7156,14 +8701,14 @@
                         </a:spcAft>
                       </a:pPr>
                       <a:r>
-                        <a:rPr lang="en-US" sz="1600" b="0" dirty="0">
+                        <a:rPr lang="en-US" sz="1800" b="0" dirty="0">
                           <a:effectLst/>
                           <a:latin typeface="Times New Roman" panose="02020603050405020304" pitchFamily="18" charset="0"/>
                           <a:cs typeface="Times New Roman" panose="02020603050405020304" pitchFamily="18" charset="0"/>
                         </a:rPr>
                         <a:t>Gmail is an email service provided by Google. As of 2019, it had 1.5 billion active users worldwide, making it the largest email service in the world. It also provides a webmail interface, accessible through a web browser, and is also accessible through the official mobile application.</a:t>
                       </a:r>
-                      <a:endParaRPr lang="fr-FR" sz="1600" b="0" dirty="0">
+                      <a:endParaRPr lang="fr-FR" sz="1800" b="0" dirty="0">
                         <a:effectLst/>
                         <a:latin typeface="Times New Roman" panose="02020603050405020304" pitchFamily="18" charset="0"/>
                         <a:ea typeface="Calibri" panose="020F0502020204030204" pitchFamily="34" charset="0"/>
@@ -7217,14 +8762,14 @@
                         </a:spcAft>
                       </a:pPr>
                       <a:r>
-                        <a:rPr lang="en-US" sz="1600" b="0" dirty="0">
+                        <a:rPr lang="en-US" sz="1800" b="0" dirty="0">
                           <a:effectLst/>
                           <a:latin typeface="Times New Roman" panose="02020603050405020304" pitchFamily="18" charset="0"/>
                           <a:cs typeface="Times New Roman" panose="02020603050405020304" pitchFamily="18" charset="0"/>
                         </a:rPr>
                         <a:t>Google Drive is a file storage and synchronization service developed by Google. Launched on April 24, 2012, it allows users to store files in the cloud, synchronize files across devices, and share files. </a:t>
                       </a:r>
-                      <a:endParaRPr lang="fr-FR" sz="1600" b="0" dirty="0">
+                      <a:endParaRPr lang="fr-FR" sz="1800" b="0" dirty="0">
                         <a:effectLst/>
                         <a:latin typeface="Times New Roman" panose="02020603050405020304" pitchFamily="18" charset="0"/>
                         <a:ea typeface="Calibri" panose="020F0502020204030204" pitchFamily="34" charset="0"/>
@@ -7278,14 +8823,14 @@
                         </a:spcAft>
                       </a:pPr>
                       <a:r>
-                        <a:rPr lang="en-US" sz="1600" b="0" dirty="0">
+                        <a:rPr lang="en-US" sz="1800" b="0" dirty="0">
                           <a:effectLst/>
                           <a:latin typeface="Times New Roman" panose="02020603050405020304" pitchFamily="18" charset="0"/>
                           <a:cs typeface="Times New Roman" panose="02020603050405020304" pitchFamily="18" charset="0"/>
                         </a:rPr>
                         <a:t>Google Docs is an online word processor included as part of the free, web-based Google Docs Editors suite offered by Google. It  is accessible via an internet browser as a web-based application and is also available as a mobile app.</a:t>
                       </a:r>
-                      <a:endParaRPr lang="fr-FR" sz="1600" b="0" dirty="0">
+                      <a:endParaRPr lang="fr-FR" sz="1800" b="0" dirty="0">
                         <a:effectLst/>
                         <a:latin typeface="Times New Roman" panose="02020603050405020304" pitchFamily="18" charset="0"/>
                         <a:ea typeface="Calibri" panose="020F0502020204030204" pitchFamily="34" charset="0"/>
@@ -7456,6 +9001,18 @@
   <p:clrMapOvr>
     <a:masterClrMapping/>
   </p:clrMapOvr>
+  <mc:AlternateContent xmlns:mc="http://schemas.openxmlformats.org/markup-compatibility/2006" xmlns:p14="http://schemas.microsoft.com/office/powerpoint/2010/main">
+    <mc:Choice Requires="p14">
+      <p:transition spd="slow" p14:dur="1500">
+        <p:split orient="vert"/>
+      </p:transition>
+    </mc:Choice>
+    <mc:Fallback xmlns="">
+      <p:transition spd="slow">
+        <p:split orient="vert"/>
+      </p:transition>
+    </mc:Fallback>
+  </mc:AlternateContent>
   <p:timing>
     <p:tnLst>
       <p:par>
@@ -7818,14 +9375,14 @@
           <p:nvPr>
             <p:extLst>
               <p:ext uri="{D42A27DB-BD31-4B8C-83A1-F6EECF244321}">
-                <p14:modId xmlns:p14="http://schemas.microsoft.com/office/powerpoint/2010/main" val="2248913882"/>
+                <p14:modId xmlns:p14="http://schemas.microsoft.com/office/powerpoint/2010/main" val="456861284"/>
               </p:ext>
             </p:extLst>
           </p:nvPr>
         </p:nvGraphicFramePr>
         <p:xfrm>
-          <a:off x="605927" y="539915"/>
-          <a:ext cx="8235502" cy="5046949"/>
+          <a:off x="612647" y="656243"/>
+          <a:ext cx="8125333" cy="5217708"/>
         </p:xfrm>
         <a:graphic>
           <a:graphicData uri="http://schemas.openxmlformats.org/drawingml/2006/table">
@@ -7834,14 +9391,14 @@
                 <a:tableStyleId>{F5AB1C69-6EDB-4FF4-983F-18BD219EF322}</a:tableStyleId>
               </a:tblPr>
               <a:tblGrid>
-                <a:gridCol w="1831263">
+                <a:gridCol w="1806766">
                   <a:extLst>
                     <a:ext uri="{9D8B030D-6E8A-4147-A177-3AD203B41FA5}">
                       <a16:colId xmlns:a16="http://schemas.microsoft.com/office/drawing/2014/main" val="4037179507"/>
                     </a:ext>
                   </a:extLst>
                 </a:gridCol>
-                <a:gridCol w="6404239">
+                <a:gridCol w="6318567">
                   <a:extLst>
                     <a:ext uri="{9D8B030D-6E8A-4147-A177-3AD203B41FA5}">
                       <a16:colId xmlns:a16="http://schemas.microsoft.com/office/drawing/2014/main" val="1696896879"/>
@@ -7887,7 +9444,7 @@
                         </a:spcAft>
                       </a:pPr>
                       <a:r>
-                        <a:rPr lang="en-US" sz="1600" b="0" dirty="0">
+                        <a:rPr lang="en-US" sz="1800" b="0" dirty="0">
                           <a:solidFill>
                             <a:schemeClr val="tx1"/>
                           </a:solidFill>
@@ -7897,7 +9454,7 @@
                         </a:rPr>
                         <a:t>Google Sheet is a spreadsheet application included as part of the free, web-based Google Docs Editors suite offered by Google. The app allows users to create and edit files online while collaborating with other users in real-time. Edits are tracked by which user made them, along with a revision history. </a:t>
                       </a:r>
-                      <a:endParaRPr lang="fr-FR" sz="1600" b="0" dirty="0">
+                      <a:endParaRPr lang="fr-FR" sz="1800" b="0" dirty="0">
                         <a:solidFill>
                           <a:schemeClr val="tx1"/>
                         </a:solidFill>
@@ -7961,7 +9518,7 @@
                         </a:spcAft>
                       </a:pPr>
                       <a:r>
-                        <a:rPr lang="en-US" sz="1600">
+                        <a:rPr lang="en-US" sz="1800" dirty="0">
                           <a:effectLst/>
                           <a:latin typeface="Times New Roman" panose="02020603050405020304" pitchFamily="18" charset="0"/>
                           <a:cs typeface="Times New Roman" panose="02020603050405020304" pitchFamily="18" charset="0"/>
@@ -7969,7 +9526,7 @@
                         <a:t>Google Slides is a </a:t>
                       </a:r>
                       <a:r>
-                        <a:rPr lang="en-US" sz="1600" u="sng">
+                        <a:rPr lang="en-US" sz="1800" u="sng" dirty="0">
                           <a:effectLst/>
                           <a:latin typeface="Times New Roman" panose="02020603050405020304" pitchFamily="18" charset="0"/>
                           <a:cs typeface="Times New Roman" panose="02020603050405020304" pitchFamily="18" charset="0"/>
@@ -7978,7 +9535,7 @@
                         <a:t>presentation program</a:t>
                       </a:r>
                       <a:r>
-                        <a:rPr lang="en-US" sz="1600">
+                        <a:rPr lang="en-US" sz="1800" dirty="0">
                           <a:effectLst/>
                           <a:latin typeface="Times New Roman" panose="02020603050405020304" pitchFamily="18" charset="0"/>
                           <a:cs typeface="Times New Roman" panose="02020603050405020304" pitchFamily="18" charset="0"/>
@@ -7986,7 +9543,7 @@
                         <a:t> included as part of the free, </a:t>
                       </a:r>
                       <a:r>
-                        <a:rPr lang="en-US" sz="1600" u="sng">
+                        <a:rPr lang="en-US" sz="1800" u="sng" dirty="0">
                           <a:effectLst/>
                           <a:latin typeface="Times New Roman" panose="02020603050405020304" pitchFamily="18" charset="0"/>
                           <a:cs typeface="Times New Roman" panose="02020603050405020304" pitchFamily="18" charset="0"/>
@@ -7995,7 +9552,7 @@
                         <a:t>web-based</a:t>
                       </a:r>
                       <a:r>
-                        <a:rPr lang="en-US" sz="1600">
+                        <a:rPr lang="en-US" sz="1800" dirty="0">
                           <a:effectLst/>
                           <a:latin typeface="Times New Roman" panose="02020603050405020304" pitchFamily="18" charset="0"/>
                           <a:cs typeface="Times New Roman" panose="02020603050405020304" pitchFamily="18" charset="0"/>
@@ -8003,7 +9560,7 @@
                         <a:t> </a:t>
                       </a:r>
                       <a:r>
-                        <a:rPr lang="en-US" sz="1600" u="sng">
+                        <a:rPr lang="en-US" sz="1800" u="sng" dirty="0">
                           <a:effectLst/>
                           <a:latin typeface="Times New Roman" panose="02020603050405020304" pitchFamily="18" charset="0"/>
                           <a:cs typeface="Times New Roman" panose="02020603050405020304" pitchFamily="18" charset="0"/>
@@ -8012,7 +9569,7 @@
                         <a:t>Google Docs</a:t>
                       </a:r>
                       <a:r>
-                        <a:rPr lang="en-US" sz="1600">
+                        <a:rPr lang="en-US" sz="1800" dirty="0">
                           <a:effectLst/>
                           <a:latin typeface="Times New Roman" panose="02020603050405020304" pitchFamily="18" charset="0"/>
                           <a:cs typeface="Times New Roman" panose="02020603050405020304" pitchFamily="18" charset="0"/>
@@ -8020,7 +9577,7 @@
                         <a:t> suite offered by </a:t>
                       </a:r>
                       <a:r>
-                        <a:rPr lang="en-US" sz="1600" u="sng">
+                        <a:rPr lang="en-US" sz="1800" u="sng" dirty="0">
                           <a:effectLst/>
                           <a:latin typeface="Times New Roman" panose="02020603050405020304" pitchFamily="18" charset="0"/>
                           <a:cs typeface="Times New Roman" panose="02020603050405020304" pitchFamily="18" charset="0"/>
@@ -8029,14 +9586,14 @@
                         <a:t>Google</a:t>
                       </a:r>
                       <a:r>
-                        <a:rPr lang="en-US" sz="1600">
+                        <a:rPr lang="en-US" sz="1800" dirty="0">
                           <a:effectLst/>
                           <a:latin typeface="Times New Roman" panose="02020603050405020304" pitchFamily="18" charset="0"/>
                           <a:cs typeface="Times New Roman" panose="02020603050405020304" pitchFamily="18" charset="0"/>
                         </a:rPr>
                         <a:t>. The app allows users to create and edit files online while collaborating with other users in real-time. Those edits are tracked by a user with a revision history presenting changes. </a:t>
                       </a:r>
-                      <a:endParaRPr lang="fr-FR" sz="1600">
+                      <a:endParaRPr lang="fr-FR" sz="1800" dirty="0">
                         <a:effectLst/>
                         <a:latin typeface="Times New Roman" panose="02020603050405020304" pitchFamily="18" charset="0"/>
                         <a:ea typeface="Calibri" panose="020F0502020204030204" pitchFamily="34" charset="0"/>
@@ -8066,7 +9623,7 @@
                           <a:spcPts val="1000"/>
                         </a:spcAft>
                       </a:pPr>
-                      <a:endParaRPr lang="fr-FR" sz="1100">
+                      <a:endParaRPr lang="fr-FR" sz="1100" dirty="0">
                         <a:effectLst/>
                         <a:latin typeface="Calibri" panose="020F0502020204030204" pitchFamily="34" charset="0"/>
                         <a:ea typeface="Calibri" panose="020F0502020204030204" pitchFamily="34" charset="0"/>
@@ -8090,14 +9647,14 @@
                         </a:spcAft>
                       </a:pPr>
                       <a:r>
-                        <a:rPr lang="en-US" sz="1600" dirty="0">
+                        <a:rPr lang="en-US" sz="1800" dirty="0">
                           <a:effectLst/>
                           <a:latin typeface="Times New Roman" panose="02020603050405020304" pitchFamily="18" charset="0"/>
                           <a:cs typeface="Times New Roman" panose="02020603050405020304" pitchFamily="18" charset="0"/>
                         </a:rPr>
                         <a:t>Google Classroom is a free blended learning platform developed by Google for educational institutions that aims to simplify creating, distributing, and grading assignments. The primary purpose of Google Classroom is to streamline the process of sharing files between teachers and students. As of 2021, approximately 150 million users use Google Classroom.</a:t>
                       </a:r>
-                      <a:endParaRPr lang="fr-FR" sz="1600" dirty="0">
+                      <a:endParaRPr lang="fr-FR" sz="1800" dirty="0">
                         <a:effectLst/>
                         <a:latin typeface="Times New Roman" panose="02020603050405020304" pitchFamily="18" charset="0"/>
                         <a:ea typeface="Calibri" panose="020F0502020204030204" pitchFamily="34" charset="0"/>
@@ -8146,7 +9703,7 @@
         </p:blipFill>
         <p:spPr bwMode="auto">
           <a:xfrm>
-            <a:off x="1201711" y="996498"/>
+            <a:off x="1183801" y="1226646"/>
             <a:ext cx="549275" cy="549275"/>
           </a:xfrm>
           <a:prstGeom prst="rect">
@@ -8193,7 +9750,7 @@
         </p:blipFill>
         <p:spPr bwMode="auto">
           <a:xfrm>
-            <a:off x="1201711" y="2889566"/>
+            <a:off x="1221902" y="2895600"/>
             <a:ext cx="555625" cy="533400"/>
           </a:xfrm>
           <a:prstGeom prst="rect">
@@ -8240,7 +9797,7 @@
         </p:blipFill>
         <p:spPr bwMode="auto">
           <a:xfrm>
-            <a:off x="1119161" y="4238215"/>
+            <a:off x="1139352" y="4624300"/>
             <a:ext cx="638175" cy="533400"/>
           </a:xfrm>
           <a:prstGeom prst="rect">
@@ -8268,6 +9825,18 @@
   <p:clrMapOvr>
     <a:masterClrMapping/>
   </p:clrMapOvr>
+  <mc:AlternateContent xmlns:mc="http://schemas.openxmlformats.org/markup-compatibility/2006" xmlns:p14="http://schemas.microsoft.com/office/powerpoint/2010/main">
+    <mc:Choice Requires="p14">
+      <p:transition spd="slow" p14:dur="1500">
+        <p:split orient="vert"/>
+      </p:transition>
+    </mc:Choice>
+    <mc:Fallback xmlns="">
+      <p:transition spd="slow">
+        <p:split orient="vert"/>
+      </p:transition>
+    </mc:Fallback>
+  </mc:AlternateContent>
   <p:timing>
     <p:tnLst>
       <p:par>
@@ -8598,6 +10167,3162 @@
 </p:sld>
 </file>
 
+<file path=ppt/slides/slide12.xml><?xml version="1.0" encoding="utf-8"?>
+<p:sld xmlns:a="http://schemas.openxmlformats.org/drawingml/2006/main" xmlns:r="http://schemas.openxmlformats.org/officeDocument/2006/relationships" xmlns:p="http://schemas.openxmlformats.org/presentationml/2006/main">
+  <p:cSld>
+    <p:spTree>
+      <p:nvGrpSpPr>
+        <p:cNvPr id="1" name=""/>
+        <p:cNvGrpSpPr/>
+        <p:nvPr/>
+      </p:nvGrpSpPr>
+      <p:grpSpPr>
+        <a:xfrm>
+          <a:off x="0" y="0"/>
+          <a:ext cx="0" cy="0"/>
+          <a:chOff x="0" y="0"/>
+          <a:chExt cx="0" cy="0"/>
+        </a:xfrm>
+      </p:grpSpPr>
+      <p:sp>
+        <p:nvSpPr>
+          <p:cNvPr id="6" name="ZoneTexte 5">
+            <a:extLst>
+              <a:ext uri="{FF2B5EF4-FFF2-40B4-BE49-F238E27FC236}">
+                <a16:creationId xmlns:a16="http://schemas.microsoft.com/office/drawing/2014/main" id="{9A340D9D-58D8-14E7-264B-C2BE51EB1811}"/>
+              </a:ext>
+            </a:extLst>
+          </p:cNvPr>
+          <p:cNvSpPr txBox="1"/>
+          <p:nvPr/>
+        </p:nvSpPr>
+        <p:spPr>
+          <a:xfrm>
+            <a:off x="186598" y="227013"/>
+            <a:ext cx="9100621" cy="2927083"/>
+          </a:xfrm>
+          <a:prstGeom prst="rect">
+            <a:avLst/>
+          </a:prstGeom>
+          <a:noFill/>
+        </p:spPr>
+        <p:txBody>
+          <a:bodyPr wrap="square" rtlCol="0">
+            <a:spAutoFit/>
+          </a:bodyPr>
+          <a:lstStyle/>
+          <a:p>
+            <a:pPr marL="342900" lvl="0" indent="-342900" algn="just">
+              <a:lnSpc>
+                <a:spcPct val="150000"/>
+              </a:lnSpc>
+              <a:spcAft>
+                <a:spcPts val="1000"/>
+              </a:spcAft>
+              <a:buClr>
+                <a:schemeClr val="accent2">
+                  <a:lumMod val="75000"/>
+                </a:schemeClr>
+              </a:buClr>
+              <a:buFont typeface="Symbol" panose="05050102010706020507" pitchFamily="18" charset="2"/>
+              <a:buChar char=""/>
+            </a:pPr>
+            <a:r>
+              <a:rPr lang="en-US" sz="1800" b="1" i="1" dirty="0">
+                <a:solidFill>
+                  <a:schemeClr val="accent2">
+                    <a:lumMod val="75000"/>
+                  </a:schemeClr>
+                </a:solidFill>
+                <a:effectLst/>
+                <a:latin typeface="Times New Roman" panose="02020603050405020304" pitchFamily="18" charset="0"/>
+              </a:rPr>
+              <a:t>Microsoft tools</a:t>
+            </a:r>
+            <a:endParaRPr lang="fr-FR" sz="1800" b="1" i="1" dirty="0">
+              <a:solidFill>
+                <a:schemeClr val="accent2">
+                  <a:lumMod val="75000"/>
+                </a:schemeClr>
+              </a:solidFill>
+              <a:effectLst/>
+              <a:latin typeface="Times New Roman" panose="02020603050405020304" pitchFamily="18" charset="0"/>
+            </a:endParaRPr>
+          </a:p>
+          <a:p>
+            <a:pPr marL="228600" indent="228600" algn="just">
+              <a:lnSpc>
+                <a:spcPct val="150000"/>
+              </a:lnSpc>
+              <a:spcAft>
+                <a:spcPts val="1000"/>
+              </a:spcAft>
+            </a:pPr>
+            <a:r>
+              <a:rPr lang="en-US" sz="1800" dirty="0">
+                <a:solidFill>
+                  <a:srgbClr val="000000"/>
+                </a:solidFill>
+                <a:effectLst/>
+                <a:latin typeface="Times New Roman" panose="02020603050405020304" pitchFamily="18" charset="0"/>
+                <a:ea typeface="Calibri" panose="020F0502020204030204" pitchFamily="34" charset="0"/>
+                <a:cs typeface="Arial" panose="020B0604020202020204" pitchFamily="34" charset="0"/>
+              </a:rPr>
+              <a:t>Microsoft offers a wide range of tools and services that cater to various needs, including productivity, collaboration, development, and cloud computing. Here are some key Microsoft tools:</a:t>
+            </a:r>
+          </a:p>
+          <a:p>
+            <a:pPr marL="228600" indent="228600" algn="just">
+              <a:lnSpc>
+                <a:spcPct val="150000"/>
+              </a:lnSpc>
+              <a:spcAft>
+                <a:spcPts val="1000"/>
+              </a:spcAft>
+            </a:pPr>
+            <a:endParaRPr lang="en-US" sz="1800" dirty="0">
+              <a:solidFill>
+                <a:srgbClr val="000000"/>
+              </a:solidFill>
+              <a:effectLst/>
+              <a:latin typeface="Times New Roman" panose="02020603050405020304" pitchFamily="18" charset="0"/>
+              <a:ea typeface="Calibri" panose="020F0502020204030204" pitchFamily="34" charset="0"/>
+              <a:cs typeface="Arial" panose="020B0604020202020204" pitchFamily="34" charset="0"/>
+            </a:endParaRPr>
+          </a:p>
+          <a:p>
+            <a:pPr marL="228600" indent="228600" algn="just">
+              <a:lnSpc>
+                <a:spcPct val="150000"/>
+              </a:lnSpc>
+              <a:spcAft>
+                <a:spcPts val="1000"/>
+              </a:spcAft>
+            </a:pPr>
+            <a:endParaRPr lang="fr-FR" sz="1800" dirty="0">
+              <a:effectLst/>
+              <a:latin typeface="Calibri" panose="020F0502020204030204" pitchFamily="34" charset="0"/>
+              <a:ea typeface="Calibri" panose="020F0502020204030204" pitchFamily="34" charset="0"/>
+              <a:cs typeface="Arial" panose="020B0604020202020204" pitchFamily="34" charset="0"/>
+            </a:endParaRPr>
+          </a:p>
+        </p:txBody>
+      </p:sp>
+      <p:graphicFrame>
+        <p:nvGraphicFramePr>
+          <p:cNvPr id="15" name="Tableau 14">
+            <a:extLst>
+              <a:ext uri="{FF2B5EF4-FFF2-40B4-BE49-F238E27FC236}">
+                <a16:creationId xmlns:a16="http://schemas.microsoft.com/office/drawing/2014/main" id="{7E529470-F2A3-1F1C-DFA7-4D9EA3279DD5}"/>
+              </a:ext>
+            </a:extLst>
+          </p:cNvPr>
+          <p:cNvGraphicFramePr>
+            <a:graphicFrameLocks noGrp="1"/>
+          </p:cNvGraphicFramePr>
+          <p:nvPr>
+            <p:extLst>
+              <p:ext uri="{D42A27DB-BD31-4B8C-83A1-F6EECF244321}">
+                <p14:modId xmlns:p14="http://schemas.microsoft.com/office/powerpoint/2010/main" val="260436982"/>
+              </p:ext>
+            </p:extLst>
+          </p:nvPr>
+        </p:nvGraphicFramePr>
+        <p:xfrm>
+          <a:off x="667166" y="2118524"/>
+          <a:ext cx="7645707" cy="4134168"/>
+        </p:xfrm>
+        <a:graphic>
+          <a:graphicData uri="http://schemas.openxmlformats.org/drawingml/2006/table">
+            <a:tbl>
+              <a:tblPr firstRow="1" firstCol="1" bandRow="1">
+                <a:tableStyleId>{F5AB1C69-6EDB-4FF4-983F-18BD219EF322}</a:tableStyleId>
+              </a:tblPr>
+              <a:tblGrid>
+                <a:gridCol w="1270183">
+                  <a:extLst>
+                    <a:ext uri="{9D8B030D-6E8A-4147-A177-3AD203B41FA5}">
+                      <a16:colId xmlns:a16="http://schemas.microsoft.com/office/drawing/2014/main" val="2322612230"/>
+                    </a:ext>
+                  </a:extLst>
+                </a:gridCol>
+                <a:gridCol w="6375524">
+                  <a:extLst>
+                    <a:ext uri="{9D8B030D-6E8A-4147-A177-3AD203B41FA5}">
+                      <a16:colId xmlns:a16="http://schemas.microsoft.com/office/drawing/2014/main" val="815752491"/>
+                    </a:ext>
+                  </a:extLst>
+                </a:gridCol>
+              </a:tblGrid>
+              <a:tr h="363340">
+                <a:tc gridSpan="2">
+                  <a:txBody>
+                    <a:bodyPr/>
+                    <a:lstStyle/>
+                    <a:p>
+                      <a:pPr marL="457200" algn="ctr">
+                        <a:lnSpc>
+                          <a:spcPct val="150000"/>
+                        </a:lnSpc>
+                        <a:spcAft>
+                          <a:spcPts val="1000"/>
+                        </a:spcAft>
+                      </a:pPr>
+                      <a:r>
+                        <a:rPr lang="en-US" sz="2000" dirty="0">
+                          <a:solidFill>
+                            <a:schemeClr val="tx2"/>
+                          </a:solidFill>
+                          <a:effectLst/>
+                          <a:latin typeface="Times New Roman" panose="02020603050405020304" pitchFamily="18" charset="0"/>
+                          <a:cs typeface="Times New Roman" panose="02020603050405020304" pitchFamily="18" charset="0"/>
+                        </a:rPr>
+                        <a:t>MICROSOFT 365</a:t>
+                      </a:r>
+                      <a:endParaRPr lang="fr-FR" sz="2000" dirty="0">
+                        <a:solidFill>
+                          <a:schemeClr val="tx2"/>
+                        </a:solidFill>
+                        <a:effectLst/>
+                        <a:latin typeface="Times New Roman" panose="02020603050405020304" pitchFamily="18" charset="0"/>
+                        <a:ea typeface="Calibri" panose="020F0502020204030204" pitchFamily="34" charset="0"/>
+                        <a:cs typeface="Times New Roman" panose="02020603050405020304" pitchFamily="18" charset="0"/>
+                      </a:endParaRPr>
+                    </a:p>
+                  </a:txBody>
+                  <a:tcPr marL="68580" marR="68580" marT="0" marB="0"/>
+                </a:tc>
+                <a:tc hMerge="1">
+                  <a:txBody>
+                    <a:bodyPr/>
+                    <a:lstStyle/>
+                    <a:p>
+                      <a:endParaRPr lang="fr-FR"/>
+                    </a:p>
+                  </a:txBody>
+                  <a:tcPr/>
+                </a:tc>
+                <a:extLst>
+                  <a:ext uri="{0D108BD9-81ED-4DB2-BD59-A6C34878D82A}">
+                    <a16:rowId xmlns:a16="http://schemas.microsoft.com/office/drawing/2014/main" val="4029414111"/>
+                  </a:ext>
+                </a:extLst>
+              </a:tr>
+              <a:tr h="1579057">
+                <a:tc>
+                  <a:txBody>
+                    <a:bodyPr/>
+                    <a:lstStyle/>
+                    <a:p>
+                      <a:pPr algn="just">
+                        <a:lnSpc>
+                          <a:spcPct val="150000"/>
+                        </a:lnSpc>
+                        <a:spcAft>
+                          <a:spcPts val="1000"/>
+                        </a:spcAft>
+                      </a:pPr>
+                      <a:endParaRPr lang="en-US" sz="1800" dirty="0">
+                        <a:effectLst/>
+                        <a:latin typeface="Times New Roman" panose="02020603050405020304" pitchFamily="18" charset="0"/>
+                        <a:ea typeface="Calibri" panose="020F0502020204030204" pitchFamily="34" charset="0"/>
+                        <a:cs typeface="Times New Roman" panose="02020603050405020304" pitchFamily="18" charset="0"/>
+                      </a:endParaRPr>
+                    </a:p>
+                  </a:txBody>
+                  <a:tcPr marL="68580" marR="68580" marT="0" marB="0"/>
+                </a:tc>
+                <a:tc>
+                  <a:txBody>
+                    <a:bodyPr/>
+                    <a:lstStyle/>
+                    <a:p>
+                      <a:pPr algn="just">
+                        <a:lnSpc>
+                          <a:spcPct val="150000"/>
+                        </a:lnSpc>
+                        <a:spcAft>
+                          <a:spcPts val="1000"/>
+                        </a:spcAft>
+                      </a:pPr>
+                      <a:r>
+                        <a:rPr lang="en-US" sz="1800" dirty="0">
+                          <a:effectLst/>
+                          <a:highlight>
+                            <a:srgbClr val="C0C0C0"/>
+                          </a:highlight>
+                          <a:latin typeface="Times New Roman" panose="02020603050405020304" pitchFamily="18" charset="0"/>
+                          <a:cs typeface="Times New Roman" panose="02020603050405020304" pitchFamily="18" charset="0"/>
+                        </a:rPr>
+                        <a:t>Microsoft Word: </a:t>
+                      </a:r>
+                      <a:r>
+                        <a:rPr lang="en-US" sz="1800" dirty="0">
+                          <a:effectLst/>
+                          <a:latin typeface="Times New Roman" panose="02020603050405020304" pitchFamily="18" charset="0"/>
+                          <a:cs typeface="Times New Roman" panose="02020603050405020304" pitchFamily="18" charset="0"/>
+                        </a:rPr>
+                        <a:t>A word processing application for creating and editing documents that was developed by Microsoft . It was first released on October 25, 1983, under the name</a:t>
+                      </a:r>
+                      <a:r>
+                        <a:rPr lang="en-US" sz="1800" dirty="0">
+                          <a:effectLst/>
+                          <a:highlight>
+                            <a:srgbClr val="C0C0C0"/>
+                          </a:highlight>
+                          <a:latin typeface="Times New Roman" panose="02020603050405020304" pitchFamily="18" charset="0"/>
+                          <a:cs typeface="Times New Roman" panose="02020603050405020304" pitchFamily="18" charset="0"/>
+                        </a:rPr>
+                        <a:t> Multi-Tool </a:t>
+                      </a:r>
+                      <a:r>
+                        <a:rPr lang="en-US" sz="1800" dirty="0">
+                          <a:effectLst/>
+                          <a:latin typeface="Times New Roman" panose="02020603050405020304" pitchFamily="18" charset="0"/>
+                          <a:cs typeface="Times New Roman" panose="02020603050405020304" pitchFamily="18" charset="0"/>
+                        </a:rPr>
+                        <a:t>Word for </a:t>
+                      </a:r>
+                      <a:r>
+                        <a:rPr lang="en-US" sz="1800" dirty="0" err="1">
+                          <a:effectLst/>
+                          <a:latin typeface="Times New Roman" panose="02020603050405020304" pitchFamily="18" charset="0"/>
+                          <a:cs typeface="Times New Roman" panose="02020603050405020304" pitchFamily="18" charset="0"/>
+                        </a:rPr>
+                        <a:t>Xenix</a:t>
+                      </a:r>
+                      <a:r>
+                        <a:rPr lang="en-US" sz="1800" dirty="0">
+                          <a:effectLst/>
+                          <a:latin typeface="Times New Roman" panose="02020603050405020304" pitchFamily="18" charset="0"/>
+                          <a:cs typeface="Times New Roman" panose="02020603050405020304" pitchFamily="18" charset="0"/>
+                        </a:rPr>
+                        <a:t> systems.</a:t>
+                      </a:r>
+                      <a:endParaRPr lang="fr-FR" sz="1800" dirty="0">
+                        <a:effectLst/>
+                        <a:latin typeface="Times New Roman" panose="02020603050405020304" pitchFamily="18" charset="0"/>
+                        <a:ea typeface="Calibri" panose="020F0502020204030204" pitchFamily="34" charset="0"/>
+                        <a:cs typeface="Times New Roman" panose="02020603050405020304" pitchFamily="18" charset="0"/>
+                      </a:endParaRPr>
+                    </a:p>
+                  </a:txBody>
+                  <a:tcPr marL="68580" marR="68580" marT="0" marB="0"/>
+                </a:tc>
+                <a:extLst>
+                  <a:ext uri="{0D108BD9-81ED-4DB2-BD59-A6C34878D82A}">
+                    <a16:rowId xmlns:a16="http://schemas.microsoft.com/office/drawing/2014/main" val="3061921403"/>
+                  </a:ext>
+                </a:extLst>
+              </a:tr>
+              <a:tr h="2124090">
+                <a:tc>
+                  <a:txBody>
+                    <a:bodyPr/>
+                    <a:lstStyle/>
+                    <a:p>
+                      <a:pPr algn="just">
+                        <a:lnSpc>
+                          <a:spcPct val="150000"/>
+                        </a:lnSpc>
+                        <a:spcAft>
+                          <a:spcPts val="1000"/>
+                        </a:spcAft>
+                      </a:pPr>
+                      <a:endParaRPr lang="en-US" sz="1800" dirty="0">
+                        <a:effectLst/>
+                        <a:latin typeface="Times New Roman" panose="02020603050405020304" pitchFamily="18" charset="0"/>
+                        <a:ea typeface="Calibri" panose="020F0502020204030204" pitchFamily="34" charset="0"/>
+                        <a:cs typeface="Times New Roman" panose="02020603050405020304" pitchFamily="18" charset="0"/>
+                      </a:endParaRPr>
+                    </a:p>
+                  </a:txBody>
+                  <a:tcPr marL="68580" marR="68580" marT="0" marB="0"/>
+                </a:tc>
+                <a:tc>
+                  <a:txBody>
+                    <a:bodyPr/>
+                    <a:lstStyle/>
+                    <a:p>
+                      <a:pPr marL="0" marR="0" lvl="0" indent="0" algn="just" defTabSz="457200" rtl="0" eaLnBrk="1" fontAlgn="auto" latinLnBrk="0" hangingPunct="1">
+                        <a:lnSpc>
+                          <a:spcPct val="150000"/>
+                        </a:lnSpc>
+                        <a:spcBef>
+                          <a:spcPts val="0"/>
+                        </a:spcBef>
+                        <a:spcAft>
+                          <a:spcPts val="1000"/>
+                        </a:spcAft>
+                        <a:buClrTx/>
+                        <a:buSzTx/>
+                        <a:buFontTx/>
+                        <a:buNone/>
+                        <a:tabLst/>
+                        <a:defRPr/>
+                      </a:pPr>
+                      <a:r>
+                        <a:rPr lang="en-US" sz="1800" dirty="0">
+                          <a:effectLst/>
+                          <a:highlight>
+                            <a:srgbClr val="C0C0C0"/>
+                          </a:highlight>
+                          <a:latin typeface="Times New Roman" panose="02020603050405020304" pitchFamily="18" charset="0"/>
+                          <a:cs typeface="Times New Roman" panose="02020603050405020304" pitchFamily="18" charset="0"/>
+                        </a:rPr>
+                        <a:t>Microsoft Excel: </a:t>
+                      </a:r>
+                      <a:r>
+                        <a:rPr lang="en-US" sz="1800" dirty="0">
+                          <a:effectLst/>
+                          <a:latin typeface="Times New Roman" panose="02020603050405020304" pitchFamily="18" charset="0"/>
+                          <a:cs typeface="Times New Roman" panose="02020603050405020304" pitchFamily="18" charset="0"/>
+                        </a:rPr>
+                        <a:t>A spreadsheet application for data analysis and visualization. It features calculation or computation capabilities, graphing tools, pivot tables, and a macro programming language called Visual Basic for Applications (VBA).</a:t>
+                      </a:r>
+                      <a:endParaRPr lang="fr-FR" sz="1800" dirty="0">
+                        <a:effectLst/>
+                        <a:latin typeface="Times New Roman" panose="02020603050405020304" pitchFamily="18" charset="0"/>
+                        <a:ea typeface="Calibri" panose="020F0502020204030204" pitchFamily="34" charset="0"/>
+                        <a:cs typeface="Times New Roman" panose="02020603050405020304" pitchFamily="18" charset="0"/>
+                      </a:endParaRPr>
+                    </a:p>
+                    <a:p>
+                      <a:pPr algn="just">
+                        <a:lnSpc>
+                          <a:spcPct val="150000"/>
+                        </a:lnSpc>
+                        <a:spcAft>
+                          <a:spcPts val="1000"/>
+                        </a:spcAft>
+                      </a:pPr>
+                      <a:endParaRPr lang="fr-FR" sz="1800" dirty="0">
+                        <a:effectLst/>
+                        <a:latin typeface="Times New Roman" panose="02020603050405020304" pitchFamily="18" charset="0"/>
+                        <a:cs typeface="Times New Roman" panose="02020603050405020304" pitchFamily="18" charset="0"/>
+                      </a:endParaRPr>
+                    </a:p>
+                  </a:txBody>
+                  <a:tcPr marL="68580" marR="68580" marT="0" marB="0"/>
+                </a:tc>
+                <a:extLst>
+                  <a:ext uri="{0D108BD9-81ED-4DB2-BD59-A6C34878D82A}">
+                    <a16:rowId xmlns:a16="http://schemas.microsoft.com/office/drawing/2014/main" val="490208689"/>
+                  </a:ext>
+                </a:extLst>
+              </a:tr>
+            </a:tbl>
+          </a:graphicData>
+        </a:graphic>
+      </p:graphicFrame>
+      <p:pic>
+        <p:nvPicPr>
+          <p:cNvPr id="10" name="Image 9" descr="Une image contenant symbole, Rectangle, Police, Graphique&#10;&#10;Description générée automatiquement">
+            <a:extLst>
+              <a:ext uri="{FF2B5EF4-FFF2-40B4-BE49-F238E27FC236}">
+                <a16:creationId xmlns:a16="http://schemas.microsoft.com/office/drawing/2014/main" id="{F683813E-3B9B-2847-38AA-2E7E87B4B791}"/>
+              </a:ext>
+            </a:extLst>
+          </p:cNvPr>
+          <p:cNvPicPr>
+            <a:picLocks noChangeAspect="1"/>
+          </p:cNvPicPr>
+          <p:nvPr/>
+        </p:nvPicPr>
+        <p:blipFill>
+          <a:blip r:embed="rId3"/>
+          <a:stretch>
+            <a:fillRect/>
+          </a:stretch>
+        </p:blipFill>
+        <p:spPr>
+          <a:xfrm>
+            <a:off x="885885" y="4670531"/>
+            <a:ext cx="866132" cy="750151"/>
+          </a:xfrm>
+          <a:prstGeom prst="rect">
+            <a:avLst/>
+          </a:prstGeom>
+        </p:spPr>
+      </p:pic>
+      <p:pic>
+        <p:nvPicPr>
+          <p:cNvPr id="12" name="Image 11" descr="Une image contenant capture d’écran, Graphique, Bleu électrique, Police&#10;&#10;Description générée automatiquement">
+            <a:extLst>
+              <a:ext uri="{FF2B5EF4-FFF2-40B4-BE49-F238E27FC236}">
+                <a16:creationId xmlns:a16="http://schemas.microsoft.com/office/drawing/2014/main" id="{5DB4802A-FBDA-D415-E470-8619AA52C68E}"/>
+              </a:ext>
+            </a:extLst>
+          </p:cNvPr>
+          <p:cNvPicPr>
+            <a:picLocks noChangeAspect="1"/>
+          </p:cNvPicPr>
+          <p:nvPr/>
+        </p:nvPicPr>
+        <p:blipFill>
+          <a:blip r:embed="rId4"/>
+          <a:stretch>
+            <a:fillRect/>
+          </a:stretch>
+        </p:blipFill>
+        <p:spPr>
+          <a:xfrm>
+            <a:off x="1123629" y="2972305"/>
+            <a:ext cx="705172" cy="750151"/>
+          </a:xfrm>
+          <a:prstGeom prst="rect">
+            <a:avLst/>
+          </a:prstGeom>
+        </p:spPr>
+      </p:pic>
+    </p:spTree>
+    <p:extLst>
+      <p:ext uri="{BB962C8B-B14F-4D97-AF65-F5344CB8AC3E}">
+        <p14:creationId xmlns:p14="http://schemas.microsoft.com/office/powerpoint/2010/main" val="2676184725"/>
+      </p:ext>
+    </p:extLst>
+  </p:cSld>
+  <p:clrMapOvr>
+    <a:masterClrMapping/>
+  </p:clrMapOvr>
+  <mc:AlternateContent xmlns:mc="http://schemas.openxmlformats.org/markup-compatibility/2006" xmlns:p14="http://schemas.microsoft.com/office/powerpoint/2010/main">
+    <mc:Choice Requires="p14">
+      <p:transition spd="slow" p14:dur="1500">
+        <p:split orient="vert"/>
+      </p:transition>
+    </mc:Choice>
+    <mc:Fallback xmlns="">
+      <p:transition spd="slow">
+        <p:split orient="vert"/>
+      </p:transition>
+    </mc:Fallback>
+  </mc:AlternateContent>
+</p:sld>
+</file>
+
+<file path=ppt/slides/slide13.xml><?xml version="1.0" encoding="utf-8"?>
+<p:sld xmlns:a="http://schemas.openxmlformats.org/drawingml/2006/main" xmlns:r="http://schemas.openxmlformats.org/officeDocument/2006/relationships" xmlns:p="http://schemas.openxmlformats.org/presentationml/2006/main">
+  <p:cSld>
+    <p:spTree>
+      <p:nvGrpSpPr>
+        <p:cNvPr id="1" name=""/>
+        <p:cNvGrpSpPr/>
+        <p:nvPr/>
+      </p:nvGrpSpPr>
+      <p:grpSpPr>
+        <a:xfrm>
+          <a:off x="0" y="0"/>
+          <a:ext cx="0" cy="0"/>
+          <a:chOff x="0" y="0"/>
+          <a:chExt cx="0" cy="0"/>
+        </a:xfrm>
+      </p:grpSpPr>
+      <p:graphicFrame>
+        <p:nvGraphicFramePr>
+          <p:cNvPr id="3" name="Tableau 2">
+            <a:extLst>
+              <a:ext uri="{FF2B5EF4-FFF2-40B4-BE49-F238E27FC236}">
+                <a16:creationId xmlns:a16="http://schemas.microsoft.com/office/drawing/2014/main" id="{5C4D185E-ED66-C4D3-CF50-B9A6528F132F}"/>
+              </a:ext>
+            </a:extLst>
+          </p:cNvPr>
+          <p:cNvGraphicFramePr>
+            <a:graphicFrameLocks noGrp="1"/>
+          </p:cNvGraphicFramePr>
+          <p:nvPr>
+            <p:extLst>
+              <p:ext uri="{D42A27DB-BD31-4B8C-83A1-F6EECF244321}">
+                <p14:modId xmlns:p14="http://schemas.microsoft.com/office/powerpoint/2010/main" val="3542550506"/>
+              </p:ext>
+            </p:extLst>
+          </p:nvPr>
+        </p:nvGraphicFramePr>
+        <p:xfrm>
+          <a:off x="338328" y="274147"/>
+          <a:ext cx="8476488" cy="5617459"/>
+        </p:xfrm>
+        <a:graphic>
+          <a:graphicData uri="http://schemas.openxmlformats.org/drawingml/2006/table">
+            <a:tbl>
+              <a:tblPr firstRow="1" firstCol="1" bandRow="1">
+                <a:tableStyleId>{F5AB1C69-6EDB-4FF4-983F-18BD219EF322}</a:tableStyleId>
+              </a:tblPr>
+              <a:tblGrid>
+                <a:gridCol w="1738446">
+                  <a:extLst>
+                    <a:ext uri="{9D8B030D-6E8A-4147-A177-3AD203B41FA5}">
+                      <a16:colId xmlns:a16="http://schemas.microsoft.com/office/drawing/2014/main" val="4166276043"/>
+                    </a:ext>
+                  </a:extLst>
+                </a:gridCol>
+                <a:gridCol w="6738042">
+                  <a:extLst>
+                    <a:ext uri="{9D8B030D-6E8A-4147-A177-3AD203B41FA5}">
+                      <a16:colId xmlns:a16="http://schemas.microsoft.com/office/drawing/2014/main" val="2565007689"/>
+                    </a:ext>
+                  </a:extLst>
+                </a:gridCol>
+              </a:tblGrid>
+              <a:tr h="1164311">
+                <a:tc>
+                  <a:txBody>
+                    <a:bodyPr/>
+                    <a:lstStyle/>
+                    <a:p>
+                      <a:pPr algn="just">
+                        <a:lnSpc>
+                          <a:spcPct val="150000"/>
+                        </a:lnSpc>
+                        <a:spcAft>
+                          <a:spcPts val="1000"/>
+                        </a:spcAft>
+                      </a:pPr>
+                      <a:endParaRPr lang="en-US" sz="1800" dirty="0">
+                        <a:effectLst/>
+                        <a:latin typeface="Times New Roman" panose="02020603050405020304" pitchFamily="18" charset="0"/>
+                        <a:ea typeface="Calibri" panose="020F0502020204030204" pitchFamily="34" charset="0"/>
+                        <a:cs typeface="Times New Roman" panose="02020603050405020304" pitchFamily="18" charset="0"/>
+                      </a:endParaRPr>
+                    </a:p>
+                  </a:txBody>
+                  <a:tcPr marL="45429" marR="45429" marT="0" marB="0"/>
+                </a:tc>
+                <a:tc>
+                  <a:txBody>
+                    <a:bodyPr/>
+                    <a:lstStyle/>
+                    <a:p>
+                      <a:pPr algn="just">
+                        <a:lnSpc>
+                          <a:spcPct val="150000"/>
+                        </a:lnSpc>
+                        <a:spcAft>
+                          <a:spcPts val="1000"/>
+                        </a:spcAft>
+                      </a:pPr>
+                      <a:r>
+                        <a:rPr lang="en-US" sz="1800" b="0" dirty="0">
+                          <a:solidFill>
+                            <a:schemeClr val="tx2"/>
+                          </a:solidFill>
+                          <a:effectLst/>
+                          <a:highlight>
+                            <a:srgbClr val="C0C0C0"/>
+                          </a:highlight>
+                          <a:latin typeface="Times New Roman" panose="02020603050405020304" pitchFamily="18" charset="0"/>
+                          <a:cs typeface="Times New Roman" panose="02020603050405020304" pitchFamily="18" charset="0"/>
+                        </a:rPr>
+                        <a:t>Microsoft PowerPoint: </a:t>
+                      </a:r>
+                      <a:r>
+                        <a:rPr lang="en-US" sz="1800" b="0" dirty="0">
+                          <a:solidFill>
+                            <a:schemeClr val="tx2"/>
+                          </a:solidFill>
+                          <a:effectLst/>
+                          <a:latin typeface="Times New Roman" panose="02020603050405020304" pitchFamily="18" charset="0"/>
+                          <a:cs typeface="Times New Roman" panose="02020603050405020304" pitchFamily="18" charset="0"/>
+                        </a:rPr>
+                        <a:t>is a presentation program developed by Microsoft. PowerPoint presentations are widely used for creating slideshows for business, education, and other purposes.</a:t>
+                      </a:r>
+                      <a:endParaRPr lang="en-US" sz="1800" b="0" dirty="0">
+                        <a:solidFill>
+                          <a:schemeClr val="tx2"/>
+                        </a:solidFill>
+                        <a:effectLst/>
+                        <a:latin typeface="Times New Roman" panose="02020603050405020304" pitchFamily="18" charset="0"/>
+                        <a:ea typeface="Calibri" panose="020F0502020204030204" pitchFamily="34" charset="0"/>
+                        <a:cs typeface="Times New Roman" panose="02020603050405020304" pitchFamily="18" charset="0"/>
+                      </a:endParaRPr>
+                    </a:p>
+                  </a:txBody>
+                  <a:tcPr marL="45429" marR="45429" marT="0" marB="0"/>
+                </a:tc>
+                <a:extLst>
+                  <a:ext uri="{0D108BD9-81ED-4DB2-BD59-A6C34878D82A}">
+                    <a16:rowId xmlns:a16="http://schemas.microsoft.com/office/drawing/2014/main" val="1333223022"/>
+                  </a:ext>
+                </a:extLst>
+              </a:tr>
+              <a:tr h="1340933">
+                <a:tc>
+                  <a:txBody>
+                    <a:bodyPr/>
+                    <a:lstStyle/>
+                    <a:p>
+                      <a:pPr algn="just">
+                        <a:lnSpc>
+                          <a:spcPct val="150000"/>
+                        </a:lnSpc>
+                        <a:spcAft>
+                          <a:spcPts val="1000"/>
+                        </a:spcAft>
+                      </a:pPr>
+                      <a:endParaRPr lang="en-US" sz="1800" dirty="0">
+                        <a:effectLst/>
+                        <a:latin typeface="Times New Roman" panose="02020603050405020304" pitchFamily="18" charset="0"/>
+                        <a:ea typeface="Calibri" panose="020F0502020204030204" pitchFamily="34" charset="0"/>
+                        <a:cs typeface="Times New Roman" panose="02020603050405020304" pitchFamily="18" charset="0"/>
+                      </a:endParaRPr>
+                    </a:p>
+                  </a:txBody>
+                  <a:tcPr marL="45429" marR="45429" marT="0" marB="0"/>
+                </a:tc>
+                <a:tc>
+                  <a:txBody>
+                    <a:bodyPr/>
+                    <a:lstStyle/>
+                    <a:p>
+                      <a:pPr algn="just">
+                        <a:lnSpc>
+                          <a:spcPct val="150000"/>
+                        </a:lnSpc>
+                        <a:spcAft>
+                          <a:spcPts val="1000"/>
+                        </a:spcAft>
+                      </a:pPr>
+                      <a:r>
+                        <a:rPr lang="en-US" sz="1800" dirty="0">
+                          <a:solidFill>
+                            <a:schemeClr val="tx2"/>
+                          </a:solidFill>
+                          <a:effectLst/>
+                          <a:highlight>
+                            <a:srgbClr val="C0C0C0"/>
+                          </a:highlight>
+                          <a:latin typeface="Times New Roman" panose="02020603050405020304" pitchFamily="18" charset="0"/>
+                          <a:cs typeface="Times New Roman" panose="02020603050405020304" pitchFamily="18" charset="0"/>
+                        </a:rPr>
+                        <a:t>Microsoft Outlook: </a:t>
+                      </a:r>
+                      <a:r>
+                        <a:rPr lang="en-US" sz="1800" dirty="0">
+                          <a:solidFill>
+                            <a:schemeClr val="tx2"/>
+                          </a:solidFill>
+                          <a:effectLst/>
+                          <a:latin typeface="Times New Roman" panose="02020603050405020304" pitchFamily="18" charset="0"/>
+                          <a:cs typeface="Times New Roman" panose="02020603050405020304" pitchFamily="18" charset="0"/>
+                        </a:rPr>
+                        <a:t>is a personal information manager software system from Microsoft, available as a part of the Microsoft 365 software suites. Though primarily being popular as an email client for businesses.</a:t>
+                      </a:r>
+                      <a:endParaRPr lang="en-US" sz="1800" dirty="0">
+                        <a:solidFill>
+                          <a:schemeClr val="tx2"/>
+                        </a:solidFill>
+                        <a:effectLst/>
+                        <a:latin typeface="Times New Roman" panose="02020603050405020304" pitchFamily="18" charset="0"/>
+                        <a:ea typeface="Calibri" panose="020F0502020204030204" pitchFamily="34" charset="0"/>
+                        <a:cs typeface="Times New Roman" panose="02020603050405020304" pitchFamily="18" charset="0"/>
+                      </a:endParaRPr>
+                    </a:p>
+                  </a:txBody>
+                  <a:tcPr marL="45429" marR="45429" marT="0" marB="0"/>
+                </a:tc>
+                <a:extLst>
+                  <a:ext uri="{0D108BD9-81ED-4DB2-BD59-A6C34878D82A}">
+                    <a16:rowId xmlns:a16="http://schemas.microsoft.com/office/drawing/2014/main" val="2538866278"/>
+                  </a:ext>
+                </a:extLst>
+              </a:tr>
+              <a:tr h="1164311">
+                <a:tc>
+                  <a:txBody>
+                    <a:bodyPr/>
+                    <a:lstStyle/>
+                    <a:p>
+                      <a:pPr algn="just">
+                        <a:lnSpc>
+                          <a:spcPct val="150000"/>
+                        </a:lnSpc>
+                        <a:spcAft>
+                          <a:spcPts val="1000"/>
+                        </a:spcAft>
+                      </a:pPr>
+                      <a:endParaRPr lang="en-US" sz="1800" dirty="0">
+                        <a:effectLst/>
+                        <a:latin typeface="Times New Roman" panose="02020603050405020304" pitchFamily="18" charset="0"/>
+                        <a:ea typeface="Calibri" panose="020F0502020204030204" pitchFamily="34" charset="0"/>
+                        <a:cs typeface="Times New Roman" panose="02020603050405020304" pitchFamily="18" charset="0"/>
+                      </a:endParaRPr>
+                    </a:p>
+                  </a:txBody>
+                  <a:tcPr marL="45429" marR="45429" marT="0" marB="0"/>
+                </a:tc>
+                <a:tc>
+                  <a:txBody>
+                    <a:bodyPr/>
+                    <a:lstStyle/>
+                    <a:p>
+                      <a:pPr algn="just">
+                        <a:lnSpc>
+                          <a:spcPct val="150000"/>
+                        </a:lnSpc>
+                        <a:spcAft>
+                          <a:spcPts val="1000"/>
+                        </a:spcAft>
+                      </a:pPr>
+                      <a:r>
+                        <a:rPr lang="en-US" sz="1800" dirty="0">
+                          <a:solidFill>
+                            <a:schemeClr val="tx2"/>
+                          </a:solidFill>
+                          <a:effectLst/>
+                          <a:highlight>
+                            <a:srgbClr val="C0C0C0"/>
+                          </a:highlight>
+                          <a:latin typeface="Times New Roman" panose="02020603050405020304" pitchFamily="18" charset="0"/>
+                          <a:cs typeface="Times New Roman" panose="02020603050405020304" pitchFamily="18" charset="0"/>
+                        </a:rPr>
+                        <a:t>Microsoft OneNote: </a:t>
+                      </a:r>
+                      <a:r>
+                        <a:rPr lang="en-US" sz="1800" dirty="0">
+                          <a:solidFill>
+                            <a:schemeClr val="tx2"/>
+                          </a:solidFill>
+                          <a:effectLst/>
+                          <a:latin typeface="Times New Roman" panose="02020603050405020304" pitchFamily="18" charset="0"/>
+                          <a:cs typeface="Times New Roman" panose="02020603050405020304" pitchFamily="18" charset="0"/>
+                        </a:rPr>
+                        <a:t>is a note-taking software developed by Microsoft. It is available as part of the Microsoft 365 suite and since 2014 has been free on all platforms outside the suite.</a:t>
+                      </a:r>
+                      <a:endParaRPr lang="en-US" sz="1800" dirty="0">
+                        <a:solidFill>
+                          <a:schemeClr val="tx2"/>
+                        </a:solidFill>
+                        <a:effectLst/>
+                        <a:latin typeface="Times New Roman" panose="02020603050405020304" pitchFamily="18" charset="0"/>
+                        <a:ea typeface="Calibri" panose="020F0502020204030204" pitchFamily="34" charset="0"/>
+                        <a:cs typeface="Times New Roman" panose="02020603050405020304" pitchFamily="18" charset="0"/>
+                      </a:endParaRPr>
+                    </a:p>
+                  </a:txBody>
+                  <a:tcPr marL="45429" marR="45429" marT="0" marB="0"/>
+                </a:tc>
+                <a:extLst>
+                  <a:ext uri="{0D108BD9-81ED-4DB2-BD59-A6C34878D82A}">
+                    <a16:rowId xmlns:a16="http://schemas.microsoft.com/office/drawing/2014/main" val="554758535"/>
+                  </a:ext>
+                </a:extLst>
+              </a:tr>
+              <a:tr h="355831">
+                <a:tc gridSpan="2">
+                  <a:txBody>
+                    <a:bodyPr/>
+                    <a:lstStyle/>
+                    <a:p>
+                      <a:pPr marL="457200" algn="ctr">
+                        <a:lnSpc>
+                          <a:spcPct val="150000"/>
+                        </a:lnSpc>
+                        <a:spcAft>
+                          <a:spcPts val="1000"/>
+                        </a:spcAft>
+                      </a:pPr>
+                      <a:r>
+                        <a:rPr lang="en-US" sz="1800" dirty="0">
+                          <a:solidFill>
+                            <a:schemeClr val="tx2"/>
+                          </a:solidFill>
+                          <a:effectLst/>
+                          <a:latin typeface="Times New Roman" panose="02020603050405020304" pitchFamily="18" charset="0"/>
+                          <a:cs typeface="Times New Roman" panose="02020603050405020304" pitchFamily="18" charset="0"/>
+                        </a:rPr>
+                        <a:t>VISUAL STUDIO</a:t>
+                      </a:r>
+                      <a:endParaRPr lang="fr-FR" sz="1800" dirty="0">
+                        <a:solidFill>
+                          <a:schemeClr val="tx2"/>
+                        </a:solidFill>
+                        <a:effectLst/>
+                        <a:latin typeface="Times New Roman" panose="02020603050405020304" pitchFamily="18" charset="0"/>
+                        <a:ea typeface="Calibri" panose="020F0502020204030204" pitchFamily="34" charset="0"/>
+                        <a:cs typeface="Times New Roman" panose="02020603050405020304" pitchFamily="18" charset="0"/>
+                      </a:endParaRPr>
+                    </a:p>
+                  </a:txBody>
+                  <a:tcPr marL="45429" marR="45429" marT="0" marB="0"/>
+                </a:tc>
+                <a:tc hMerge="1">
+                  <a:txBody>
+                    <a:bodyPr/>
+                    <a:lstStyle/>
+                    <a:p>
+                      <a:endParaRPr lang="fr-FR"/>
+                    </a:p>
+                  </a:txBody>
+                  <a:tcPr/>
+                </a:tc>
+                <a:extLst>
+                  <a:ext uri="{0D108BD9-81ED-4DB2-BD59-A6C34878D82A}">
+                    <a16:rowId xmlns:a16="http://schemas.microsoft.com/office/drawing/2014/main" val="309003027"/>
+                  </a:ext>
+                </a:extLst>
+              </a:tr>
+              <a:tr h="995354">
+                <a:tc rowSpan="2">
+                  <a:txBody>
+                    <a:bodyPr/>
+                    <a:lstStyle/>
+                    <a:p>
+                      <a:pPr algn="just">
+                        <a:lnSpc>
+                          <a:spcPct val="150000"/>
+                        </a:lnSpc>
+                        <a:spcAft>
+                          <a:spcPts val="1000"/>
+                        </a:spcAft>
+                      </a:pPr>
+                      <a:endParaRPr lang="en-US" sz="1800">
+                        <a:effectLst/>
+                        <a:latin typeface="Times New Roman" panose="02020603050405020304" pitchFamily="18" charset="0"/>
+                        <a:ea typeface="Calibri" panose="020F0502020204030204" pitchFamily="34" charset="0"/>
+                        <a:cs typeface="Times New Roman" panose="02020603050405020304" pitchFamily="18" charset="0"/>
+                      </a:endParaRPr>
+                    </a:p>
+                  </a:txBody>
+                  <a:tcPr marL="45429" marR="45429" marT="0" marB="0"/>
+                </a:tc>
+                <a:tc>
+                  <a:txBody>
+                    <a:bodyPr/>
+                    <a:lstStyle/>
+                    <a:p>
+                      <a:pPr algn="just">
+                        <a:lnSpc>
+                          <a:spcPct val="150000"/>
+                        </a:lnSpc>
+                        <a:spcAft>
+                          <a:spcPts val="1000"/>
+                        </a:spcAft>
+                      </a:pPr>
+                      <a:r>
+                        <a:rPr lang="en-US" sz="1800" dirty="0">
+                          <a:solidFill>
+                            <a:schemeClr val="tx2"/>
+                          </a:solidFill>
+                          <a:effectLst/>
+                          <a:highlight>
+                            <a:srgbClr val="C0C0C0"/>
+                          </a:highlight>
+                          <a:latin typeface="Times New Roman" panose="02020603050405020304" pitchFamily="18" charset="0"/>
+                          <a:cs typeface="Times New Roman" panose="02020603050405020304" pitchFamily="18" charset="0"/>
+                        </a:rPr>
+                        <a:t>Visual Studio IDE: </a:t>
+                      </a:r>
+                      <a:r>
+                        <a:rPr lang="en-US" sz="1800" dirty="0">
+                          <a:solidFill>
+                            <a:schemeClr val="tx2"/>
+                          </a:solidFill>
+                          <a:effectLst/>
+                          <a:latin typeface="Times New Roman" panose="02020603050405020304" pitchFamily="18" charset="0"/>
+                          <a:cs typeface="Times New Roman" panose="02020603050405020304" pitchFamily="18" charset="0"/>
+                        </a:rPr>
+                        <a:t>An integrated development environment for building applications for Windows, Android, iOS, and web applications.</a:t>
+                      </a:r>
+                    </a:p>
+                  </a:txBody>
+                  <a:tcPr marL="45429" marR="45429" marT="0" marB="0"/>
+                </a:tc>
+                <a:extLst>
+                  <a:ext uri="{0D108BD9-81ED-4DB2-BD59-A6C34878D82A}">
+                    <a16:rowId xmlns:a16="http://schemas.microsoft.com/office/drawing/2014/main" val="2986597669"/>
+                  </a:ext>
+                </a:extLst>
+              </a:tr>
+              <a:tr h="538986">
+                <a:tc vMerge="1">
+                  <a:txBody>
+                    <a:bodyPr/>
+                    <a:lstStyle/>
+                    <a:p>
+                      <a:endParaRPr lang="fr-FR"/>
+                    </a:p>
+                  </a:txBody>
+                  <a:tcPr/>
+                </a:tc>
+                <a:tc>
+                  <a:txBody>
+                    <a:bodyPr/>
+                    <a:lstStyle/>
+                    <a:p>
+                      <a:r>
+                        <a:rPr lang="en-US" sz="1800" dirty="0">
+                          <a:solidFill>
+                            <a:schemeClr val="tx2"/>
+                          </a:solidFill>
+                          <a:effectLst/>
+                          <a:highlight>
+                            <a:srgbClr val="C0C0C0"/>
+                          </a:highlight>
+                          <a:latin typeface="Times New Roman" panose="02020603050405020304" pitchFamily="18" charset="0"/>
+                          <a:cs typeface="Times New Roman" panose="02020603050405020304" pitchFamily="18" charset="0"/>
+                        </a:rPr>
+                        <a:t>Visual Studio Code: </a:t>
+                      </a:r>
+                      <a:r>
+                        <a:rPr lang="en-US" sz="1800" dirty="0">
+                          <a:solidFill>
+                            <a:schemeClr val="tx2"/>
+                          </a:solidFill>
+                          <a:effectLst/>
+                          <a:latin typeface="Times New Roman" panose="02020603050405020304" pitchFamily="18" charset="0"/>
+                          <a:cs typeface="Times New Roman" panose="02020603050405020304" pitchFamily="18" charset="0"/>
+                        </a:rPr>
+                        <a:t>A lightweight, open-source code editor with support for various programming languages.</a:t>
+                      </a:r>
+                      <a:endParaRPr lang="fr-FR" dirty="0">
+                        <a:solidFill>
+                          <a:schemeClr val="tx2"/>
+                        </a:solidFill>
+                        <a:latin typeface="Times New Roman" panose="02020603050405020304" pitchFamily="18" charset="0"/>
+                        <a:cs typeface="Times New Roman" panose="02020603050405020304" pitchFamily="18" charset="0"/>
+                      </a:endParaRPr>
+                    </a:p>
+                  </a:txBody>
+                  <a:tcPr marL="45429" marR="45429" marT="0" marB="0"/>
+                </a:tc>
+                <a:extLst>
+                  <a:ext uri="{0D108BD9-81ED-4DB2-BD59-A6C34878D82A}">
+                    <a16:rowId xmlns:a16="http://schemas.microsoft.com/office/drawing/2014/main" val="2232003033"/>
+                  </a:ext>
+                </a:extLst>
+              </a:tr>
+            </a:tbl>
+          </a:graphicData>
+        </a:graphic>
+      </p:graphicFrame>
+      <p:pic>
+        <p:nvPicPr>
+          <p:cNvPr id="6152" name="Picture 23">
+            <a:extLst>
+              <a:ext uri="{FF2B5EF4-FFF2-40B4-BE49-F238E27FC236}">
+                <a16:creationId xmlns:a16="http://schemas.microsoft.com/office/drawing/2014/main" id="{5985C68D-8816-B820-3443-334970E8DDAD}"/>
+              </a:ext>
+            </a:extLst>
+          </p:cNvPr>
+          <p:cNvPicPr>
+            <a:picLocks noChangeAspect="1" noChangeArrowheads="1"/>
+          </p:cNvPicPr>
+          <p:nvPr/>
+        </p:nvPicPr>
+        <p:blipFill>
+          <a:blip r:embed="rId2">
+            <a:extLst>
+              <a:ext uri="{28A0092B-C50C-407E-A947-70E740481C1C}">
+                <a14:useLocalDpi xmlns:a14="http://schemas.microsoft.com/office/drawing/2010/main" val="0"/>
+              </a:ext>
+            </a:extLst>
+          </a:blip>
+          <a:srcRect/>
+          <a:stretch>
+            <a:fillRect/>
+          </a:stretch>
+        </p:blipFill>
+        <p:spPr bwMode="auto">
+          <a:xfrm>
+            <a:off x="966176" y="575335"/>
+            <a:ext cx="528637" cy="492125"/>
+          </a:xfrm>
+          <a:prstGeom prst="rect">
+            <a:avLst/>
+          </a:prstGeom>
+          <a:noFill/>
+          <a:extLst>
+            <a:ext uri="{909E8E84-426E-40DD-AFC4-6F175D3DCCD1}">
+              <a14:hiddenFill xmlns:a14="http://schemas.microsoft.com/office/drawing/2010/main">
+                <a:solidFill>
+                  <a:srgbClr val="FFFFFF"/>
+                </a:solidFill>
+              </a14:hiddenFill>
+            </a:ext>
+          </a:extLst>
+        </p:spPr>
+      </p:pic>
+      <p:pic>
+        <p:nvPicPr>
+          <p:cNvPr id="6151" name="Picture 25">
+            <a:extLst>
+              <a:ext uri="{FF2B5EF4-FFF2-40B4-BE49-F238E27FC236}">
+                <a16:creationId xmlns:a16="http://schemas.microsoft.com/office/drawing/2014/main" id="{47BF3C8D-49C3-6D2A-F521-74B89E8E06F0}"/>
+              </a:ext>
+            </a:extLst>
+          </p:cNvPr>
+          <p:cNvPicPr>
+            <a:picLocks noChangeAspect="1" noChangeArrowheads="1"/>
+          </p:cNvPicPr>
+          <p:nvPr/>
+        </p:nvPicPr>
+        <p:blipFill>
+          <a:blip r:embed="rId3">
+            <a:extLst>
+              <a:ext uri="{28A0092B-C50C-407E-A947-70E740481C1C}">
+                <a14:useLocalDpi xmlns:a14="http://schemas.microsoft.com/office/drawing/2010/main" val="0"/>
+              </a:ext>
+            </a:extLst>
+          </a:blip>
+          <a:srcRect/>
+          <a:stretch>
+            <a:fillRect/>
+          </a:stretch>
+        </p:blipFill>
+        <p:spPr bwMode="auto">
+          <a:xfrm>
+            <a:off x="937601" y="1860774"/>
+            <a:ext cx="557212" cy="517525"/>
+          </a:xfrm>
+          <a:prstGeom prst="rect">
+            <a:avLst/>
+          </a:prstGeom>
+          <a:noFill/>
+          <a:extLst>
+            <a:ext uri="{909E8E84-426E-40DD-AFC4-6F175D3DCCD1}">
+              <a14:hiddenFill xmlns:a14="http://schemas.microsoft.com/office/drawing/2010/main">
+                <a:solidFill>
+                  <a:srgbClr val="FFFFFF"/>
+                </a:solidFill>
+              </a14:hiddenFill>
+            </a:ext>
+          </a:extLst>
+        </p:spPr>
+      </p:pic>
+      <p:pic>
+        <p:nvPicPr>
+          <p:cNvPr id="6150" name="Picture 13">
+            <a:extLst>
+              <a:ext uri="{FF2B5EF4-FFF2-40B4-BE49-F238E27FC236}">
+                <a16:creationId xmlns:a16="http://schemas.microsoft.com/office/drawing/2014/main" id="{D9C44402-07F4-A1EF-71DC-EF3A075DA2A3}"/>
+              </a:ext>
+            </a:extLst>
+          </p:cNvPr>
+          <p:cNvPicPr>
+            <a:picLocks noChangeAspect="1" noChangeArrowheads="1"/>
+          </p:cNvPicPr>
+          <p:nvPr/>
+        </p:nvPicPr>
+        <p:blipFill>
+          <a:blip r:embed="rId4">
+            <a:extLst>
+              <a:ext uri="{28A0092B-C50C-407E-A947-70E740481C1C}">
+                <a14:useLocalDpi xmlns:a14="http://schemas.microsoft.com/office/drawing/2010/main" val="0"/>
+              </a:ext>
+            </a:extLst>
+          </a:blip>
+          <a:srcRect/>
+          <a:stretch>
+            <a:fillRect/>
+          </a:stretch>
+        </p:blipFill>
+        <p:spPr bwMode="auto">
+          <a:xfrm>
+            <a:off x="945538" y="3047627"/>
+            <a:ext cx="541338" cy="541337"/>
+          </a:xfrm>
+          <a:prstGeom prst="rect">
+            <a:avLst/>
+          </a:prstGeom>
+          <a:noFill/>
+          <a:extLst>
+            <a:ext uri="{909E8E84-426E-40DD-AFC4-6F175D3DCCD1}">
+              <a14:hiddenFill xmlns:a14="http://schemas.microsoft.com/office/drawing/2010/main">
+                <a:solidFill>
+                  <a:srgbClr val="FFFFFF"/>
+                </a:solidFill>
+              </a14:hiddenFill>
+            </a:ext>
+          </a:extLst>
+        </p:spPr>
+      </p:pic>
+      <p:pic>
+        <p:nvPicPr>
+          <p:cNvPr id="6149" name="Picture 14">
+            <a:extLst>
+              <a:ext uri="{FF2B5EF4-FFF2-40B4-BE49-F238E27FC236}">
+                <a16:creationId xmlns:a16="http://schemas.microsoft.com/office/drawing/2014/main" id="{791DFB55-A62D-E18D-3313-26CEEFFCC6AA}"/>
+              </a:ext>
+            </a:extLst>
+          </p:cNvPr>
+          <p:cNvPicPr>
+            <a:picLocks noChangeAspect="1" noChangeArrowheads="1"/>
+          </p:cNvPicPr>
+          <p:nvPr/>
+        </p:nvPicPr>
+        <p:blipFill>
+          <a:blip r:embed="rId5">
+            <a:extLst>
+              <a:ext uri="{28A0092B-C50C-407E-A947-70E740481C1C}">
+                <a14:useLocalDpi xmlns:a14="http://schemas.microsoft.com/office/drawing/2010/main" val="0"/>
+              </a:ext>
+            </a:extLst>
+          </a:blip>
+          <a:srcRect/>
+          <a:stretch>
+            <a:fillRect/>
+          </a:stretch>
+        </p:blipFill>
+        <p:spPr bwMode="auto">
+          <a:xfrm>
+            <a:off x="1025952" y="4927620"/>
+            <a:ext cx="401637" cy="365125"/>
+          </a:xfrm>
+          <a:prstGeom prst="rect">
+            <a:avLst/>
+          </a:prstGeom>
+          <a:noFill/>
+          <a:extLst>
+            <a:ext uri="{909E8E84-426E-40DD-AFC4-6F175D3DCCD1}">
+              <a14:hiddenFill xmlns:a14="http://schemas.microsoft.com/office/drawing/2010/main">
+                <a:solidFill>
+                  <a:srgbClr val="FFFFFF"/>
+                </a:solidFill>
+              </a14:hiddenFill>
+            </a:ext>
+          </a:extLst>
+        </p:spPr>
+      </p:pic>
+    </p:spTree>
+    <p:extLst>
+      <p:ext uri="{BB962C8B-B14F-4D97-AF65-F5344CB8AC3E}">
+        <p14:creationId xmlns:p14="http://schemas.microsoft.com/office/powerpoint/2010/main" val="2961191062"/>
+      </p:ext>
+    </p:extLst>
+  </p:cSld>
+  <p:clrMapOvr>
+    <a:masterClrMapping/>
+  </p:clrMapOvr>
+  <mc:AlternateContent xmlns:mc="http://schemas.openxmlformats.org/markup-compatibility/2006" xmlns:p14="http://schemas.microsoft.com/office/powerpoint/2010/main">
+    <mc:Choice Requires="p14">
+      <p:transition spd="slow" p14:dur="1500">
+        <p:split orient="vert"/>
+      </p:transition>
+    </mc:Choice>
+    <mc:Fallback xmlns="">
+      <p:transition spd="slow">
+        <p:split orient="vert"/>
+      </p:transition>
+    </mc:Fallback>
+  </mc:AlternateContent>
+</p:sld>
+</file>
+
+<file path=ppt/slides/slide14.xml><?xml version="1.0" encoding="utf-8"?>
+<p:sld xmlns:a="http://schemas.openxmlformats.org/drawingml/2006/main" xmlns:r="http://schemas.openxmlformats.org/officeDocument/2006/relationships" xmlns:p="http://schemas.openxmlformats.org/presentationml/2006/main">
+  <p:cSld>
+    <p:spTree>
+      <p:nvGrpSpPr>
+        <p:cNvPr id="1" name=""/>
+        <p:cNvGrpSpPr/>
+        <p:nvPr/>
+      </p:nvGrpSpPr>
+      <p:grpSpPr>
+        <a:xfrm>
+          <a:off x="0" y="0"/>
+          <a:ext cx="0" cy="0"/>
+          <a:chOff x="0" y="0"/>
+          <a:chExt cx="0" cy="0"/>
+        </a:xfrm>
+      </p:grpSpPr>
+      <p:sp>
+        <p:nvSpPr>
+          <p:cNvPr id="2" name="ZoneTexte 1">
+            <a:extLst>
+              <a:ext uri="{FF2B5EF4-FFF2-40B4-BE49-F238E27FC236}">
+                <a16:creationId xmlns:a16="http://schemas.microsoft.com/office/drawing/2014/main" id="{9BBD504D-0EAF-4953-94F0-F3E204F16644}"/>
+              </a:ext>
+            </a:extLst>
+          </p:cNvPr>
+          <p:cNvSpPr txBox="1"/>
+          <p:nvPr/>
+        </p:nvSpPr>
+        <p:spPr>
+          <a:xfrm>
+            <a:off x="176269" y="0"/>
+            <a:ext cx="8725359" cy="6659580"/>
+          </a:xfrm>
+          <a:prstGeom prst="rect">
+            <a:avLst/>
+          </a:prstGeom>
+          <a:noFill/>
+        </p:spPr>
+        <p:txBody>
+          <a:bodyPr wrap="square" rtlCol="0">
+            <a:spAutoFit/>
+          </a:bodyPr>
+          <a:lstStyle/>
+          <a:p>
+            <a:pPr indent="228600" algn="just">
+              <a:lnSpc>
+                <a:spcPct val="150000"/>
+              </a:lnSpc>
+              <a:spcAft>
+                <a:spcPts val="1000"/>
+              </a:spcAft>
+            </a:pPr>
+            <a:r>
+              <a:rPr lang="en-US" sz="1800" dirty="0">
+                <a:effectLst/>
+                <a:latin typeface="Times New Roman" panose="02020603050405020304" pitchFamily="18" charset="0"/>
+                <a:ea typeface="Calibri" panose="020F0502020204030204" pitchFamily="34" charset="0"/>
+                <a:cs typeface="Arial" panose="020B0604020202020204" pitchFamily="34" charset="0"/>
+              </a:rPr>
+              <a:t>These Microsoft tools are designed to support a broad range of tasks, from personal productivity to enterprise-level development and cloud services. They often integrate seamlessly with each other, providing a comprehensive ecosystem for individuals and organizations</a:t>
+            </a:r>
+            <a:r>
+              <a:rPr lang="en-US" sz="1800" dirty="0">
+                <a:solidFill>
+                  <a:srgbClr val="374151"/>
+                </a:solidFill>
+                <a:effectLst/>
+                <a:latin typeface="Times New Roman" panose="02020603050405020304" pitchFamily="18" charset="0"/>
+                <a:ea typeface="Calibri" panose="020F0502020204030204" pitchFamily="34" charset="0"/>
+                <a:cs typeface="Arial" panose="020B0604020202020204" pitchFamily="34" charset="0"/>
+              </a:rPr>
+              <a:t>.</a:t>
+            </a:r>
+            <a:endParaRPr lang="fr-FR" sz="1800" dirty="0">
+              <a:effectLst/>
+              <a:latin typeface="Calibri" panose="020F0502020204030204" pitchFamily="34" charset="0"/>
+              <a:ea typeface="Calibri" panose="020F0502020204030204" pitchFamily="34" charset="0"/>
+              <a:cs typeface="Arial" panose="020B0604020202020204" pitchFamily="34" charset="0"/>
+            </a:endParaRPr>
+          </a:p>
+          <a:p>
+            <a:pPr marL="342900" lvl="0" indent="-342900" algn="just">
+              <a:lnSpc>
+                <a:spcPct val="150000"/>
+              </a:lnSpc>
+              <a:spcAft>
+                <a:spcPts val="1000"/>
+              </a:spcAft>
+              <a:buClr>
+                <a:schemeClr val="accent3"/>
+              </a:buClr>
+              <a:buFont typeface="Symbol" panose="05050102010706020507" pitchFamily="18" charset="2"/>
+              <a:buChar char=""/>
+            </a:pPr>
+            <a:r>
+              <a:rPr lang="en-US" sz="1800" b="1" i="1" dirty="0">
+                <a:solidFill>
+                  <a:schemeClr val="accent3"/>
+                </a:solidFill>
+                <a:effectLst/>
+                <a:latin typeface="Times New Roman" panose="02020603050405020304" pitchFamily="18" charset="0"/>
+              </a:rPr>
+              <a:t>Git and GitHub:</a:t>
+            </a:r>
+            <a:endParaRPr lang="fr-FR" sz="1800" b="1" i="1" dirty="0">
+              <a:solidFill>
+                <a:schemeClr val="accent3"/>
+              </a:solidFill>
+              <a:effectLst/>
+              <a:latin typeface="Times New Roman" panose="02020603050405020304" pitchFamily="18" charset="0"/>
+            </a:endParaRPr>
+          </a:p>
+          <a:p>
+            <a:pPr indent="228600">
+              <a:lnSpc>
+                <a:spcPct val="150000"/>
+              </a:lnSpc>
+              <a:spcAft>
+                <a:spcPts val="1000"/>
+              </a:spcAft>
+            </a:pPr>
+            <a:r>
+              <a:rPr lang="en-US" sz="1800" dirty="0">
+                <a:effectLst/>
+                <a:latin typeface="Times New Roman" panose="02020603050405020304" pitchFamily="18" charset="0"/>
+                <a:ea typeface="Calibri" panose="020F0502020204030204" pitchFamily="34" charset="0"/>
+                <a:cs typeface="Arial" panose="020B0604020202020204" pitchFamily="34" charset="0"/>
+              </a:rPr>
+              <a:t>Git and GitHub play significant roles in the field of Information and Communication Technology (ICT), particularly in the realm of software development, version control, and collaborative coding. Here's an overview of their relation to ICT:</a:t>
+            </a:r>
+            <a:endParaRPr lang="fr-FR" sz="1800" dirty="0">
+              <a:effectLst/>
+              <a:latin typeface="Calibri" panose="020F0502020204030204" pitchFamily="34" charset="0"/>
+              <a:ea typeface="Calibri" panose="020F0502020204030204" pitchFamily="34" charset="0"/>
+              <a:cs typeface="Arial" panose="020B0604020202020204" pitchFamily="34" charset="0"/>
+            </a:endParaRPr>
+          </a:p>
+          <a:p>
+            <a:pPr marL="800100" lvl="1" indent="-342900">
+              <a:lnSpc>
+                <a:spcPct val="150000"/>
+              </a:lnSpc>
+              <a:buClr>
+                <a:srgbClr val="0070C0"/>
+              </a:buClr>
+              <a:buFont typeface="Wingdings" panose="05000000000000000000" pitchFamily="2" charset="2"/>
+              <a:buChar char=""/>
+            </a:pPr>
+            <a:r>
+              <a:rPr lang="en-US" b="1" dirty="0">
+                <a:solidFill>
+                  <a:srgbClr val="0070C0"/>
+                </a:solidFill>
+                <a:effectLst/>
+                <a:latin typeface="Times New Roman" panose="02020603050405020304" pitchFamily="18" charset="0"/>
+                <a:ea typeface="Calibri" panose="020F0502020204030204" pitchFamily="34" charset="0"/>
+                <a:cs typeface="Arial" panose="020B0604020202020204" pitchFamily="34" charset="0"/>
+              </a:rPr>
+              <a:t>Version Control (Git): </a:t>
+            </a:r>
+            <a:r>
+              <a:rPr lang="en-US" dirty="0">
+                <a:effectLst/>
+                <a:latin typeface="Times New Roman" panose="02020603050405020304" pitchFamily="18" charset="0"/>
+                <a:ea typeface="Calibri" panose="020F0502020204030204" pitchFamily="34" charset="0"/>
+                <a:cs typeface="Arial" panose="020B0604020202020204" pitchFamily="34" charset="0"/>
+              </a:rPr>
+              <a:t>Git is a distributed version control system that allows developers to track changes in their codebase. It is crucial in ICT as it enables multiple developers to work on the same project simultaneously without conflicts, roll back to previous versions, and collaborate effectively.</a:t>
+            </a:r>
+            <a:endParaRPr lang="fr-FR" dirty="0">
+              <a:effectLst/>
+              <a:latin typeface="Calibri" panose="020F0502020204030204" pitchFamily="34" charset="0"/>
+              <a:ea typeface="Calibri" panose="020F0502020204030204" pitchFamily="34" charset="0"/>
+              <a:cs typeface="Arial" panose="020B0604020202020204" pitchFamily="34" charset="0"/>
+            </a:endParaRPr>
+          </a:p>
+          <a:p>
+            <a:pPr marL="800100" lvl="1" indent="-342900">
+              <a:lnSpc>
+                <a:spcPct val="150000"/>
+              </a:lnSpc>
+              <a:buClr>
+                <a:srgbClr val="0070C0"/>
+              </a:buClr>
+              <a:buFont typeface="Wingdings" panose="05000000000000000000" pitchFamily="2" charset="2"/>
+              <a:buChar char=""/>
+            </a:pPr>
+            <a:r>
+              <a:rPr lang="en-US" b="1" dirty="0">
+                <a:solidFill>
+                  <a:srgbClr val="0070C0"/>
+                </a:solidFill>
+                <a:effectLst/>
+                <a:latin typeface="Times New Roman" panose="02020603050405020304" pitchFamily="18" charset="0"/>
+                <a:ea typeface="Calibri" panose="020F0502020204030204" pitchFamily="34" charset="0"/>
+                <a:cs typeface="Arial" panose="020B0604020202020204" pitchFamily="34" charset="0"/>
+              </a:rPr>
+              <a:t>Remote Collaboration (GitHub):</a:t>
+            </a:r>
+            <a:r>
+              <a:rPr lang="en-US" dirty="0">
+                <a:effectLst/>
+                <a:latin typeface="Times New Roman" panose="02020603050405020304" pitchFamily="18" charset="0"/>
+                <a:ea typeface="Calibri" panose="020F0502020204030204" pitchFamily="34" charset="0"/>
+                <a:cs typeface="Arial" panose="020B0604020202020204" pitchFamily="34" charset="0"/>
+              </a:rPr>
+              <a:t> GitHub allows developers to work on projects from different locations. This is especially important in the context of distributed teams and remote work, common in the ICT industry.</a:t>
+            </a:r>
+            <a:endParaRPr lang="fr-FR" dirty="0"/>
+          </a:p>
+        </p:txBody>
+      </p:sp>
+    </p:spTree>
+    <p:extLst>
+      <p:ext uri="{BB962C8B-B14F-4D97-AF65-F5344CB8AC3E}">
+        <p14:creationId xmlns:p14="http://schemas.microsoft.com/office/powerpoint/2010/main" val="1589372400"/>
+      </p:ext>
+    </p:extLst>
+  </p:cSld>
+  <p:clrMapOvr>
+    <a:masterClrMapping/>
+  </p:clrMapOvr>
+  <mc:AlternateContent xmlns:mc="http://schemas.openxmlformats.org/markup-compatibility/2006" xmlns:p14="http://schemas.microsoft.com/office/powerpoint/2010/main">
+    <mc:Choice Requires="p14">
+      <p:transition spd="slow" p14:dur="1500">
+        <p:split orient="vert"/>
+      </p:transition>
+    </mc:Choice>
+    <mc:Fallback xmlns="">
+      <p:transition spd="slow">
+        <p:split orient="vert"/>
+      </p:transition>
+    </mc:Fallback>
+  </mc:AlternateContent>
+</p:sld>
+</file>
+
+<file path=ppt/slides/slide15.xml><?xml version="1.0" encoding="utf-8"?>
+<p:sld xmlns:a="http://schemas.openxmlformats.org/drawingml/2006/main" xmlns:r="http://schemas.openxmlformats.org/officeDocument/2006/relationships" xmlns:p="http://schemas.openxmlformats.org/presentationml/2006/main">
+  <p:cSld>
+    <p:spTree>
+      <p:nvGrpSpPr>
+        <p:cNvPr id="1" name=""/>
+        <p:cNvGrpSpPr/>
+        <p:nvPr/>
+      </p:nvGrpSpPr>
+      <p:grpSpPr>
+        <a:xfrm>
+          <a:off x="0" y="0"/>
+          <a:ext cx="0" cy="0"/>
+          <a:chOff x="0" y="0"/>
+          <a:chExt cx="0" cy="0"/>
+        </a:xfrm>
+      </p:grpSpPr>
+      <p:sp>
+        <p:nvSpPr>
+          <p:cNvPr id="2" name="ZoneTexte 1">
+            <a:extLst>
+              <a:ext uri="{FF2B5EF4-FFF2-40B4-BE49-F238E27FC236}">
+                <a16:creationId xmlns:a16="http://schemas.microsoft.com/office/drawing/2014/main" id="{CFCC5DA9-7501-EADF-E600-EE8F01B62759}"/>
+              </a:ext>
+            </a:extLst>
+          </p:cNvPr>
+          <p:cNvSpPr txBox="1"/>
+          <p:nvPr/>
+        </p:nvSpPr>
+        <p:spPr>
+          <a:xfrm>
+            <a:off x="-198303" y="616944"/>
+            <a:ext cx="9419421" cy="5033879"/>
+          </a:xfrm>
+          <a:prstGeom prst="rect">
+            <a:avLst/>
+          </a:prstGeom>
+          <a:noFill/>
+        </p:spPr>
+        <p:txBody>
+          <a:bodyPr wrap="square" rtlCol="0">
+            <a:spAutoFit/>
+          </a:bodyPr>
+          <a:lstStyle/>
+          <a:p>
+            <a:pPr marL="800100" lvl="1" indent="-342900">
+              <a:lnSpc>
+                <a:spcPct val="150000"/>
+              </a:lnSpc>
+              <a:buClr>
+                <a:srgbClr val="0070C0"/>
+              </a:buClr>
+              <a:buFont typeface="Wingdings" panose="05000000000000000000" pitchFamily="2" charset="2"/>
+              <a:buChar char=""/>
+            </a:pPr>
+            <a:r>
+              <a:rPr lang="en-US" b="1" dirty="0">
+                <a:solidFill>
+                  <a:srgbClr val="0070C0"/>
+                </a:solidFill>
+                <a:effectLst/>
+                <a:latin typeface="Times New Roman" panose="02020603050405020304" pitchFamily="18" charset="0"/>
+                <a:ea typeface="Calibri" panose="020F0502020204030204" pitchFamily="34" charset="0"/>
+                <a:cs typeface="Times New Roman" panose="02020603050405020304" pitchFamily="18" charset="0"/>
+              </a:rPr>
+              <a:t>Code Hosting and Repository Management (GitHub): </a:t>
+            </a:r>
+            <a:r>
+              <a:rPr lang="en-US" dirty="0">
+                <a:effectLst/>
+                <a:latin typeface="Times New Roman" panose="02020603050405020304" pitchFamily="18" charset="0"/>
+                <a:ea typeface="Calibri" panose="020F0502020204030204" pitchFamily="34" charset="0"/>
+                <a:cs typeface="Times New Roman" panose="02020603050405020304" pitchFamily="18" charset="0"/>
+              </a:rPr>
+              <a:t>GitHub serves as a central hub for hosting Git repositories. Developers can push their code to GitHub, making it accessible to others in the team. The repository management features of GitHub are crucial in organizing code, managing access, and ensuring a centralized location for codebase storage.  </a:t>
+            </a:r>
+            <a:endParaRPr lang="fr-FR" dirty="0">
+              <a:effectLst/>
+              <a:latin typeface="Times New Roman" panose="02020603050405020304" pitchFamily="18" charset="0"/>
+              <a:ea typeface="Calibri" panose="020F0502020204030204" pitchFamily="34" charset="0"/>
+              <a:cs typeface="Times New Roman" panose="02020603050405020304" pitchFamily="18" charset="0"/>
+            </a:endParaRPr>
+          </a:p>
+          <a:p>
+            <a:pPr marL="800100" lvl="1" indent="-342900">
+              <a:lnSpc>
+                <a:spcPct val="150000"/>
+              </a:lnSpc>
+              <a:buClr>
+                <a:srgbClr val="0070C0"/>
+              </a:buClr>
+              <a:buFont typeface="Wingdings" panose="05000000000000000000" pitchFamily="2" charset="2"/>
+              <a:buChar char=""/>
+            </a:pPr>
+            <a:r>
+              <a:rPr lang="en-US" b="1" dirty="0">
+                <a:solidFill>
+                  <a:srgbClr val="0070C0"/>
+                </a:solidFill>
+                <a:effectLst/>
+                <a:latin typeface="Times New Roman" panose="02020603050405020304" pitchFamily="18" charset="0"/>
+                <a:ea typeface="Calibri" panose="020F0502020204030204" pitchFamily="34" charset="0"/>
+                <a:cs typeface="Times New Roman" panose="02020603050405020304" pitchFamily="18" charset="0"/>
+              </a:rPr>
+              <a:t>Issue Tracking and Product Management:</a:t>
+            </a:r>
+            <a:r>
+              <a:rPr lang="en-US" dirty="0">
+                <a:effectLst/>
+                <a:latin typeface="Times New Roman" panose="02020603050405020304" pitchFamily="18" charset="0"/>
+                <a:ea typeface="Calibri" panose="020F0502020204030204" pitchFamily="34" charset="0"/>
+                <a:cs typeface="Times New Roman" panose="02020603050405020304" pitchFamily="18" charset="0"/>
+              </a:rPr>
+              <a:t> GitHub provides tools for issue tracking and project management, allowing teams to organize and prioritize tasks. The issue tracking system helps in identifying and resolving problems, tracking feature requests, and managing the overall project lifecycle.</a:t>
+            </a:r>
+            <a:endParaRPr lang="fr-FR" dirty="0">
+              <a:effectLst/>
+              <a:latin typeface="Times New Roman" panose="02020603050405020304" pitchFamily="18" charset="0"/>
+              <a:ea typeface="Calibri" panose="020F0502020204030204" pitchFamily="34" charset="0"/>
+              <a:cs typeface="Times New Roman" panose="02020603050405020304" pitchFamily="18" charset="0"/>
+            </a:endParaRPr>
+          </a:p>
+          <a:p>
+            <a:pPr marL="800100" lvl="1" indent="-342900">
+              <a:lnSpc>
+                <a:spcPct val="150000"/>
+              </a:lnSpc>
+              <a:spcAft>
+                <a:spcPts val="1000"/>
+              </a:spcAft>
+              <a:buClr>
+                <a:srgbClr val="0070C0"/>
+              </a:buClr>
+              <a:buFont typeface="Wingdings" panose="05000000000000000000" pitchFamily="2" charset="2"/>
+              <a:buChar char=""/>
+            </a:pPr>
+            <a:r>
+              <a:rPr lang="en-US" b="1" dirty="0">
+                <a:solidFill>
+                  <a:srgbClr val="0070C0"/>
+                </a:solidFill>
+                <a:effectLst/>
+                <a:latin typeface="Times New Roman" panose="02020603050405020304" pitchFamily="18" charset="0"/>
+                <a:ea typeface="Calibri" panose="020F0502020204030204" pitchFamily="34" charset="0"/>
+                <a:cs typeface="Times New Roman" panose="02020603050405020304" pitchFamily="18" charset="0"/>
+              </a:rPr>
+              <a:t>Open-Source Development:</a:t>
+            </a:r>
+            <a:r>
+              <a:rPr lang="en-US" dirty="0">
+                <a:effectLst/>
+                <a:latin typeface="Times New Roman" panose="02020603050405020304" pitchFamily="18" charset="0"/>
+                <a:ea typeface="Calibri" panose="020F0502020204030204" pitchFamily="34" charset="0"/>
+                <a:cs typeface="Times New Roman" panose="02020603050405020304" pitchFamily="18" charset="0"/>
+              </a:rPr>
+              <a:t> GitHub is a prominent platform for hosting open-source projects, fostering collaboration and community contributions. Many ICT projects, libraries, and frameworks are open source, and GitHub provides a space for developers to contribute, share, and collaborate on such projects</a:t>
+            </a:r>
+            <a:r>
+              <a:rPr lang="en-US" dirty="0">
+                <a:effectLst/>
+                <a:latin typeface="Time new roma"/>
+                <a:ea typeface="Calibri" panose="020F0502020204030204" pitchFamily="34" charset="0"/>
+                <a:cs typeface="Arial" panose="020B0604020202020204" pitchFamily="34" charset="0"/>
+              </a:rPr>
+              <a:t>.</a:t>
+            </a:r>
+            <a:endParaRPr lang="fr-FR" dirty="0">
+              <a:effectLst/>
+              <a:latin typeface="Time new roma"/>
+              <a:ea typeface="Calibri" panose="020F0502020204030204" pitchFamily="34" charset="0"/>
+              <a:cs typeface="Arial" panose="020B0604020202020204" pitchFamily="34" charset="0"/>
+            </a:endParaRPr>
+          </a:p>
+        </p:txBody>
+      </p:sp>
+    </p:spTree>
+    <p:extLst>
+      <p:ext uri="{BB962C8B-B14F-4D97-AF65-F5344CB8AC3E}">
+        <p14:creationId xmlns:p14="http://schemas.microsoft.com/office/powerpoint/2010/main" val="2764676045"/>
+      </p:ext>
+    </p:extLst>
+  </p:cSld>
+  <p:clrMapOvr>
+    <a:masterClrMapping/>
+  </p:clrMapOvr>
+  <mc:AlternateContent xmlns:mc="http://schemas.openxmlformats.org/markup-compatibility/2006" xmlns:p14="http://schemas.microsoft.com/office/powerpoint/2010/main">
+    <mc:Choice Requires="p14">
+      <p:transition spd="slow" p14:dur="1500">
+        <p:split orient="vert"/>
+      </p:transition>
+    </mc:Choice>
+    <mc:Fallback xmlns="">
+      <p:transition spd="slow">
+        <p:split orient="vert"/>
+      </p:transition>
+    </mc:Fallback>
+  </mc:AlternateContent>
+</p:sld>
+</file>
+
+<file path=ppt/slides/slide16.xml><?xml version="1.0" encoding="utf-8"?>
+<p:sld xmlns:a="http://schemas.openxmlformats.org/drawingml/2006/main" xmlns:r="http://schemas.openxmlformats.org/officeDocument/2006/relationships" xmlns:p="http://schemas.openxmlformats.org/presentationml/2006/main">
+  <p:cSld>
+    <p:spTree>
+      <p:nvGrpSpPr>
+        <p:cNvPr id="1" name=""/>
+        <p:cNvGrpSpPr/>
+        <p:nvPr/>
+      </p:nvGrpSpPr>
+      <p:grpSpPr>
+        <a:xfrm>
+          <a:off x="0" y="0"/>
+          <a:ext cx="0" cy="0"/>
+          <a:chOff x="0" y="0"/>
+          <a:chExt cx="0" cy="0"/>
+        </a:xfrm>
+      </p:grpSpPr>
+      <p:sp>
+        <p:nvSpPr>
+          <p:cNvPr id="2" name="ZoneTexte 1">
+            <a:extLst>
+              <a:ext uri="{FF2B5EF4-FFF2-40B4-BE49-F238E27FC236}">
+                <a16:creationId xmlns:a16="http://schemas.microsoft.com/office/drawing/2014/main" id="{E6D8106F-9011-E7F0-41C5-0E6123B03C80}"/>
+              </a:ext>
+            </a:extLst>
+          </p:cNvPr>
+          <p:cNvSpPr txBox="1"/>
+          <p:nvPr/>
+        </p:nvSpPr>
+        <p:spPr>
+          <a:xfrm>
+            <a:off x="352540" y="352540"/>
+            <a:ext cx="8527055" cy="5611793"/>
+          </a:xfrm>
+          <a:prstGeom prst="rect">
+            <a:avLst/>
+          </a:prstGeom>
+          <a:noFill/>
+        </p:spPr>
+        <p:txBody>
+          <a:bodyPr wrap="square" rtlCol="0">
+            <a:spAutoFit/>
+          </a:bodyPr>
+          <a:lstStyle/>
+          <a:p>
+            <a:pPr marL="342900" lvl="0" indent="-342900" algn="just">
+              <a:lnSpc>
+                <a:spcPct val="150000"/>
+              </a:lnSpc>
+              <a:spcAft>
+                <a:spcPts val="1000"/>
+              </a:spcAft>
+              <a:buClr>
+                <a:schemeClr val="accent3"/>
+              </a:buClr>
+              <a:buFont typeface="Symbol" panose="05050102010706020507" pitchFamily="18" charset="2"/>
+              <a:buChar char=""/>
+            </a:pPr>
+            <a:r>
+              <a:rPr lang="en-US" b="1" i="1" dirty="0">
+                <a:solidFill>
+                  <a:schemeClr val="accent3"/>
+                </a:solidFill>
+                <a:effectLst/>
+                <a:latin typeface="Times New Roman" panose="02020603050405020304" pitchFamily="18" charset="0"/>
+                <a:cs typeface="Times New Roman" panose="02020603050405020304" pitchFamily="18" charset="0"/>
+              </a:rPr>
+              <a:t>Other Technologies:</a:t>
+            </a:r>
+            <a:endParaRPr lang="fr-FR" b="1" i="1" dirty="0">
+              <a:solidFill>
+                <a:schemeClr val="accent3"/>
+              </a:solidFill>
+              <a:effectLst/>
+              <a:latin typeface="Times New Roman" panose="02020603050405020304" pitchFamily="18" charset="0"/>
+              <a:cs typeface="Times New Roman" panose="02020603050405020304" pitchFamily="18" charset="0"/>
+            </a:endParaRPr>
+          </a:p>
+          <a:p>
+            <a:pPr marL="800100" lvl="1" indent="-342900" algn="just">
+              <a:lnSpc>
+                <a:spcPct val="150000"/>
+              </a:lnSpc>
+              <a:buClr>
+                <a:srgbClr val="0070C0"/>
+              </a:buClr>
+              <a:buFont typeface="Wingdings" panose="05000000000000000000" pitchFamily="2" charset="2"/>
+              <a:buChar char=""/>
+            </a:pPr>
+            <a:r>
+              <a:rPr lang="en-US" b="1" dirty="0">
+                <a:solidFill>
+                  <a:srgbClr val="0070C0"/>
+                </a:solidFill>
+                <a:effectLst/>
+                <a:latin typeface="Times New Roman" panose="02020603050405020304" pitchFamily="18" charset="0"/>
+                <a:ea typeface="Calibri" panose="020F0502020204030204" pitchFamily="34" charset="0"/>
+                <a:cs typeface="Times New Roman" panose="02020603050405020304" pitchFamily="18" charset="0"/>
+              </a:rPr>
+              <a:t>Docker:</a:t>
+            </a:r>
+            <a:r>
+              <a:rPr lang="en-US" dirty="0">
+                <a:solidFill>
+                  <a:srgbClr val="0070C0"/>
+                </a:solidFill>
+                <a:effectLst/>
+                <a:latin typeface="Times New Roman" panose="02020603050405020304" pitchFamily="18" charset="0"/>
+                <a:ea typeface="Calibri" panose="020F0502020204030204" pitchFamily="34" charset="0"/>
+                <a:cs typeface="Times New Roman" panose="02020603050405020304" pitchFamily="18" charset="0"/>
+              </a:rPr>
+              <a:t> </a:t>
+            </a:r>
+            <a:r>
+              <a:rPr lang="en-US" dirty="0">
+                <a:effectLst/>
+                <a:latin typeface="Times New Roman" panose="02020603050405020304" pitchFamily="18" charset="0"/>
+                <a:ea typeface="Calibri" panose="020F0502020204030204" pitchFamily="34" charset="0"/>
+                <a:cs typeface="Times New Roman" panose="02020603050405020304" pitchFamily="18" charset="0"/>
+              </a:rPr>
+              <a:t>A platform for developing, shipping, and running applications in containers.</a:t>
+            </a:r>
+            <a:endParaRPr lang="fr-FR" dirty="0">
+              <a:effectLst/>
+              <a:latin typeface="Times New Roman" panose="02020603050405020304" pitchFamily="18" charset="0"/>
+              <a:ea typeface="Calibri" panose="020F0502020204030204" pitchFamily="34" charset="0"/>
+              <a:cs typeface="Times New Roman" panose="02020603050405020304" pitchFamily="18" charset="0"/>
+            </a:endParaRPr>
+          </a:p>
+          <a:p>
+            <a:pPr marL="800100" lvl="1" indent="-342900" algn="just">
+              <a:lnSpc>
+                <a:spcPct val="150000"/>
+              </a:lnSpc>
+              <a:buClr>
+                <a:srgbClr val="0070C0"/>
+              </a:buClr>
+              <a:buFont typeface="Wingdings" panose="05000000000000000000" pitchFamily="2" charset="2"/>
+              <a:buChar char=""/>
+            </a:pPr>
+            <a:r>
+              <a:rPr lang="en-US" b="1" dirty="0">
+                <a:solidFill>
+                  <a:srgbClr val="0070C0"/>
+                </a:solidFill>
+                <a:effectLst/>
+                <a:latin typeface="Times New Roman" panose="02020603050405020304" pitchFamily="18" charset="0"/>
+                <a:ea typeface="Calibri" panose="020F0502020204030204" pitchFamily="34" charset="0"/>
+                <a:cs typeface="Times New Roman" panose="02020603050405020304" pitchFamily="18" charset="0"/>
+              </a:rPr>
+              <a:t>Jenkins:</a:t>
+            </a:r>
+            <a:r>
+              <a:rPr lang="en-US" dirty="0">
+                <a:solidFill>
+                  <a:srgbClr val="0070C0"/>
+                </a:solidFill>
+                <a:effectLst/>
+                <a:latin typeface="Times New Roman" panose="02020603050405020304" pitchFamily="18" charset="0"/>
+                <a:ea typeface="Calibri" panose="020F0502020204030204" pitchFamily="34" charset="0"/>
+                <a:cs typeface="Times New Roman" panose="02020603050405020304" pitchFamily="18" charset="0"/>
+              </a:rPr>
+              <a:t> </a:t>
+            </a:r>
+            <a:r>
+              <a:rPr lang="en-US" dirty="0">
+                <a:effectLst/>
+                <a:latin typeface="Times New Roman" panose="02020603050405020304" pitchFamily="18" charset="0"/>
+                <a:ea typeface="Calibri" panose="020F0502020204030204" pitchFamily="34" charset="0"/>
+                <a:cs typeface="Times New Roman" panose="02020603050405020304" pitchFamily="18" charset="0"/>
+              </a:rPr>
+              <a:t>An open-source automation server used for building, testing, and deploying software.</a:t>
+            </a:r>
+            <a:endParaRPr lang="fr-FR" dirty="0">
+              <a:effectLst/>
+              <a:latin typeface="Times New Roman" panose="02020603050405020304" pitchFamily="18" charset="0"/>
+              <a:ea typeface="Calibri" panose="020F0502020204030204" pitchFamily="34" charset="0"/>
+              <a:cs typeface="Times New Roman" panose="02020603050405020304" pitchFamily="18" charset="0"/>
+            </a:endParaRPr>
+          </a:p>
+          <a:p>
+            <a:pPr marL="800100" lvl="1" indent="-342900" algn="just">
+              <a:lnSpc>
+                <a:spcPct val="150000"/>
+              </a:lnSpc>
+              <a:buClr>
+                <a:srgbClr val="0070C0"/>
+              </a:buClr>
+              <a:buFont typeface="Wingdings" panose="05000000000000000000" pitchFamily="2" charset="2"/>
+              <a:buChar char=""/>
+            </a:pPr>
+            <a:r>
+              <a:rPr lang="en-US" b="1" dirty="0">
+                <a:solidFill>
+                  <a:srgbClr val="0070C0"/>
+                </a:solidFill>
+                <a:effectLst/>
+                <a:latin typeface="Times New Roman" panose="02020603050405020304" pitchFamily="18" charset="0"/>
+                <a:ea typeface="Calibri" panose="020F0502020204030204" pitchFamily="34" charset="0"/>
+                <a:cs typeface="Times New Roman" panose="02020603050405020304" pitchFamily="18" charset="0"/>
+              </a:rPr>
+              <a:t>Collaboration Tools:</a:t>
+            </a:r>
+            <a:endParaRPr lang="fr-FR" dirty="0">
+              <a:effectLst/>
+              <a:latin typeface="Times New Roman" panose="02020603050405020304" pitchFamily="18" charset="0"/>
+              <a:ea typeface="Calibri" panose="020F0502020204030204" pitchFamily="34" charset="0"/>
+              <a:cs typeface="Times New Roman" panose="02020603050405020304" pitchFamily="18" charset="0"/>
+            </a:endParaRPr>
+          </a:p>
+          <a:p>
+            <a:pPr marL="1200150" lvl="2" indent="-285750" algn="just">
+              <a:lnSpc>
+                <a:spcPct val="150000"/>
+              </a:lnSpc>
+              <a:buClr>
+                <a:srgbClr val="66CCFF"/>
+              </a:buClr>
+              <a:buFont typeface="Wingdings" panose="05000000000000000000" pitchFamily="2" charset="2"/>
+              <a:buChar char="ü"/>
+            </a:pPr>
+            <a:r>
+              <a:rPr lang="en-US" b="1" dirty="0">
+                <a:solidFill>
+                  <a:srgbClr val="66CCFF"/>
+                </a:solidFill>
+                <a:effectLst/>
+                <a:latin typeface="Times New Roman" panose="02020603050405020304" pitchFamily="18" charset="0"/>
+                <a:ea typeface="Calibri" panose="020F0502020204030204" pitchFamily="34" charset="0"/>
+                <a:cs typeface="Times New Roman" panose="02020603050405020304" pitchFamily="18" charset="0"/>
+              </a:rPr>
+              <a:t>Slack:</a:t>
+            </a:r>
+            <a:r>
+              <a:rPr lang="en-US" dirty="0">
+                <a:solidFill>
+                  <a:srgbClr val="66CCFF"/>
+                </a:solidFill>
+                <a:effectLst/>
+                <a:latin typeface="Times New Roman" panose="02020603050405020304" pitchFamily="18" charset="0"/>
+                <a:ea typeface="Calibri" panose="020F0502020204030204" pitchFamily="34" charset="0"/>
+                <a:cs typeface="Times New Roman" panose="02020603050405020304" pitchFamily="18" charset="0"/>
+              </a:rPr>
+              <a:t> </a:t>
+            </a:r>
+            <a:r>
+              <a:rPr lang="en-US" dirty="0">
+                <a:effectLst/>
+                <a:latin typeface="Times New Roman" panose="02020603050405020304" pitchFamily="18" charset="0"/>
+                <a:ea typeface="Calibri" panose="020F0502020204030204" pitchFamily="34" charset="0"/>
+                <a:cs typeface="Times New Roman" panose="02020603050405020304" pitchFamily="18" charset="0"/>
+              </a:rPr>
+              <a:t>A messaging platform for teams that facilitates communication and collaboration.</a:t>
+            </a:r>
+            <a:endParaRPr lang="fr-FR" dirty="0">
+              <a:effectLst/>
+              <a:latin typeface="Times New Roman" panose="02020603050405020304" pitchFamily="18" charset="0"/>
+              <a:ea typeface="Calibri" panose="020F0502020204030204" pitchFamily="34" charset="0"/>
+              <a:cs typeface="Times New Roman" panose="02020603050405020304" pitchFamily="18" charset="0"/>
+            </a:endParaRPr>
+          </a:p>
+          <a:p>
+            <a:pPr marL="1200150" lvl="2" indent="-285750" algn="just">
+              <a:lnSpc>
+                <a:spcPct val="150000"/>
+              </a:lnSpc>
+              <a:spcAft>
+                <a:spcPts val="1000"/>
+              </a:spcAft>
+              <a:buFont typeface="Wingdings" panose="05000000000000000000" pitchFamily="2" charset="2"/>
+              <a:buChar char="ü"/>
+            </a:pPr>
+            <a:r>
+              <a:rPr lang="en-US" b="1" dirty="0">
+                <a:solidFill>
+                  <a:srgbClr val="66CCFF"/>
+                </a:solidFill>
+                <a:effectLst/>
+                <a:latin typeface="Times New Roman" panose="02020603050405020304" pitchFamily="18" charset="0"/>
+                <a:ea typeface="Calibri" panose="020F0502020204030204" pitchFamily="34" charset="0"/>
+                <a:cs typeface="Times New Roman" panose="02020603050405020304" pitchFamily="18" charset="0"/>
+              </a:rPr>
+              <a:t>Confluence:</a:t>
+            </a:r>
+            <a:r>
+              <a:rPr lang="en-US" dirty="0">
+                <a:solidFill>
+                  <a:srgbClr val="66CCFF"/>
+                </a:solidFill>
+                <a:effectLst/>
+                <a:latin typeface="Times New Roman" panose="02020603050405020304" pitchFamily="18" charset="0"/>
+                <a:ea typeface="Calibri" panose="020F0502020204030204" pitchFamily="34" charset="0"/>
+                <a:cs typeface="Times New Roman" panose="02020603050405020304" pitchFamily="18" charset="0"/>
+              </a:rPr>
+              <a:t> </a:t>
+            </a:r>
+            <a:r>
+              <a:rPr lang="en-US" dirty="0">
+                <a:effectLst/>
+                <a:latin typeface="Times New Roman" panose="02020603050405020304" pitchFamily="18" charset="0"/>
+                <a:ea typeface="Calibri" panose="020F0502020204030204" pitchFamily="34" charset="0"/>
+                <a:cs typeface="Times New Roman" panose="02020603050405020304" pitchFamily="18" charset="0"/>
+              </a:rPr>
+              <a:t>A collaboration tool used to help teams collaborate and share knowledge efficiently.</a:t>
+            </a:r>
+            <a:endParaRPr lang="fr-FR" dirty="0">
+              <a:effectLst/>
+              <a:latin typeface="Times New Roman" panose="02020603050405020304" pitchFamily="18" charset="0"/>
+              <a:ea typeface="Calibri" panose="020F0502020204030204" pitchFamily="34" charset="0"/>
+              <a:cs typeface="Times New Roman" panose="02020603050405020304" pitchFamily="18" charset="0"/>
+            </a:endParaRPr>
+          </a:p>
+          <a:p>
+            <a:r>
+              <a:rPr lang="en-US" dirty="0">
+                <a:effectLst/>
+                <a:latin typeface="Times New Roman" panose="02020603050405020304" pitchFamily="18" charset="0"/>
+                <a:ea typeface="Calibri" panose="020F0502020204030204" pitchFamily="34" charset="0"/>
+                <a:cs typeface="Times New Roman" panose="02020603050405020304" pitchFamily="18" charset="0"/>
+              </a:rPr>
+              <a:t>These technologies play crucial roles in software development, collaboration, and cloud computing, contributing to the efficiency and effectiveness of IT processes. Keep in mind that the technology landscape is dynamic, and new tools and services may emerge over time.</a:t>
+            </a:r>
+            <a:endParaRPr lang="fr-FR" dirty="0">
+              <a:latin typeface="Times New Roman" panose="02020603050405020304" pitchFamily="18" charset="0"/>
+              <a:cs typeface="Times New Roman" panose="02020603050405020304" pitchFamily="18" charset="0"/>
+            </a:endParaRPr>
+          </a:p>
+        </p:txBody>
+      </p:sp>
+    </p:spTree>
+    <p:extLst>
+      <p:ext uri="{BB962C8B-B14F-4D97-AF65-F5344CB8AC3E}">
+        <p14:creationId xmlns:p14="http://schemas.microsoft.com/office/powerpoint/2010/main" val="51140407"/>
+      </p:ext>
+    </p:extLst>
+  </p:cSld>
+  <p:clrMapOvr>
+    <a:masterClrMapping/>
+  </p:clrMapOvr>
+  <mc:AlternateContent xmlns:mc="http://schemas.openxmlformats.org/markup-compatibility/2006" xmlns:p14="http://schemas.microsoft.com/office/powerpoint/2010/main">
+    <mc:Choice Requires="p14">
+      <p:transition spd="slow" p14:dur="1500">
+        <p:split orient="vert"/>
+      </p:transition>
+    </mc:Choice>
+    <mc:Fallback xmlns="">
+      <p:transition spd="slow">
+        <p:split orient="vert"/>
+      </p:transition>
+    </mc:Fallback>
+  </mc:AlternateContent>
+</p:sld>
+</file>
+
+<file path=ppt/slides/slide17.xml><?xml version="1.0" encoding="utf-8"?>
+<p:sld xmlns:a="http://schemas.openxmlformats.org/drawingml/2006/main" xmlns:r="http://schemas.openxmlformats.org/officeDocument/2006/relationships" xmlns:p="http://schemas.openxmlformats.org/presentationml/2006/main">
+  <p:cSld>
+    <p:spTree>
+      <p:nvGrpSpPr>
+        <p:cNvPr id="1" name=""/>
+        <p:cNvGrpSpPr/>
+        <p:nvPr/>
+      </p:nvGrpSpPr>
+      <p:grpSpPr>
+        <a:xfrm>
+          <a:off x="0" y="0"/>
+          <a:ext cx="0" cy="0"/>
+          <a:chOff x="0" y="0"/>
+          <a:chExt cx="0" cy="0"/>
+        </a:xfrm>
+      </p:grpSpPr>
+      <p:sp>
+        <p:nvSpPr>
+          <p:cNvPr id="2" name="ZoneTexte 1">
+            <a:extLst>
+              <a:ext uri="{FF2B5EF4-FFF2-40B4-BE49-F238E27FC236}">
+                <a16:creationId xmlns:a16="http://schemas.microsoft.com/office/drawing/2014/main" id="{6B9CBF0F-625C-7CC9-10CA-5BB3A42679E3}"/>
+              </a:ext>
+            </a:extLst>
+          </p:cNvPr>
+          <p:cNvSpPr txBox="1"/>
+          <p:nvPr/>
+        </p:nvSpPr>
+        <p:spPr>
+          <a:xfrm>
+            <a:off x="363557" y="296128"/>
+            <a:ext cx="8824511" cy="5856988"/>
+          </a:xfrm>
+          <a:prstGeom prst="rect">
+            <a:avLst/>
+          </a:prstGeom>
+          <a:noFill/>
+        </p:spPr>
+        <p:txBody>
+          <a:bodyPr wrap="square" rtlCol="0">
+            <a:spAutoFit/>
+          </a:bodyPr>
+          <a:lstStyle/>
+          <a:p>
+            <a:pPr>
+              <a:lnSpc>
+                <a:spcPct val="115000"/>
+              </a:lnSpc>
+              <a:spcBef>
+                <a:spcPts val="1200"/>
+              </a:spcBef>
+            </a:pPr>
+            <a:r>
+              <a:rPr lang="en-US" sz="2000" b="1" kern="0" dirty="0">
+                <a:solidFill>
+                  <a:schemeClr val="accent3">
+                    <a:lumMod val="75000"/>
+                  </a:schemeClr>
+                </a:solidFill>
+                <a:effectLst/>
+                <a:latin typeface="Times New Roman" panose="02020603050405020304" pitchFamily="18" charset="0"/>
+                <a:ea typeface="Times New Roman" panose="02020603050405020304" pitchFamily="18" charset="0"/>
+                <a:cs typeface="Times New Roman" panose="02020603050405020304" pitchFamily="18" charset="0"/>
+              </a:rPr>
+              <a:t>The future of ICT:</a:t>
+            </a:r>
+            <a:endParaRPr lang="fr-FR" sz="2000" b="1" dirty="0">
+              <a:solidFill>
+                <a:schemeClr val="accent3">
+                  <a:lumMod val="75000"/>
+                </a:schemeClr>
+              </a:solidFill>
+              <a:effectLst/>
+              <a:latin typeface="Times New Roman" panose="02020603050405020304" pitchFamily="18" charset="0"/>
+              <a:ea typeface="Calibri" panose="020F0502020204030204" pitchFamily="34" charset="0"/>
+              <a:cs typeface="Times New Roman" panose="02020603050405020304" pitchFamily="18" charset="0"/>
+            </a:endParaRPr>
+          </a:p>
+          <a:p>
+            <a:pPr indent="228600" algn="just">
+              <a:lnSpc>
+                <a:spcPct val="150000"/>
+              </a:lnSpc>
+              <a:spcAft>
+                <a:spcPts val="1000"/>
+              </a:spcAft>
+            </a:pPr>
+            <a:r>
+              <a:rPr lang="en-US" sz="1800" dirty="0">
+                <a:effectLst/>
+                <a:latin typeface="Times New Roman" panose="02020603050405020304" pitchFamily="18" charset="0"/>
+                <a:ea typeface="Calibri" panose="020F0502020204030204" pitchFamily="34" charset="0"/>
+                <a:cs typeface="Times New Roman" panose="02020603050405020304" pitchFamily="18" charset="0"/>
+              </a:rPr>
+              <a:t>Information and Communication Technology (ICT) has been a rapidly evolving field with significant advancements and trends. So we’re going to outline some general trends and potential directions for the future of ICT based on the trajectory up to 2022:</a:t>
+            </a:r>
+            <a:endParaRPr lang="fr-FR" sz="1800" dirty="0">
+              <a:effectLst/>
+              <a:latin typeface="Times New Roman" panose="02020603050405020304" pitchFamily="18" charset="0"/>
+              <a:ea typeface="Calibri" panose="020F0502020204030204" pitchFamily="34" charset="0"/>
+              <a:cs typeface="Times New Roman" panose="02020603050405020304" pitchFamily="18" charset="0"/>
+            </a:endParaRPr>
+          </a:p>
+          <a:p>
+            <a:pPr marL="342900" lvl="0" indent="-342900">
+              <a:lnSpc>
+                <a:spcPct val="115000"/>
+              </a:lnSpc>
+              <a:buClr>
+                <a:schemeClr val="accent6"/>
+              </a:buClr>
+              <a:buFont typeface="Wingdings" panose="05000000000000000000" pitchFamily="2" charset="2"/>
+              <a:buChar char="q"/>
+            </a:pPr>
+            <a:r>
+              <a:rPr lang="en-US" sz="1800" b="1" i="1" dirty="0">
+                <a:solidFill>
+                  <a:schemeClr val="accent6"/>
+                </a:solidFill>
+                <a:effectLst/>
+                <a:latin typeface="Times New Roman" panose="02020603050405020304" pitchFamily="18" charset="0"/>
+                <a:ea typeface="Calibri" panose="020F0502020204030204" pitchFamily="34" charset="0"/>
+                <a:cs typeface="Times New Roman" panose="02020603050405020304" pitchFamily="18" charset="0"/>
+              </a:rPr>
+              <a:t>5G Technology:</a:t>
+            </a:r>
+            <a:r>
+              <a:rPr lang="fr-FR" b="1" i="1" dirty="0">
+                <a:solidFill>
+                  <a:schemeClr val="accent6"/>
+                </a:solidFill>
+                <a:latin typeface="Times New Roman" panose="02020603050405020304" pitchFamily="18" charset="0"/>
+                <a:ea typeface="Calibri" panose="020F0502020204030204" pitchFamily="34" charset="0"/>
+                <a:cs typeface="Times New Roman" panose="02020603050405020304" pitchFamily="18" charset="0"/>
+              </a:rPr>
+              <a:t> </a:t>
+            </a:r>
+          </a:p>
+          <a:p>
+            <a:pPr lvl="0">
+              <a:lnSpc>
+                <a:spcPct val="115000"/>
+              </a:lnSpc>
+              <a:buClr>
+                <a:srgbClr val="FF0000"/>
+              </a:buClr>
+            </a:pPr>
+            <a:r>
+              <a:rPr lang="fr-FR" sz="1800" b="1" i="1" dirty="0">
+                <a:solidFill>
+                  <a:srgbClr val="FF0000"/>
+                </a:solidFill>
+                <a:effectLst/>
+                <a:latin typeface="Times New Roman" panose="02020603050405020304" pitchFamily="18" charset="0"/>
+                <a:ea typeface="Calibri" panose="020F0502020204030204" pitchFamily="34" charset="0"/>
+                <a:cs typeface="Times New Roman" panose="02020603050405020304" pitchFamily="18" charset="0"/>
+              </a:rPr>
+              <a:t>      </a:t>
+            </a:r>
+            <a:r>
+              <a:rPr lang="en-US" sz="1800" dirty="0">
+                <a:effectLst/>
+                <a:latin typeface="Times New Roman" panose="02020603050405020304" pitchFamily="18" charset="0"/>
+                <a:ea typeface="Calibri" panose="020F0502020204030204" pitchFamily="34" charset="0"/>
+                <a:cs typeface="Times New Roman" panose="02020603050405020304" pitchFamily="18" charset="0"/>
+              </a:rPr>
+              <a:t>The deployment and widespread adoption of 5G networks were well underway, promising faster and more reliable connectivity. In the future, 5G is expected to enable new applications and services, especially in areas like augmented reality, virtual reality, and the Internet of Things (IoT).</a:t>
+            </a:r>
+            <a:endParaRPr lang="fr-FR" sz="1800" dirty="0">
+              <a:effectLst/>
+              <a:latin typeface="Times New Roman" panose="02020603050405020304" pitchFamily="18" charset="0"/>
+              <a:ea typeface="Calibri" panose="020F0502020204030204" pitchFamily="34" charset="0"/>
+              <a:cs typeface="Times New Roman" panose="02020603050405020304" pitchFamily="18" charset="0"/>
+            </a:endParaRPr>
+          </a:p>
+          <a:p>
+            <a:pPr marL="342900" lvl="0" indent="-342900" algn="just">
+              <a:lnSpc>
+                <a:spcPct val="150000"/>
+              </a:lnSpc>
+              <a:buClr>
+                <a:schemeClr val="accent6"/>
+              </a:buClr>
+              <a:buFont typeface="Wingdings" panose="05000000000000000000" pitchFamily="2" charset="2"/>
+              <a:buChar char="q"/>
+            </a:pPr>
+            <a:r>
+              <a:rPr lang="en-US" sz="1800" b="1" i="1" dirty="0">
+                <a:solidFill>
+                  <a:schemeClr val="accent6"/>
+                </a:solidFill>
+                <a:effectLst/>
+                <a:latin typeface="Times New Roman" panose="02020603050405020304" pitchFamily="18" charset="0"/>
+                <a:ea typeface="Calibri" panose="020F0502020204030204" pitchFamily="34" charset="0"/>
+                <a:cs typeface="Times New Roman" panose="02020603050405020304" pitchFamily="18" charset="0"/>
+              </a:rPr>
+              <a:t>Artificial Intelligence (AI) and Machine Learning (ML):</a:t>
+            </a:r>
+            <a:r>
+              <a:rPr lang="fr-FR" b="1" i="1" dirty="0">
+                <a:solidFill>
+                  <a:schemeClr val="accent6"/>
+                </a:solidFill>
+                <a:latin typeface="Times New Roman" panose="02020603050405020304" pitchFamily="18" charset="0"/>
+                <a:ea typeface="Calibri" panose="020F0502020204030204" pitchFamily="34" charset="0"/>
+                <a:cs typeface="Times New Roman" panose="02020603050405020304" pitchFamily="18" charset="0"/>
+              </a:rPr>
+              <a:t> </a:t>
+            </a:r>
+          </a:p>
+          <a:p>
+            <a:pPr lvl="0" algn="just">
+              <a:lnSpc>
+                <a:spcPct val="150000"/>
+              </a:lnSpc>
+              <a:buClr>
+                <a:srgbClr val="FF0000"/>
+              </a:buClr>
+            </a:pPr>
+            <a:r>
+              <a:rPr lang="en-US" sz="1800" dirty="0">
+                <a:effectLst/>
+                <a:latin typeface="Times New Roman" panose="02020603050405020304" pitchFamily="18" charset="0"/>
+                <a:ea typeface="Calibri" panose="020F0502020204030204" pitchFamily="34" charset="0"/>
+                <a:cs typeface="Times New Roman" panose="02020603050405020304" pitchFamily="18" charset="0"/>
+              </a:rPr>
+              <a:t>     The integration of AI and ML into ICT systems was already a prominent trend. In the future, we can expect even more intelligent and adaptive systems, ranging from advanced data analytics to smart automation in various industries.</a:t>
+            </a:r>
+            <a:endParaRPr lang="fr-FR" sz="1800" dirty="0">
+              <a:effectLst/>
+              <a:latin typeface="Times New Roman" panose="02020603050405020304" pitchFamily="18" charset="0"/>
+              <a:ea typeface="Calibri" panose="020F0502020204030204" pitchFamily="34" charset="0"/>
+              <a:cs typeface="Times New Roman" panose="02020603050405020304" pitchFamily="18" charset="0"/>
+            </a:endParaRPr>
+          </a:p>
+          <a:p>
+            <a:pPr lvl="0" algn="just">
+              <a:lnSpc>
+                <a:spcPct val="150000"/>
+              </a:lnSpc>
+              <a:buClr>
+                <a:srgbClr val="FF0000"/>
+              </a:buClr>
+            </a:pPr>
+            <a:r>
+              <a:rPr lang="en-US" sz="1800" dirty="0">
+                <a:effectLst/>
+                <a:latin typeface="Times New Roman" panose="02020603050405020304" pitchFamily="18" charset="0"/>
+                <a:ea typeface="Calibri" panose="020F0502020204030204" pitchFamily="34" charset="0"/>
+                <a:cs typeface="Times New Roman" panose="02020603050405020304" pitchFamily="18" charset="0"/>
+              </a:rPr>
+              <a:t> with technology. This may include advancements in natural language processing, gesture        recognition, and the development of more intuitive interfaces.</a:t>
+            </a:r>
+            <a:endParaRPr lang="fr-FR" sz="1800" dirty="0">
+              <a:effectLst/>
+              <a:latin typeface="Times New Roman" panose="02020603050405020304" pitchFamily="18" charset="0"/>
+              <a:ea typeface="Calibri" panose="020F0502020204030204" pitchFamily="34" charset="0"/>
+              <a:cs typeface="Times New Roman" panose="02020603050405020304" pitchFamily="18" charset="0"/>
+            </a:endParaRPr>
+          </a:p>
+        </p:txBody>
+      </p:sp>
+    </p:spTree>
+    <p:extLst>
+      <p:ext uri="{BB962C8B-B14F-4D97-AF65-F5344CB8AC3E}">
+        <p14:creationId xmlns:p14="http://schemas.microsoft.com/office/powerpoint/2010/main" val="1324247123"/>
+      </p:ext>
+    </p:extLst>
+  </p:cSld>
+  <p:clrMapOvr>
+    <a:masterClrMapping/>
+  </p:clrMapOvr>
+  <mc:AlternateContent xmlns:mc="http://schemas.openxmlformats.org/markup-compatibility/2006" xmlns:p14="http://schemas.microsoft.com/office/powerpoint/2010/main">
+    <mc:Choice Requires="p14">
+      <p:transition spd="slow" p14:dur="1500">
+        <p:split orient="vert"/>
+      </p:transition>
+    </mc:Choice>
+    <mc:Fallback xmlns="">
+      <p:transition spd="slow">
+        <p:split orient="vert"/>
+      </p:transition>
+    </mc:Fallback>
+  </mc:AlternateContent>
+  <p:timing>
+    <p:tnLst>
+      <p:par>
+        <p:cTn id="1" dur="indefinite" restart="never" nodeType="tmRoot">
+          <p:childTnLst>
+            <p:seq concurrent="1" nextAc="seek">
+              <p:cTn id="2" dur="indefinite" nodeType="mainSeq">
+                <p:childTnLst>
+                  <p:par>
+                    <p:cTn id="3" fill="hold">
+                      <p:stCondLst>
+                        <p:cond delay="indefinite"/>
+                      </p:stCondLst>
+                      <p:childTnLst>
+                        <p:par>
+                          <p:cTn id="4" fill="hold">
+                            <p:stCondLst>
+                              <p:cond delay="0"/>
+                            </p:stCondLst>
+                            <p:childTnLst>
+                              <p:par>
+                                <p:cTn id="5" presetID="10" presetClass="entr" presetSubtype="0" fill="hold" nodeType="clickEffect">
+                                  <p:stCondLst>
+                                    <p:cond delay="0"/>
+                                  </p:stCondLst>
+                                  <p:childTnLst>
+                                    <p:set>
+                                      <p:cBhvr>
+                                        <p:cTn id="6" dur="1" fill="hold">
+                                          <p:stCondLst>
+                                            <p:cond delay="0"/>
+                                          </p:stCondLst>
+                                        </p:cTn>
+                                        <p:tgtEl>
+                                          <p:spTgt spid="2">
+                                            <p:txEl>
+                                              <p:pRg st="2" end="2"/>
+                                            </p:txEl>
+                                          </p:spTgt>
+                                        </p:tgtEl>
+                                        <p:attrNameLst>
+                                          <p:attrName>style.visibility</p:attrName>
+                                        </p:attrNameLst>
+                                      </p:cBhvr>
+                                      <p:to>
+                                        <p:strVal val="visible"/>
+                                      </p:to>
+                                    </p:set>
+                                    <p:animEffect transition="in" filter="fade">
+                                      <p:cBhvr>
+                                        <p:cTn id="7" dur="500"/>
+                                        <p:tgtEl>
+                                          <p:spTgt spid="2">
+                                            <p:txEl>
+                                              <p:pRg st="2" end="2"/>
+                                            </p:txEl>
+                                          </p:spTgt>
+                                        </p:tgtEl>
+                                      </p:cBhvr>
+                                    </p:animEffect>
+                                  </p:childTnLst>
+                                </p:cTn>
+                              </p:par>
+                            </p:childTnLst>
+                          </p:cTn>
+                        </p:par>
+                      </p:childTnLst>
+                    </p:cTn>
+                  </p:par>
+                  <p:par>
+                    <p:cTn id="8" fill="hold">
+                      <p:stCondLst>
+                        <p:cond delay="indefinite"/>
+                      </p:stCondLst>
+                      <p:childTnLst>
+                        <p:par>
+                          <p:cTn id="9" fill="hold">
+                            <p:stCondLst>
+                              <p:cond delay="0"/>
+                            </p:stCondLst>
+                            <p:childTnLst>
+                              <p:par>
+                                <p:cTn id="10" presetID="10" presetClass="entr" presetSubtype="0" fill="hold" nodeType="clickEffect">
+                                  <p:stCondLst>
+                                    <p:cond delay="0"/>
+                                  </p:stCondLst>
+                                  <p:childTnLst>
+                                    <p:set>
+                                      <p:cBhvr>
+                                        <p:cTn id="11" dur="1" fill="hold">
+                                          <p:stCondLst>
+                                            <p:cond delay="0"/>
+                                          </p:stCondLst>
+                                        </p:cTn>
+                                        <p:tgtEl>
+                                          <p:spTgt spid="2">
+                                            <p:txEl>
+                                              <p:pRg st="4" end="4"/>
+                                            </p:txEl>
+                                          </p:spTgt>
+                                        </p:tgtEl>
+                                        <p:attrNameLst>
+                                          <p:attrName>style.visibility</p:attrName>
+                                        </p:attrNameLst>
+                                      </p:cBhvr>
+                                      <p:to>
+                                        <p:strVal val="visible"/>
+                                      </p:to>
+                                    </p:set>
+                                    <p:animEffect transition="in" filter="fade">
+                                      <p:cBhvr>
+                                        <p:cTn id="12" dur="500"/>
+                                        <p:tgtEl>
+                                          <p:spTgt spid="2">
+                                            <p:txEl>
+                                              <p:pRg st="4" end="4"/>
+                                            </p:txEl>
+                                          </p:spTgt>
+                                        </p:tgtEl>
+                                      </p:cBhvr>
+                                    </p:animEffect>
+                                  </p:childTnLst>
+                                </p:cTn>
+                              </p:par>
+                            </p:childTnLst>
+                          </p:cTn>
+                        </p:par>
+                      </p:childTnLst>
+                    </p:cTn>
+                  </p:par>
+                </p:childTnLst>
+              </p:cTn>
+              <p:prevCondLst>
+                <p:cond evt="onPrev" delay="0">
+                  <p:tgtEl>
+                    <p:sldTgt/>
+                  </p:tgtEl>
+                </p:cond>
+              </p:prevCondLst>
+              <p:nextCondLst>
+                <p:cond evt="onNext" delay="0">
+                  <p:tgtEl>
+                    <p:sldTgt/>
+                  </p:tgtEl>
+                </p:cond>
+              </p:nextCondLst>
+            </p:seq>
+          </p:childTnLst>
+        </p:cTn>
+      </p:par>
+    </p:tnLst>
+  </p:timing>
+</p:sld>
+</file>
+
+<file path=ppt/slides/slide18.xml><?xml version="1.0" encoding="utf-8"?>
+<p:sld xmlns:a="http://schemas.openxmlformats.org/drawingml/2006/main" xmlns:r="http://schemas.openxmlformats.org/officeDocument/2006/relationships" xmlns:p="http://schemas.openxmlformats.org/presentationml/2006/main">
+  <p:cSld>
+    <p:spTree>
+      <p:nvGrpSpPr>
+        <p:cNvPr id="1" name=""/>
+        <p:cNvGrpSpPr/>
+        <p:nvPr/>
+      </p:nvGrpSpPr>
+      <p:grpSpPr>
+        <a:xfrm>
+          <a:off x="0" y="0"/>
+          <a:ext cx="0" cy="0"/>
+          <a:chOff x="0" y="0"/>
+          <a:chExt cx="0" cy="0"/>
+        </a:xfrm>
+      </p:grpSpPr>
+      <p:sp>
+        <p:nvSpPr>
+          <p:cNvPr id="2" name="ZoneTexte 1">
+            <a:extLst>
+              <a:ext uri="{FF2B5EF4-FFF2-40B4-BE49-F238E27FC236}">
+                <a16:creationId xmlns:a16="http://schemas.microsoft.com/office/drawing/2014/main" id="{033AC089-2B10-09A8-A2A9-5AEEEDA1A601}"/>
+              </a:ext>
+            </a:extLst>
+          </p:cNvPr>
+          <p:cNvSpPr txBox="1"/>
+          <p:nvPr/>
+        </p:nvSpPr>
+        <p:spPr>
+          <a:xfrm>
+            <a:off x="253388" y="198304"/>
+            <a:ext cx="9155017" cy="5859553"/>
+          </a:xfrm>
+          <a:prstGeom prst="rect">
+            <a:avLst/>
+          </a:prstGeom>
+          <a:noFill/>
+        </p:spPr>
+        <p:txBody>
+          <a:bodyPr wrap="square" rtlCol="0">
+            <a:spAutoFit/>
+          </a:bodyPr>
+          <a:lstStyle/>
+          <a:p>
+            <a:pPr marL="342900" lvl="0" indent="-342900" algn="just">
+              <a:lnSpc>
+                <a:spcPct val="150000"/>
+              </a:lnSpc>
+              <a:buClr>
+                <a:schemeClr val="accent6"/>
+              </a:buClr>
+              <a:buFont typeface="Wingdings" panose="05000000000000000000" pitchFamily="2" charset="2"/>
+              <a:buChar char="q"/>
+            </a:pPr>
+            <a:r>
+              <a:rPr lang="en-US" sz="1800" b="1" i="1" dirty="0">
+                <a:solidFill>
+                  <a:schemeClr val="accent6"/>
+                </a:solidFill>
+                <a:effectLst/>
+                <a:latin typeface="Times New Roman" panose="02020603050405020304" pitchFamily="18" charset="0"/>
+                <a:ea typeface="Calibri" panose="020F0502020204030204" pitchFamily="34" charset="0"/>
+                <a:cs typeface="Times New Roman" panose="02020603050405020304" pitchFamily="18" charset="0"/>
+              </a:rPr>
+              <a:t>Internet of Things (IoT):</a:t>
+            </a:r>
+            <a:r>
+              <a:rPr lang="en-US" sz="1800" dirty="0">
+                <a:solidFill>
+                  <a:schemeClr val="accent6"/>
+                </a:solidFill>
+                <a:effectLst/>
+                <a:latin typeface="Times New Roman" panose="02020603050405020304" pitchFamily="18" charset="0"/>
+                <a:ea typeface="Calibri" panose="020F0502020204030204" pitchFamily="34" charset="0"/>
+                <a:cs typeface="Times New Roman" panose="02020603050405020304" pitchFamily="18" charset="0"/>
+              </a:rPr>
+              <a:t> </a:t>
+            </a:r>
+            <a:endParaRPr lang="fr-FR" dirty="0">
+              <a:solidFill>
+                <a:schemeClr val="accent6"/>
+              </a:solidFill>
+              <a:latin typeface="Times New Roman" panose="02020603050405020304" pitchFamily="18" charset="0"/>
+              <a:ea typeface="Calibri" panose="020F0502020204030204" pitchFamily="34" charset="0"/>
+              <a:cs typeface="Times New Roman" panose="02020603050405020304" pitchFamily="18" charset="0"/>
+            </a:endParaRPr>
+          </a:p>
+          <a:p>
+            <a:pPr lvl="0" algn="just">
+              <a:lnSpc>
+                <a:spcPct val="150000"/>
+              </a:lnSpc>
+              <a:buClr>
+                <a:schemeClr val="accent3">
+                  <a:lumMod val="75000"/>
+                </a:schemeClr>
+              </a:buClr>
+            </a:pPr>
+            <a:r>
+              <a:rPr lang="fr-FR" sz="1800" dirty="0">
+                <a:solidFill>
+                  <a:schemeClr val="accent3">
+                    <a:lumMod val="75000"/>
+                  </a:schemeClr>
+                </a:solidFill>
+                <a:effectLst/>
+                <a:latin typeface="Times New Roman" panose="02020603050405020304" pitchFamily="18" charset="0"/>
+                <a:ea typeface="Calibri" panose="020F0502020204030204" pitchFamily="34" charset="0"/>
+                <a:cs typeface="Times New Roman" panose="02020603050405020304" pitchFamily="18" charset="0"/>
+              </a:rPr>
+              <a:t>        </a:t>
+            </a:r>
+            <a:r>
+              <a:rPr lang="en-US" sz="1800" dirty="0">
+                <a:effectLst/>
+                <a:latin typeface="Times New Roman" panose="02020603050405020304" pitchFamily="18" charset="0"/>
+                <a:ea typeface="Calibri" panose="020F0502020204030204" pitchFamily="34" charset="0"/>
+                <a:cs typeface="Times New Roman" panose="02020603050405020304" pitchFamily="18" charset="0"/>
+              </a:rPr>
+              <a:t>The number of connected devices was increasing, and IoT applications were expanding across sectors such as healthcare, smart cities, agriculture, and manufacturing. The future of ICT involves a more seamless and integrated IoT ecosystem, with enhanced security and interoperability.</a:t>
+            </a:r>
+            <a:endParaRPr lang="fr-FR" sz="1800" dirty="0">
+              <a:effectLst/>
+              <a:latin typeface="Times New Roman" panose="02020603050405020304" pitchFamily="18" charset="0"/>
+              <a:ea typeface="Calibri" panose="020F0502020204030204" pitchFamily="34" charset="0"/>
+              <a:cs typeface="Times New Roman" panose="02020603050405020304" pitchFamily="18" charset="0"/>
+            </a:endParaRPr>
+          </a:p>
+          <a:p>
+            <a:pPr marL="342900" lvl="0" indent="-342900" algn="just">
+              <a:lnSpc>
+                <a:spcPct val="150000"/>
+              </a:lnSpc>
+              <a:buClr>
+                <a:schemeClr val="accent6"/>
+              </a:buClr>
+              <a:buFont typeface="Wingdings" panose="05000000000000000000" pitchFamily="2" charset="2"/>
+              <a:buChar char="q"/>
+            </a:pPr>
+            <a:r>
+              <a:rPr lang="en-US" sz="1800" b="1" i="1" dirty="0">
+                <a:solidFill>
+                  <a:schemeClr val="accent6"/>
+                </a:solidFill>
+                <a:effectLst/>
+                <a:latin typeface="Times New Roman" panose="02020603050405020304" pitchFamily="18" charset="0"/>
+                <a:ea typeface="Calibri" panose="020F0502020204030204" pitchFamily="34" charset="0"/>
+                <a:cs typeface="Times New Roman" panose="02020603050405020304" pitchFamily="18" charset="0"/>
+              </a:rPr>
+              <a:t>Cybersecurity:</a:t>
+            </a:r>
+            <a:r>
+              <a:rPr lang="fr-FR" b="1" i="1" dirty="0">
+                <a:solidFill>
+                  <a:schemeClr val="accent6"/>
+                </a:solidFill>
+                <a:latin typeface="Times New Roman" panose="02020603050405020304" pitchFamily="18" charset="0"/>
+                <a:ea typeface="Calibri" panose="020F0502020204030204" pitchFamily="34" charset="0"/>
+                <a:cs typeface="Times New Roman" panose="02020603050405020304" pitchFamily="18" charset="0"/>
+              </a:rPr>
+              <a:t> </a:t>
+            </a:r>
+          </a:p>
+          <a:p>
+            <a:pPr lvl="0" algn="just">
+              <a:lnSpc>
+                <a:spcPct val="150000"/>
+              </a:lnSpc>
+              <a:buClr>
+                <a:schemeClr val="accent3">
+                  <a:lumMod val="75000"/>
+                </a:schemeClr>
+              </a:buClr>
+            </a:pPr>
+            <a:r>
+              <a:rPr lang="fr-FR" sz="1800" b="1" i="1" dirty="0">
+                <a:solidFill>
+                  <a:schemeClr val="accent3">
+                    <a:lumMod val="75000"/>
+                  </a:schemeClr>
+                </a:solidFill>
+                <a:effectLst/>
+                <a:latin typeface="Times New Roman" panose="02020603050405020304" pitchFamily="18" charset="0"/>
+                <a:ea typeface="Calibri" panose="020F0502020204030204" pitchFamily="34" charset="0"/>
+                <a:cs typeface="Times New Roman" panose="02020603050405020304" pitchFamily="18" charset="0"/>
+              </a:rPr>
+              <a:t>         </a:t>
+            </a:r>
+            <a:r>
+              <a:rPr lang="en-US" sz="1800" dirty="0">
+                <a:effectLst/>
+                <a:latin typeface="Times New Roman" panose="02020603050405020304" pitchFamily="18" charset="0"/>
+                <a:ea typeface="Calibri" panose="020F0502020204030204" pitchFamily="34" charset="0"/>
+                <a:cs typeface="Times New Roman" panose="02020603050405020304" pitchFamily="18" charset="0"/>
+              </a:rPr>
+              <a:t>With the increasing complexity and connectivity of ICT systems, cybersecurity becomes even more critical. Future developments in ICT will likely focus on improving security measures, incorporating advanced encryption, and developing innovative solutions to counter evolving cyber threats.</a:t>
+            </a:r>
+            <a:endParaRPr lang="fr-FR" sz="1800" dirty="0">
+              <a:effectLst/>
+              <a:latin typeface="Times New Roman" panose="02020603050405020304" pitchFamily="18" charset="0"/>
+              <a:ea typeface="Calibri" panose="020F0502020204030204" pitchFamily="34" charset="0"/>
+              <a:cs typeface="Times New Roman" panose="02020603050405020304" pitchFamily="18" charset="0"/>
+            </a:endParaRPr>
+          </a:p>
+          <a:p>
+            <a:pPr marL="342900" lvl="0" indent="-342900" algn="just">
+              <a:lnSpc>
+                <a:spcPct val="150000"/>
+              </a:lnSpc>
+              <a:buClr>
+                <a:schemeClr val="accent6"/>
+              </a:buClr>
+              <a:buFont typeface="Wingdings" panose="05000000000000000000" pitchFamily="2" charset="2"/>
+              <a:buChar char="q"/>
+            </a:pPr>
+            <a:r>
+              <a:rPr lang="en-US" sz="1800" b="1" i="1" dirty="0">
+                <a:solidFill>
+                  <a:schemeClr val="accent6"/>
+                </a:solidFill>
+                <a:effectLst/>
+                <a:latin typeface="Times New Roman" panose="02020603050405020304" pitchFamily="18" charset="0"/>
+                <a:ea typeface="Calibri" panose="020F0502020204030204" pitchFamily="34" charset="0"/>
+                <a:cs typeface="Times New Roman" panose="02020603050405020304" pitchFamily="18" charset="0"/>
+              </a:rPr>
+              <a:t>Human-Computer Interaction (HCI):</a:t>
+            </a:r>
+            <a:endParaRPr lang="fr-FR" sz="1800" b="1" i="1" dirty="0">
+              <a:solidFill>
+                <a:schemeClr val="accent6"/>
+              </a:solidFill>
+              <a:effectLst/>
+              <a:latin typeface="Times New Roman" panose="02020603050405020304" pitchFamily="18" charset="0"/>
+              <a:ea typeface="Calibri" panose="020F0502020204030204" pitchFamily="34" charset="0"/>
+              <a:cs typeface="Times New Roman" panose="02020603050405020304" pitchFamily="18" charset="0"/>
+            </a:endParaRPr>
+          </a:p>
+          <a:p>
+            <a:pPr lvl="0" algn="just">
+              <a:lnSpc>
+                <a:spcPct val="150000"/>
+              </a:lnSpc>
+              <a:buClr>
+                <a:schemeClr val="accent3">
+                  <a:lumMod val="75000"/>
+                </a:schemeClr>
+              </a:buClr>
+            </a:pPr>
+            <a:r>
+              <a:rPr lang="fr-FR" sz="1800" b="1" i="1" dirty="0">
+                <a:solidFill>
+                  <a:schemeClr val="accent3">
+                    <a:lumMod val="75000"/>
+                  </a:schemeClr>
+                </a:solidFill>
+                <a:effectLst/>
+                <a:latin typeface="Times New Roman" panose="02020603050405020304" pitchFamily="18" charset="0"/>
+                <a:ea typeface="Calibri" panose="020F0502020204030204" pitchFamily="34" charset="0"/>
+                <a:cs typeface="Times New Roman" panose="02020603050405020304" pitchFamily="18" charset="0"/>
+              </a:rPr>
+              <a:t>         </a:t>
+            </a:r>
+            <a:r>
+              <a:rPr lang="en-US" sz="1800" dirty="0">
+                <a:solidFill>
+                  <a:srgbClr val="FF0000"/>
+                </a:solidFill>
+                <a:effectLst/>
+                <a:latin typeface="Times New Roman" panose="02020603050405020304" pitchFamily="18" charset="0"/>
+                <a:ea typeface="Calibri" panose="020F0502020204030204" pitchFamily="34" charset="0"/>
+                <a:cs typeface="Times New Roman" panose="02020603050405020304" pitchFamily="18" charset="0"/>
+              </a:rPr>
+              <a:t> </a:t>
+            </a:r>
+            <a:r>
+              <a:rPr lang="en-US" sz="1800" dirty="0">
+                <a:effectLst/>
+                <a:latin typeface="Times New Roman" panose="02020603050405020304" pitchFamily="18" charset="0"/>
+                <a:ea typeface="Calibri" panose="020F0502020204030204" pitchFamily="34" charset="0"/>
+                <a:cs typeface="Times New Roman" panose="02020603050405020304" pitchFamily="18" charset="0"/>
+              </a:rPr>
+              <a:t>The evolution of ICT involves improving the ways in which humans interact with technology. This may include advancements in natural language processing, gesture recognition, and the development of more intuitive interfaces.</a:t>
+            </a:r>
+            <a:endParaRPr lang="fr-FR" sz="1800" dirty="0">
+              <a:effectLst/>
+              <a:latin typeface="Times New Roman" panose="02020603050405020304" pitchFamily="18" charset="0"/>
+              <a:ea typeface="Calibri" panose="020F0502020204030204" pitchFamily="34" charset="0"/>
+              <a:cs typeface="Times New Roman" panose="02020603050405020304" pitchFamily="18" charset="0"/>
+            </a:endParaRPr>
+          </a:p>
+        </p:txBody>
+      </p:sp>
+    </p:spTree>
+    <p:extLst>
+      <p:ext uri="{BB962C8B-B14F-4D97-AF65-F5344CB8AC3E}">
+        <p14:creationId xmlns:p14="http://schemas.microsoft.com/office/powerpoint/2010/main" val="2068087437"/>
+      </p:ext>
+    </p:extLst>
+  </p:cSld>
+  <p:clrMapOvr>
+    <a:masterClrMapping/>
+  </p:clrMapOvr>
+  <p:timing>
+    <p:tnLst>
+      <p:par>
+        <p:cTn id="1" dur="indefinite" restart="never" nodeType="tmRoot">
+          <p:childTnLst>
+            <p:seq concurrent="1" nextAc="seek">
+              <p:cTn id="2" dur="indefinite" nodeType="mainSeq">
+                <p:childTnLst>
+                  <p:par>
+                    <p:cTn id="3" fill="hold">
+                      <p:stCondLst>
+                        <p:cond delay="indefinite"/>
+                      </p:stCondLst>
+                      <p:childTnLst>
+                        <p:par>
+                          <p:cTn id="4" fill="hold">
+                            <p:stCondLst>
+                              <p:cond delay="0"/>
+                            </p:stCondLst>
+                            <p:childTnLst>
+                              <p:par>
+                                <p:cTn id="5" presetID="10" presetClass="entr" presetSubtype="0" fill="hold" nodeType="clickEffect">
+                                  <p:stCondLst>
+                                    <p:cond delay="0"/>
+                                  </p:stCondLst>
+                                  <p:childTnLst>
+                                    <p:set>
+                                      <p:cBhvr>
+                                        <p:cTn id="6" dur="1" fill="hold">
+                                          <p:stCondLst>
+                                            <p:cond delay="0"/>
+                                          </p:stCondLst>
+                                        </p:cTn>
+                                        <p:tgtEl>
+                                          <p:spTgt spid="2">
+                                            <p:txEl>
+                                              <p:pRg st="0" end="0"/>
+                                            </p:txEl>
+                                          </p:spTgt>
+                                        </p:tgtEl>
+                                        <p:attrNameLst>
+                                          <p:attrName>style.visibility</p:attrName>
+                                        </p:attrNameLst>
+                                      </p:cBhvr>
+                                      <p:to>
+                                        <p:strVal val="visible"/>
+                                      </p:to>
+                                    </p:set>
+                                    <p:animEffect transition="in" filter="fade">
+                                      <p:cBhvr>
+                                        <p:cTn id="7" dur="500"/>
+                                        <p:tgtEl>
+                                          <p:spTgt spid="2">
+                                            <p:txEl>
+                                              <p:pRg st="0" end="0"/>
+                                            </p:txEl>
+                                          </p:spTgt>
+                                        </p:tgtEl>
+                                      </p:cBhvr>
+                                    </p:animEffect>
+                                  </p:childTnLst>
+                                </p:cTn>
+                              </p:par>
+                            </p:childTnLst>
+                          </p:cTn>
+                        </p:par>
+                      </p:childTnLst>
+                    </p:cTn>
+                  </p:par>
+                  <p:par>
+                    <p:cTn id="8" fill="hold">
+                      <p:stCondLst>
+                        <p:cond delay="indefinite"/>
+                      </p:stCondLst>
+                      <p:childTnLst>
+                        <p:par>
+                          <p:cTn id="9" fill="hold">
+                            <p:stCondLst>
+                              <p:cond delay="0"/>
+                            </p:stCondLst>
+                            <p:childTnLst>
+                              <p:par>
+                                <p:cTn id="10" presetID="10" presetClass="entr" presetSubtype="0" fill="hold" nodeType="clickEffect">
+                                  <p:stCondLst>
+                                    <p:cond delay="0"/>
+                                  </p:stCondLst>
+                                  <p:childTnLst>
+                                    <p:set>
+                                      <p:cBhvr>
+                                        <p:cTn id="11" dur="1" fill="hold">
+                                          <p:stCondLst>
+                                            <p:cond delay="0"/>
+                                          </p:stCondLst>
+                                        </p:cTn>
+                                        <p:tgtEl>
+                                          <p:spTgt spid="2">
+                                            <p:txEl>
+                                              <p:pRg st="2" end="2"/>
+                                            </p:txEl>
+                                          </p:spTgt>
+                                        </p:tgtEl>
+                                        <p:attrNameLst>
+                                          <p:attrName>style.visibility</p:attrName>
+                                        </p:attrNameLst>
+                                      </p:cBhvr>
+                                      <p:to>
+                                        <p:strVal val="visible"/>
+                                      </p:to>
+                                    </p:set>
+                                    <p:animEffect transition="in" filter="fade">
+                                      <p:cBhvr>
+                                        <p:cTn id="12" dur="500"/>
+                                        <p:tgtEl>
+                                          <p:spTgt spid="2">
+                                            <p:txEl>
+                                              <p:pRg st="2" end="2"/>
+                                            </p:txEl>
+                                          </p:spTgt>
+                                        </p:tgtEl>
+                                      </p:cBhvr>
+                                    </p:animEffect>
+                                  </p:childTnLst>
+                                </p:cTn>
+                              </p:par>
+                            </p:childTnLst>
+                          </p:cTn>
+                        </p:par>
+                      </p:childTnLst>
+                    </p:cTn>
+                  </p:par>
+                  <p:par>
+                    <p:cTn id="13" fill="hold">
+                      <p:stCondLst>
+                        <p:cond delay="indefinite"/>
+                      </p:stCondLst>
+                      <p:childTnLst>
+                        <p:par>
+                          <p:cTn id="14" fill="hold">
+                            <p:stCondLst>
+                              <p:cond delay="0"/>
+                            </p:stCondLst>
+                            <p:childTnLst>
+                              <p:par>
+                                <p:cTn id="15" presetID="10" presetClass="entr" presetSubtype="0" fill="hold" nodeType="clickEffect">
+                                  <p:stCondLst>
+                                    <p:cond delay="0"/>
+                                  </p:stCondLst>
+                                  <p:childTnLst>
+                                    <p:set>
+                                      <p:cBhvr>
+                                        <p:cTn id="16" dur="1" fill="hold">
+                                          <p:stCondLst>
+                                            <p:cond delay="0"/>
+                                          </p:stCondLst>
+                                        </p:cTn>
+                                        <p:tgtEl>
+                                          <p:spTgt spid="2">
+                                            <p:txEl>
+                                              <p:pRg st="4" end="4"/>
+                                            </p:txEl>
+                                          </p:spTgt>
+                                        </p:tgtEl>
+                                        <p:attrNameLst>
+                                          <p:attrName>style.visibility</p:attrName>
+                                        </p:attrNameLst>
+                                      </p:cBhvr>
+                                      <p:to>
+                                        <p:strVal val="visible"/>
+                                      </p:to>
+                                    </p:set>
+                                    <p:animEffect transition="in" filter="fade">
+                                      <p:cBhvr>
+                                        <p:cTn id="17" dur="500"/>
+                                        <p:tgtEl>
+                                          <p:spTgt spid="2">
+                                            <p:txEl>
+                                              <p:pRg st="4" end="4"/>
+                                            </p:txEl>
+                                          </p:spTgt>
+                                        </p:tgtEl>
+                                      </p:cBhvr>
+                                    </p:animEffect>
+                                  </p:childTnLst>
+                                </p:cTn>
+                              </p:par>
+                            </p:childTnLst>
+                          </p:cTn>
+                        </p:par>
+                      </p:childTnLst>
+                    </p:cTn>
+                  </p:par>
+                </p:childTnLst>
+              </p:cTn>
+              <p:prevCondLst>
+                <p:cond evt="onPrev" delay="0">
+                  <p:tgtEl>
+                    <p:sldTgt/>
+                  </p:tgtEl>
+                </p:cond>
+              </p:prevCondLst>
+              <p:nextCondLst>
+                <p:cond evt="onNext" delay="0">
+                  <p:tgtEl>
+                    <p:sldTgt/>
+                  </p:tgtEl>
+                </p:cond>
+              </p:nextCondLst>
+            </p:seq>
+          </p:childTnLst>
+        </p:cTn>
+      </p:par>
+    </p:tnLst>
+  </p:timing>
+</p:sld>
+</file>
+
+<file path=ppt/slides/slide19.xml><?xml version="1.0" encoding="utf-8"?>
+<p:sld xmlns:a="http://schemas.openxmlformats.org/drawingml/2006/main" xmlns:r="http://schemas.openxmlformats.org/officeDocument/2006/relationships" xmlns:p="http://schemas.openxmlformats.org/presentationml/2006/main">
+  <p:cSld>
+    <p:spTree>
+      <p:nvGrpSpPr>
+        <p:cNvPr id="1" name=""/>
+        <p:cNvGrpSpPr/>
+        <p:nvPr/>
+      </p:nvGrpSpPr>
+      <p:grpSpPr>
+        <a:xfrm>
+          <a:off x="0" y="0"/>
+          <a:ext cx="0" cy="0"/>
+          <a:chOff x="0" y="0"/>
+          <a:chExt cx="0" cy="0"/>
+        </a:xfrm>
+      </p:grpSpPr>
+      <p:sp>
+        <p:nvSpPr>
+          <p:cNvPr id="2" name="ZoneTexte 1">
+            <a:extLst>
+              <a:ext uri="{FF2B5EF4-FFF2-40B4-BE49-F238E27FC236}">
+                <a16:creationId xmlns:a16="http://schemas.microsoft.com/office/drawing/2014/main" id="{A0BFDCA0-93D5-D38F-A776-AEFD97C7721F}"/>
+              </a:ext>
+            </a:extLst>
+          </p:cNvPr>
+          <p:cNvSpPr txBox="1"/>
+          <p:nvPr/>
+        </p:nvSpPr>
+        <p:spPr>
+          <a:xfrm>
+            <a:off x="264405" y="187287"/>
+            <a:ext cx="8967730" cy="5896166"/>
+          </a:xfrm>
+          <a:prstGeom prst="rect">
+            <a:avLst/>
+          </a:prstGeom>
+          <a:noFill/>
+        </p:spPr>
+        <p:txBody>
+          <a:bodyPr wrap="square" rtlCol="0">
+            <a:spAutoFit/>
+          </a:bodyPr>
+          <a:lstStyle/>
+          <a:p>
+            <a:pPr>
+              <a:lnSpc>
+                <a:spcPct val="115000"/>
+              </a:lnSpc>
+              <a:spcBef>
+                <a:spcPts val="1200"/>
+              </a:spcBef>
+            </a:pPr>
+            <a:r>
+              <a:rPr lang="en-US" sz="2000" b="1" kern="0" dirty="0">
+                <a:solidFill>
+                  <a:schemeClr val="accent3">
+                    <a:lumMod val="75000"/>
+                  </a:schemeClr>
+                </a:solidFill>
+                <a:effectLst/>
+                <a:latin typeface="Times New Roman" panose="02020603050405020304" pitchFamily="18" charset="0"/>
+                <a:ea typeface="Times New Roman" panose="02020603050405020304" pitchFamily="18" charset="0"/>
+                <a:cs typeface="Times New Roman" panose="02020603050405020304" pitchFamily="18" charset="0"/>
+              </a:rPr>
+              <a:t>Conclusion:</a:t>
+            </a:r>
+            <a:endParaRPr lang="fr-FR" sz="2000" dirty="0">
+              <a:solidFill>
+                <a:schemeClr val="accent3">
+                  <a:lumMod val="75000"/>
+                </a:schemeClr>
+              </a:solidFill>
+              <a:effectLst/>
+              <a:latin typeface="Calibri" panose="020F0502020204030204" pitchFamily="34" charset="0"/>
+              <a:ea typeface="Calibri" panose="020F0502020204030204" pitchFamily="34" charset="0"/>
+              <a:cs typeface="Arial" panose="020B0604020202020204" pitchFamily="34" charset="0"/>
+            </a:endParaRPr>
+          </a:p>
+          <a:p>
+            <a:pPr indent="457200" algn="just">
+              <a:lnSpc>
+                <a:spcPct val="150000"/>
+              </a:lnSpc>
+              <a:spcAft>
+                <a:spcPts val="1000"/>
+              </a:spcAft>
+            </a:pPr>
+            <a:r>
+              <a:rPr lang="en-US" sz="1800" dirty="0">
+                <a:effectLst/>
+                <a:latin typeface="Times New Roman" panose="02020603050405020304" pitchFamily="18" charset="0"/>
+                <a:ea typeface="Calibri" panose="020F0502020204030204" pitchFamily="34" charset="0"/>
+                <a:cs typeface="Times New Roman" panose="02020603050405020304" pitchFamily="18" charset="0"/>
+              </a:rPr>
+              <a:t>In conclusion, the dynamic landscape of Information and Communication Technology (ICT) continues to shape and redefine our world. The period leading up to 2022 witnessed remarkable advancements in areas such as 5G technology, artificial intelligence, the Internet of Things, and cybersecurity. These innovations have not only transformed the way we communicate and process information but have also paved the way for unprecedented opportunities. </a:t>
+            </a:r>
+            <a:endParaRPr lang="fr-FR" sz="1800" dirty="0">
+              <a:effectLst/>
+              <a:latin typeface="Times New Roman" panose="02020603050405020304" pitchFamily="18" charset="0"/>
+              <a:ea typeface="Calibri" panose="020F0502020204030204" pitchFamily="34" charset="0"/>
+              <a:cs typeface="Times New Roman" panose="02020603050405020304" pitchFamily="18" charset="0"/>
+            </a:endParaRPr>
+          </a:p>
+          <a:p>
+            <a:pPr indent="457200" algn="just">
+              <a:lnSpc>
+                <a:spcPct val="150000"/>
+              </a:lnSpc>
+              <a:spcAft>
+                <a:spcPts val="1000"/>
+              </a:spcAft>
+            </a:pPr>
+            <a:r>
+              <a:rPr lang="en-US" sz="1800" dirty="0">
+                <a:effectLst/>
+                <a:latin typeface="Times New Roman" panose="02020603050405020304" pitchFamily="18" charset="0"/>
+                <a:ea typeface="Calibri" panose="020F0502020204030204" pitchFamily="34" charset="0"/>
+                <a:cs typeface="Times New Roman" panose="02020603050405020304" pitchFamily="18" charset="0"/>
+              </a:rPr>
+              <a:t>However, with these advancements many challenges surfaced. One of the most prominent challenges is the rapid pace of technological growth which often outpaced the ability of organizations and individuals to adapt. In addition, the use of ICT raises ethical questions, such as the responsible use of artificial intelligence (AI), automation's impact on employment, and the ethical implications of data collection and analysis. Moreover, not everyone has equal access to ICT, disparities in access to technology, internet connectivity, and digital literacy can widen social and economic gaps</a:t>
+            </a:r>
+            <a:r>
+              <a:rPr lang="en-US" sz="1800" dirty="0">
+                <a:effectLst/>
+                <a:latin typeface="Times New Roman" panose="02020603050405020304" pitchFamily="18" charset="0"/>
+                <a:ea typeface="Calibri" panose="020F0502020204030204" pitchFamily="34" charset="0"/>
+                <a:cs typeface="Arial" panose="020B0604020202020204" pitchFamily="34" charset="0"/>
+              </a:rPr>
+              <a:t>.</a:t>
+            </a:r>
+            <a:endParaRPr lang="fr-FR" sz="1800" dirty="0">
+              <a:effectLst/>
+              <a:latin typeface="Calibri" panose="020F0502020204030204" pitchFamily="34" charset="0"/>
+              <a:ea typeface="Calibri" panose="020F0502020204030204" pitchFamily="34" charset="0"/>
+              <a:cs typeface="Arial" panose="020B0604020202020204" pitchFamily="34" charset="0"/>
+            </a:endParaRPr>
+          </a:p>
+        </p:txBody>
+      </p:sp>
+    </p:spTree>
+    <p:extLst>
+      <p:ext uri="{BB962C8B-B14F-4D97-AF65-F5344CB8AC3E}">
+        <p14:creationId xmlns:p14="http://schemas.microsoft.com/office/powerpoint/2010/main" val="125317397"/>
+      </p:ext>
+    </p:extLst>
+  </p:cSld>
+  <p:clrMapOvr>
+    <a:masterClrMapping/>
+  </p:clrMapOvr>
+  <mc:AlternateContent xmlns:mc="http://schemas.openxmlformats.org/markup-compatibility/2006" xmlns:p14="http://schemas.microsoft.com/office/powerpoint/2010/main">
+    <mc:Choice Requires="p14">
+      <p:transition spd="slow" p14:dur="1500">
+        <p:split orient="vert"/>
+      </p:transition>
+    </mc:Choice>
+    <mc:Fallback xmlns="">
+      <p:transition spd="slow">
+        <p:split orient="vert"/>
+      </p:transition>
+    </mc:Fallback>
+  </mc:AlternateContent>
+</p:sld>
+</file>
+
 <file path=ppt/slides/slide2.xml><?xml version="1.0" encoding="utf-8"?>
 <p:sld xmlns:a="http://schemas.openxmlformats.org/drawingml/2006/main" xmlns:r="http://schemas.openxmlformats.org/officeDocument/2006/relationships" xmlns:p="http://schemas.openxmlformats.org/presentationml/2006/main">
   <p:cSld>
@@ -9181,6 +13906,18 @@
   <p:clrMapOvr>
     <a:masterClrMapping/>
   </p:clrMapOvr>
+  <mc:AlternateContent xmlns:mc="http://schemas.openxmlformats.org/markup-compatibility/2006" xmlns:p14="http://schemas.microsoft.com/office/powerpoint/2010/main">
+    <mc:Choice Requires="p14">
+      <p:transition spd="slow" p14:dur="1500">
+        <p:split orient="vert"/>
+      </p:transition>
+    </mc:Choice>
+    <mc:Fallback xmlns="">
+      <p:transition spd="slow">
+        <p:split orient="vert"/>
+      </p:transition>
+    </mc:Fallback>
+  </mc:AlternateContent>
   <p:timing>
     <p:tnLst>
       <p:par>
@@ -9910,7 +14647,7 @@
           <a:lstStyle/>
           <a:p>
             <a:r>
-              <a:rPr lang="fr-FR" sz="2400" dirty="0">
+              <a:rPr lang="fr-FR" sz="2400" b="1" dirty="0">
                 <a:solidFill>
                   <a:schemeClr val="accent2">
                     <a:lumMod val="75000"/>
@@ -9932,15 +14669,11 @@
               </a:spcAft>
             </a:pPr>
             <a:r>
-              <a:rPr lang="fr-FR" dirty="0"/>
-              <a:t>     </a:t>
-            </a:r>
-            <a:r>
               <a:rPr lang="fr-FR" dirty="0">
                 <a:latin typeface="Times New Roman" panose="02020603050405020304" pitchFamily="18" charset="0"/>
                 <a:cs typeface="Times New Roman" panose="02020603050405020304" pitchFamily="18" charset="0"/>
               </a:rPr>
-              <a:t>   </a:t>
+              <a:t>        </a:t>
             </a:r>
             <a:r>
               <a:rPr lang="en-US" sz="1800" dirty="0">
@@ -10121,6 +14854,18 @@
   <p:clrMapOvr>
     <a:masterClrMapping/>
   </p:clrMapOvr>
+  <mc:AlternateContent xmlns:mc="http://schemas.openxmlformats.org/markup-compatibility/2006" xmlns:p14="http://schemas.microsoft.com/office/powerpoint/2010/main">
+    <mc:Choice Requires="p14">
+      <p:transition spd="slow" p14:dur="1500">
+        <p:split orient="vert"/>
+      </p:transition>
+    </mc:Choice>
+    <mc:Fallback xmlns="">
+      <p:transition spd="slow">
+        <p:split orient="vert"/>
+      </p:transition>
+    </mc:Fallback>
+  </mc:AlternateContent>
 </p:sld>
 </file>
 
@@ -10178,7 +14923,7 @@
               </a:spcAft>
             </a:pPr>
             <a:r>
-              <a:rPr kumimoji="0" lang="en-US" altLang="fr-FR" sz="2400" i="0" u="none" strike="noStrike" cap="none" normalizeH="0" baseline="0" dirty="0">
+              <a:rPr kumimoji="0" lang="en-US" altLang="fr-FR" sz="2400" b="1" i="0" u="none" strike="noStrike" cap="none" normalizeH="0" baseline="0" dirty="0">
                 <a:ln>
                   <a:noFill/>
                 </a:ln>
@@ -10193,7 +14938,7 @@
               </a:rPr>
               <a:t>History and evolution of TIC</a:t>
             </a:r>
-            <a:endParaRPr lang="en-US" sz="2400" spc="-5" dirty="0">
+            <a:endParaRPr lang="en-US" sz="2400" b="1" spc="-5" dirty="0">
               <a:solidFill>
                 <a:schemeClr val="accent2">
                   <a:lumMod val="75000"/>
@@ -10325,6 +15070,18 @@
   <p:clrMapOvr>
     <a:masterClrMapping/>
   </p:clrMapOvr>
+  <mc:AlternateContent xmlns:mc="http://schemas.openxmlformats.org/markup-compatibility/2006" xmlns:p14="http://schemas.microsoft.com/office/powerpoint/2010/main">
+    <mc:Choice Requires="p14">
+      <p:transition spd="slow" p14:dur="1500">
+        <p:split orient="vert"/>
+      </p:transition>
+    </mc:Choice>
+    <mc:Fallback xmlns="">
+      <p:transition spd="slow">
+        <p:split orient="vert"/>
+      </p:transition>
+    </mc:Fallback>
+  </mc:AlternateContent>
 </p:sld>
 </file>
 
@@ -10480,6 +15237,199 @@
           </a:p>
         </p:txBody>
       </p:sp>
+      <p:pic>
+        <p:nvPicPr>
+          <p:cNvPr id="4" name="Image 3">
+            <a:extLst>
+              <a:ext uri="{FF2B5EF4-FFF2-40B4-BE49-F238E27FC236}">
+                <a16:creationId xmlns:a16="http://schemas.microsoft.com/office/drawing/2014/main" id="{0BAB4BEE-1792-EDFF-BB5D-1DDCED558A26}"/>
+              </a:ext>
+            </a:extLst>
+          </p:cNvPr>
+          <p:cNvPicPr>
+            <a:picLocks noChangeAspect="1"/>
+          </p:cNvPicPr>
+          <p:nvPr/>
+        </p:nvPicPr>
+        <p:blipFill>
+          <a:blip r:embed="rId2"/>
+          <a:stretch>
+            <a:fillRect/>
+          </a:stretch>
+        </p:blipFill>
+        <p:spPr>
+          <a:xfrm>
+            <a:off x="330507" y="2886590"/>
+            <a:ext cx="4406748" cy="2214219"/>
+          </a:xfrm>
+          <a:prstGeom prst="rect">
+            <a:avLst/>
+          </a:prstGeom>
+        </p:spPr>
+      </p:pic>
+      <p:sp>
+        <p:nvSpPr>
+          <p:cNvPr id="6" name="Text Box 4">
+            <a:extLst>
+              <a:ext uri="{FF2B5EF4-FFF2-40B4-BE49-F238E27FC236}">
+                <a16:creationId xmlns:a16="http://schemas.microsoft.com/office/drawing/2014/main" id="{7AFC094C-7DFE-8BC1-9F8A-F40FD9620BD3}"/>
+              </a:ext>
+            </a:extLst>
+          </p:cNvPr>
+          <p:cNvSpPr txBox="1"/>
+          <p:nvPr/>
+        </p:nvSpPr>
+        <p:spPr>
+          <a:xfrm>
+            <a:off x="936617" y="5265708"/>
+            <a:ext cx="2026920" cy="182880"/>
+          </a:xfrm>
+          <a:prstGeom prst="rect">
+            <a:avLst/>
+          </a:prstGeom>
+          <a:solidFill>
+            <a:prstClr val="white"/>
+          </a:solidFill>
+          <a:ln>
+            <a:noFill/>
+          </a:ln>
+        </p:spPr>
+        <p:txBody>
+          <a:bodyPr rot="0" spcFirstLastPara="0" vert="horz" wrap="square" lIns="0" tIns="0" rIns="0" bIns="0" numCol="1" spcCol="0" rtlCol="0" fromWordArt="0" anchor="t" anchorCtr="0" forceAA="0" compatLnSpc="1">
+            <a:prstTxWarp prst="textNoShape">
+              <a:avLst/>
+            </a:prstTxWarp>
+            <a:noAutofit/>
+          </a:bodyPr>
+          <a:lstStyle/>
+          <a:p>
+            <a:pPr>
+              <a:spcAft>
+                <a:spcPts val="1000"/>
+              </a:spcAft>
+            </a:pPr>
+            <a:r>
+              <a:rPr lang="en-US" i="1" dirty="0">
+                <a:solidFill>
+                  <a:schemeClr val="accent6">
+                    <a:lumMod val="75000"/>
+                  </a:schemeClr>
+                </a:solidFill>
+                <a:effectLst/>
+                <a:latin typeface="Time new roma"/>
+                <a:ea typeface="Calibri" panose="020F0502020204030204" pitchFamily="34" charset="0"/>
+                <a:cs typeface="Arial" panose="020B0604020202020204" pitchFamily="34" charset="0"/>
+              </a:rPr>
+              <a:t>Figure 1: a Telegraph</a:t>
+            </a:r>
+            <a:endParaRPr lang="fr-FR" i="1" dirty="0">
+              <a:solidFill>
+                <a:schemeClr val="accent6">
+                  <a:lumMod val="75000"/>
+                </a:schemeClr>
+              </a:solidFill>
+              <a:effectLst/>
+              <a:latin typeface="Time new roma"/>
+              <a:ea typeface="Calibri" panose="020F0502020204030204" pitchFamily="34" charset="0"/>
+              <a:cs typeface="Arial" panose="020B0604020202020204" pitchFamily="34" charset="0"/>
+            </a:endParaRPr>
+          </a:p>
+        </p:txBody>
+      </p:sp>
+      <p:pic>
+        <p:nvPicPr>
+          <p:cNvPr id="7" name="Image 6">
+            <a:extLst>
+              <a:ext uri="{FF2B5EF4-FFF2-40B4-BE49-F238E27FC236}">
+                <a16:creationId xmlns:a16="http://schemas.microsoft.com/office/drawing/2014/main" id="{C16E08CE-86EB-A5BD-DCD9-F0697C08F25B}"/>
+              </a:ext>
+            </a:extLst>
+          </p:cNvPr>
+          <p:cNvPicPr>
+            <a:picLocks noChangeAspect="1"/>
+          </p:cNvPicPr>
+          <p:nvPr/>
+        </p:nvPicPr>
+        <p:blipFill>
+          <a:blip r:embed="rId3"/>
+          <a:stretch>
+            <a:fillRect/>
+          </a:stretch>
+        </p:blipFill>
+        <p:spPr>
+          <a:xfrm>
+            <a:off x="5144189" y="2886590"/>
+            <a:ext cx="4054895" cy="2214219"/>
+          </a:xfrm>
+          <a:prstGeom prst="rect">
+            <a:avLst/>
+          </a:prstGeom>
+        </p:spPr>
+      </p:pic>
+      <p:sp>
+        <p:nvSpPr>
+          <p:cNvPr id="8" name="ZoneTexte 7">
+            <a:extLst>
+              <a:ext uri="{FF2B5EF4-FFF2-40B4-BE49-F238E27FC236}">
+                <a16:creationId xmlns:a16="http://schemas.microsoft.com/office/drawing/2014/main" id="{C127FC83-96B6-72A2-DD7B-F8D67ABD8F8A}"/>
+              </a:ext>
+            </a:extLst>
+          </p:cNvPr>
+          <p:cNvSpPr txBox="1"/>
+          <p:nvPr/>
+        </p:nvSpPr>
+        <p:spPr>
+          <a:xfrm>
+            <a:off x="5552502" y="5172482"/>
+            <a:ext cx="3646582" cy="369332"/>
+          </a:xfrm>
+          <a:prstGeom prst="rect">
+            <a:avLst/>
+          </a:prstGeom>
+          <a:noFill/>
+        </p:spPr>
+        <p:txBody>
+          <a:bodyPr wrap="square" rtlCol="0">
+            <a:spAutoFit/>
+          </a:bodyPr>
+          <a:lstStyle/>
+          <a:p>
+            <a:r>
+              <a:rPr lang="fr-FR" i="1" dirty="0">
+                <a:solidFill>
+                  <a:schemeClr val="accent6">
+                    <a:lumMod val="75000"/>
+                  </a:schemeClr>
+                </a:solidFill>
+                <a:latin typeface="Time new roma"/>
+              </a:rPr>
+              <a:t>Figure 2 : </a:t>
+            </a:r>
+            <a:r>
+              <a:rPr lang="en-US" sz="1800" i="1" dirty="0">
+                <a:solidFill>
+                  <a:schemeClr val="accent6">
+                    <a:lumMod val="75000"/>
+                  </a:schemeClr>
+                </a:solidFill>
+                <a:effectLst/>
+                <a:latin typeface="Time new roma"/>
+                <a:ea typeface="Calibri" panose="020F0502020204030204" pitchFamily="34" charset="0"/>
+                <a:cs typeface="Arial" panose="020B0604020202020204" pitchFamily="34" charset="0"/>
+              </a:rPr>
+              <a:t>First electronic computer</a:t>
+            </a:r>
+            <a:endParaRPr lang="fr-FR" i="1" dirty="0">
+              <a:solidFill>
+                <a:schemeClr val="accent6">
+                  <a:lumMod val="75000"/>
+                </a:schemeClr>
+              </a:solidFill>
+              <a:latin typeface="Time new roma"/>
+            </a:endParaRPr>
+          </a:p>
+        </p:txBody>
+      </p:sp>
     </p:spTree>
     <p:extLst>
       <p:ext uri="{BB962C8B-B14F-4D97-AF65-F5344CB8AC3E}">
@@ -10490,6 +15440,230 @@
   <p:clrMapOvr>
     <a:masterClrMapping/>
   </p:clrMapOvr>
+  <mc:AlternateContent xmlns:mc="http://schemas.openxmlformats.org/markup-compatibility/2006" xmlns:p14="http://schemas.microsoft.com/office/powerpoint/2010/main">
+    <mc:Choice Requires="p14">
+      <p:transition spd="slow" p14:dur="1500">
+        <p:split orient="vert"/>
+      </p:transition>
+    </mc:Choice>
+    <mc:Fallback xmlns="">
+      <p:transition spd="slow">
+        <p:split orient="vert"/>
+      </p:transition>
+    </mc:Fallback>
+  </mc:AlternateContent>
+  <p:timing>
+    <p:tnLst>
+      <p:par>
+        <p:cTn id="1" dur="indefinite" restart="never" nodeType="tmRoot">
+          <p:childTnLst>
+            <p:seq concurrent="1" nextAc="seek">
+              <p:cTn id="2" dur="indefinite" nodeType="mainSeq">
+                <p:childTnLst>
+                  <p:par>
+                    <p:cTn id="3" fill="hold">
+                      <p:stCondLst>
+                        <p:cond delay="indefinite"/>
+                      </p:stCondLst>
+                      <p:childTnLst>
+                        <p:par>
+                          <p:cTn id="4" fill="hold">
+                            <p:stCondLst>
+                              <p:cond delay="0"/>
+                            </p:stCondLst>
+                            <p:childTnLst>
+                              <p:par>
+                                <p:cTn id="5" presetID="2" presetClass="entr" presetSubtype="4" fill="hold" nodeType="clickEffect">
+                                  <p:stCondLst>
+                                    <p:cond delay="0"/>
+                                  </p:stCondLst>
+                                  <p:childTnLst>
+                                    <p:set>
+                                      <p:cBhvr>
+                                        <p:cTn id="6" dur="1" fill="hold">
+                                          <p:stCondLst>
+                                            <p:cond delay="0"/>
+                                          </p:stCondLst>
+                                        </p:cTn>
+                                        <p:tgtEl>
+                                          <p:spTgt spid="4"/>
+                                        </p:tgtEl>
+                                        <p:attrNameLst>
+                                          <p:attrName>style.visibility</p:attrName>
+                                        </p:attrNameLst>
+                                      </p:cBhvr>
+                                      <p:to>
+                                        <p:strVal val="visible"/>
+                                      </p:to>
+                                    </p:set>
+                                    <p:anim calcmode="lin" valueType="num">
+                                      <p:cBhvr additive="base">
+                                        <p:cTn id="7" dur="500" fill="hold"/>
+                                        <p:tgtEl>
+                                          <p:spTgt spid="4"/>
+                                        </p:tgtEl>
+                                        <p:attrNameLst>
+                                          <p:attrName>ppt_x</p:attrName>
+                                        </p:attrNameLst>
+                                      </p:cBhvr>
+                                      <p:tavLst>
+                                        <p:tav tm="0">
+                                          <p:val>
+                                            <p:strVal val="#ppt_x"/>
+                                          </p:val>
+                                        </p:tav>
+                                        <p:tav tm="100000">
+                                          <p:val>
+                                            <p:strVal val="#ppt_x"/>
+                                          </p:val>
+                                        </p:tav>
+                                      </p:tavLst>
+                                    </p:anim>
+                                    <p:anim calcmode="lin" valueType="num">
+                                      <p:cBhvr additive="base">
+                                        <p:cTn id="8" dur="500" fill="hold"/>
+                                        <p:tgtEl>
+                                          <p:spTgt spid="4"/>
+                                        </p:tgtEl>
+                                        <p:attrNameLst>
+                                          <p:attrName>ppt_y</p:attrName>
+                                        </p:attrNameLst>
+                                      </p:cBhvr>
+                                      <p:tavLst>
+                                        <p:tav tm="0">
+                                          <p:val>
+                                            <p:strVal val="1+#ppt_h/2"/>
+                                          </p:val>
+                                        </p:tav>
+                                        <p:tav tm="100000">
+                                          <p:val>
+                                            <p:strVal val="#ppt_y"/>
+                                          </p:val>
+                                        </p:tav>
+                                      </p:tavLst>
+                                    </p:anim>
+                                  </p:childTnLst>
+                                </p:cTn>
+                              </p:par>
+                            </p:childTnLst>
+                          </p:cTn>
+                        </p:par>
+                      </p:childTnLst>
+                    </p:cTn>
+                  </p:par>
+                  <p:par>
+                    <p:cTn id="9" fill="hold">
+                      <p:stCondLst>
+                        <p:cond delay="indefinite"/>
+                      </p:stCondLst>
+                      <p:childTnLst>
+                        <p:par>
+                          <p:cTn id="10" fill="hold">
+                            <p:stCondLst>
+                              <p:cond delay="0"/>
+                            </p:stCondLst>
+                            <p:childTnLst>
+                              <p:par>
+                                <p:cTn id="11" presetID="2" presetClass="entr" presetSubtype="4" fill="hold" nodeType="clickEffect">
+                                  <p:stCondLst>
+                                    <p:cond delay="0"/>
+                                  </p:stCondLst>
+                                  <p:childTnLst>
+                                    <p:set>
+                                      <p:cBhvr>
+                                        <p:cTn id="12" dur="1" fill="hold">
+                                          <p:stCondLst>
+                                            <p:cond delay="0"/>
+                                          </p:stCondLst>
+                                        </p:cTn>
+                                        <p:tgtEl>
+                                          <p:spTgt spid="7"/>
+                                        </p:tgtEl>
+                                        <p:attrNameLst>
+                                          <p:attrName>style.visibility</p:attrName>
+                                        </p:attrNameLst>
+                                      </p:cBhvr>
+                                      <p:to>
+                                        <p:strVal val="visible"/>
+                                      </p:to>
+                                    </p:set>
+                                    <p:anim calcmode="lin" valueType="num">
+                                      <p:cBhvr additive="base">
+                                        <p:cTn id="13" dur="500" fill="hold"/>
+                                        <p:tgtEl>
+                                          <p:spTgt spid="7"/>
+                                        </p:tgtEl>
+                                        <p:attrNameLst>
+                                          <p:attrName>ppt_x</p:attrName>
+                                        </p:attrNameLst>
+                                      </p:cBhvr>
+                                      <p:tavLst>
+                                        <p:tav tm="0">
+                                          <p:val>
+                                            <p:strVal val="#ppt_x"/>
+                                          </p:val>
+                                        </p:tav>
+                                        <p:tav tm="100000">
+                                          <p:val>
+                                            <p:strVal val="#ppt_x"/>
+                                          </p:val>
+                                        </p:tav>
+                                      </p:tavLst>
+                                    </p:anim>
+                                    <p:anim calcmode="lin" valueType="num">
+                                      <p:cBhvr additive="base">
+                                        <p:cTn id="14" dur="500" fill="hold"/>
+                                        <p:tgtEl>
+                                          <p:spTgt spid="7"/>
+                                        </p:tgtEl>
+                                        <p:attrNameLst>
+                                          <p:attrName>ppt_y</p:attrName>
+                                        </p:attrNameLst>
+                                      </p:cBhvr>
+                                      <p:tavLst>
+                                        <p:tav tm="0">
+                                          <p:val>
+                                            <p:strVal val="1+#ppt_h/2"/>
+                                          </p:val>
+                                        </p:tav>
+                                        <p:tav tm="100000">
+                                          <p:val>
+                                            <p:strVal val="#ppt_y"/>
+                                          </p:val>
+                                        </p:tav>
+                                      </p:tavLst>
+                                    </p:anim>
+                                  </p:childTnLst>
+                                </p:cTn>
+                              </p:par>
+                            </p:childTnLst>
+                          </p:cTn>
+                        </p:par>
+                      </p:childTnLst>
+                    </p:cTn>
+                  </p:par>
+                </p:childTnLst>
+              </p:cTn>
+              <p:prevCondLst>
+                <p:cond evt="onPrev" delay="0">
+                  <p:tgtEl>
+                    <p:sldTgt/>
+                  </p:tgtEl>
+                </p:cond>
+              </p:prevCondLst>
+              <p:nextCondLst>
+                <p:cond evt="onNext" delay="0">
+                  <p:tgtEl>
+                    <p:sldTgt/>
+                  </p:tgtEl>
+                </p:cond>
+              </p:nextCondLst>
+            </p:seq>
+          </p:childTnLst>
+        </p:cTn>
+      </p:par>
+    </p:tnLst>
+  </p:timing>
 </p:sld>
 </file>
 
@@ -10524,7 +15698,7 @@
         </p:nvSpPr>
         <p:spPr>
           <a:xfrm>
-            <a:off x="187287" y="716097"/>
+            <a:off x="242371" y="473726"/>
             <a:ext cx="9121965" cy="5642570"/>
           </a:xfrm>
           <a:prstGeom prst="rect">
@@ -10588,7 +15762,7 @@
                 <a:ea typeface="Calibri" panose="020F0502020204030204" pitchFamily="34" charset="0"/>
                 <a:cs typeface="Arial" panose="020B0604020202020204" pitchFamily="34" charset="0"/>
               </a:rPr>
-              <a:t>The third stage of ICT applications was marked by the emergence of the internet. This began in the late 20th century with the creation of the World Wide Web, which allowed for the sharing of information across networks. The internet revolutionized communication by enabling people to communicate and share information across vast distances in real-time. The emergence of the internet also led to the creation of new industries and business models, such as e-commerce, social media, and online advertising. </a:t>
+              <a:t>      The third stage of ICT applications was marked by the emergence of the internet. This began in the late 20th century with the creation of the World Wide Web, which allowed for the sharing of information across networks. The internet revolutionized communication by enabling people to communicate and share information across vast distances in real-time. The emergence of the internet also led to the creation of new industries and business models, such as e-commerce, social media, and online advertising. </a:t>
             </a:r>
           </a:p>
           <a:p>
@@ -10679,6 +15853,18 @@
   <p:clrMapOvr>
     <a:masterClrMapping/>
   </p:clrMapOvr>
+  <mc:AlternateContent xmlns:mc="http://schemas.openxmlformats.org/markup-compatibility/2006" xmlns:p14="http://schemas.microsoft.com/office/powerpoint/2010/main">
+    <mc:Choice Requires="p14">
+      <p:transition spd="slow" p14:dur="1500">
+        <p:split orient="vert"/>
+      </p:transition>
+    </mc:Choice>
+    <mc:Fallback xmlns="">
+      <p:transition spd="slow">
+        <p:split orient="vert"/>
+      </p:transition>
+    </mc:Fallback>
+  </mc:AlternateContent>
 </p:sld>
 </file>
 
@@ -10830,6 +16016,188 @@
           </a:p>
         </p:txBody>
       </p:sp>
+      <p:pic>
+        <p:nvPicPr>
+          <p:cNvPr id="3" name="Image 2">
+            <a:extLst>
+              <a:ext uri="{FF2B5EF4-FFF2-40B4-BE49-F238E27FC236}">
+                <a16:creationId xmlns:a16="http://schemas.microsoft.com/office/drawing/2014/main" id="{57260E48-1D51-2CEF-A58C-2C56E8F98054}"/>
+              </a:ext>
+            </a:extLst>
+          </p:cNvPr>
+          <p:cNvPicPr>
+            <a:picLocks noChangeAspect="1"/>
+          </p:cNvPicPr>
+          <p:nvPr/>
+        </p:nvPicPr>
+        <p:blipFill>
+          <a:blip r:embed="rId2"/>
+          <a:stretch>
+            <a:fillRect/>
+          </a:stretch>
+        </p:blipFill>
+        <p:spPr>
+          <a:xfrm>
+            <a:off x="5277079" y="3690650"/>
+            <a:ext cx="3712684" cy="1972019"/>
+          </a:xfrm>
+          <a:prstGeom prst="rect">
+            <a:avLst/>
+          </a:prstGeom>
+        </p:spPr>
+      </p:pic>
+      <p:pic>
+        <p:nvPicPr>
+          <p:cNvPr id="4" name="Image 3">
+            <a:extLst>
+              <a:ext uri="{FF2B5EF4-FFF2-40B4-BE49-F238E27FC236}">
+                <a16:creationId xmlns:a16="http://schemas.microsoft.com/office/drawing/2014/main" id="{41163CC1-CB5D-1BAD-647A-505DB6EBE534}"/>
+              </a:ext>
+            </a:extLst>
+          </p:cNvPr>
+          <p:cNvPicPr>
+            <a:picLocks noChangeAspect="1"/>
+          </p:cNvPicPr>
+          <p:nvPr/>
+        </p:nvPicPr>
+        <p:blipFill>
+          <a:blip r:embed="rId3"/>
+          <a:stretch>
+            <a:fillRect/>
+          </a:stretch>
+        </p:blipFill>
+        <p:spPr>
+          <a:xfrm>
+            <a:off x="407624" y="3690650"/>
+            <a:ext cx="3712684" cy="1972019"/>
+          </a:xfrm>
+          <a:prstGeom prst="rect">
+            <a:avLst/>
+          </a:prstGeom>
+        </p:spPr>
+      </p:pic>
+      <p:sp>
+        <p:nvSpPr>
+          <p:cNvPr id="5" name="ZoneTexte 4">
+            <a:extLst>
+              <a:ext uri="{FF2B5EF4-FFF2-40B4-BE49-F238E27FC236}">
+                <a16:creationId xmlns:a16="http://schemas.microsoft.com/office/drawing/2014/main" id="{346A1028-412A-E975-F3E4-260F52A2FA6A}"/>
+              </a:ext>
+            </a:extLst>
+          </p:cNvPr>
+          <p:cNvSpPr txBox="1"/>
+          <p:nvPr/>
+        </p:nvSpPr>
+        <p:spPr>
+          <a:xfrm>
+            <a:off x="5387249" y="5662669"/>
+            <a:ext cx="3712683" cy="646331"/>
+          </a:xfrm>
+          <a:prstGeom prst="rect">
+            <a:avLst/>
+          </a:prstGeom>
+          <a:noFill/>
+        </p:spPr>
+        <p:txBody>
+          <a:bodyPr wrap="square" rtlCol="0">
+            <a:spAutoFit/>
+          </a:bodyPr>
+          <a:lstStyle/>
+          <a:p>
+            <a:r>
+              <a:rPr lang="fr-FR" b="1" i="1" dirty="0">
+                <a:solidFill>
+                  <a:schemeClr val="accent1">
+                    <a:lumMod val="75000"/>
+                  </a:schemeClr>
+                </a:solidFill>
+                <a:latin typeface="Times New Roman" panose="02020603050405020304" pitchFamily="18" charset="0"/>
+                <a:cs typeface="Times New Roman" panose="02020603050405020304" pitchFamily="18" charset="0"/>
+              </a:rPr>
+              <a:t>Figure 4 : </a:t>
+            </a:r>
+            <a:r>
+              <a:rPr lang="en-US" sz="1800" b="1" i="1" dirty="0">
+                <a:solidFill>
+                  <a:schemeClr val="accent1">
+                    <a:lumMod val="75000"/>
+                  </a:schemeClr>
+                </a:solidFill>
+                <a:effectLst/>
+                <a:latin typeface="Times New Roman" panose="02020603050405020304" pitchFamily="18" charset="0"/>
+                <a:cs typeface="Times New Roman" panose="02020603050405020304" pitchFamily="18" charset="0"/>
+              </a:rPr>
+              <a:t>Artificial Intelligence</a:t>
+            </a:r>
+            <a:endParaRPr lang="fr-FR" sz="1800" b="1" i="1" dirty="0">
+              <a:solidFill>
+                <a:schemeClr val="accent1">
+                  <a:lumMod val="75000"/>
+                </a:schemeClr>
+              </a:solidFill>
+              <a:effectLst/>
+              <a:latin typeface="Times New Roman" panose="02020603050405020304" pitchFamily="18" charset="0"/>
+              <a:cs typeface="Times New Roman" panose="02020603050405020304" pitchFamily="18" charset="0"/>
+            </a:endParaRPr>
+          </a:p>
+          <a:p>
+            <a:endParaRPr lang="fr-FR" dirty="0"/>
+          </a:p>
+        </p:txBody>
+      </p:sp>
+      <p:sp>
+        <p:nvSpPr>
+          <p:cNvPr id="7" name="ZoneTexte 6">
+            <a:extLst>
+              <a:ext uri="{FF2B5EF4-FFF2-40B4-BE49-F238E27FC236}">
+                <a16:creationId xmlns:a16="http://schemas.microsoft.com/office/drawing/2014/main" id="{33179808-142A-B63A-F5D0-0F46CCE6F98B}"/>
+              </a:ext>
+            </a:extLst>
+          </p:cNvPr>
+          <p:cNvSpPr txBox="1"/>
+          <p:nvPr/>
+        </p:nvSpPr>
+        <p:spPr>
+          <a:xfrm>
+            <a:off x="771181" y="5685320"/>
+            <a:ext cx="2089033" cy="369332"/>
+          </a:xfrm>
+          <a:prstGeom prst="rect">
+            <a:avLst/>
+          </a:prstGeom>
+          <a:noFill/>
+        </p:spPr>
+        <p:txBody>
+          <a:bodyPr wrap="none" rtlCol="0">
+            <a:spAutoFit/>
+          </a:bodyPr>
+          <a:lstStyle/>
+          <a:p>
+            <a:r>
+              <a:rPr lang="fr-FR" b="1" i="1" dirty="0">
+                <a:solidFill>
+                  <a:schemeClr val="accent1">
+                    <a:lumMod val="75000"/>
+                  </a:schemeClr>
+                </a:solidFill>
+                <a:latin typeface="Times New Roman" panose="02020603050405020304" pitchFamily="18" charset="0"/>
+                <a:cs typeface="Times New Roman" panose="02020603050405020304" pitchFamily="18" charset="0"/>
+              </a:rPr>
+              <a:t>Figure 3 : Internet  </a:t>
+            </a:r>
+            <a:endParaRPr lang="fr-FR" sz="1800" b="1" i="1" dirty="0">
+              <a:solidFill>
+                <a:schemeClr val="accent1">
+                  <a:lumMod val="75000"/>
+                </a:schemeClr>
+              </a:solidFill>
+              <a:effectLst/>
+              <a:latin typeface="Times New Roman" panose="02020603050405020304" pitchFamily="18" charset="0"/>
+              <a:cs typeface="Times New Roman" panose="02020603050405020304" pitchFamily="18" charset="0"/>
+            </a:endParaRPr>
+          </a:p>
+        </p:txBody>
+      </p:sp>
     </p:spTree>
     <p:extLst>
       <p:ext uri="{BB962C8B-B14F-4D97-AF65-F5344CB8AC3E}">
@@ -10840,6 +16208,230 @@
   <p:clrMapOvr>
     <a:masterClrMapping/>
   </p:clrMapOvr>
+  <mc:AlternateContent xmlns:mc="http://schemas.openxmlformats.org/markup-compatibility/2006" xmlns:p14="http://schemas.microsoft.com/office/powerpoint/2010/main">
+    <mc:Choice Requires="p14">
+      <p:transition spd="slow" p14:dur="1500">
+        <p:split orient="vert"/>
+      </p:transition>
+    </mc:Choice>
+    <mc:Fallback xmlns="">
+      <p:transition spd="slow">
+        <p:split orient="vert"/>
+      </p:transition>
+    </mc:Fallback>
+  </mc:AlternateContent>
+  <p:timing>
+    <p:tnLst>
+      <p:par>
+        <p:cTn id="1" dur="indefinite" restart="never" nodeType="tmRoot">
+          <p:childTnLst>
+            <p:seq concurrent="1" nextAc="seek">
+              <p:cTn id="2" dur="indefinite" nodeType="mainSeq">
+                <p:childTnLst>
+                  <p:par>
+                    <p:cTn id="3" fill="hold">
+                      <p:stCondLst>
+                        <p:cond delay="indefinite"/>
+                      </p:stCondLst>
+                      <p:childTnLst>
+                        <p:par>
+                          <p:cTn id="4" fill="hold">
+                            <p:stCondLst>
+                              <p:cond delay="0"/>
+                            </p:stCondLst>
+                            <p:childTnLst>
+                              <p:par>
+                                <p:cTn id="5" presetID="2" presetClass="entr" presetSubtype="4" fill="hold" nodeType="clickEffect">
+                                  <p:stCondLst>
+                                    <p:cond delay="0"/>
+                                  </p:stCondLst>
+                                  <p:childTnLst>
+                                    <p:set>
+                                      <p:cBhvr>
+                                        <p:cTn id="6" dur="1" fill="hold">
+                                          <p:stCondLst>
+                                            <p:cond delay="0"/>
+                                          </p:stCondLst>
+                                        </p:cTn>
+                                        <p:tgtEl>
+                                          <p:spTgt spid="4"/>
+                                        </p:tgtEl>
+                                        <p:attrNameLst>
+                                          <p:attrName>style.visibility</p:attrName>
+                                        </p:attrNameLst>
+                                      </p:cBhvr>
+                                      <p:to>
+                                        <p:strVal val="visible"/>
+                                      </p:to>
+                                    </p:set>
+                                    <p:anim calcmode="lin" valueType="num">
+                                      <p:cBhvr additive="base">
+                                        <p:cTn id="7" dur="500" fill="hold"/>
+                                        <p:tgtEl>
+                                          <p:spTgt spid="4"/>
+                                        </p:tgtEl>
+                                        <p:attrNameLst>
+                                          <p:attrName>ppt_x</p:attrName>
+                                        </p:attrNameLst>
+                                      </p:cBhvr>
+                                      <p:tavLst>
+                                        <p:tav tm="0">
+                                          <p:val>
+                                            <p:strVal val="#ppt_x"/>
+                                          </p:val>
+                                        </p:tav>
+                                        <p:tav tm="100000">
+                                          <p:val>
+                                            <p:strVal val="#ppt_x"/>
+                                          </p:val>
+                                        </p:tav>
+                                      </p:tavLst>
+                                    </p:anim>
+                                    <p:anim calcmode="lin" valueType="num">
+                                      <p:cBhvr additive="base">
+                                        <p:cTn id="8" dur="500" fill="hold"/>
+                                        <p:tgtEl>
+                                          <p:spTgt spid="4"/>
+                                        </p:tgtEl>
+                                        <p:attrNameLst>
+                                          <p:attrName>ppt_y</p:attrName>
+                                        </p:attrNameLst>
+                                      </p:cBhvr>
+                                      <p:tavLst>
+                                        <p:tav tm="0">
+                                          <p:val>
+                                            <p:strVal val="1+#ppt_h/2"/>
+                                          </p:val>
+                                        </p:tav>
+                                        <p:tav tm="100000">
+                                          <p:val>
+                                            <p:strVal val="#ppt_y"/>
+                                          </p:val>
+                                        </p:tav>
+                                      </p:tavLst>
+                                    </p:anim>
+                                  </p:childTnLst>
+                                </p:cTn>
+                              </p:par>
+                            </p:childTnLst>
+                          </p:cTn>
+                        </p:par>
+                      </p:childTnLst>
+                    </p:cTn>
+                  </p:par>
+                  <p:par>
+                    <p:cTn id="9" fill="hold">
+                      <p:stCondLst>
+                        <p:cond delay="indefinite"/>
+                      </p:stCondLst>
+                      <p:childTnLst>
+                        <p:par>
+                          <p:cTn id="10" fill="hold">
+                            <p:stCondLst>
+                              <p:cond delay="0"/>
+                            </p:stCondLst>
+                            <p:childTnLst>
+                              <p:par>
+                                <p:cTn id="11" presetID="2" presetClass="entr" presetSubtype="4" fill="hold" nodeType="clickEffect">
+                                  <p:stCondLst>
+                                    <p:cond delay="0"/>
+                                  </p:stCondLst>
+                                  <p:childTnLst>
+                                    <p:set>
+                                      <p:cBhvr>
+                                        <p:cTn id="12" dur="1" fill="hold">
+                                          <p:stCondLst>
+                                            <p:cond delay="0"/>
+                                          </p:stCondLst>
+                                        </p:cTn>
+                                        <p:tgtEl>
+                                          <p:spTgt spid="3"/>
+                                        </p:tgtEl>
+                                        <p:attrNameLst>
+                                          <p:attrName>style.visibility</p:attrName>
+                                        </p:attrNameLst>
+                                      </p:cBhvr>
+                                      <p:to>
+                                        <p:strVal val="visible"/>
+                                      </p:to>
+                                    </p:set>
+                                    <p:anim calcmode="lin" valueType="num">
+                                      <p:cBhvr additive="base">
+                                        <p:cTn id="13" dur="500" fill="hold"/>
+                                        <p:tgtEl>
+                                          <p:spTgt spid="3"/>
+                                        </p:tgtEl>
+                                        <p:attrNameLst>
+                                          <p:attrName>ppt_x</p:attrName>
+                                        </p:attrNameLst>
+                                      </p:cBhvr>
+                                      <p:tavLst>
+                                        <p:tav tm="0">
+                                          <p:val>
+                                            <p:strVal val="#ppt_x"/>
+                                          </p:val>
+                                        </p:tav>
+                                        <p:tav tm="100000">
+                                          <p:val>
+                                            <p:strVal val="#ppt_x"/>
+                                          </p:val>
+                                        </p:tav>
+                                      </p:tavLst>
+                                    </p:anim>
+                                    <p:anim calcmode="lin" valueType="num">
+                                      <p:cBhvr additive="base">
+                                        <p:cTn id="14" dur="500" fill="hold"/>
+                                        <p:tgtEl>
+                                          <p:spTgt spid="3"/>
+                                        </p:tgtEl>
+                                        <p:attrNameLst>
+                                          <p:attrName>ppt_y</p:attrName>
+                                        </p:attrNameLst>
+                                      </p:cBhvr>
+                                      <p:tavLst>
+                                        <p:tav tm="0">
+                                          <p:val>
+                                            <p:strVal val="1+#ppt_h/2"/>
+                                          </p:val>
+                                        </p:tav>
+                                        <p:tav tm="100000">
+                                          <p:val>
+                                            <p:strVal val="#ppt_y"/>
+                                          </p:val>
+                                        </p:tav>
+                                      </p:tavLst>
+                                    </p:anim>
+                                  </p:childTnLst>
+                                </p:cTn>
+                              </p:par>
+                            </p:childTnLst>
+                          </p:cTn>
+                        </p:par>
+                      </p:childTnLst>
+                    </p:cTn>
+                  </p:par>
+                </p:childTnLst>
+              </p:cTn>
+              <p:prevCondLst>
+                <p:cond evt="onPrev" delay="0">
+                  <p:tgtEl>
+                    <p:sldTgt/>
+                  </p:tgtEl>
+                </p:cond>
+              </p:prevCondLst>
+              <p:nextCondLst>
+                <p:cond evt="onNext" delay="0">
+                  <p:tgtEl>
+                    <p:sldTgt/>
+                  </p:tgtEl>
+                </p:cond>
+              </p:nextCondLst>
+            </p:seq>
+          </p:childTnLst>
+        </p:cTn>
+      </p:par>
+    </p:tnLst>
+  </p:timing>
 </p:sld>
 </file>
 
@@ -10899,7 +16491,9 @@
             <a:r>
               <a:rPr lang="en-US" sz="2000" b="1" kern="0" dirty="0">
                 <a:solidFill>
-                  <a:srgbClr val="365F91"/>
+                  <a:schemeClr val="accent3">
+                    <a:lumMod val="75000"/>
+                  </a:schemeClr>
                 </a:solidFill>
                 <a:effectLst/>
                 <a:latin typeface="Times New Roman" panose="02020603050405020304" pitchFamily="18" charset="0"/>
@@ -10908,7 +16502,12 @@
               </a:rPr>
               <a:t>The Impact of ICT:</a:t>
             </a:r>
-            <a:endParaRPr lang="fr-FR" sz="2000" dirty="0">
+            <a:endParaRPr lang="fr-FR" sz="2000" b="1" dirty="0">
+              <a:solidFill>
+                <a:schemeClr val="accent3">
+                  <a:lumMod val="75000"/>
+                </a:schemeClr>
+              </a:solidFill>
               <a:effectLst/>
               <a:latin typeface="Calibri" panose="020F0502020204030204" pitchFamily="34" charset="0"/>
               <a:ea typeface="Calibri" panose="020F0502020204030204" pitchFamily="34" charset="0"/>
@@ -11204,6 +16803,18 @@
   <p:clrMapOvr>
     <a:masterClrMapping/>
   </p:clrMapOvr>
+  <mc:AlternateContent xmlns:mc="http://schemas.openxmlformats.org/markup-compatibility/2006" xmlns:p14="http://schemas.microsoft.com/office/powerpoint/2010/main">
+    <mc:Choice Requires="p14">
+      <p:transition spd="slow" p14:dur="1500">
+        <p:split orient="vert"/>
+      </p:transition>
+    </mc:Choice>
+    <mc:Fallback xmlns="">
+      <p:transition spd="slow">
+        <p:split orient="vert"/>
+      </p:transition>
+    </mc:Fallback>
+  </mc:AlternateContent>
 </p:sld>
 </file>
 
@@ -11567,7 +17178,9 @@
             <a:r>
               <a:rPr lang="en-US" sz="2400" b="1" kern="0" dirty="0">
                 <a:solidFill>
-                  <a:srgbClr val="365F91"/>
+                  <a:schemeClr val="accent3">
+                    <a:lumMod val="75000"/>
+                  </a:schemeClr>
                 </a:solidFill>
                 <a:effectLst/>
                 <a:latin typeface="Times New Roman" panose="02020603050405020304" pitchFamily="18" charset="0"/>
@@ -11578,7 +17191,9 @@
             </a:r>
             <a:endParaRPr lang="en-US" sz="2400" dirty="0">
               <a:solidFill>
-                <a:srgbClr val="000000"/>
+                <a:schemeClr val="accent3">
+                  <a:lumMod val="75000"/>
+                </a:schemeClr>
               </a:solidFill>
               <a:effectLst/>
               <a:latin typeface="Times New Roman" panose="02020603050405020304" pitchFamily="18" charset="0"/>
@@ -11711,6 +17326,18 @@
   <p:clrMapOvr>
     <a:masterClrMapping/>
   </p:clrMapOvr>
+  <mc:AlternateContent xmlns:mc="http://schemas.openxmlformats.org/markup-compatibility/2006" xmlns:p14="http://schemas.microsoft.com/office/powerpoint/2010/main">
+    <mc:Choice Requires="p14">
+      <p:transition spd="slow" p14:dur="1500">
+        <p:split orient="vert"/>
+      </p:transition>
+    </mc:Choice>
+    <mc:Fallback xmlns="">
+      <p:transition spd="slow">
+        <p:split orient="vert"/>
+      </p:transition>
+    </mc:Fallback>
+  </mc:AlternateContent>
 </p:sld>
 </file>
 
@@ -11969,4 +17596,299 @@
     </a:ext>
   </a:extLst>
 </a:theme>
+</file>
+
+<file path=ppt/theme/theme2.xml><?xml version="1.0" encoding="utf-8"?>
+<a:theme xmlns:a="http://schemas.openxmlformats.org/drawingml/2006/main" name="Thème Office">
+  <a:themeElements>
+    <a:clrScheme name="Office">
+      <a:dk1>
+        <a:sysClr val="windowText" lastClr="000000"/>
+      </a:dk1>
+      <a:lt1>
+        <a:sysClr val="window" lastClr="FFFFFF"/>
+      </a:lt1>
+      <a:dk2>
+        <a:srgbClr val="44546A"/>
+      </a:dk2>
+      <a:lt2>
+        <a:srgbClr val="E7E6E6"/>
+      </a:lt2>
+      <a:accent1>
+        <a:srgbClr val="4472C4"/>
+      </a:accent1>
+      <a:accent2>
+        <a:srgbClr val="ED7D31"/>
+      </a:accent2>
+      <a:accent3>
+        <a:srgbClr val="A5A5A5"/>
+      </a:accent3>
+      <a:accent4>
+        <a:srgbClr val="FFC000"/>
+      </a:accent4>
+      <a:accent5>
+        <a:srgbClr val="5B9BD5"/>
+      </a:accent5>
+      <a:accent6>
+        <a:srgbClr val="70AD47"/>
+      </a:accent6>
+      <a:hlink>
+        <a:srgbClr val="0563C1"/>
+      </a:hlink>
+      <a:folHlink>
+        <a:srgbClr val="954F72"/>
+      </a:folHlink>
+    </a:clrScheme>
+    <a:fontScheme name="Office">
+      <a:majorFont>
+        <a:latin typeface="Calibri Light" panose="020F0302020204030204"/>
+        <a:ea typeface=""/>
+        <a:cs typeface=""/>
+        <a:font script="Jpan" typeface="游ゴシック Light"/>
+        <a:font script="Hang" typeface="맑은 고딕"/>
+        <a:font script="Hans" typeface="等线 Light"/>
+        <a:font script="Hant" typeface="新細明體"/>
+        <a:font script="Arab" typeface="Times New Roman"/>
+        <a:font script="Hebr" typeface="Times New Roman"/>
+        <a:font script="Thai" typeface="Angsana New"/>
+        <a:font script="Ethi" typeface="Nyala"/>
+        <a:font script="Beng" typeface="Vrinda"/>
+        <a:font script="Gujr" typeface="Shruti"/>
+        <a:font script="Khmr" typeface="MoolBoran"/>
+        <a:font script="Knda" typeface="Tunga"/>
+        <a:font script="Guru" typeface="Raavi"/>
+        <a:font script="Cans" typeface="Euphemia"/>
+        <a:font script="Cher" typeface="Plantagenet Cherokee"/>
+        <a:font script="Yiii" typeface="Microsoft Yi Baiti"/>
+        <a:font script="Tibt" typeface="Microsoft Himalaya"/>
+        <a:font script="Thaa" typeface="MV Boli"/>
+        <a:font script="Deva" typeface="Mangal"/>
+        <a:font script="Telu" typeface="Gautami"/>
+        <a:font script="Taml" typeface="Latha"/>
+        <a:font script="Syrc" typeface="Estrangelo Edessa"/>
+        <a:font script="Orya" typeface="Kalinga"/>
+        <a:font script="Mlym" typeface="Kartika"/>
+        <a:font script="Laoo" typeface="DokChampa"/>
+        <a:font script="Sinh" typeface="Iskoola Pota"/>
+        <a:font script="Mong" typeface="Mongolian Baiti"/>
+        <a:font script="Viet" typeface="Times New Roman"/>
+        <a:font script="Uigh" typeface="Microsoft Uighur"/>
+        <a:font script="Geor" typeface="Sylfaen"/>
+        <a:font script="Armn" typeface="Arial"/>
+        <a:font script="Bugi" typeface="Leelawadee UI"/>
+        <a:font script="Bopo" typeface="Microsoft JhengHei"/>
+        <a:font script="Java" typeface="Javanese Text"/>
+        <a:font script="Lisu" typeface="Segoe UI"/>
+        <a:font script="Mymr" typeface="Myanmar Text"/>
+        <a:font script="Nkoo" typeface="Ebrima"/>
+        <a:font script="Olck" typeface="Nirmala UI"/>
+        <a:font script="Osma" typeface="Ebrima"/>
+        <a:font script="Phag" typeface="Phagspa"/>
+        <a:font script="Syrn" typeface="Estrangelo Edessa"/>
+        <a:font script="Syrj" typeface="Estrangelo Edessa"/>
+        <a:font script="Syre" typeface="Estrangelo Edessa"/>
+        <a:font script="Sora" typeface="Nirmala UI"/>
+        <a:font script="Tale" typeface="Microsoft Tai Le"/>
+        <a:font script="Talu" typeface="Microsoft New Tai Lue"/>
+        <a:font script="Tfng" typeface="Ebrima"/>
+      </a:majorFont>
+      <a:minorFont>
+        <a:latin typeface="Calibri" panose="020F0502020204030204"/>
+        <a:ea typeface=""/>
+        <a:cs typeface=""/>
+        <a:font script="Jpan" typeface="游ゴシック"/>
+        <a:font script="Hang" typeface="맑은 고딕"/>
+        <a:font script="Hans" typeface="等线"/>
+        <a:font script="Hant" typeface="新細明體"/>
+        <a:font script="Arab" typeface="Arial"/>
+        <a:font script="Hebr" typeface="Arial"/>
+        <a:font script="Thai" typeface="Cordia New"/>
+        <a:font script="Ethi" typeface="Nyala"/>
+        <a:font script="Beng" typeface="Vrinda"/>
+        <a:font script="Gujr" typeface="Shruti"/>
+        <a:font script="Khmr" typeface="DaunPenh"/>
+        <a:font script="Knda" typeface="Tunga"/>
+        <a:font script="Guru" typeface="Raavi"/>
+        <a:font script="Cans" typeface="Euphemia"/>
+        <a:font script="Cher" typeface="Plantagenet Cherokee"/>
+        <a:font script="Yiii" typeface="Microsoft Yi Baiti"/>
+        <a:font script="Tibt" typeface="Microsoft Himalaya"/>
+        <a:font script="Thaa" typeface="MV Boli"/>
+        <a:font script="Deva" typeface="Mangal"/>
+        <a:font script="Telu" typeface="Gautami"/>
+        <a:font script="Taml" typeface="Latha"/>
+        <a:font script="Syrc" typeface="Estrangelo Edessa"/>
+        <a:font script="Orya" typeface="Kalinga"/>
+        <a:font script="Mlym" typeface="Kartika"/>
+        <a:font script="Laoo" typeface="DokChampa"/>
+        <a:font script="Sinh" typeface="Iskoola Pota"/>
+        <a:font script="Mong" typeface="Mongolian Baiti"/>
+        <a:font script="Viet" typeface="Arial"/>
+        <a:font script="Uigh" typeface="Microsoft Uighur"/>
+        <a:font script="Geor" typeface="Sylfaen"/>
+        <a:font script="Armn" typeface="Arial"/>
+        <a:font script="Bugi" typeface="Leelawadee UI"/>
+        <a:font script="Bopo" typeface="Microsoft JhengHei"/>
+        <a:font script="Java" typeface="Javanese Text"/>
+        <a:font script="Lisu" typeface="Segoe UI"/>
+        <a:font script="Mymr" typeface="Myanmar Text"/>
+        <a:font script="Nkoo" typeface="Ebrima"/>
+        <a:font script="Olck" typeface="Nirmala UI"/>
+        <a:font script="Osma" typeface="Ebrima"/>
+        <a:font script="Phag" typeface="Phagspa"/>
+        <a:font script="Syrn" typeface="Estrangelo Edessa"/>
+        <a:font script="Syrj" typeface="Estrangelo Edessa"/>
+        <a:font script="Syre" typeface="Estrangelo Edessa"/>
+        <a:font script="Sora" typeface="Nirmala UI"/>
+        <a:font script="Tale" typeface="Microsoft Tai Le"/>
+        <a:font script="Talu" typeface="Microsoft New Tai Lue"/>
+        <a:font script="Tfng" typeface="Ebrima"/>
+      </a:minorFont>
+    </a:fontScheme>
+    <a:fmtScheme name="Office">
+      <a:fillStyleLst>
+        <a:solidFill>
+          <a:schemeClr val="phClr"/>
+        </a:solidFill>
+        <a:gradFill rotWithShape="1">
+          <a:gsLst>
+            <a:gs pos="0">
+              <a:schemeClr val="phClr">
+                <a:lumMod val="110000"/>
+                <a:satMod val="105000"/>
+                <a:tint val="67000"/>
+              </a:schemeClr>
+            </a:gs>
+            <a:gs pos="50000">
+              <a:schemeClr val="phClr">
+                <a:lumMod val="105000"/>
+                <a:satMod val="103000"/>
+                <a:tint val="73000"/>
+              </a:schemeClr>
+            </a:gs>
+            <a:gs pos="100000">
+              <a:schemeClr val="phClr">
+                <a:lumMod val="105000"/>
+                <a:satMod val="109000"/>
+                <a:tint val="81000"/>
+              </a:schemeClr>
+            </a:gs>
+          </a:gsLst>
+          <a:lin ang="5400000" scaled="0"/>
+        </a:gradFill>
+        <a:gradFill rotWithShape="1">
+          <a:gsLst>
+            <a:gs pos="0">
+              <a:schemeClr val="phClr">
+                <a:satMod val="103000"/>
+                <a:lumMod val="102000"/>
+                <a:tint val="94000"/>
+              </a:schemeClr>
+            </a:gs>
+            <a:gs pos="50000">
+              <a:schemeClr val="phClr">
+                <a:satMod val="110000"/>
+                <a:lumMod val="100000"/>
+                <a:shade val="100000"/>
+              </a:schemeClr>
+            </a:gs>
+            <a:gs pos="100000">
+              <a:schemeClr val="phClr">
+                <a:lumMod val="99000"/>
+                <a:satMod val="120000"/>
+                <a:shade val="78000"/>
+              </a:schemeClr>
+            </a:gs>
+          </a:gsLst>
+          <a:lin ang="5400000" scaled="0"/>
+        </a:gradFill>
+      </a:fillStyleLst>
+      <a:lnStyleLst>
+        <a:ln w="6350" cap="flat" cmpd="sng" algn="ctr">
+          <a:solidFill>
+            <a:schemeClr val="phClr"/>
+          </a:solidFill>
+          <a:prstDash val="solid"/>
+          <a:miter lim="800000"/>
+        </a:ln>
+        <a:ln w="12700" cap="flat" cmpd="sng" algn="ctr">
+          <a:solidFill>
+            <a:schemeClr val="phClr"/>
+          </a:solidFill>
+          <a:prstDash val="solid"/>
+          <a:miter lim="800000"/>
+        </a:ln>
+        <a:ln w="19050" cap="flat" cmpd="sng" algn="ctr">
+          <a:solidFill>
+            <a:schemeClr val="phClr"/>
+          </a:solidFill>
+          <a:prstDash val="solid"/>
+          <a:miter lim="800000"/>
+        </a:ln>
+      </a:lnStyleLst>
+      <a:effectStyleLst>
+        <a:effectStyle>
+          <a:effectLst/>
+        </a:effectStyle>
+        <a:effectStyle>
+          <a:effectLst/>
+        </a:effectStyle>
+        <a:effectStyle>
+          <a:effectLst>
+            <a:outerShdw blurRad="57150" dist="19050" dir="5400000" algn="ctr" rotWithShape="0">
+              <a:srgbClr val="000000">
+                <a:alpha val="63000"/>
+              </a:srgbClr>
+            </a:outerShdw>
+          </a:effectLst>
+        </a:effectStyle>
+      </a:effectStyleLst>
+      <a:bgFillStyleLst>
+        <a:solidFill>
+          <a:schemeClr val="phClr"/>
+        </a:solidFill>
+        <a:solidFill>
+          <a:schemeClr val="phClr">
+            <a:tint val="95000"/>
+            <a:satMod val="170000"/>
+          </a:schemeClr>
+        </a:solidFill>
+        <a:gradFill rotWithShape="1">
+          <a:gsLst>
+            <a:gs pos="0">
+              <a:schemeClr val="phClr">
+                <a:tint val="93000"/>
+                <a:satMod val="150000"/>
+                <a:shade val="98000"/>
+                <a:lumMod val="102000"/>
+              </a:schemeClr>
+            </a:gs>
+            <a:gs pos="50000">
+              <a:schemeClr val="phClr">
+                <a:tint val="98000"/>
+                <a:satMod val="130000"/>
+                <a:shade val="90000"/>
+                <a:lumMod val="103000"/>
+              </a:schemeClr>
+            </a:gs>
+            <a:gs pos="100000">
+              <a:schemeClr val="phClr">
+                <a:shade val="63000"/>
+                <a:satMod val="120000"/>
+              </a:schemeClr>
+            </a:gs>
+          </a:gsLst>
+          <a:lin ang="5400000" scaled="0"/>
+        </a:gradFill>
+      </a:bgFillStyleLst>
+    </a:fmtScheme>
+  </a:themeElements>
+  <a:objectDefaults/>
+  <a:extraClrSchemeLst/>
+  <a:extLst>
+    <a:ext uri="{05A4C25C-085E-4340-85A3-A5531E510DB2}">
+      <thm15:themeFamily xmlns:thm15="http://schemas.microsoft.com/office/thememl/2012/main" name="Office Theme" id="{62F939B6-93AF-4DB8-9C6B-D6C7DFDC589F}" vid="{4A3C46E8-61CC-4603-A589-7422A47A8E4A}"/>
+    </a:ext>
+  </a:extLst>
+</a:theme>
 </file>
--- a/TIC_PP.pptx
+++ b/TIC_PP.pptx
@@ -138,7 +138,7 @@
   <pc:docChgLst>
     <pc:chgData name="Chahinez Yahiaoui" userId="60bbd5248aadbc6a" providerId="LiveId" clId="{755EDBCF-F2E2-4603-A54C-DE63A909D963}"/>
     <pc:docChg chg="undo redo custSel addSld delSld modSld sldOrd">
-      <pc:chgData name="Chahinez Yahiaoui" userId="60bbd5248aadbc6a" providerId="LiveId" clId="{755EDBCF-F2E2-4603-A54C-DE63A909D963}" dt="2024-01-05T02:10:26.262" v="6800" actId="1076"/>
+      <pc:chgData name="Chahinez Yahiaoui" userId="60bbd5248aadbc6a" providerId="LiveId" clId="{755EDBCF-F2E2-4603-A54C-DE63A909D963}" dt="2024-01-05T10:43:51.951" v="6803" actId="255"/>
       <pc:docMkLst>
         <pc:docMk/>
       </pc:docMkLst>
@@ -448,7 +448,7 @@
         </pc:picChg>
       </pc:sldChg>
       <pc:sldChg chg="addSp delSp modSp new mod modTransition">
-        <pc:chgData name="Chahinez Yahiaoui" userId="60bbd5248aadbc6a" providerId="LiveId" clId="{755EDBCF-F2E2-4603-A54C-DE63A909D963}" dt="2024-01-05T01:50:21.296" v="6719"/>
+        <pc:chgData name="Chahinez Yahiaoui" userId="60bbd5248aadbc6a" providerId="LiveId" clId="{755EDBCF-F2E2-4603-A54C-DE63A909D963}" dt="2024-01-05T10:43:09.118" v="6801" actId="255"/>
         <pc:sldMkLst>
           <pc:docMk/>
           <pc:sldMk cId="1064202949" sldId="263"/>
@@ -462,7 +462,7 @@
           </ac:spMkLst>
         </pc:spChg>
         <pc:spChg chg="add mod">
-          <ac:chgData name="Chahinez Yahiaoui" userId="60bbd5248aadbc6a" providerId="LiveId" clId="{755EDBCF-F2E2-4603-A54C-DE63A909D963}" dt="2024-01-05T00:38:01.071" v="6148" actId="207"/>
+          <ac:chgData name="Chahinez Yahiaoui" userId="60bbd5248aadbc6a" providerId="LiveId" clId="{755EDBCF-F2E2-4603-A54C-DE63A909D963}" dt="2024-01-05T10:43:09.118" v="6801" actId="255"/>
           <ac:spMkLst>
             <pc:docMk/>
             <pc:sldMk cId="1064202949" sldId="263"/>
@@ -1731,13 +1731,13 @@
         </pc:spChg>
       </pc:sldChg>
       <pc:sldChg chg="addSp modSp new mod modTransition modAnim">
-        <pc:chgData name="Chahinez Yahiaoui" userId="60bbd5248aadbc6a" providerId="LiveId" clId="{755EDBCF-F2E2-4603-A54C-DE63A909D963}" dt="2024-01-05T01:52:43.146" v="6727"/>
+        <pc:chgData name="Chahinez Yahiaoui" userId="60bbd5248aadbc6a" providerId="LiveId" clId="{755EDBCF-F2E2-4603-A54C-DE63A909D963}" dt="2024-01-05T10:43:40.396" v="6802" actId="255"/>
         <pc:sldMkLst>
           <pc:docMk/>
           <pc:sldMk cId="1324247123" sldId="273"/>
         </pc:sldMkLst>
         <pc:spChg chg="add mod">
-          <ac:chgData name="Chahinez Yahiaoui" userId="60bbd5248aadbc6a" providerId="LiveId" clId="{755EDBCF-F2E2-4603-A54C-DE63A909D963}" dt="2024-01-05T00:40:07.396" v="6164" actId="12"/>
+          <ac:chgData name="Chahinez Yahiaoui" userId="60bbd5248aadbc6a" providerId="LiveId" clId="{755EDBCF-F2E2-4603-A54C-DE63A909D963}" dt="2024-01-05T10:43:40.396" v="6802" actId="255"/>
           <ac:spMkLst>
             <pc:docMk/>
             <pc:sldMk cId="1324247123" sldId="273"/>
@@ -1761,13 +1761,13 @@
         </pc:spChg>
       </pc:sldChg>
       <pc:sldChg chg="addSp modSp new mod ord modTransition">
-        <pc:chgData name="Chahinez Yahiaoui" userId="60bbd5248aadbc6a" providerId="LiveId" clId="{755EDBCF-F2E2-4603-A54C-DE63A909D963}" dt="2024-01-05T01:52:28.891" v="6726"/>
+        <pc:chgData name="Chahinez Yahiaoui" userId="60bbd5248aadbc6a" providerId="LiveId" clId="{755EDBCF-F2E2-4603-A54C-DE63A909D963}" dt="2024-01-05T10:43:51.951" v="6803" actId="255"/>
         <pc:sldMkLst>
           <pc:docMk/>
           <pc:sldMk cId="125317397" sldId="275"/>
         </pc:sldMkLst>
         <pc:spChg chg="add mod">
-          <ac:chgData name="Chahinez Yahiaoui" userId="60bbd5248aadbc6a" providerId="LiveId" clId="{755EDBCF-F2E2-4603-A54C-DE63A909D963}" dt="2024-01-05T00:41:21.818" v="6173" actId="2711"/>
+          <ac:chgData name="Chahinez Yahiaoui" userId="60bbd5248aadbc6a" providerId="LiveId" clId="{755EDBCF-F2E2-4603-A54C-DE63A909D963}" dt="2024-01-05T10:43:51.951" v="6803" actId="255"/>
           <ac:spMkLst>
             <pc:docMk/>
             <pc:sldMk cId="125317397" sldId="275"/>
@@ -12231,7 +12231,7 @@
         <p:spPr>
           <a:xfrm>
             <a:off x="363557" y="296128"/>
-            <a:ext cx="8824511" cy="5856988"/>
+            <a:ext cx="8824511" cy="5927777"/>
           </a:xfrm>
           <a:prstGeom prst="rect">
             <a:avLst/>
@@ -12253,7 +12253,7 @@
               </a:spcBef>
             </a:pPr>
             <a:r>
-              <a:rPr lang="en-US" sz="2000" b="1" kern="0" dirty="0">
+              <a:rPr lang="en-US" sz="2400" b="1" kern="0" dirty="0">
                 <a:solidFill>
                   <a:schemeClr val="accent3">
                     <a:lumMod val="75000"/>
@@ -12266,7 +12266,7 @@
               </a:rPr>
               <a:t>The future of ICT:</a:t>
             </a:r>
-            <a:endParaRPr lang="fr-FR" sz="2000" b="1" dirty="0">
+            <a:endParaRPr lang="fr-FR" sz="2400" b="1" dirty="0">
               <a:solidFill>
                 <a:schemeClr val="accent3">
                   <a:lumMod val="75000"/>
@@ -13190,7 +13190,7 @@
         <p:spPr>
           <a:xfrm>
             <a:off x="264405" y="187287"/>
-            <a:ext cx="8967730" cy="5896166"/>
+            <a:ext cx="8967730" cy="6002349"/>
           </a:xfrm>
           <a:prstGeom prst="rect">
             <a:avLst/>
@@ -13212,7 +13212,7 @@
               </a:spcBef>
             </a:pPr>
             <a:r>
-              <a:rPr lang="en-US" sz="2000" b="1" kern="0" dirty="0">
+              <a:rPr lang="en-US" sz="2400" b="1" kern="0" dirty="0">
                 <a:solidFill>
                   <a:schemeClr val="accent3">
                     <a:lumMod val="75000"/>
@@ -13225,7 +13225,7 @@
               </a:rPr>
               <a:t>Conclusion:</a:t>
             </a:r>
-            <a:endParaRPr lang="fr-FR" sz="2000" dirty="0">
+            <a:endParaRPr lang="fr-FR" sz="2400" dirty="0">
               <a:solidFill>
                 <a:schemeClr val="accent3">
                   <a:lumMod val="75000"/>
@@ -16489,7 +16489,7 @@
               </a:spcBef>
             </a:pPr>
             <a:r>
-              <a:rPr lang="en-US" sz="2000" b="1" kern="0" dirty="0">
+              <a:rPr lang="en-US" sz="2400" b="1" kern="0" dirty="0">
                 <a:solidFill>
                   <a:schemeClr val="accent3">
                     <a:lumMod val="75000"/>
@@ -16502,7 +16502,7 @@
               </a:rPr>
               <a:t>The Impact of ICT:</a:t>
             </a:r>
-            <a:endParaRPr lang="fr-FR" sz="2000" b="1" dirty="0">
+            <a:endParaRPr lang="fr-FR" sz="2400" b="1" dirty="0">
               <a:solidFill>
                 <a:schemeClr val="accent3">
                   <a:lumMod val="75000"/>

--- a/TIC_PP.pptx
+++ b/TIC_PP.pptx
@@ -2,10 +2,10 @@
 <file path=ppt/presentation.xml><?xml version="1.0" encoding="utf-8"?>
 <p:presentation xmlns:a="http://schemas.openxmlformats.org/drawingml/2006/main" xmlns:r="http://schemas.openxmlformats.org/officeDocument/2006/relationships" xmlns:p="http://schemas.openxmlformats.org/presentationml/2006/main" saveSubsetFonts="1" bookmarkIdSeed="3">
   <p:sldMasterIdLst>
-    <p:sldMasterId id="2147483728" r:id="rId1"/>
+    <p:sldMasterId id="2147483762" r:id="rId1"/>
   </p:sldMasterIdLst>
   <p:notesMasterIdLst>
-    <p:notesMasterId r:id="rId21"/>
+    <p:notesMasterId r:id="rId22"/>
   </p:notesMasterIdLst>
   <p:sldIdLst>
     <p:sldId id="256" r:id="rId2"/>
@@ -27,6 +27,7 @@
     <p:sldId id="273" r:id="rId18"/>
     <p:sldId id="274" r:id="rId19"/>
     <p:sldId id="275" r:id="rId20"/>
+    <p:sldId id="277" r:id="rId21"/>
   </p:sldIdLst>
   <p:sldSz cx="12192000" cy="6858000"/>
   <p:notesSz cx="6858000" cy="9144000"/>
@@ -2406,7 +2407,7 @@
       </p:grpSpPr>
       <p:grpSp>
         <p:nvGrpSpPr>
-          <p:cNvPr id="7" name="Group 6"/>
+          <p:cNvPr id="16" name="Group 15"/>
           <p:cNvGrpSpPr/>
           <p:nvPr/>
         </p:nvGrpSpPr>
@@ -2418,9 +2419,72 @@
             <a:chExt cx="12192000" cy="6866467"/>
           </a:xfrm>
         </p:grpSpPr>
+        <p:sp>
+          <p:nvSpPr>
+            <p:cNvPr id="15" name="Freeform 14"/>
+            <p:cNvSpPr/>
+            <p:nvPr/>
+          </p:nvSpPr>
+          <p:spPr>
+            <a:xfrm>
+              <a:off x="0" y="-7862"/>
+              <a:ext cx="863600" cy="5698067"/>
+            </a:xfrm>
+            <a:custGeom>
+              <a:avLst/>
+              <a:gdLst/>
+              <a:ahLst/>
+              <a:cxnLst/>
+              <a:rect l="l" t="t" r="r" b="b"/>
+              <a:pathLst>
+                <a:path w="863600" h="5698067">
+                  <a:moveTo>
+                    <a:pt x="0" y="8467"/>
+                  </a:moveTo>
+                  <a:lnTo>
+                    <a:pt x="863600" y="0"/>
+                  </a:lnTo>
+                  <a:lnTo>
+                    <a:pt x="863600" y="16934"/>
+                  </a:lnTo>
+                  <a:lnTo>
+                    <a:pt x="0" y="5698067"/>
+                  </a:lnTo>
+                  <a:lnTo>
+                    <a:pt x="0" y="8467"/>
+                  </a:lnTo>
+                  <a:close/>
+                </a:path>
+              </a:pathLst>
+            </a:custGeom>
+            <a:solidFill>
+              <a:schemeClr val="accent1">
+                <a:alpha val="70000"/>
+              </a:schemeClr>
+            </a:solidFill>
+            <a:ln>
+              <a:noFill/>
+            </a:ln>
+            <a:effectLst/>
+          </p:spPr>
+          <p:style>
+            <a:lnRef idx="1">
+              <a:schemeClr val="accent1"/>
+            </a:lnRef>
+            <a:fillRef idx="3">
+              <a:schemeClr val="accent1"/>
+            </a:fillRef>
+            <a:effectRef idx="2">
+              <a:schemeClr val="accent1"/>
+            </a:effectRef>
+            <a:fontRef idx="minor">
+              <a:schemeClr val="lt1"/>
+            </a:fontRef>
+          </p:style>
+        </p:sp>
         <p:cxnSp>
           <p:nvCxnSpPr>
-            <p:cNvPr id="32" name="Straight Connector 31"/>
+            <p:cNvPr id="19" name="Straight Connector 18"/>
             <p:cNvCxnSpPr/>
             <p:nvPr/>
           </p:nvCxnSpPr>
@@ -2434,8 +2498,8 @@
             </a:prstGeom>
             <a:ln w="9525">
               <a:solidFill>
-                <a:schemeClr val="bg1">
-                  <a:lumMod val="75000"/>
+                <a:schemeClr val="accent1">
+                  <a:alpha val="70000"/>
                 </a:schemeClr>
               </a:solidFill>
             </a:ln>
@@ -2457,7 +2521,7 @@
         </p:cxnSp>
         <p:cxnSp>
           <p:nvCxnSpPr>
-            <p:cNvPr id="21" name="Straight Connector 20"/>
+            <p:cNvPr id="20" name="Straight Connector 19"/>
             <p:cNvCxnSpPr/>
             <p:nvPr/>
           </p:nvCxnSpPr>
@@ -2471,8 +2535,8 @@
             </a:prstGeom>
             <a:ln w="9525">
               <a:solidFill>
-                <a:schemeClr val="bg1">
-                  <a:lumMod val="85000"/>
+                <a:schemeClr val="accent1">
+                  <a:alpha val="70000"/>
                 </a:schemeClr>
               </a:solidFill>
             </a:ln>
@@ -2494,7 +2558,7 @@
         </p:cxnSp>
         <p:sp>
           <p:nvSpPr>
-            <p:cNvPr id="24" name="Rectangle 23"/>
+            <p:cNvPr id="21" name="Rectangle 23"/>
             <p:cNvSpPr/>
             <p:nvPr/>
           </p:nvSpPr>
@@ -2532,7 +2596,7 @@
             </a:custGeom>
             <a:solidFill>
               <a:schemeClr val="accent1">
-                <a:alpha val="30000"/>
+                <a:alpha val="36000"/>
               </a:schemeClr>
             </a:solidFill>
             <a:ln>
@@ -2557,7 +2621,7 @@
         </p:sp>
         <p:sp>
           <p:nvSpPr>
-            <p:cNvPr id="26" name="Rectangle 25"/>
+            <p:cNvPr id="22" name="Rectangle 25"/>
             <p:cNvSpPr/>
             <p:nvPr/>
           </p:nvSpPr>
@@ -2620,7 +2684,7 @@
         </p:sp>
         <p:sp>
           <p:nvSpPr>
-            <p:cNvPr id="27" name="Isosceles Triangle 26"/>
+            <p:cNvPr id="23" name="Isosceles Triangle 22"/>
             <p:cNvSpPr/>
             <p:nvPr/>
           </p:nvSpPr>
@@ -2635,8 +2699,9 @@
               </a:avLst>
             </a:prstGeom>
             <a:solidFill>
-              <a:schemeClr val="accent2">
-                <a:alpha val="72000"/>
+              <a:schemeClr val="accent1">
+                <a:lumMod val="75000"/>
+                <a:alpha val="66000"/>
               </a:schemeClr>
             </a:solidFill>
             <a:ln>
@@ -2661,7 +2726,7 @@
         </p:sp>
         <p:sp>
           <p:nvSpPr>
-            <p:cNvPr id="28" name="Rectangle 27"/>
+            <p:cNvPr id="24" name="Rectangle 27"/>
             <p:cNvSpPr/>
             <p:nvPr/>
           </p:nvSpPr>
@@ -2698,9 +2763,9 @@
               </a:pathLst>
             </a:custGeom>
             <a:solidFill>
-              <a:schemeClr val="accent2">
+              <a:schemeClr val="accent1">
                 <a:lumMod val="75000"/>
-                <a:alpha val="70000"/>
+                <a:alpha val="50000"/>
               </a:schemeClr>
             </a:solidFill>
             <a:ln>
@@ -2725,7 +2790,7 @@
         </p:sp>
         <p:sp>
           <p:nvSpPr>
-            <p:cNvPr id="29" name="Rectangle 28"/>
+            <p:cNvPr id="25" name="Rectangle 28"/>
             <p:cNvSpPr/>
             <p:nvPr/>
           </p:nvSpPr>
@@ -2762,9 +2827,7 @@
               </a:pathLst>
             </a:custGeom>
             <a:solidFill>
-              <a:schemeClr val="accent1">
-                <a:lumMod val="60000"/>
-                <a:lumOff val="40000"/>
+              <a:schemeClr val="accent2">
                 <a:alpha val="70000"/>
               </a:schemeClr>
             </a:solidFill>
@@ -2790,7 +2853,7 @@
         </p:sp>
         <p:sp>
           <p:nvSpPr>
-            <p:cNvPr id="30" name="Rectangle 29"/>
+            <p:cNvPr id="26" name="Rectangle 29"/>
             <p:cNvSpPr/>
             <p:nvPr/>
           </p:nvSpPr>
@@ -2827,48 +2890,8 @@
               </a:pathLst>
             </a:custGeom>
             <a:solidFill>
-              <a:schemeClr val="accent1">
-                <a:alpha val="65000"/>
-              </a:schemeClr>
-            </a:solidFill>
-            <a:ln>
-              <a:noFill/>
-            </a:ln>
-            <a:effectLst/>
-          </p:spPr>
-          <p:style>
-            <a:lnRef idx="1">
-              <a:schemeClr val="accent1"/>
-            </a:lnRef>
-            <a:fillRef idx="3">
-              <a:schemeClr val="accent1"/>
-            </a:fillRef>
-            <a:effectRef idx="2">
-              <a:schemeClr val="accent1"/>
-            </a:effectRef>
-            <a:fontRef idx="minor">
-              <a:schemeClr val="lt1"/>
-            </a:fontRef>
-          </p:style>
-        </p:sp>
-        <p:sp>
-          <p:nvSpPr>
-            <p:cNvPr id="31" name="Isosceles Triangle 30"/>
-            <p:cNvSpPr/>
-            <p:nvPr/>
-          </p:nvSpPr>
-          <p:spPr>
-            <a:xfrm>
-              <a:off x="10371666" y="3589867"/>
-              <a:ext cx="1817159" cy="3268133"/>
-            </a:xfrm>
-            <a:prstGeom prst="triangle">
-              <a:avLst>
-                <a:gd name="adj" fmla="val 100000"/>
-              </a:avLst>
-            </a:prstGeom>
-            <a:solidFill>
-              <a:schemeClr val="accent1">
+              <a:schemeClr val="accent2">
+                <a:lumMod val="75000"/>
                 <a:alpha val="80000"/>
               </a:schemeClr>
             </a:solidFill>
@@ -2894,14 +2917,14 @@
         </p:sp>
         <p:sp>
           <p:nvSpPr>
-            <p:cNvPr id="19" name="Isosceles Triangle 18"/>
+            <p:cNvPr id="27" name="Isosceles Triangle 26"/>
             <p:cNvSpPr/>
             <p:nvPr/>
           </p:nvSpPr>
           <p:spPr>
-            <a:xfrm rot="10800000">
-              <a:off x="0" y="0"/>
-              <a:ext cx="842596" cy="5666154"/>
+            <a:xfrm>
+              <a:off x="10371666" y="3589867"/>
+              <a:ext cx="1817159" cy="3268133"/>
             </a:xfrm>
             <a:prstGeom prst="triangle">
               <a:avLst>
@@ -2910,7 +2933,8 @@
             </a:prstGeom>
             <a:solidFill>
               <a:schemeClr val="accent1">
-                <a:alpha val="85000"/>
+                <a:lumMod val="75000"/>
+                <a:alpha val="66000"/>
               </a:schemeClr>
             </a:solidFill>
             <a:ln>
@@ -3160,7 +3184,7 @@
     </p:spTree>
     <p:extLst>
       <p:ext uri="{BB962C8B-B14F-4D97-AF65-F5344CB8AC3E}">
-        <p14:creationId xmlns:p14="http://schemas.microsoft.com/office/powerpoint/2010/main" val="848942005"/>
+        <p14:creationId xmlns:p14="http://schemas.microsoft.com/office/powerpoint/2010/main" val="3399971959"/>
       </p:ext>
     </p:extLst>
   </p:cSld>
@@ -3411,7 +3435,7 @@
     </p:spTree>
     <p:extLst>
       <p:ext uri="{BB962C8B-B14F-4D97-AF65-F5344CB8AC3E}">
-        <p14:creationId xmlns:p14="http://schemas.microsoft.com/office/powerpoint/2010/main" val="4121203080"/>
+        <p14:creationId xmlns:p14="http://schemas.microsoft.com/office/powerpoint/2010/main" val="1446663875"/>
       </p:ext>
     </p:extLst>
   </p:cSld>
@@ -3724,7 +3748,7 @@
       </p:sp>
       <p:sp>
         <p:nvSpPr>
-          <p:cNvPr id="20" name="TextBox 19"/>
+          <p:cNvPr id="24" name="TextBox 23"/>
           <p:cNvSpPr txBox="1"/>
           <p:nvPr/>
         </p:nvSpPr>
@@ -3765,7 +3789,7 @@
       </p:sp>
       <p:sp>
         <p:nvSpPr>
-          <p:cNvPr id="22" name="TextBox 21"/>
+          <p:cNvPr id="25" name="TextBox 24"/>
           <p:cNvSpPr txBox="1"/>
           <p:nvPr/>
         </p:nvSpPr>
@@ -3796,26 +3820,18 @@
                     <a:lumOff val="40000"/>
                   </a:schemeClr>
                 </a:solidFill>
+                <a:effectLst/>
                 <a:latin typeface="Arial"/>
               </a:rPr>
               <a:t>”</a:t>
             </a:r>
-            <a:endParaRPr lang="en-US" dirty="0">
-              <a:solidFill>
-                <a:schemeClr val="accent1">
-                  <a:lumMod val="60000"/>
-                  <a:lumOff val="40000"/>
-                </a:schemeClr>
-              </a:solidFill>
-              <a:latin typeface="Arial"/>
-            </a:endParaRPr>
           </a:p>
         </p:txBody>
       </p:sp>
     </p:spTree>
     <p:extLst>
       <p:ext uri="{BB962C8B-B14F-4D97-AF65-F5344CB8AC3E}">
-        <p14:creationId xmlns:p14="http://schemas.microsoft.com/office/powerpoint/2010/main" val="484271850"/>
+        <p14:creationId xmlns:p14="http://schemas.microsoft.com/office/powerpoint/2010/main" val="1540346096"/>
       </p:ext>
     </p:extLst>
   </p:cSld>
@@ -4066,7 +4082,7 @@
     </p:spTree>
     <p:extLst>
       <p:ext uri="{BB962C8B-B14F-4D97-AF65-F5344CB8AC3E}">
-        <p14:creationId xmlns:p14="http://schemas.microsoft.com/office/powerpoint/2010/main" val="3263867301"/>
+        <p14:creationId xmlns:p14="http://schemas.microsoft.com/office/powerpoint/2010/main" val="550780784"/>
       </p:ext>
     </p:extLst>
   </p:cSld>
@@ -4462,7 +4478,7 @@
     </p:spTree>
     <p:extLst>
       <p:ext uri="{BB962C8B-B14F-4D97-AF65-F5344CB8AC3E}">
-        <p14:creationId xmlns:p14="http://schemas.microsoft.com/office/powerpoint/2010/main" val="1507106294"/>
+        <p14:creationId xmlns:p14="http://schemas.microsoft.com/office/powerpoint/2010/main" val="1968076562"/>
       </p:ext>
     </p:extLst>
   </p:cSld>
@@ -4773,7 +4789,7 @@
     </p:spTree>
     <p:extLst>
       <p:ext uri="{BB962C8B-B14F-4D97-AF65-F5344CB8AC3E}">
-        <p14:creationId xmlns:p14="http://schemas.microsoft.com/office/powerpoint/2010/main" val="1576171512"/>
+        <p14:creationId xmlns:p14="http://schemas.microsoft.com/office/powerpoint/2010/main" val="1164803826"/>
       </p:ext>
     </p:extLst>
   </p:cSld>
@@ -4943,7 +4959,7 @@
     </p:spTree>
     <p:extLst>
       <p:ext uri="{BB962C8B-B14F-4D97-AF65-F5344CB8AC3E}">
-        <p14:creationId xmlns:p14="http://schemas.microsoft.com/office/powerpoint/2010/main" val="3236789856"/>
+        <p14:creationId xmlns:p14="http://schemas.microsoft.com/office/powerpoint/2010/main" val="1768644893"/>
       </p:ext>
     </p:extLst>
   </p:cSld>
@@ -5123,7 +5139,7 @@
     </p:spTree>
     <p:extLst>
       <p:ext uri="{BB962C8B-B14F-4D97-AF65-F5344CB8AC3E}">
-        <p14:creationId xmlns:p14="http://schemas.microsoft.com/office/powerpoint/2010/main" val="1760813261"/>
+        <p14:creationId xmlns:p14="http://schemas.microsoft.com/office/powerpoint/2010/main" val="3958142658"/>
       </p:ext>
     </p:extLst>
   </p:cSld>
@@ -5162,14 +5178,8 @@
         </p:nvSpPr>
         <p:spPr/>
         <p:txBody>
-          <a:bodyPr>
-            <a:normAutofit/>
-          </a:bodyPr>
-          <a:lstStyle>
-            <a:lvl1pPr>
-              <a:defRPr sz="3600"/>
-            </a:lvl1pPr>
-          </a:lstStyle>
+          <a:bodyPr/>
+          <a:lstStyle/>
           <a:p>
             <a:r>
               <a:rPr lang="fr-FR"/>
@@ -5299,7 +5309,7 @@
     </p:spTree>
     <p:extLst>
       <p:ext uri="{BB962C8B-B14F-4D97-AF65-F5344CB8AC3E}">
-        <p14:creationId xmlns:p14="http://schemas.microsoft.com/office/powerpoint/2010/main" val="620982410"/>
+        <p14:creationId xmlns:p14="http://schemas.microsoft.com/office/powerpoint/2010/main" val="2825212908"/>
       </p:ext>
     </p:extLst>
   </p:cSld>
@@ -5546,7 +5556,7 @@
     </p:spTree>
     <p:extLst>
       <p:ext uri="{BB962C8B-B14F-4D97-AF65-F5344CB8AC3E}">
-        <p14:creationId xmlns:p14="http://schemas.microsoft.com/office/powerpoint/2010/main" val="2521594598"/>
+        <p14:creationId xmlns:p14="http://schemas.microsoft.com/office/powerpoint/2010/main" val="2202037729"/>
       </p:ext>
     </p:extLst>
   </p:cSld>
@@ -5778,7 +5788,7 @@
     </p:spTree>
     <p:extLst>
       <p:ext uri="{BB962C8B-B14F-4D97-AF65-F5344CB8AC3E}">
-        <p14:creationId xmlns:p14="http://schemas.microsoft.com/office/powerpoint/2010/main" val="2160113784"/>
+        <p14:creationId xmlns:p14="http://schemas.microsoft.com/office/powerpoint/2010/main" val="170018136"/>
       </p:ext>
     </p:extLst>
   </p:cSld>
@@ -6152,7 +6162,7 @@
     </p:spTree>
     <p:extLst>
       <p:ext uri="{BB962C8B-B14F-4D97-AF65-F5344CB8AC3E}">
-        <p14:creationId xmlns:p14="http://schemas.microsoft.com/office/powerpoint/2010/main" val="504110728"/>
+        <p14:creationId xmlns:p14="http://schemas.microsoft.com/office/powerpoint/2010/main" val="4236701762"/>
       </p:ext>
     </p:extLst>
   </p:cSld>
@@ -6275,7 +6285,7 @@
     </p:spTree>
     <p:extLst>
       <p:ext uri="{BB962C8B-B14F-4D97-AF65-F5344CB8AC3E}">
-        <p14:creationId xmlns:p14="http://schemas.microsoft.com/office/powerpoint/2010/main" val="423701373"/>
+        <p14:creationId xmlns:p14="http://schemas.microsoft.com/office/powerpoint/2010/main" val="1948604438"/>
       </p:ext>
     </p:extLst>
   </p:cSld>
@@ -6370,7 +6380,7 @@
     </p:spTree>
     <p:extLst>
       <p:ext uri="{BB962C8B-B14F-4D97-AF65-F5344CB8AC3E}">
-        <p14:creationId xmlns:p14="http://schemas.microsoft.com/office/powerpoint/2010/main" val="1569643182"/>
+        <p14:creationId xmlns:p14="http://schemas.microsoft.com/office/powerpoint/2010/main" val="1250282070"/>
       </p:ext>
     </p:extLst>
   </p:cSld>
@@ -6625,7 +6635,7 @@
     </p:spTree>
     <p:extLst>
       <p:ext uri="{BB962C8B-B14F-4D97-AF65-F5344CB8AC3E}">
-        <p14:creationId xmlns:p14="http://schemas.microsoft.com/office/powerpoint/2010/main" val="3319088131"/>
+        <p14:creationId xmlns:p14="http://schemas.microsoft.com/office/powerpoint/2010/main" val="3354874253"/>
       </p:ext>
     </p:extLst>
   </p:cSld>
@@ -6822,29 +6832,6 @@
       </p:sp>
       <p:sp>
         <p:nvSpPr>
-          <p:cNvPr id="5" name="Date Placeholder 4"/>
-          <p:cNvSpPr>
-            <a:spLocks noGrp="1"/>
-          </p:cNvSpPr>
-          <p:nvPr>
-            <p:ph type="dt" sz="half" idx="10"/>
-          </p:nvPr>
-        </p:nvSpPr>
-        <p:spPr/>
-        <p:txBody>
-          <a:bodyPr/>
-          <a:lstStyle/>
-          <a:p>
-            <a:fld id="{11FBE087-39FD-4DE5-9863-65272CA81442}" type="datetimeFigureOut">
-              <a:rPr lang="fr-FR" smtClean="0"/>
-              <a:t>05/01/2024</a:t>
-            </a:fld>
-            <a:endParaRPr lang="fr-FR"/>
-          </a:p>
-        </p:txBody>
-      </p:sp>
-      <p:sp>
-        <p:nvSpPr>
           <p:cNvPr id="6" name="Footer Placeholder 5"/>
           <p:cNvSpPr>
             <a:spLocks noGrp="1"/>
@@ -6885,10 +6872,33 @@
           </a:p>
         </p:txBody>
       </p:sp>
+      <p:sp>
+        <p:nvSpPr>
+          <p:cNvPr id="5" name="Date Placeholder 4"/>
+          <p:cNvSpPr>
+            <a:spLocks noGrp="1"/>
+          </p:cNvSpPr>
+          <p:nvPr>
+            <p:ph type="dt" sz="half" idx="10"/>
+          </p:nvPr>
+        </p:nvSpPr>
+        <p:spPr/>
+        <p:txBody>
+          <a:bodyPr/>
+          <a:lstStyle/>
+          <a:p>
+            <a:fld id="{11FBE087-39FD-4DE5-9863-65272CA81442}" type="datetimeFigureOut">
+              <a:rPr lang="fr-FR" smtClean="0"/>
+              <a:t>05/01/2024</a:t>
+            </a:fld>
+            <a:endParaRPr lang="fr-FR"/>
+          </a:p>
+        </p:txBody>
+      </p:sp>
     </p:spTree>
     <p:extLst>
       <p:ext uri="{BB962C8B-B14F-4D97-AF65-F5344CB8AC3E}">
-        <p14:creationId xmlns:p14="http://schemas.microsoft.com/office/powerpoint/2010/main" val="3302702615"/>
+        <p14:creationId xmlns:p14="http://schemas.microsoft.com/office/powerpoint/2010/main" val="578584064"/>
       </p:ext>
     </p:extLst>
   </p:cSld>
@@ -6902,8 +6912,8 @@
 <p:sldMaster xmlns:a="http://schemas.openxmlformats.org/drawingml/2006/main" xmlns:r="http://schemas.openxmlformats.org/officeDocument/2006/relationships" xmlns:p="http://schemas.openxmlformats.org/presentationml/2006/main">
   <p:cSld>
     <p:bg>
-      <p:bgRef idx="1001">
-        <a:schemeClr val="bg1"/>
+      <p:bgRef idx="1002">
+        <a:schemeClr val="bg2"/>
       </p:bgRef>
     </p:bg>
     <p:spTree>
@@ -6922,7 +6932,7 @@
       </p:grpSpPr>
       <p:grpSp>
         <p:nvGrpSpPr>
-          <p:cNvPr id="7" name="Group 6"/>
+          <p:cNvPr id="44" name="Group 43"/>
           <p:cNvGrpSpPr/>
           <p:nvPr/>
         </p:nvGrpSpPr>
@@ -6950,8 +6960,8 @@
             </a:prstGeom>
             <a:ln w="9525">
               <a:solidFill>
-                <a:schemeClr val="bg1">
-                  <a:lumMod val="75000"/>
+                <a:schemeClr val="accent1">
+                  <a:alpha val="70000"/>
                 </a:schemeClr>
               </a:solidFill>
             </a:ln>
@@ -6987,8 +6997,8 @@
             </a:prstGeom>
             <a:ln w="9525">
               <a:solidFill>
-                <a:schemeClr val="bg1">
-                  <a:lumMod val="85000"/>
+                <a:schemeClr val="accent1">
+                  <a:alpha val="70000"/>
                 </a:schemeClr>
               </a:solidFill>
             </a:ln>
@@ -7048,7 +7058,7 @@
             </a:custGeom>
             <a:solidFill>
               <a:schemeClr val="accent1">
-                <a:alpha val="30000"/>
+                <a:alpha val="36000"/>
               </a:schemeClr>
             </a:solidFill>
             <a:ln>
@@ -7151,8 +7161,9 @@
               </a:avLst>
             </a:prstGeom>
             <a:solidFill>
-              <a:schemeClr val="accent2">
-                <a:alpha val="72000"/>
+              <a:schemeClr val="accent1">
+                <a:lumMod val="75000"/>
+                <a:alpha val="66000"/>
               </a:schemeClr>
             </a:solidFill>
             <a:ln>
@@ -7214,9 +7225,9 @@
               </a:pathLst>
             </a:custGeom>
             <a:solidFill>
-              <a:schemeClr val="accent2">
+              <a:schemeClr val="accent1">
                 <a:lumMod val="75000"/>
-                <a:alpha val="70000"/>
+                <a:alpha val="50000"/>
               </a:schemeClr>
             </a:solidFill>
             <a:ln>
@@ -7278,9 +7289,7 @@
               </a:pathLst>
             </a:custGeom>
             <a:solidFill>
-              <a:schemeClr val="accent1">
-                <a:lumMod val="60000"/>
-                <a:lumOff val="40000"/>
+              <a:schemeClr val="accent2">
                 <a:alpha val="70000"/>
               </a:schemeClr>
             </a:solidFill>
@@ -7343,8 +7352,9 @@
               </a:pathLst>
             </a:custGeom>
             <a:solidFill>
-              <a:schemeClr val="accent1">
-                <a:alpha val="65000"/>
+              <a:schemeClr val="accent2">
+                <a:lumMod val="75000"/>
+                <a:alpha val="80000"/>
               </a:schemeClr>
             </a:solidFill>
             <a:ln>
@@ -7385,7 +7395,8 @@
             </a:prstGeom>
             <a:solidFill>
               <a:schemeClr val="accent1">
-                <a:alpha val="80000"/>
+                <a:lumMod val="75000"/>
+                <a:alpha val="66000"/>
               </a:schemeClr>
             </a:solidFill>
             <a:ln>
@@ -7410,7 +7421,7 @@
         </p:sp>
         <p:sp>
           <p:nvSpPr>
-            <p:cNvPr id="29" name="Isosceles Triangle 28"/>
+            <p:cNvPr id="19" name="Isosceles Triangle 18"/>
             <p:cNvSpPr/>
             <p:nvPr/>
           </p:nvSpPr>
@@ -7426,7 +7437,7 @@
             </a:prstGeom>
             <a:solidFill>
               <a:schemeClr val="accent1">
-                <a:alpha val="85000"/>
+                <a:alpha val="70000"/>
               </a:schemeClr>
             </a:solidFill>
             <a:ln>
@@ -7665,28 +7676,28 @@
     </p:spTree>
     <p:extLst>
       <p:ext uri="{BB962C8B-B14F-4D97-AF65-F5344CB8AC3E}">
-        <p14:creationId xmlns:p14="http://schemas.microsoft.com/office/powerpoint/2010/main" val="1210475442"/>
+        <p14:creationId xmlns:p14="http://schemas.microsoft.com/office/powerpoint/2010/main" val="3803378890"/>
       </p:ext>
     </p:extLst>
   </p:cSld>
-  <p:clrMap bg1="lt1" tx1="dk1" bg2="lt2" tx2="dk2" accent1="accent1" accent2="accent2" accent3="accent3" accent4="accent4" accent5="accent5" accent6="accent6" hlink="hlink" folHlink="folHlink"/>
+  <p:clrMap bg1="dk1" tx1="lt1" bg2="dk2" tx2="lt2" accent1="accent1" accent2="accent2" accent3="accent3" accent4="accent4" accent5="accent5" accent6="accent6" hlink="hlink" folHlink="folHlink"/>
   <p:sldLayoutIdLst>
-    <p:sldLayoutId id="2147483729" r:id="rId1"/>
-    <p:sldLayoutId id="2147483730" r:id="rId2"/>
-    <p:sldLayoutId id="2147483731" r:id="rId3"/>
-    <p:sldLayoutId id="2147483732" r:id="rId4"/>
-    <p:sldLayoutId id="2147483733" r:id="rId5"/>
-    <p:sldLayoutId id="2147483734" r:id="rId6"/>
-    <p:sldLayoutId id="2147483735" r:id="rId7"/>
-    <p:sldLayoutId id="2147483736" r:id="rId8"/>
-    <p:sldLayoutId id="2147483737" r:id="rId9"/>
-    <p:sldLayoutId id="2147483738" r:id="rId10"/>
-    <p:sldLayoutId id="2147483739" r:id="rId11"/>
-    <p:sldLayoutId id="2147483740" r:id="rId12"/>
-    <p:sldLayoutId id="2147483741" r:id="rId13"/>
-    <p:sldLayoutId id="2147483742" r:id="rId14"/>
-    <p:sldLayoutId id="2147483743" r:id="rId15"/>
-    <p:sldLayoutId id="2147483744" r:id="rId16"/>
+    <p:sldLayoutId id="2147483763" r:id="rId1"/>
+    <p:sldLayoutId id="2147483764" r:id="rId2"/>
+    <p:sldLayoutId id="2147483765" r:id="rId3"/>
+    <p:sldLayoutId id="2147483766" r:id="rId4"/>
+    <p:sldLayoutId id="2147483767" r:id="rId5"/>
+    <p:sldLayoutId id="2147483768" r:id="rId6"/>
+    <p:sldLayoutId id="2147483769" r:id="rId7"/>
+    <p:sldLayoutId id="2147483770" r:id="rId8"/>
+    <p:sldLayoutId id="2147483771" r:id="rId9"/>
+    <p:sldLayoutId id="2147483772" r:id="rId10"/>
+    <p:sldLayoutId id="2147483773" r:id="rId11"/>
+    <p:sldLayoutId id="2147483774" r:id="rId12"/>
+    <p:sldLayoutId id="2147483775" r:id="rId13"/>
+    <p:sldLayoutId id="2147483776" r:id="rId14"/>
+    <p:sldLayoutId id="2147483777" r:id="rId15"/>
+    <p:sldLayoutId id="2147483778" r:id="rId16"/>
   </p:sldLayoutIdLst>
   <p:txStyles>
     <p:titleStyle>
@@ -8122,7 +8133,7 @@
         </p:nvSpPr>
         <p:spPr>
           <a:xfrm>
-            <a:off x="3156857" y="2296885"/>
+            <a:off x="2815750" y="2572158"/>
             <a:ext cx="6560500" cy="1480457"/>
           </a:xfrm>
         </p:spPr>
@@ -8139,9 +8150,12 @@
               </a:spcAft>
             </a:pPr>
             <a:r>
-              <a:rPr lang="en-US" sz="2400" dirty="0">
-                <a:solidFill>
-                  <a:schemeClr val="accent6"/>
+              <a:rPr lang="en-US" sz="3200" b="1" dirty="0">
+                <a:solidFill>
+                  <a:schemeClr val="accent2">
+                    <a:lumMod val="60000"/>
+                    <a:lumOff val="40000"/>
+                  </a:schemeClr>
                 </a:solidFill>
                 <a:effectLst>
                   <a:outerShdw blurRad="38100" dist="38100" dir="2700000" algn="tl">
@@ -8157,9 +8171,12 @@
               <a:t>Final Project of TIC </a:t>
             </a:r>
             <a:br>
-              <a:rPr lang="fr-FR" sz="2400" dirty="0">
-                <a:solidFill>
-                  <a:schemeClr val="accent6"/>
+              <a:rPr lang="fr-FR" sz="3200" b="1" dirty="0">
+                <a:solidFill>
+                  <a:schemeClr val="accent2">
+                    <a:lumMod val="60000"/>
+                    <a:lumOff val="40000"/>
+                  </a:schemeClr>
                 </a:solidFill>
                 <a:effectLst>
                   <a:outerShdw blurRad="38100" dist="38100" dir="2700000" algn="tl">
@@ -8174,9 +8191,12 @@
               </a:rPr>
             </a:br>
             <a:r>
-              <a:rPr lang="en-US" sz="2400" dirty="0">
-                <a:solidFill>
-                  <a:schemeClr val="accent6"/>
+              <a:rPr lang="en-US" sz="3200" b="1" dirty="0">
+                <a:solidFill>
+                  <a:schemeClr val="accent2">
+                    <a:lumMod val="60000"/>
+                    <a:lumOff val="40000"/>
+                  </a:schemeClr>
                 </a:solidFill>
                 <a:effectLst>
                   <a:outerShdw blurRad="38100" dist="38100" dir="2700000" algn="tl">
@@ -8192,9 +8212,12 @@
               <a:t>Information and Communication Technologies ICT </a:t>
             </a:r>
             <a:br>
-              <a:rPr lang="fr-FR" sz="2400" dirty="0">
-                <a:solidFill>
-                  <a:schemeClr val="accent6"/>
+              <a:rPr lang="fr-FR" sz="3200" b="1" dirty="0">
+                <a:solidFill>
+                  <a:schemeClr val="accent2">
+                    <a:lumMod val="60000"/>
+                    <a:lumOff val="40000"/>
+                  </a:schemeClr>
                 </a:solidFill>
                 <a:effectLst>
                   <a:outerShdw blurRad="38100" dist="38100" dir="2700000" algn="tl">
@@ -8209,9 +8232,12 @@
               </a:rPr>
             </a:br>
             <a:r>
-              <a:rPr lang="en-US" sz="2400" dirty="0">
-                <a:solidFill>
-                  <a:schemeClr val="accent6"/>
+              <a:rPr lang="en-US" sz="3200" b="1" dirty="0">
+                <a:solidFill>
+                  <a:schemeClr val="accent2">
+                    <a:lumMod val="60000"/>
+                    <a:lumOff val="40000"/>
+                  </a:schemeClr>
                 </a:solidFill>
                 <a:effectLst>
                   <a:outerShdw blurRad="38100" dist="38100" dir="2700000" algn="tl">
@@ -8226,9 +8252,12 @@
               </a:rPr>
               <a:t>&amp; Technologies related to ICT</a:t>
             </a:r>
-            <a:endParaRPr lang="fr-FR" sz="2400" dirty="0">
+            <a:endParaRPr lang="fr-FR" sz="3200" b="1" dirty="0">
               <a:solidFill>
-                <a:schemeClr val="accent6"/>
+                <a:schemeClr val="accent2">
+                  <a:lumMod val="60000"/>
+                  <a:lumOff val="40000"/>
+                </a:schemeClr>
               </a:solidFill>
               <a:effectLst>
                 <a:outerShdw blurRad="38100" dist="38100" dir="2700000" algn="tl">
@@ -8533,6 +8562,147 @@
           </a:p>
         </p:txBody>
       </p:sp>
+      <p:pic>
+        <p:nvPicPr>
+          <p:cNvPr id="1028" name="Picture 4" descr="ai, artificial intelligence, electronics, light bulb, robotics, science fiction, technology ">
+            <a:extLst>
+              <a:ext uri="{FF2B5EF4-FFF2-40B4-BE49-F238E27FC236}">
+                <a16:creationId xmlns:a16="http://schemas.microsoft.com/office/drawing/2014/main" id="{04ABC423-6655-D657-0CD2-1772A4462BBD}"/>
+              </a:ext>
+            </a:extLst>
+          </p:cNvPr>
+          <p:cNvPicPr>
+            <a:picLocks noChangeAspect="1" noChangeArrowheads="1"/>
+          </p:cNvPicPr>
+          <p:nvPr/>
+        </p:nvPicPr>
+        <p:blipFill>
+          <a:blip r:embed="rId2">
+            <a:extLst>
+              <a:ext uri="{28A0092B-C50C-407E-A947-70E740481C1C}">
+                <a14:useLocalDpi xmlns:a14="http://schemas.microsoft.com/office/drawing/2010/main" val="0"/>
+              </a:ext>
+            </a:extLst>
+          </a:blip>
+          <a:srcRect/>
+          <a:stretch>
+            <a:fillRect/>
+          </a:stretch>
+        </p:blipFill>
+        <p:spPr bwMode="auto">
+          <a:xfrm>
+            <a:off x="10957560" y="5440680"/>
+            <a:ext cx="1234440" cy="1234440"/>
+          </a:xfrm>
+          <a:prstGeom prst="rect">
+            <a:avLst/>
+          </a:prstGeom>
+          <a:noFill/>
+          <a:extLst>
+            <a:ext uri="{909E8E84-426E-40DD-AFC4-6F175D3DCCD1}">
+              <a14:hiddenFill xmlns:a14="http://schemas.microsoft.com/office/drawing/2010/main">
+                <a:solidFill>
+                  <a:srgbClr val="FFFFFF"/>
+                </a:solidFill>
+              </a14:hiddenFill>
+            </a:ext>
+          </a:extLst>
+        </p:spPr>
+      </p:pic>
+      <p:pic>
+        <p:nvPicPr>
+          <p:cNvPr id="1030" name="Picture 6" descr="reality, technology, virtual, vr ">
+            <a:extLst>
+              <a:ext uri="{FF2B5EF4-FFF2-40B4-BE49-F238E27FC236}">
+                <a16:creationId xmlns:a16="http://schemas.microsoft.com/office/drawing/2014/main" id="{EBDED86A-68A8-E672-3EB5-01DC7FD0F4A8}"/>
+              </a:ext>
+            </a:extLst>
+          </p:cNvPr>
+          <p:cNvPicPr>
+            <a:picLocks noChangeAspect="1" noChangeArrowheads="1"/>
+          </p:cNvPicPr>
+          <p:nvPr/>
+        </p:nvPicPr>
+        <p:blipFill>
+          <a:blip r:embed="rId3">
+            <a:extLst>
+              <a:ext uri="{28A0092B-C50C-407E-A947-70E740481C1C}">
+                <a14:useLocalDpi xmlns:a14="http://schemas.microsoft.com/office/drawing/2010/main" val="0"/>
+              </a:ext>
+            </a:extLst>
+          </a:blip>
+          <a:srcRect/>
+          <a:stretch>
+            <a:fillRect/>
+          </a:stretch>
+        </p:blipFill>
+        <p:spPr bwMode="auto">
+          <a:xfrm>
+            <a:off x="1049990" y="211517"/>
+            <a:ext cx="2363770" cy="2363770"/>
+          </a:xfrm>
+          <a:prstGeom prst="rect">
+            <a:avLst/>
+          </a:prstGeom>
+          <a:noFill/>
+          <a:extLst>
+            <a:ext uri="{909E8E84-426E-40DD-AFC4-6F175D3DCCD1}">
+              <a14:hiddenFill xmlns:a14="http://schemas.microsoft.com/office/drawing/2010/main">
+                <a:solidFill>
+                  <a:srgbClr val="FFFFFF"/>
+                </a:solidFill>
+              </a14:hiddenFill>
+            </a:ext>
+          </a:extLst>
+        </p:spPr>
+      </p:pic>
+      <p:pic>
+        <p:nvPicPr>
+          <p:cNvPr id="1036" name="Picture 12" descr="internet of things, internet, iot, wireless, mechanic, gear, settings ">
+            <a:extLst>
+              <a:ext uri="{FF2B5EF4-FFF2-40B4-BE49-F238E27FC236}">
+                <a16:creationId xmlns:a16="http://schemas.microsoft.com/office/drawing/2014/main" id="{FDA02079-ADDA-688A-4EE1-67173983FF91}"/>
+              </a:ext>
+            </a:extLst>
+          </p:cNvPr>
+          <p:cNvPicPr>
+            <a:picLocks noChangeAspect="1" noChangeArrowheads="1"/>
+          </p:cNvPicPr>
+          <p:nvPr/>
+        </p:nvPicPr>
+        <p:blipFill>
+          <a:blip r:embed="rId4">
+            <a:extLst>
+              <a:ext uri="{28A0092B-C50C-407E-A947-70E740481C1C}">
+                <a14:useLocalDpi xmlns:a14="http://schemas.microsoft.com/office/drawing/2010/main" val="0"/>
+              </a:ext>
+            </a:extLst>
+          </a:blip>
+          <a:srcRect/>
+          <a:stretch>
+            <a:fillRect/>
+          </a:stretch>
+        </p:blipFill>
+        <p:spPr bwMode="auto">
+          <a:xfrm>
+            <a:off x="9555480" y="30480"/>
+            <a:ext cx="2636520" cy="2636520"/>
+          </a:xfrm>
+          <a:prstGeom prst="rect">
+            <a:avLst/>
+          </a:prstGeom>
+          <a:noFill/>
+          <a:extLst>
+            <a:ext uri="{909E8E84-426E-40DD-AFC4-6F175D3DCCD1}">
+              <a14:hiddenFill xmlns:a14="http://schemas.microsoft.com/office/drawing/2010/main">
+                <a:solidFill>
+                  <a:srgbClr val="FFFFFF"/>
+                </a:solidFill>
+              </a14:hiddenFill>
+            </a:ext>
+          </a:extLst>
+        </p:spPr>
+      </p:pic>
     </p:spTree>
     <p:extLst>
       <p:ext uri="{BB962C8B-B14F-4D97-AF65-F5344CB8AC3E}">
@@ -8578,7 +8748,7 @@
           <p:nvPr>
             <p:extLst>
               <p:ext uri="{D42A27DB-BD31-4B8C-83A1-F6EECF244321}">
-                <p14:modId xmlns:p14="http://schemas.microsoft.com/office/powerpoint/2010/main" val="1649685724"/>
+                <p14:modId xmlns:p14="http://schemas.microsoft.com/office/powerpoint/2010/main" val="2887812542"/>
               </p:ext>
             </p:extLst>
           </p:nvPr>
@@ -8626,7 +8796,7 @@
                       <a:r>
                         <a:rPr lang="en-US" sz="2000" dirty="0">
                           <a:solidFill>
-                            <a:schemeClr val="tx2"/>
+                            <a:srgbClr val="C00000"/>
                           </a:solidFill>
                           <a:effectLst/>
                           <a:latin typeface="Times New Roman" panose="02020603050405020304" pitchFamily="18" charset="0"/>
@@ -8636,7 +8806,7 @@
                       </a:r>
                       <a:endParaRPr lang="fr-FR" sz="2000" dirty="0">
                         <a:solidFill>
-                          <a:schemeClr val="tx2"/>
+                          <a:srgbClr val="C00000"/>
                         </a:solidFill>
                         <a:effectLst/>
                         <a:latin typeface="Times New Roman" panose="02020603050405020304" pitchFamily="18" charset="0"/>
@@ -8678,6 +8848,12 @@
                         </a:spcAft>
                       </a:pPr>
                       <a:endParaRPr lang="fr-FR" sz="1100" dirty="0">
+                        <a:solidFill>
+                          <a:schemeClr val="accent1">
+                            <a:lumMod val="40000"/>
+                            <a:lumOff val="60000"/>
+                          </a:schemeClr>
+                        </a:solidFill>
                         <a:effectLst/>
                         <a:latin typeface="Calibri" panose="020F0502020204030204" pitchFamily="34" charset="0"/>
                         <a:ea typeface="Calibri" panose="020F0502020204030204" pitchFamily="34" charset="0"/>
@@ -9375,7 +9551,7 @@
           <p:nvPr>
             <p:extLst>
               <p:ext uri="{D42A27DB-BD31-4B8C-83A1-F6EECF244321}">
-                <p14:modId xmlns:p14="http://schemas.microsoft.com/office/powerpoint/2010/main" val="456861284"/>
+                <p14:modId xmlns:p14="http://schemas.microsoft.com/office/powerpoint/2010/main" val="3499599186"/>
               </p:ext>
             </p:extLst>
           </p:nvPr>
@@ -9446,7 +9622,7 @@
                       <a:r>
                         <a:rPr lang="en-US" sz="1800" b="0" dirty="0">
                           <a:solidFill>
-                            <a:schemeClr val="tx1"/>
+                            <a:schemeClr val="bg1"/>
                           </a:solidFill>
                           <a:effectLst/>
                           <a:latin typeface="Times New Roman" panose="02020603050405020304" pitchFamily="18" charset="0"/>
@@ -9456,7 +9632,7 @@
                       </a:r>
                       <a:endParaRPr lang="fr-FR" sz="1800" b="0" dirty="0">
                         <a:solidFill>
-                          <a:schemeClr val="tx1"/>
+                          <a:schemeClr val="bg1"/>
                         </a:solidFill>
                         <a:effectLst/>
                         <a:latin typeface="Times New Roman" panose="02020603050405020304" pitchFamily="18" charset="0"/>
@@ -9527,12 +9703,32 @@
                       </a:r>
                       <a:r>
                         <a:rPr lang="en-US" sz="1800" u="sng" dirty="0">
+                          <a:solidFill>
+                            <a:srgbClr val="C00000"/>
+                          </a:solidFill>
                           <a:effectLst/>
                           <a:latin typeface="Times New Roman" panose="02020603050405020304" pitchFamily="18" charset="0"/>
                           <a:cs typeface="Times New Roman" panose="02020603050405020304" pitchFamily="18" charset="0"/>
-                          <a:hlinkClick r:id="rId2" tooltip="Presentation program"/>
+                          <a:hlinkClick r:id="rId2" tooltip="Presentation program">
+                            <a:extLst>
+                              <a:ext uri="{A12FA001-AC4F-418D-AE19-62706E023703}">
+                                <ahyp:hlinkClr xmlns:ahyp="http://schemas.microsoft.com/office/drawing/2018/hyperlinkcolor" val="tx"/>
+                              </a:ext>
+                            </a:extLst>
+                          </a:hlinkClick>
                         </a:rPr>
                         <a:t>presentation program</a:t>
+                      </a:r>
+                      <a:r>
+                        <a:rPr lang="en-US" sz="1800" dirty="0">
+                          <a:solidFill>
+                            <a:srgbClr val="C00000"/>
+                          </a:solidFill>
+                          <a:effectLst/>
+                          <a:latin typeface="Times New Roman" panose="02020603050405020304" pitchFamily="18" charset="0"/>
+                          <a:cs typeface="Times New Roman" panose="02020603050405020304" pitchFamily="18" charset="0"/>
+                        </a:rPr>
+                        <a:t> </a:t>
                       </a:r>
                       <a:r>
                         <a:rPr lang="en-US" sz="1800" dirty="0">
@@ -9540,19 +9736,31 @@
                           <a:latin typeface="Times New Roman" panose="02020603050405020304" pitchFamily="18" charset="0"/>
                           <a:cs typeface="Times New Roman" panose="02020603050405020304" pitchFamily="18" charset="0"/>
                         </a:rPr>
-                        <a:t> included as part of the free, </a:t>
+                        <a:t>included as part of the free, </a:t>
                       </a:r>
                       <a:r>
                         <a:rPr lang="en-US" sz="1800" u="sng" dirty="0">
+                          <a:solidFill>
+                            <a:srgbClr val="C00000"/>
+                          </a:solidFill>
                           <a:effectLst/>
                           <a:latin typeface="Times New Roman" panose="02020603050405020304" pitchFamily="18" charset="0"/>
                           <a:cs typeface="Times New Roman" panose="02020603050405020304" pitchFamily="18" charset="0"/>
-                          <a:hlinkClick r:id="rId3" tooltip="Web application"/>
+                          <a:hlinkClick r:id="rId3" tooltip="Web application">
+                            <a:extLst>
+                              <a:ext uri="{A12FA001-AC4F-418D-AE19-62706E023703}">
+                                <ahyp:hlinkClr xmlns:ahyp="http://schemas.microsoft.com/office/drawing/2018/hyperlinkcolor" val="tx"/>
+                              </a:ext>
+                            </a:extLst>
+                          </a:hlinkClick>
                         </a:rPr>
                         <a:t>web-based</a:t>
                       </a:r>
                       <a:r>
                         <a:rPr lang="en-US" sz="1800" dirty="0">
+                          <a:solidFill>
+                            <a:srgbClr val="C00000"/>
+                          </a:solidFill>
                           <a:effectLst/>
                           <a:latin typeface="Times New Roman" panose="02020603050405020304" pitchFamily="18" charset="0"/>
                           <a:cs typeface="Times New Roman" panose="02020603050405020304" pitchFamily="18" charset="0"/>
@@ -9561,10 +9769,19 @@
                       </a:r>
                       <a:r>
                         <a:rPr lang="en-US" sz="1800" u="sng" dirty="0">
+                          <a:solidFill>
+                            <a:srgbClr val="C00000"/>
+                          </a:solidFill>
                           <a:effectLst/>
                           <a:latin typeface="Times New Roman" panose="02020603050405020304" pitchFamily="18" charset="0"/>
                           <a:cs typeface="Times New Roman" panose="02020603050405020304" pitchFamily="18" charset="0"/>
-                          <a:hlinkClick r:id="rId4" tooltip="Google Docs Editors"/>
+                          <a:hlinkClick r:id="rId4" tooltip="Google Docs Editors">
+                            <a:extLst>
+                              <a:ext uri="{A12FA001-AC4F-418D-AE19-62706E023703}">
+                                <ahyp:hlinkClr xmlns:ahyp="http://schemas.microsoft.com/office/drawing/2018/hyperlinkcolor" val="tx"/>
+                              </a:ext>
+                            </a:extLst>
+                          </a:hlinkClick>
                         </a:rPr>
                         <a:t>Google Docs</a:t>
                       </a:r>
@@ -9574,14 +9791,34 @@
                           <a:latin typeface="Times New Roman" panose="02020603050405020304" pitchFamily="18" charset="0"/>
                           <a:cs typeface="Times New Roman" panose="02020603050405020304" pitchFamily="18" charset="0"/>
                         </a:rPr>
-                        <a:t> suite offered by </a:t>
+                        <a:t> suite offered by</a:t>
+                      </a:r>
+                      <a:r>
+                        <a:rPr lang="en-US" sz="1800" dirty="0">
+                          <a:solidFill>
+                            <a:srgbClr val="C00000"/>
+                          </a:solidFill>
+                          <a:effectLst/>
+                          <a:latin typeface="Times New Roman" panose="02020603050405020304" pitchFamily="18" charset="0"/>
+                          <a:cs typeface="Times New Roman" panose="02020603050405020304" pitchFamily="18" charset="0"/>
+                        </a:rPr>
+                        <a:t> </a:t>
                       </a:r>
                       <a:r>
                         <a:rPr lang="en-US" sz="1800" u="sng" dirty="0">
+                          <a:solidFill>
+                            <a:srgbClr val="C00000"/>
+                          </a:solidFill>
                           <a:effectLst/>
                           <a:latin typeface="Times New Roman" panose="02020603050405020304" pitchFamily="18" charset="0"/>
                           <a:cs typeface="Times New Roman" panose="02020603050405020304" pitchFamily="18" charset="0"/>
-                          <a:hlinkClick r:id="rId5" tooltip="Google"/>
+                          <a:hlinkClick r:id="rId5" tooltip="Google">
+                            <a:extLst>
+                              <a:ext uri="{A12FA001-AC4F-418D-AE19-62706E023703}">
+                                <ahyp:hlinkClr xmlns:ahyp="http://schemas.microsoft.com/office/drawing/2018/hyperlinkcolor" val="tx"/>
+                              </a:ext>
+                            </a:extLst>
+                          </a:hlinkClick>
                         </a:rPr>
                         <a:t>Google</a:t>
                       </a:r>
@@ -10230,7 +10467,7 @@
             <a:r>
               <a:rPr lang="en-US" sz="1800" b="1" i="1" dirty="0">
                 <a:solidFill>
-                  <a:schemeClr val="accent2">
+                  <a:schemeClr val="accent3">
                     <a:lumMod val="75000"/>
                   </a:schemeClr>
                 </a:solidFill>
@@ -10241,7 +10478,7 @@
             </a:r>
             <a:endParaRPr lang="fr-FR" sz="1800" b="1" i="1" dirty="0">
               <a:solidFill>
-                <a:schemeClr val="accent2">
+                <a:schemeClr val="accent3">
                   <a:lumMod val="75000"/>
                 </a:schemeClr>
               </a:solidFill>
@@ -10260,9 +10497,6 @@
             </a:pPr>
             <a:r>
               <a:rPr lang="en-US" sz="1800" dirty="0">
-                <a:solidFill>
-                  <a:srgbClr val="000000"/>
-                </a:solidFill>
                 <a:effectLst/>
                 <a:latin typeface="Times New Roman" panose="02020603050405020304" pitchFamily="18" charset="0"/>
                 <a:ea typeface="Calibri" panose="020F0502020204030204" pitchFamily="34" charset="0"/>
@@ -10323,7 +10557,7 @@
           <p:nvPr>
             <p:extLst>
               <p:ext uri="{D42A27DB-BD31-4B8C-83A1-F6EECF244321}">
-                <p14:modId xmlns:p14="http://schemas.microsoft.com/office/powerpoint/2010/main" val="260436982"/>
+                <p14:modId xmlns:p14="http://schemas.microsoft.com/office/powerpoint/2010/main" val="4086498567"/>
               </p:ext>
             </p:extLst>
           </p:nvPr>
@@ -10371,7 +10605,7 @@
                       <a:r>
                         <a:rPr lang="en-US" sz="2000" dirty="0">
                           <a:solidFill>
-                            <a:schemeClr val="tx2"/>
+                            <a:srgbClr val="C00000"/>
                           </a:solidFill>
                           <a:effectLst/>
                           <a:latin typeface="Times New Roman" panose="02020603050405020304" pitchFamily="18" charset="0"/>
@@ -10381,7 +10615,7 @@
                       </a:r>
                       <a:endParaRPr lang="fr-FR" sz="2000" dirty="0">
                         <a:solidFill>
-                          <a:schemeClr val="tx2"/>
+                          <a:srgbClr val="C00000"/>
                         </a:solidFill>
                         <a:effectLst/>
                         <a:latin typeface="Times New Roman" panose="02020603050405020304" pitchFamily="18" charset="0"/>
@@ -10732,7 +10966,7 @@
           <p:nvPr>
             <p:extLst>
               <p:ext uri="{D42A27DB-BD31-4B8C-83A1-F6EECF244321}">
-                <p14:modId xmlns:p14="http://schemas.microsoft.com/office/powerpoint/2010/main" val="3542550506"/>
+                <p14:modId xmlns:p14="http://schemas.microsoft.com/office/powerpoint/2010/main" val="3762115238"/>
               </p:ext>
             </p:extLst>
           </p:nvPr>
@@ -10803,7 +11037,7 @@
                       <a:r>
                         <a:rPr lang="en-US" sz="1800" b="0" dirty="0">
                           <a:solidFill>
-                            <a:schemeClr val="tx2"/>
+                            <a:schemeClr val="bg1"/>
                           </a:solidFill>
                           <a:effectLst/>
                           <a:highlight>
@@ -10817,7 +11051,7 @@
                       <a:r>
                         <a:rPr lang="en-US" sz="1800" b="0" dirty="0">
                           <a:solidFill>
-                            <a:schemeClr val="tx2"/>
+                            <a:schemeClr val="bg1"/>
                           </a:solidFill>
                           <a:effectLst/>
                           <a:latin typeface="Times New Roman" panose="02020603050405020304" pitchFamily="18" charset="0"/>
@@ -10827,7 +11061,7 @@
                       </a:r>
                       <a:endParaRPr lang="en-US" sz="1800" b="0" dirty="0">
                         <a:solidFill>
-                          <a:schemeClr val="tx2"/>
+                          <a:schemeClr val="bg1"/>
                         </a:solidFill>
                         <a:effectLst/>
                         <a:latin typeface="Times New Roman" panose="02020603050405020304" pitchFamily="18" charset="0"/>
@@ -10884,7 +11118,7 @@
                       <a:r>
                         <a:rPr lang="en-US" sz="1800" dirty="0">
                           <a:solidFill>
-                            <a:schemeClr val="tx2"/>
+                            <a:schemeClr val="bg1"/>
                           </a:solidFill>
                           <a:effectLst/>
                           <a:highlight>
@@ -10898,7 +11132,7 @@
                       <a:r>
                         <a:rPr lang="en-US" sz="1800" dirty="0">
                           <a:solidFill>
-                            <a:schemeClr val="tx2"/>
+                            <a:schemeClr val="bg1"/>
                           </a:solidFill>
                           <a:effectLst/>
                           <a:latin typeface="Times New Roman" panose="02020603050405020304" pitchFamily="18" charset="0"/>
@@ -10908,7 +11142,7 @@
                       </a:r>
                       <a:endParaRPr lang="en-US" sz="1800" dirty="0">
                         <a:solidFill>
-                          <a:schemeClr val="tx2"/>
+                          <a:schemeClr val="bg1"/>
                         </a:solidFill>
                         <a:effectLst/>
                         <a:latin typeface="Times New Roman" panose="02020603050405020304" pitchFamily="18" charset="0"/>
@@ -10965,7 +11199,7 @@
                       <a:r>
                         <a:rPr lang="en-US" sz="1800" dirty="0">
                           <a:solidFill>
-                            <a:schemeClr val="tx2"/>
+                            <a:schemeClr val="bg1"/>
                           </a:solidFill>
                           <a:effectLst/>
                           <a:highlight>
@@ -10979,7 +11213,7 @@
                       <a:r>
                         <a:rPr lang="en-US" sz="1800" dirty="0">
                           <a:solidFill>
-                            <a:schemeClr val="tx2"/>
+                            <a:schemeClr val="bg1"/>
                           </a:solidFill>
                           <a:effectLst/>
                           <a:latin typeface="Times New Roman" panose="02020603050405020304" pitchFamily="18" charset="0"/>
@@ -10989,7 +11223,7 @@
                       </a:r>
                       <a:endParaRPr lang="en-US" sz="1800" dirty="0">
                         <a:solidFill>
-                          <a:schemeClr val="tx2"/>
+                          <a:schemeClr val="bg1"/>
                         </a:solidFill>
                         <a:effectLst/>
                         <a:latin typeface="Times New Roman" panose="02020603050405020304" pitchFamily="18" charset="0"/>
@@ -11023,7 +11257,7 @@
                       <a:r>
                         <a:rPr lang="en-US" sz="1800" dirty="0">
                           <a:solidFill>
-                            <a:schemeClr val="tx2"/>
+                            <a:schemeClr val="bg1"/>
                           </a:solidFill>
                           <a:effectLst/>
                           <a:latin typeface="Times New Roman" panose="02020603050405020304" pitchFamily="18" charset="0"/>
@@ -11033,7 +11267,7 @@
                       </a:r>
                       <a:endParaRPr lang="fr-FR" sz="1800" dirty="0">
                         <a:solidFill>
-                          <a:schemeClr val="tx2"/>
+                          <a:schemeClr val="bg1"/>
                         </a:solidFill>
                         <a:effectLst/>
                         <a:latin typeface="Times New Roman" panose="02020603050405020304" pitchFamily="18" charset="0"/>
@@ -11100,7 +11334,7 @@
                       <a:r>
                         <a:rPr lang="en-US" sz="1800" dirty="0">
                           <a:solidFill>
-                            <a:schemeClr val="tx2"/>
+                            <a:schemeClr val="bg1"/>
                           </a:solidFill>
                           <a:effectLst/>
                           <a:highlight>
@@ -11114,7 +11348,7 @@
                       <a:r>
                         <a:rPr lang="en-US" sz="1800" dirty="0">
                           <a:solidFill>
-                            <a:schemeClr val="tx2"/>
+                            <a:schemeClr val="bg1"/>
                           </a:solidFill>
                           <a:effectLst/>
                           <a:latin typeface="Times New Roman" panose="02020603050405020304" pitchFamily="18" charset="0"/>
@@ -11151,7 +11385,7 @@
                       <a:r>
                         <a:rPr lang="en-US" sz="1800" dirty="0">
                           <a:solidFill>
-                            <a:schemeClr val="tx2"/>
+                            <a:schemeClr val="bg1"/>
                           </a:solidFill>
                           <a:effectLst/>
                           <a:highlight>
@@ -11165,7 +11399,7 @@
                       <a:r>
                         <a:rPr lang="en-US" sz="1800" dirty="0">
                           <a:solidFill>
-                            <a:schemeClr val="tx2"/>
+                            <a:schemeClr val="bg1"/>
                           </a:solidFill>
                           <a:effectLst/>
                           <a:latin typeface="Times New Roman" panose="02020603050405020304" pitchFamily="18" charset="0"/>
@@ -11175,7 +11409,7 @@
                       </a:r>
                       <a:endParaRPr lang="fr-FR" dirty="0">
                         <a:solidFill>
-                          <a:schemeClr val="tx2"/>
+                          <a:schemeClr val="bg1"/>
                         </a:solidFill>
                         <a:latin typeface="Times New Roman" panose="02020603050405020304" pitchFamily="18" charset="0"/>
                         <a:cs typeface="Times New Roman" panose="02020603050405020304" pitchFamily="18" charset="0"/>
@@ -12462,6 +12696,53 @@
           </a:p>
         </p:txBody>
       </p:sp>
+      <p:pic>
+        <p:nvPicPr>
+          <p:cNvPr id="8194" name="Picture 2" descr="ai, artificial intelligence, automaton, brain, electronics, robotics, technology ">
+            <a:extLst>
+              <a:ext uri="{FF2B5EF4-FFF2-40B4-BE49-F238E27FC236}">
+                <a16:creationId xmlns:a16="http://schemas.microsoft.com/office/drawing/2014/main" id="{CFFFBF47-A7AB-CA09-AE5F-745C08EB6712}"/>
+              </a:ext>
+            </a:extLst>
+          </p:cNvPr>
+          <p:cNvPicPr>
+            <a:picLocks noChangeAspect="1" noChangeArrowheads="1"/>
+          </p:cNvPicPr>
+          <p:nvPr/>
+        </p:nvPicPr>
+        <p:blipFill>
+          <a:blip r:embed="rId2">
+            <a:extLst>
+              <a:ext uri="{28A0092B-C50C-407E-A947-70E740481C1C}">
+                <a14:useLocalDpi xmlns:a14="http://schemas.microsoft.com/office/drawing/2010/main" val="0"/>
+              </a:ext>
+            </a:extLst>
+          </a:blip>
+          <a:srcRect/>
+          <a:stretch>
+            <a:fillRect/>
+          </a:stretch>
+        </p:blipFill>
+        <p:spPr bwMode="auto">
+          <a:xfrm>
+            <a:off x="9815904" y="3429000"/>
+            <a:ext cx="2133600" cy="2133600"/>
+          </a:xfrm>
+          <a:prstGeom prst="rect">
+            <a:avLst/>
+          </a:prstGeom>
+          <a:noFill/>
+          <a:extLst>
+            <a:ext uri="{909E8E84-426E-40DD-AFC4-6F175D3DCCD1}">
+              <a14:hiddenFill xmlns:a14="http://schemas.microsoft.com/office/drawing/2010/main">
+                <a:solidFill>
+                  <a:srgbClr val="FFFFFF"/>
+                </a:solidFill>
+              </a14:hiddenFill>
+            </a:ext>
+          </a:extLst>
+        </p:spPr>
+      </p:pic>
     </p:spTree>
     <p:extLst>
       <p:ext uri="{BB962C8B-B14F-4D97-AF65-F5344CB8AC3E}">
@@ -12932,6 +13213,53 @@
           </a:p>
         </p:txBody>
       </p:sp>
+      <p:pic>
+        <p:nvPicPr>
+          <p:cNvPr id="4100" name="Picture 4" descr="computer, network protection, safe, syber security ">
+            <a:extLst>
+              <a:ext uri="{FF2B5EF4-FFF2-40B4-BE49-F238E27FC236}">
+                <a16:creationId xmlns:a16="http://schemas.microsoft.com/office/drawing/2014/main" id="{C7B08CED-8D06-9C83-D6DE-213DB4562724}"/>
+              </a:ext>
+            </a:extLst>
+          </p:cNvPr>
+          <p:cNvPicPr>
+            <a:picLocks noChangeAspect="1" noChangeArrowheads="1"/>
+          </p:cNvPicPr>
+          <p:nvPr/>
+        </p:nvPicPr>
+        <p:blipFill>
+          <a:blip r:embed="rId2">
+            <a:extLst>
+              <a:ext uri="{28A0092B-C50C-407E-A947-70E740481C1C}">
+                <a14:useLocalDpi xmlns:a14="http://schemas.microsoft.com/office/drawing/2010/main" val="0"/>
+              </a:ext>
+            </a:extLst>
+          </a:blip>
+          <a:srcRect/>
+          <a:stretch>
+            <a:fillRect/>
+          </a:stretch>
+        </p:blipFill>
+        <p:spPr bwMode="auto">
+          <a:xfrm>
+            <a:off x="10003132" y="2129860"/>
+            <a:ext cx="1935480" cy="1996440"/>
+          </a:xfrm>
+          <a:prstGeom prst="rect">
+            <a:avLst/>
+          </a:prstGeom>
+          <a:noFill/>
+          <a:extLst>
+            <a:ext uri="{909E8E84-426E-40DD-AFC4-6F175D3DCCD1}">
+              <a14:hiddenFill xmlns:a14="http://schemas.microsoft.com/office/drawing/2010/main">
+                <a:solidFill>
+                  <a:srgbClr val="FFFFFF"/>
+                </a:solidFill>
+              </a14:hiddenFill>
+            </a:ext>
+          </a:extLst>
+        </p:spPr>
+      </p:pic>
     </p:spTree>
     <p:extLst>
       <p:ext uri="{BB962C8B-B14F-4D97-AF65-F5344CB8AC3E}">
@@ -13253,7 +13581,70 @@
                 <a:ea typeface="Calibri" panose="020F0502020204030204" pitchFamily="34" charset="0"/>
                 <a:cs typeface="Times New Roman" panose="02020603050405020304" pitchFamily="18" charset="0"/>
               </a:rPr>
-              <a:t>In conclusion, the dynamic landscape of Information and Communication Technology (ICT) continues to shape and redefine our world. The period leading up to 2022 witnessed remarkable advancements in areas such as 5G technology, artificial intelligence, the Internet of Things, and cybersecurity. These innovations have not only transformed the way we communicate and process information but have also paved the way for unprecedented opportunities. </a:t>
+              <a:t>In conclusion, the dynamic landscape of Information and Communication Technology </a:t>
+            </a:r>
+            <a:r>
+              <a:rPr lang="en-US" sz="1800" dirty="0">
+                <a:solidFill>
+                  <a:srgbClr val="C00000"/>
+                </a:solidFill>
+                <a:effectLst/>
+                <a:latin typeface="Times New Roman" panose="02020603050405020304" pitchFamily="18" charset="0"/>
+                <a:ea typeface="Calibri" panose="020F0502020204030204" pitchFamily="34" charset="0"/>
+                <a:cs typeface="Times New Roman" panose="02020603050405020304" pitchFamily="18" charset="0"/>
+              </a:rPr>
+              <a:t>(ICT) </a:t>
+            </a:r>
+            <a:r>
+              <a:rPr lang="en-US" sz="1800" dirty="0">
+                <a:effectLst/>
+                <a:latin typeface="Times New Roman" panose="02020603050405020304" pitchFamily="18" charset="0"/>
+                <a:ea typeface="Calibri" panose="020F0502020204030204" pitchFamily="34" charset="0"/>
+                <a:cs typeface="Times New Roman" panose="02020603050405020304" pitchFamily="18" charset="0"/>
+              </a:rPr>
+              <a:t>continues to shape and redefine our world. The period leading up to </a:t>
+            </a:r>
+            <a:r>
+              <a:rPr lang="en-US" sz="1800" dirty="0">
+                <a:solidFill>
+                  <a:srgbClr val="C00000"/>
+                </a:solidFill>
+                <a:effectLst/>
+                <a:latin typeface="Times New Roman" panose="02020603050405020304" pitchFamily="18" charset="0"/>
+                <a:ea typeface="Calibri" panose="020F0502020204030204" pitchFamily="34" charset="0"/>
+                <a:cs typeface="Times New Roman" panose="02020603050405020304" pitchFamily="18" charset="0"/>
+              </a:rPr>
+              <a:t>2022</a:t>
+            </a:r>
+            <a:r>
+              <a:rPr lang="en-US" sz="1800" dirty="0">
+                <a:effectLst/>
+                <a:latin typeface="Times New Roman" panose="02020603050405020304" pitchFamily="18" charset="0"/>
+                <a:ea typeface="Calibri" panose="020F0502020204030204" pitchFamily="34" charset="0"/>
+                <a:cs typeface="Times New Roman" panose="02020603050405020304" pitchFamily="18" charset="0"/>
+              </a:rPr>
+              <a:t> witnessed remarkable advancements in areas such as </a:t>
+            </a:r>
+            <a:r>
+              <a:rPr lang="en-US" sz="1800" dirty="0">
+                <a:solidFill>
+                  <a:srgbClr val="C00000"/>
+                </a:solidFill>
+                <a:effectLst/>
+                <a:latin typeface="Times New Roman" panose="02020603050405020304" pitchFamily="18" charset="0"/>
+                <a:ea typeface="Calibri" panose="020F0502020204030204" pitchFamily="34" charset="0"/>
+                <a:cs typeface="Times New Roman" panose="02020603050405020304" pitchFamily="18" charset="0"/>
+              </a:rPr>
+              <a:t>5G</a:t>
+            </a:r>
+            <a:r>
+              <a:rPr lang="en-US" sz="1800" dirty="0">
+                <a:effectLst/>
+                <a:latin typeface="Times New Roman" panose="02020603050405020304" pitchFamily="18" charset="0"/>
+                <a:ea typeface="Calibri" panose="020F0502020204030204" pitchFamily="34" charset="0"/>
+                <a:cs typeface="Times New Roman" panose="02020603050405020304" pitchFamily="18" charset="0"/>
+              </a:rPr>
+              <a:t> technology, artificial intelligence, the Internet of Things, and cybersecurity. These innovations have not only transformed the way we communicate and process information but have also paved the way for unprecedented opportunities. </a:t>
             </a:r>
             <a:endParaRPr lang="fr-FR" sz="1800" dirty="0">
               <a:effectLst/>
@@ -13278,7 +13669,70 @@
                 <a:ea typeface="Calibri" panose="020F0502020204030204" pitchFamily="34" charset="0"/>
                 <a:cs typeface="Times New Roman" panose="02020603050405020304" pitchFamily="18" charset="0"/>
               </a:rPr>
-              <a:t>However, with these advancements many challenges surfaced. One of the most prominent challenges is the rapid pace of technological growth which often outpaced the ability of organizations and individuals to adapt. In addition, the use of ICT raises ethical questions, such as the responsible use of artificial intelligence (AI), automation's impact on employment, and the ethical implications of data collection and analysis. Moreover, not everyone has equal access to ICT, disparities in access to technology, internet connectivity, and digital literacy can widen social and economic gaps</a:t>
+              <a:t>However, with these advancements many challenges surfaced. One of the most prominent challenges is the rapid pace of technological growth which often outpaced the ability of organizations and individuals to adapt. In addition, the use of </a:t>
+            </a:r>
+            <a:r>
+              <a:rPr lang="en-US" sz="1800" dirty="0">
+                <a:solidFill>
+                  <a:srgbClr val="C00000"/>
+                </a:solidFill>
+                <a:effectLst/>
+                <a:latin typeface="Times New Roman" panose="02020603050405020304" pitchFamily="18" charset="0"/>
+                <a:ea typeface="Calibri" panose="020F0502020204030204" pitchFamily="34" charset="0"/>
+                <a:cs typeface="Times New Roman" panose="02020603050405020304" pitchFamily="18" charset="0"/>
+              </a:rPr>
+              <a:t>ICT</a:t>
+            </a:r>
+            <a:r>
+              <a:rPr lang="en-US" sz="1800" dirty="0">
+                <a:effectLst/>
+                <a:latin typeface="Times New Roman" panose="02020603050405020304" pitchFamily="18" charset="0"/>
+                <a:ea typeface="Calibri" panose="020F0502020204030204" pitchFamily="34" charset="0"/>
+                <a:cs typeface="Times New Roman" panose="02020603050405020304" pitchFamily="18" charset="0"/>
+              </a:rPr>
+              <a:t> raises ethical questions, such as the responsible use of artificial intelligence </a:t>
+            </a:r>
+            <a:r>
+              <a:rPr lang="en-US" sz="1800" dirty="0">
+                <a:solidFill>
+                  <a:srgbClr val="C00000"/>
+                </a:solidFill>
+                <a:effectLst/>
+                <a:latin typeface="Times New Roman" panose="02020603050405020304" pitchFamily="18" charset="0"/>
+                <a:ea typeface="Calibri" panose="020F0502020204030204" pitchFamily="34" charset="0"/>
+                <a:cs typeface="Times New Roman" panose="02020603050405020304" pitchFamily="18" charset="0"/>
+              </a:rPr>
+              <a:t>(AI), </a:t>
+            </a:r>
+            <a:r>
+              <a:rPr lang="en-US" sz="1800" dirty="0">
+                <a:effectLst/>
+                <a:latin typeface="Times New Roman" panose="02020603050405020304" pitchFamily="18" charset="0"/>
+                <a:ea typeface="Calibri" panose="020F0502020204030204" pitchFamily="34" charset="0"/>
+                <a:cs typeface="Times New Roman" panose="02020603050405020304" pitchFamily="18" charset="0"/>
+              </a:rPr>
+              <a:t>automation's impact on employment, and the ethical implications of data collection and analysis. Moreover, not everyone has equal access to </a:t>
+            </a:r>
+            <a:r>
+              <a:rPr lang="en-US" sz="1800" dirty="0">
+                <a:solidFill>
+                  <a:srgbClr val="C00000"/>
+                </a:solidFill>
+                <a:effectLst/>
+                <a:latin typeface="Times New Roman" panose="02020603050405020304" pitchFamily="18" charset="0"/>
+                <a:ea typeface="Calibri" panose="020F0502020204030204" pitchFamily="34" charset="0"/>
+                <a:cs typeface="Times New Roman" panose="02020603050405020304" pitchFamily="18" charset="0"/>
+              </a:rPr>
+              <a:t>ICT,</a:t>
+            </a:r>
+            <a:r>
+              <a:rPr lang="en-US" sz="1800" dirty="0">
+                <a:effectLst/>
+                <a:latin typeface="Times New Roman" panose="02020603050405020304" pitchFamily="18" charset="0"/>
+                <a:ea typeface="Calibri" panose="020F0502020204030204" pitchFamily="34" charset="0"/>
+                <a:cs typeface="Times New Roman" panose="02020603050405020304" pitchFamily="18" charset="0"/>
+              </a:rPr>
+              <a:t> disparities in access to technology, internet connectivity, and digital literacy can widen social and economic gaps</a:t>
             </a:r>
             <a:r>
               <a:rPr lang="en-US" sz="1800" dirty="0">
@@ -13356,8 +13810,8 @@
         </p:nvSpPr>
         <p:spPr bwMode="auto">
           <a:xfrm>
-            <a:off x="198305" y="1002306"/>
-            <a:ext cx="7590620" cy="3354765"/>
+            <a:off x="807905" y="828288"/>
+            <a:ext cx="7590620" cy="5201424"/>
           </a:xfrm>
           <a:prstGeom prst="rect">
             <a:avLst/>
@@ -13583,7 +14037,9 @@
                   <a:noFill/>
                 </a:ln>
                 <a:solidFill>
-                  <a:schemeClr val="accent2"/>
+                  <a:schemeClr val="accent1">
+                    <a:lumMod val="75000"/>
+                  </a:schemeClr>
                 </a:solidFill>
                 <a:effectLst/>
                 <a:latin typeface="Times New Roman" panose="02020603050405020304" pitchFamily="18" charset="0"/>
@@ -13627,7 +14083,7 @@
           <a:p>
             <a:pPr marL="457200" marR="0" lvl="0" indent="-457200" algn="l" defTabSz="914400" rtl="0" eaLnBrk="0" fontAlgn="base" latinLnBrk="0" hangingPunct="0">
               <a:lnSpc>
-                <a:spcPct val="100000"/>
+                <a:spcPct val="200000"/>
               </a:lnSpc>
               <a:spcBef>
                 <a:spcPct val="0"/>
@@ -13654,7 +14110,7 @@
           <a:p>
             <a:pPr marL="342900" marR="0" lvl="0" indent="-342900" algn="l" defTabSz="914400" rtl="0" eaLnBrk="0" fontAlgn="base" latinLnBrk="0" hangingPunct="0">
               <a:lnSpc>
-                <a:spcPct val="100000"/>
+                <a:spcPct val="200000"/>
               </a:lnSpc>
               <a:spcBef>
                 <a:spcPct val="0"/>
@@ -13685,7 +14141,7 @@
           <a:p>
             <a:pPr marL="342900" marR="0" lvl="0" indent="-342900" algn="l" defTabSz="914400" rtl="0" eaLnBrk="0" fontAlgn="base" latinLnBrk="0" hangingPunct="0">
               <a:lnSpc>
-                <a:spcPct val="100000"/>
+                <a:spcPct val="200000"/>
               </a:lnSpc>
               <a:spcBef>
                 <a:spcPct val="0"/>
@@ -13712,7 +14168,7 @@
           <a:p>
             <a:pPr marL="342900" marR="0" lvl="0" indent="-342900" algn="l" defTabSz="914400" rtl="0" eaLnBrk="0" fontAlgn="base" latinLnBrk="0" hangingPunct="0">
               <a:lnSpc>
-                <a:spcPct val="100000"/>
+                <a:spcPct val="200000"/>
               </a:lnSpc>
               <a:spcBef>
                 <a:spcPct val="0"/>
@@ -13754,7 +14210,7 @@
           <a:p>
             <a:pPr marL="342900" marR="0" lvl="0" indent="-342900" algn="l" defTabSz="914400" rtl="0" eaLnBrk="0" fontAlgn="base" latinLnBrk="0" hangingPunct="0">
               <a:lnSpc>
-                <a:spcPct val="100000"/>
+                <a:spcPct val="200000"/>
               </a:lnSpc>
               <a:spcBef>
                 <a:spcPct val="0"/>
@@ -13788,7 +14244,7 @@
           <a:p>
             <a:pPr marL="342900" marR="0" lvl="0" indent="-342900" algn="l" defTabSz="914400" rtl="0" eaLnBrk="0" fontAlgn="base" latinLnBrk="0" hangingPunct="0">
               <a:lnSpc>
-                <a:spcPct val="100000"/>
+                <a:spcPct val="200000"/>
               </a:lnSpc>
               <a:spcBef>
                 <a:spcPct val="0"/>
@@ -13896,6 +14352,53 @@
           </a:p>
         </p:txBody>
       </p:sp>
+      <p:pic>
+        <p:nvPicPr>
+          <p:cNvPr id="9218" name="Picture 2" descr="doc, document, list, paper, todo, checklist, tasks ">
+            <a:extLst>
+              <a:ext uri="{FF2B5EF4-FFF2-40B4-BE49-F238E27FC236}">
+                <a16:creationId xmlns:a16="http://schemas.microsoft.com/office/drawing/2014/main" id="{8981E45E-A9EC-7F76-052C-71F30538C155}"/>
+              </a:ext>
+            </a:extLst>
+          </p:cNvPr>
+          <p:cNvPicPr>
+            <a:picLocks noChangeAspect="1" noChangeArrowheads="1"/>
+          </p:cNvPicPr>
+          <p:nvPr/>
+        </p:nvPicPr>
+        <p:blipFill>
+          <a:blip r:embed="rId2">
+            <a:extLst>
+              <a:ext uri="{28A0092B-C50C-407E-A947-70E740481C1C}">
+                <a14:useLocalDpi xmlns:a14="http://schemas.microsoft.com/office/drawing/2010/main" val="0"/>
+              </a:ext>
+            </a:extLst>
+          </a:blip>
+          <a:srcRect/>
+          <a:stretch>
+            <a:fillRect/>
+          </a:stretch>
+        </p:blipFill>
+        <p:spPr bwMode="auto">
+          <a:xfrm>
+            <a:off x="6964495" y="1813560"/>
+            <a:ext cx="3657600" cy="3657600"/>
+          </a:xfrm>
+          <a:prstGeom prst="rect">
+            <a:avLst/>
+          </a:prstGeom>
+          <a:noFill/>
+          <a:extLst>
+            <a:ext uri="{909E8E84-426E-40DD-AFC4-6F175D3DCCD1}">
+              <a14:hiddenFill xmlns:a14="http://schemas.microsoft.com/office/drawing/2010/main">
+                <a:solidFill>
+                  <a:srgbClr val="FFFFFF"/>
+                </a:solidFill>
+              </a14:hiddenFill>
+            </a:ext>
+          </a:extLst>
+        </p:spPr>
+      </p:pic>
     </p:spTree>
     <p:extLst>
       <p:ext uri="{BB962C8B-B14F-4D97-AF65-F5344CB8AC3E}">
@@ -14569,6 +15072,130 @@
 </p:sld>
 </file>
 
+<file path=ppt/slides/slide20.xml><?xml version="1.0" encoding="utf-8"?>
+<p:sld xmlns:a="http://schemas.openxmlformats.org/drawingml/2006/main" xmlns:r="http://schemas.openxmlformats.org/officeDocument/2006/relationships" xmlns:p="http://schemas.openxmlformats.org/presentationml/2006/main">
+  <p:cSld>
+    <p:spTree>
+      <p:nvGrpSpPr>
+        <p:cNvPr id="1" name=""/>
+        <p:cNvGrpSpPr/>
+        <p:nvPr/>
+      </p:nvGrpSpPr>
+      <p:grpSpPr>
+        <a:xfrm>
+          <a:off x="0" y="0"/>
+          <a:ext cx="0" cy="0"/>
+          <a:chOff x="0" y="0"/>
+          <a:chExt cx="0" cy="0"/>
+        </a:xfrm>
+      </p:grpSpPr>
+      <p:pic>
+        <p:nvPicPr>
+          <p:cNvPr id="7174" name="Picture 6" descr="movie, movie theater, movies, screen, the end, theater, theatre ">
+            <a:extLst>
+              <a:ext uri="{FF2B5EF4-FFF2-40B4-BE49-F238E27FC236}">
+                <a16:creationId xmlns:a16="http://schemas.microsoft.com/office/drawing/2014/main" id="{8700CBF7-C2EB-4A2B-0E9E-321B31B73E5E}"/>
+              </a:ext>
+            </a:extLst>
+          </p:cNvPr>
+          <p:cNvPicPr>
+            <a:picLocks noChangeAspect="1" noChangeArrowheads="1"/>
+          </p:cNvPicPr>
+          <p:nvPr/>
+        </p:nvPicPr>
+        <p:blipFill>
+          <a:blip r:embed="rId2">
+            <a:extLst>
+              <a:ext uri="{28A0092B-C50C-407E-A947-70E740481C1C}">
+                <a14:useLocalDpi xmlns:a14="http://schemas.microsoft.com/office/drawing/2010/main" val="0"/>
+              </a:ext>
+            </a:extLst>
+          </a:blip>
+          <a:srcRect/>
+          <a:stretch>
+            <a:fillRect/>
+          </a:stretch>
+        </p:blipFill>
+        <p:spPr bwMode="auto">
+          <a:xfrm>
+            <a:off x="441960" y="-335280"/>
+            <a:ext cx="5425440" cy="5425440"/>
+          </a:xfrm>
+          <a:prstGeom prst="rect">
+            <a:avLst/>
+          </a:prstGeom>
+          <a:noFill/>
+          <a:extLst>
+            <a:ext uri="{909E8E84-426E-40DD-AFC4-6F175D3DCCD1}">
+              <a14:hiddenFill xmlns:a14="http://schemas.microsoft.com/office/drawing/2010/main">
+                <a:solidFill>
+                  <a:srgbClr val="FFFFFF"/>
+                </a:solidFill>
+              </a14:hiddenFill>
+            </a:ext>
+          </a:extLst>
+        </p:spPr>
+      </p:pic>
+      <p:pic>
+        <p:nvPicPr>
+          <p:cNvPr id="7178" name="Picture 10" descr="letter, saying, thank, thank you, thanks, thanksgiving ">
+            <a:extLst>
+              <a:ext uri="{FF2B5EF4-FFF2-40B4-BE49-F238E27FC236}">
+                <a16:creationId xmlns:a16="http://schemas.microsoft.com/office/drawing/2014/main" id="{EEADC155-B0DC-11DD-4127-6F21EC377085}"/>
+              </a:ext>
+            </a:extLst>
+          </p:cNvPr>
+          <p:cNvPicPr>
+            <a:picLocks noChangeAspect="1" noChangeArrowheads="1"/>
+          </p:cNvPicPr>
+          <p:nvPr/>
+        </p:nvPicPr>
+        <p:blipFill>
+          <a:blip r:embed="rId3">
+            <a:extLst>
+              <a:ext uri="{28A0092B-C50C-407E-A947-70E740481C1C}">
+                <a14:useLocalDpi xmlns:a14="http://schemas.microsoft.com/office/drawing/2010/main" val="0"/>
+              </a:ext>
+            </a:extLst>
+          </a:blip>
+          <a:srcRect/>
+          <a:stretch>
+            <a:fillRect/>
+          </a:stretch>
+        </p:blipFill>
+        <p:spPr bwMode="auto">
+          <a:xfrm>
+            <a:off x="6614160" y="3840480"/>
+            <a:ext cx="2209802" cy="1996440"/>
+          </a:xfrm>
+          <a:prstGeom prst="rect">
+            <a:avLst/>
+          </a:prstGeom>
+          <a:noFill/>
+          <a:extLst>
+            <a:ext uri="{909E8E84-426E-40DD-AFC4-6F175D3DCCD1}">
+              <a14:hiddenFill xmlns:a14="http://schemas.microsoft.com/office/drawing/2010/main">
+                <a:solidFill>
+                  <a:srgbClr val="FFFFFF"/>
+                </a:solidFill>
+              </a14:hiddenFill>
+            </a:ext>
+          </a:extLst>
+        </p:spPr>
+      </p:pic>
+    </p:spTree>
+    <p:extLst>
+      <p:ext uri="{BB962C8B-B14F-4D97-AF65-F5344CB8AC3E}">
+        <p14:creationId xmlns:p14="http://schemas.microsoft.com/office/powerpoint/2010/main" val="274861111"/>
+      </p:ext>
+    </p:extLst>
+  </p:cSld>
+  <p:clrMapOvr>
+    <a:masterClrMapping/>
+  </p:clrMapOvr>
+</p:sld>
+</file>
+
 <file path=ppt/slides/slide3.xml><?xml version="1.0" encoding="utf-8"?>
 <p:sld xmlns:a="http://schemas.openxmlformats.org/drawingml/2006/main" xmlns:r="http://schemas.openxmlformats.org/officeDocument/2006/relationships" xmlns:p="http://schemas.openxmlformats.org/presentationml/2006/main">
   <p:cSld>
@@ -14632,7 +15259,7 @@
         </p:nvSpPr>
         <p:spPr>
           <a:xfrm>
-            <a:off x="638978" y="738129"/>
+            <a:off x="669458" y="476479"/>
             <a:ext cx="8339769" cy="5905041"/>
           </a:xfrm>
           <a:prstGeom prst="rect">
@@ -14647,11 +15274,9 @@
           <a:lstStyle/>
           <a:p>
             <a:r>
-              <a:rPr lang="fr-FR" sz="2400" b="1" dirty="0">
-                <a:solidFill>
-                  <a:schemeClr val="accent2">
-                    <a:lumMod val="75000"/>
-                  </a:schemeClr>
+              <a:rPr lang="fr-FR" sz="2800" b="1" dirty="0">
+                <a:solidFill>
+                  <a:srgbClr val="FFC000"/>
                 </a:solidFill>
                 <a:latin typeface="Times New Roman" panose="02020603050405020304" pitchFamily="18" charset="0"/>
                 <a:cs typeface="Times New Roman" panose="02020603050405020304" pitchFamily="18" charset="0"/>
@@ -14682,19 +15307,7 @@
                 <a:ea typeface="Calibri" panose="020F0502020204030204" pitchFamily="34" charset="0"/>
                 <a:cs typeface="Times New Roman" panose="02020603050405020304" pitchFamily="18" charset="0"/>
               </a:rPr>
-              <a:t>Information and Communication Technologies (ICT) represent a broad category encompassing a range of technologies designed to facilitate the acquisition, storage, processing, and dissemination of information. </a:t>
-            </a:r>
-            <a:r>
-              <a:rPr lang="en-US" sz="1800" dirty="0">
-                <a:solidFill>
-                  <a:srgbClr val="000000"/>
-                </a:solidFill>
-                <a:effectLst/>
-                <a:latin typeface="Times New Roman" panose="02020603050405020304" pitchFamily="18" charset="0"/>
-                <a:ea typeface="Calibri" panose="020F0502020204030204" pitchFamily="34" charset="0"/>
-                <a:cs typeface="Times New Roman" panose="02020603050405020304" pitchFamily="18" charset="0"/>
-              </a:rPr>
-              <a:t>It includes computing technologies like servers, laptop computers and software applications, as well as the wired and wireless communication technologies that support telephones and the Internet.</a:t>
+              <a:t>Information and Communication Technologies (ICT) represent a broad category encompassing a range of technologies designed to facilitate the acquisition, storage, processing, and dissemination of information. It includes computing technologies like servers, laptop computers and software applications, as well as the wired and wireless communication technologies that support telephones and the Internet.</a:t>
             </a:r>
             <a:endParaRPr lang="fr-FR" sz="1800" dirty="0">
               <a:effectLst/>
@@ -14714,9 +15327,6 @@
             </a:pPr>
             <a:r>
               <a:rPr lang="en-US" sz="1800" dirty="0">
-                <a:solidFill>
-                  <a:srgbClr val="000000"/>
-                </a:solidFill>
                 <a:effectLst/>
                 <a:latin typeface="Times New Roman" panose="02020603050405020304" pitchFamily="18" charset="0"/>
                 <a:ea typeface="Calibri" panose="020F0502020204030204" pitchFamily="34" charset="0"/>
@@ -14726,9 +15336,6 @@
             </a:r>
             <a:r>
               <a:rPr lang="en-US" sz="1800" i="1" dirty="0">
-                <a:solidFill>
-                  <a:srgbClr val="000000"/>
-                </a:solidFill>
                 <a:effectLst/>
                 <a:latin typeface="Times New Roman" panose="02020603050405020304" pitchFamily="18" charset="0"/>
                 <a:ea typeface="Calibri" panose="020F0502020204030204" pitchFamily="34" charset="0"/>
@@ -14738,15 +15345,33 @@
             </a:r>
             <a:r>
               <a:rPr lang="en-US" sz="1800" dirty="0">
-                <a:solidFill>
-                  <a:srgbClr val="000000"/>
-                </a:solidFill>
                 <a:effectLst/>
                 <a:latin typeface="Times New Roman" panose="02020603050405020304" pitchFamily="18" charset="0"/>
                 <a:ea typeface="Calibri" panose="020F0502020204030204" pitchFamily="34" charset="0"/>
                 <a:cs typeface="Times New Roman" panose="02020603050405020304" pitchFamily="18" charset="0"/>
               </a:rPr>
-              <a:t> (IT), but the two terms can have slightly different meanings when used in different contexts. In some industries, IT only applies to </a:t>
+              <a:t> (IT), but the two terms can have slightly different meanings when used in different contexts. In some industries</a:t>
+            </a:r>
+            <a:r>
+              <a:rPr lang="en-US" sz="1800" dirty="0">
+                <a:solidFill>
+                  <a:srgbClr val="000000"/>
+                </a:solidFill>
+                <a:effectLst/>
+                <a:latin typeface="Times New Roman" panose="02020603050405020304" pitchFamily="18" charset="0"/>
+                <a:ea typeface="Calibri" panose="020F0502020204030204" pitchFamily="34" charset="0"/>
+                <a:cs typeface="Times New Roman" panose="02020603050405020304" pitchFamily="18" charset="0"/>
+              </a:rPr>
+              <a:t>, </a:t>
+            </a:r>
+            <a:r>
+              <a:rPr lang="en-US" sz="1800" dirty="0">
+                <a:effectLst/>
+                <a:latin typeface="Times New Roman" panose="02020603050405020304" pitchFamily="18" charset="0"/>
+                <a:ea typeface="Calibri" panose="020F0502020204030204" pitchFamily="34" charset="0"/>
+                <a:cs typeface="Times New Roman" panose="02020603050405020304" pitchFamily="18" charset="0"/>
+              </a:rPr>
+              <a:t>IT only applies to </a:t>
             </a:r>
             <a:r>
               <a:rPr lang="en-US" sz="1800" u="sng" dirty="0">
@@ -14771,9 +15396,6 @@
             </a:r>
             <a:r>
               <a:rPr lang="en-US" sz="1800" dirty="0">
-                <a:solidFill>
-                  <a:srgbClr val="000000"/>
-                </a:solidFill>
                 <a:effectLst/>
                 <a:latin typeface="Times New Roman" panose="02020603050405020304" pitchFamily="18" charset="0"/>
                 <a:ea typeface="Calibri" panose="020F0502020204030204" pitchFamily="34" charset="0"/>
@@ -14797,19 +15419,7 @@
                 <a:ea typeface="Calibri" panose="020F0502020204030204" pitchFamily="34" charset="0"/>
                 <a:cs typeface="Times New Roman" panose="02020603050405020304" pitchFamily="18" charset="0"/>
               </a:rPr>
-              <a:t>Therefore,</a:t>
-            </a:r>
-            <a:r>
-              <a:rPr lang="en-US" sz="1800" dirty="0">
-                <a:solidFill>
-                  <a:srgbClr val="000000"/>
-                </a:solidFill>
-                <a:effectLst/>
-                <a:latin typeface="Times New Roman" panose="02020603050405020304" pitchFamily="18" charset="0"/>
-                <a:ea typeface="Calibri" panose="020F0502020204030204" pitchFamily="34" charset="0"/>
-                <a:cs typeface="Times New Roman" panose="02020603050405020304" pitchFamily="18" charset="0"/>
-              </a:rPr>
-              <a:t> IT is often considered to be a subset of ICT that deals with the technical aspects of managing information, while ICT is a broader term that encompasses both IT and communication technologies.</a:t>
+              <a:t>Therefore, IT is often considered to be a subset of ICT that deals with the technical aspects of managing information, while ICT is a broader term that encompasses both IT and communication technologies.</a:t>
             </a:r>
             <a:r>
               <a:rPr lang="en-US" sz="1800" b="1" dirty="0">
@@ -14928,9 +15538,7 @@
                   <a:noFill/>
                 </a:ln>
                 <a:solidFill>
-                  <a:schemeClr val="accent2">
-                    <a:lumMod val="75000"/>
-                  </a:schemeClr>
+                  <a:srgbClr val="FFC000"/>
                 </a:solidFill>
                 <a:effectLst/>
                 <a:latin typeface="Times New Roman" panose="02020603050405020304" pitchFamily="18" charset="0"/>
@@ -14940,9 +15548,7 @@
             </a:r>
             <a:endParaRPr lang="en-US" sz="2400" b="1" spc="-5" dirty="0">
               <a:solidFill>
-                <a:schemeClr val="accent2">
-                  <a:lumMod val="75000"/>
-                </a:schemeClr>
+                <a:srgbClr val="FFC000"/>
               </a:solidFill>
               <a:latin typeface="Times New Roman" panose="02020603050405020304" pitchFamily="18" charset="0"/>
               <a:ea typeface="Calibri" panose="020F0502020204030204" pitchFamily="34" charset="0"/>
@@ -14960,9 +15566,6 @@
             </a:pPr>
             <a:r>
               <a:rPr lang="en-US" sz="1800" spc="-5" dirty="0">
-                <a:solidFill>
-                  <a:srgbClr val="000000"/>
-                </a:solidFill>
                 <a:effectLst/>
                 <a:latin typeface="Times New Roman" panose="02020603050405020304" pitchFamily="18" charset="0"/>
                 <a:ea typeface="Calibri" panose="020F0502020204030204" pitchFamily="34" charset="0"/>
@@ -15017,9 +15620,6 @@
             </a:pPr>
             <a:r>
               <a:rPr lang="en-US" sz="1800" spc="-5" dirty="0">
-                <a:solidFill>
-                  <a:srgbClr val="000000"/>
-                </a:solidFill>
                 <a:effectLst/>
                 <a:latin typeface="Times New Roman" panose="02020603050405020304" pitchFamily="18" charset="0"/>
                 <a:ea typeface="Calibri" panose="020F0502020204030204" pitchFamily="34" charset="0"/>
@@ -15029,7 +15629,7 @@
             <a:r>
               <a:rPr lang="en-US" sz="1800" spc="-5" dirty="0">
                 <a:solidFill>
-                  <a:srgbClr val="000000"/>
+                  <a:srgbClr val="C00000"/>
                 </a:solidFill>
                 <a:effectLst/>
                 <a:highlight>
@@ -15043,13 +15643,21 @@
             <a:r>
               <a:rPr lang="en-US" sz="1800" spc="-5" dirty="0">
                 <a:solidFill>
-                  <a:srgbClr val="000000"/>
+                  <a:srgbClr val="C00000"/>
                 </a:solidFill>
                 <a:effectLst/>
                 <a:latin typeface="Times New Roman" panose="02020603050405020304" pitchFamily="18" charset="0"/>
                 <a:ea typeface="Calibri" panose="020F0502020204030204" pitchFamily="34" charset="0"/>
               </a:rPr>
-              <a:t>, which revolutionized communication by allowing messages to be transmitted across long distances in a matter of minutes. Later, the invention of the telephone in the late 19th century enabled people to communicate in real-time, allowing for faster and more efficient communication.</a:t>
+              <a:t>,</a:t>
+            </a:r>
+            <a:r>
+              <a:rPr lang="en-US" sz="1800" spc="-5" dirty="0">
+                <a:effectLst/>
+                <a:latin typeface="Times New Roman" panose="02020603050405020304" pitchFamily="18" charset="0"/>
+                <a:ea typeface="Calibri" panose="020F0502020204030204" pitchFamily="34" charset="0"/>
+              </a:rPr>
+              <a:t> which revolutionized communication by allowing messages to be transmitted across long distances in a matter of minutes. Later, the invention of the telephone in the late 19th century enabled people to communicate in real-time, allowing for faster and more efficient communication.</a:t>
             </a:r>
             <a:endParaRPr lang="fr-FR" sz="1800" dirty="0">
               <a:effectLst/>
@@ -15191,9 +15799,6 @@
           <a:p>
             <a:r>
               <a:rPr lang="en-US" sz="1800" spc="-5" dirty="0">
-                <a:solidFill>
-                  <a:srgbClr val="000000"/>
-                </a:solidFill>
                 <a:effectLst/>
                 <a:latin typeface="Times New Roman" panose="02020603050405020304" pitchFamily="18" charset="0"/>
                 <a:ea typeface="Calibri" panose="020F0502020204030204" pitchFamily="34" charset="0"/>
@@ -15203,7 +15808,7 @@
             <a:r>
               <a:rPr lang="en-US" sz="1800" spc="-5" dirty="0">
                 <a:solidFill>
-                  <a:srgbClr val="000000"/>
+                  <a:srgbClr val="C00000"/>
                 </a:solidFill>
                 <a:effectLst/>
                 <a:highlight>
@@ -15216,9 +15821,6 @@
             </a:r>
             <a:r>
               <a:rPr lang="en-US" sz="1800" spc="-5" dirty="0">
-                <a:solidFill>
-                  <a:srgbClr val="000000"/>
-                </a:solidFill>
                 <a:effectLst/>
                 <a:latin typeface="Times New Roman" panose="02020603050405020304" pitchFamily="18" charset="0"/>
                 <a:ea typeface="Calibri" panose="020F0502020204030204" pitchFamily="34" charset="0"/>
@@ -15754,9 +16356,6 @@
           <a:p>
             <a:r>
               <a:rPr lang="en-US" sz="1800" dirty="0">
-                <a:solidFill>
-                  <a:srgbClr val="000000"/>
-                </a:solidFill>
                 <a:effectLst/>
                 <a:latin typeface="Times New Roman" panose="02020603050405020304" pitchFamily="18" charset="0"/>
                 <a:ea typeface="Calibri" panose="020F0502020204030204" pitchFamily="34" charset="0"/>
@@ -15821,9 +16420,6 @@
             </a:pPr>
             <a:r>
               <a:rPr lang="en-US" sz="1800" dirty="0">
-                <a:solidFill>
-                  <a:srgbClr val="000000"/>
-                </a:solidFill>
                 <a:effectLst/>
                 <a:latin typeface="Times New Roman" panose="02020603050405020304" pitchFamily="18" charset="0"/>
                 <a:ea typeface="Calibri" panose="020F0502020204030204" pitchFamily="34" charset="0"/>
@@ -15961,9 +16557,6 @@
             </a:pPr>
             <a:r>
               <a:rPr lang="en-US" sz="1800" dirty="0">
-                <a:solidFill>
-                  <a:srgbClr val="000000"/>
-                </a:solidFill>
                 <a:effectLst/>
                 <a:latin typeface="Times New Roman" panose="02020603050405020304" pitchFamily="18" charset="0"/>
                 <a:ea typeface="Calibri" panose="020F0502020204030204" pitchFamily="34" charset="0"/>
@@ -15973,9 +16566,6 @@
             </a:r>
             <a:r>
               <a:rPr lang="en-US" sz="1800" i="1" dirty="0">
-                <a:solidFill>
-                  <a:srgbClr val="000000"/>
-                </a:solidFill>
                 <a:effectLst/>
                 <a:latin typeface="Times New Roman" panose="02020603050405020304" pitchFamily="18" charset="0"/>
                 <a:ea typeface="Calibri" panose="020F0502020204030204" pitchFamily="34" charset="0"/>
@@ -15985,9 +16575,6 @@
             </a:r>
             <a:r>
               <a:rPr lang="en-US" sz="1800" dirty="0">
-                <a:solidFill>
-                  <a:srgbClr val="000000"/>
-                </a:solidFill>
                 <a:effectLst/>
                 <a:latin typeface="Times New Roman" panose="02020603050405020304" pitchFamily="18" charset="0"/>
                 <a:ea typeface="Calibri" panose="020F0502020204030204" pitchFamily="34" charset="0"/>
@@ -15997,9 +16584,6 @@
             </a:r>
             <a:r>
               <a:rPr lang="en-US" sz="1800" b="1" dirty="0">
-                <a:solidFill>
-                  <a:srgbClr val="000000"/>
-                </a:solidFill>
                 <a:effectLst/>
                 <a:latin typeface="Times New Roman" panose="02020603050405020304" pitchFamily="18" charset="0"/>
                 <a:ea typeface="Calibri" panose="020F0502020204030204" pitchFamily="34" charset="0"/>
@@ -16198,6 +16782,100 @@
           </a:p>
         </p:txBody>
       </p:sp>
+      <p:pic>
+        <p:nvPicPr>
+          <p:cNvPr id="2050" name="Picture 2" descr="ai, artificial intelligence, automaton, brain, electronics, robotics, technology ">
+            <a:extLst>
+              <a:ext uri="{FF2B5EF4-FFF2-40B4-BE49-F238E27FC236}">
+                <a16:creationId xmlns:a16="http://schemas.microsoft.com/office/drawing/2014/main" id="{14DA07E4-562A-B1D6-7AFD-B4A59A61B68E}"/>
+              </a:ext>
+            </a:extLst>
+          </p:cNvPr>
+          <p:cNvPicPr>
+            <a:picLocks noChangeAspect="1" noChangeArrowheads="1"/>
+          </p:cNvPicPr>
+          <p:nvPr/>
+        </p:nvPicPr>
+        <p:blipFill>
+          <a:blip r:embed="rId4">
+            <a:extLst>
+              <a:ext uri="{28A0092B-C50C-407E-A947-70E740481C1C}">
+                <a14:useLocalDpi xmlns:a14="http://schemas.microsoft.com/office/drawing/2010/main" val="0"/>
+              </a:ext>
+            </a:extLst>
+          </a:blip>
+          <a:srcRect/>
+          <a:stretch>
+            <a:fillRect/>
+          </a:stretch>
+        </p:blipFill>
+        <p:spPr bwMode="auto">
+          <a:xfrm>
+            <a:off x="10012680" y="607296"/>
+            <a:ext cx="1645920" cy="1572024"/>
+          </a:xfrm>
+          <a:prstGeom prst="rect">
+            <a:avLst/>
+          </a:prstGeom>
+          <a:noFill/>
+          <a:extLst>
+            <a:ext uri="{909E8E84-426E-40DD-AFC4-6F175D3DCCD1}">
+              <a14:hiddenFill xmlns:a14="http://schemas.microsoft.com/office/drawing/2010/main">
+                <a:solidFill>
+                  <a:srgbClr val="FFFFFF"/>
+                </a:solidFill>
+              </a14:hiddenFill>
+            </a:ext>
+          </a:extLst>
+        </p:spPr>
+      </p:pic>
+      <p:pic>
+        <p:nvPicPr>
+          <p:cNvPr id="2052" name="Picture 4" descr="ai, artificial intelligence, automaton, brain, electronics, robotics, technology ">
+            <a:extLst>
+              <a:ext uri="{FF2B5EF4-FFF2-40B4-BE49-F238E27FC236}">
+                <a16:creationId xmlns:a16="http://schemas.microsoft.com/office/drawing/2014/main" id="{9318C93A-E516-1B2F-BCB1-FDC015F199D1}"/>
+              </a:ext>
+            </a:extLst>
+          </p:cNvPr>
+          <p:cNvPicPr>
+            <a:picLocks noChangeAspect="1" noChangeArrowheads="1"/>
+          </p:cNvPicPr>
+          <p:nvPr/>
+        </p:nvPicPr>
+        <p:blipFill>
+          <a:blip r:embed="rId5">
+            <a:extLst>
+              <a:ext uri="{28A0092B-C50C-407E-A947-70E740481C1C}">
+                <a14:useLocalDpi xmlns:a14="http://schemas.microsoft.com/office/drawing/2010/main" val="0"/>
+              </a:ext>
+            </a:extLst>
+          </a:blip>
+          <a:srcRect/>
+          <a:stretch>
+            <a:fillRect/>
+          </a:stretch>
+        </p:blipFill>
+        <p:spPr bwMode="auto">
+          <a:xfrm>
+            <a:off x="10570002" y="5447465"/>
+            <a:ext cx="1214374" cy="1214374"/>
+          </a:xfrm>
+          <a:prstGeom prst="rect">
+            <a:avLst/>
+          </a:prstGeom>
+          <a:noFill/>
+          <a:extLst>
+            <a:ext uri="{909E8E84-426E-40DD-AFC4-6F175D3DCCD1}">
+              <a14:hiddenFill xmlns:a14="http://schemas.microsoft.com/office/drawing/2010/main">
+                <a:solidFill>
+                  <a:srgbClr val="FFFFFF"/>
+                </a:solidFill>
+              </a14:hiddenFill>
+            </a:ext>
+          </a:extLst>
+        </p:spPr>
+      </p:pic>
     </p:spTree>
     <p:extLst>
       <p:ext uri="{BB962C8B-B14F-4D97-AF65-F5344CB8AC3E}">
@@ -16491,9 +17169,7 @@
             <a:r>
               <a:rPr lang="en-US" sz="2400" b="1" kern="0" dirty="0">
                 <a:solidFill>
-                  <a:schemeClr val="accent3">
-                    <a:lumMod val="75000"/>
-                  </a:schemeClr>
+                  <a:srgbClr val="FFC000"/>
                 </a:solidFill>
                 <a:effectLst/>
                 <a:latin typeface="Times New Roman" panose="02020603050405020304" pitchFamily="18" charset="0"/>
@@ -16504,9 +17180,7 @@
             </a:r>
             <a:endParaRPr lang="fr-FR" sz="2400" b="1" dirty="0">
               <a:solidFill>
-                <a:schemeClr val="accent3">
-                  <a:lumMod val="75000"/>
-                </a:schemeClr>
+                <a:srgbClr val="FFC000"/>
               </a:solidFill>
               <a:effectLst/>
               <a:latin typeface="Calibri" panose="020F0502020204030204" pitchFamily="34" charset="0"/>
@@ -16793,6 +17467,53 @@
           </a:p>
         </p:txBody>
       </p:sp>
+      <p:pic>
+        <p:nvPicPr>
+          <p:cNvPr id="3076" name="Picture 4" descr="course, degree, laptop, learning, online, study ">
+            <a:extLst>
+              <a:ext uri="{FF2B5EF4-FFF2-40B4-BE49-F238E27FC236}">
+                <a16:creationId xmlns:a16="http://schemas.microsoft.com/office/drawing/2014/main" id="{ED88606E-C50C-3EF1-53ED-3AD0050305B6}"/>
+              </a:ext>
+            </a:extLst>
+          </p:cNvPr>
+          <p:cNvPicPr>
+            <a:picLocks noChangeAspect="1" noChangeArrowheads="1"/>
+          </p:cNvPicPr>
+          <p:nvPr/>
+        </p:nvPicPr>
+        <p:blipFill>
+          <a:blip r:embed="rId2">
+            <a:extLst>
+              <a:ext uri="{28A0092B-C50C-407E-A947-70E740481C1C}">
+                <a14:useLocalDpi xmlns:a14="http://schemas.microsoft.com/office/drawing/2010/main" val="0"/>
+              </a:ext>
+            </a:extLst>
+          </a:blip>
+          <a:srcRect/>
+          <a:stretch>
+            <a:fillRect/>
+          </a:stretch>
+        </p:blipFill>
+        <p:spPr bwMode="auto">
+          <a:xfrm>
+            <a:off x="9964783" y="1877095"/>
+            <a:ext cx="2227217" cy="2227217"/>
+          </a:xfrm>
+          <a:prstGeom prst="rect">
+            <a:avLst/>
+          </a:prstGeom>
+          <a:noFill/>
+          <a:extLst>
+            <a:ext uri="{909E8E84-426E-40DD-AFC4-6F175D3DCCD1}">
+              <a14:hiddenFill xmlns:a14="http://schemas.microsoft.com/office/drawing/2010/main">
+                <a:solidFill>
+                  <a:srgbClr val="FFFFFF"/>
+                </a:solidFill>
+              </a14:hiddenFill>
+            </a:ext>
+          </a:extLst>
+        </p:spPr>
+      </p:pic>
     </p:spTree>
     <p:extLst>
       <p:ext uri="{BB962C8B-B14F-4D97-AF65-F5344CB8AC3E}">
@@ -17039,7 +17760,7 @@
             <a:r>
               <a:rPr lang="en-US" sz="1800" b="1" i="1" dirty="0">
                 <a:solidFill>
-                  <a:schemeClr val="accent2">
+                  <a:schemeClr val="accent3">
                     <a:lumMod val="75000"/>
                   </a:schemeClr>
                 </a:solidFill>
@@ -17050,7 +17771,7 @@
             </a:r>
             <a:endParaRPr lang="fr-FR" sz="1800" b="1" i="1" dirty="0">
               <a:solidFill>
-                <a:schemeClr val="accent2">
+                <a:schemeClr val="accent3">
                   <a:lumMod val="75000"/>
                 </a:schemeClr>
               </a:solidFill>
@@ -17072,7 +17793,9 @@
             <a:r>
               <a:rPr lang="en-US" b="1" dirty="0">
                 <a:solidFill>
-                  <a:srgbClr val="0070C0"/>
+                  <a:schemeClr val="accent1">
+                    <a:lumMod val="75000"/>
+                  </a:schemeClr>
                 </a:solidFill>
                 <a:effectLst/>
                 <a:latin typeface="Times New Roman" panose="02020603050405020304" pitchFamily="18" charset="0"/>
@@ -17084,7 +17807,9 @@
             <a:r>
               <a:rPr lang="en-US" dirty="0">
                 <a:solidFill>
-                  <a:srgbClr val="0070C0"/>
+                  <a:schemeClr val="accent1">
+                    <a:lumMod val="75000"/>
+                  </a:schemeClr>
                 </a:solidFill>
                 <a:effectLst/>
                 <a:latin typeface="Times New Roman" panose="02020603050405020304" pitchFamily="18" charset="0"/>
@@ -17126,7 +17851,9 @@
             <a:r>
               <a:rPr lang="en-US" b="1" dirty="0">
                 <a:solidFill>
-                  <a:srgbClr val="0070C0"/>
+                  <a:schemeClr val="accent1">
+                    <a:lumMod val="75000"/>
+                  </a:schemeClr>
                 </a:solidFill>
                 <a:effectLst/>
                 <a:latin typeface="Times New Roman" panose="02020603050405020304" pitchFamily="18" charset="0"/>
@@ -17138,7 +17865,9 @@
             <a:r>
               <a:rPr lang="en-US" dirty="0">
                 <a:solidFill>
-                  <a:srgbClr val="0070C0"/>
+                  <a:schemeClr val="accent1">
+                    <a:lumMod val="75000"/>
+                  </a:schemeClr>
                 </a:solidFill>
                 <a:effectLst/>
                 <a:latin typeface="Times New Roman" panose="02020603050405020304" pitchFamily="18" charset="0"/>
@@ -17178,9 +17907,7 @@
             <a:r>
               <a:rPr lang="en-US" sz="2400" b="1" kern="0" dirty="0">
                 <a:solidFill>
-                  <a:schemeClr val="accent3">
-                    <a:lumMod val="75000"/>
-                  </a:schemeClr>
+                  <a:srgbClr val="FFC000"/>
                 </a:solidFill>
                 <a:effectLst/>
                 <a:latin typeface="Times New Roman" panose="02020603050405020304" pitchFamily="18" charset="0"/>
@@ -17191,9 +17918,7 @@
             </a:r>
             <a:endParaRPr lang="en-US" sz="2400" dirty="0">
               <a:solidFill>
-                <a:schemeClr val="accent3">
-                  <a:lumMod val="75000"/>
-                </a:schemeClr>
+                <a:srgbClr val="FFC000"/>
               </a:solidFill>
               <a:effectLst/>
               <a:latin typeface="Times New Roman" panose="02020603050405020304" pitchFamily="18" charset="0"/>
@@ -17212,27 +17937,12 @@
             </a:pPr>
             <a:r>
               <a:rPr lang="en-US" sz="1800" dirty="0">
-                <a:solidFill>
-                  <a:srgbClr val="000000"/>
-                </a:solidFill>
                 <a:effectLst/>
                 <a:latin typeface="Times New Roman" panose="02020603050405020304" pitchFamily="18" charset="0"/>
                 <a:ea typeface="Calibri" panose="020F0502020204030204" pitchFamily="34" charset="0"/>
                 <a:cs typeface="Arial" panose="020B0604020202020204" pitchFamily="34" charset="0"/>
               </a:rPr>
-              <a:t>Now, let's explore specific technologies related to ICT, including Google services, Microsoft tools, Git, and GitHub</a:t>
-            </a:r>
-            <a:r>
-              <a:rPr lang="en-US" sz="1800" dirty="0">
-                <a:solidFill>
-                  <a:srgbClr val="374151"/>
-                </a:solidFill>
-                <a:effectLst/>
-                <a:latin typeface="Times New Roman" panose="02020603050405020304" pitchFamily="18" charset="0"/>
-                <a:ea typeface="Calibri" panose="020F0502020204030204" pitchFamily="34" charset="0"/>
-                <a:cs typeface="Arial" panose="020B0604020202020204" pitchFamily="34" charset="0"/>
-              </a:rPr>
-              <a:t>…</a:t>
+              <a:t>Now, let's explore specific technologies related to ICT, including Google services, Microsoft tools, Git, and GitHub…</a:t>
             </a:r>
             <a:endParaRPr lang="fr-FR" sz="1600" dirty="0">
               <a:effectLst/>
@@ -17260,7 +17970,7 @@
             <a:r>
               <a:rPr lang="en-US" sz="2000" b="1" i="1" dirty="0">
                 <a:solidFill>
-                  <a:schemeClr val="accent2">
+                  <a:schemeClr val="accent3">
                     <a:lumMod val="75000"/>
                   </a:schemeClr>
                 </a:solidFill>
@@ -17271,7 +17981,7 @@
             </a:r>
             <a:endParaRPr lang="fr-FR" sz="2000" b="1" i="1" dirty="0">
               <a:solidFill>
-                <a:schemeClr val="accent2">
+                <a:schemeClr val="accent3">
                   <a:lumMod val="75000"/>
                 </a:schemeClr>
               </a:solidFill>
@@ -17344,7 +18054,7 @@
 <file path=ppt/theme/theme1.xml><?xml version="1.0" encoding="utf-8"?>
 <a:theme xmlns:a="http://schemas.openxmlformats.org/drawingml/2006/main" name="Facette">
   <a:themeElements>
-    <a:clrScheme name="Bleu vert">
+    <a:clrScheme name="Facette">
       <a:dk1>
         <a:sysClr val="windowText" lastClr="000000"/>
       </a:dk1>
@@ -17352,34 +18062,34 @@
         <a:sysClr val="window" lastClr="FFFFFF"/>
       </a:lt1>
       <a:dk2>
-        <a:srgbClr val="373545"/>
+        <a:srgbClr val="2C3C43"/>
       </a:dk2>
       <a:lt2>
-        <a:srgbClr val="CEDBE6"/>
+        <a:srgbClr val="EBEBEB"/>
       </a:lt2>
       <a:accent1>
-        <a:srgbClr val="3494BA"/>
+        <a:srgbClr val="5FCBEF"/>
       </a:accent1>
       <a:accent2>
-        <a:srgbClr val="58B6C0"/>
+        <a:srgbClr val="2E83C3"/>
       </a:accent2>
       <a:accent3>
-        <a:srgbClr val="75BDA7"/>
+        <a:srgbClr val="42D0A2"/>
       </a:accent3>
       <a:accent4>
-        <a:srgbClr val="7A8C8E"/>
+        <a:srgbClr val="2E946B"/>
       </a:accent4>
       <a:accent5>
-        <a:srgbClr val="84ACB6"/>
+        <a:srgbClr val="42B051"/>
       </a:accent5>
       <a:accent6>
-        <a:srgbClr val="2683C6"/>
+        <a:srgbClr val="96D141"/>
       </a:accent6>
       <a:hlink>
-        <a:srgbClr val="6B9F25"/>
+        <a:srgbClr val="3FCDE7"/>
       </a:hlink>
       <a:folHlink>
-        <a:srgbClr val="9F6715"/>
+        <a:srgbClr val="A9D3E1"/>
       </a:folHlink>
     </a:clrScheme>
     <a:fontScheme name="Facette">
@@ -17592,7 +18302,7 @@
   <a:extraClrSchemeLst/>
   <a:extLst>
     <a:ext uri="{05A4C25C-085E-4340-85A3-A5531E510DB2}">
-      <thm15:themeFamily xmlns:thm15="http://schemas.microsoft.com/office/thememl/2012/main" name="Facet" id="{C0C680CD-088A-49FC-A102-D699147F32B2}" vid="{CFBC31BA-B70F-4F30-BCAA-4F3011E16C4D}"/>
+      <thm15:themeFamily xmlns:thm15="http://schemas.microsoft.com/office/thememl/2012/main" name="Facet" id="{C0C680CD-088A-49FC-A102-D699147F32B2}" vid="{0B5AB586-D108-4FC1-8368-649FE654B894}"/>
     </a:ext>
   </a:extLst>
 </a:theme>

--- a/TIC_PP.pptx
+++ b/TIC_PP.pptx
@@ -2195,7 +2195,7 @@
           <a:p>
             <a:fld id="{B49106CB-B942-48EC-94C1-78010D346AA5}" type="slidenum">
               <a:rPr lang="fr-FR" smtClean="0"/>
-              <a:t>‹N°›</a:t>
+              <a:t>‹#›</a:t>
             </a:fld>
             <a:endParaRPr lang="fr-FR"/>
           </a:p>
@@ -3175,7 +3175,7 @@
           <a:p>
             <a:fld id="{DB54FEE0-8431-48BE-B2F4-57DC398B24B7}" type="slidenum">
               <a:rPr lang="fr-FR" smtClean="0"/>
-              <a:t>‹N°›</a:t>
+              <a:t>‹#›</a:t>
             </a:fld>
             <a:endParaRPr lang="fr-FR"/>
           </a:p>
@@ -3426,7 +3426,7 @@
           <a:p>
             <a:fld id="{DB54FEE0-8431-48BE-B2F4-57DC398B24B7}" type="slidenum">
               <a:rPr lang="fr-FR" smtClean="0"/>
-              <a:t>‹N°›</a:t>
+              <a:t>‹#›</a:t>
             </a:fld>
             <a:endParaRPr lang="fr-FR"/>
           </a:p>
@@ -3740,7 +3740,7 @@
           <a:p>
             <a:fld id="{DB54FEE0-8431-48BE-B2F4-57DC398B24B7}" type="slidenum">
               <a:rPr lang="fr-FR" smtClean="0"/>
-              <a:t>‹N°›</a:t>
+              <a:t>‹#›</a:t>
             </a:fld>
             <a:endParaRPr lang="fr-FR"/>
           </a:p>
@@ -4073,7 +4073,7 @@
           <a:p>
             <a:fld id="{DB54FEE0-8431-48BE-B2F4-57DC398B24B7}" type="slidenum">
               <a:rPr lang="fr-FR" smtClean="0"/>
-              <a:t>‹N°›</a:t>
+              <a:t>‹#›</a:t>
             </a:fld>
             <a:endParaRPr lang="fr-FR"/>
           </a:p>
@@ -4387,7 +4387,7 @@
           <a:p>
             <a:fld id="{DB54FEE0-8431-48BE-B2F4-57DC398B24B7}" type="slidenum">
               <a:rPr lang="fr-FR" smtClean="0"/>
-              <a:t>‹N°›</a:t>
+              <a:t>‹#›</a:t>
             </a:fld>
             <a:endParaRPr lang="fr-FR"/>
           </a:p>
@@ -4780,7 +4780,7 @@
           <a:p>
             <a:fld id="{DB54FEE0-8431-48BE-B2F4-57DC398B24B7}" type="slidenum">
               <a:rPr lang="fr-FR" smtClean="0"/>
-              <a:t>‹N°›</a:t>
+              <a:t>‹#›</a:t>
             </a:fld>
             <a:endParaRPr lang="fr-FR"/>
           </a:p>
@@ -4950,7 +4950,7 @@
           <a:p>
             <a:fld id="{DB54FEE0-8431-48BE-B2F4-57DC398B24B7}" type="slidenum">
               <a:rPr lang="fr-FR" smtClean="0"/>
-              <a:t>‹N°›</a:t>
+              <a:t>‹#›</a:t>
             </a:fld>
             <a:endParaRPr lang="fr-FR"/>
           </a:p>
@@ -5130,7 +5130,7 @@
           <a:p>
             <a:fld id="{DB54FEE0-8431-48BE-B2F4-57DC398B24B7}" type="slidenum">
               <a:rPr lang="fr-FR" smtClean="0"/>
-              <a:t>‹N°›</a:t>
+              <a:t>‹#›</a:t>
             </a:fld>
             <a:endParaRPr lang="fr-FR"/>
           </a:p>
@@ -5300,7 +5300,7 @@
           <a:p>
             <a:fld id="{DB54FEE0-8431-48BE-B2F4-57DC398B24B7}" type="slidenum">
               <a:rPr lang="fr-FR" smtClean="0"/>
-              <a:t>‹N°›</a:t>
+              <a:t>‹#›</a:t>
             </a:fld>
             <a:endParaRPr lang="fr-FR"/>
           </a:p>
@@ -5547,7 +5547,7 @@
           <a:p>
             <a:fld id="{DB54FEE0-8431-48BE-B2F4-57DC398B24B7}" type="slidenum">
               <a:rPr lang="fr-FR" smtClean="0"/>
-              <a:t>‹N°›</a:t>
+              <a:t>‹#›</a:t>
             </a:fld>
             <a:endParaRPr lang="fr-FR"/>
           </a:p>
@@ -5779,7 +5779,7 @@
           <a:p>
             <a:fld id="{DB54FEE0-8431-48BE-B2F4-57DC398B24B7}" type="slidenum">
               <a:rPr lang="fr-FR" smtClean="0"/>
-              <a:t>‹N°›</a:t>
+              <a:t>‹#›</a:t>
             </a:fld>
             <a:endParaRPr lang="fr-FR"/>
           </a:p>
@@ -6153,7 +6153,7 @@
           <a:p>
             <a:fld id="{DB54FEE0-8431-48BE-B2F4-57DC398B24B7}" type="slidenum">
               <a:rPr lang="fr-FR" smtClean="0"/>
-              <a:t>‹N°›</a:t>
+              <a:t>‹#›</a:t>
             </a:fld>
             <a:endParaRPr lang="fr-FR"/>
           </a:p>
@@ -6276,7 +6276,7 @@
           <a:p>
             <a:fld id="{DB54FEE0-8431-48BE-B2F4-57DC398B24B7}" type="slidenum">
               <a:rPr lang="fr-FR" smtClean="0"/>
-              <a:t>‹N°›</a:t>
+              <a:t>‹#›</a:t>
             </a:fld>
             <a:endParaRPr lang="fr-FR"/>
           </a:p>
@@ -6371,7 +6371,7 @@
           <a:p>
             <a:fld id="{DB54FEE0-8431-48BE-B2F4-57DC398B24B7}" type="slidenum">
               <a:rPr lang="fr-FR" smtClean="0"/>
-              <a:t>‹N°›</a:t>
+              <a:t>‹#›</a:t>
             </a:fld>
             <a:endParaRPr lang="fr-FR"/>
           </a:p>
@@ -6626,7 +6626,7 @@
           <a:p>
             <a:fld id="{DB54FEE0-8431-48BE-B2F4-57DC398B24B7}" type="slidenum">
               <a:rPr lang="fr-FR" smtClean="0"/>
-              <a:t>‹N°›</a:t>
+              <a:t>‹#›</a:t>
             </a:fld>
             <a:endParaRPr lang="fr-FR"/>
           </a:p>
@@ -6866,7 +6866,7 @@
           <a:p>
             <a:fld id="{DB54FEE0-8431-48BE-B2F4-57DC398B24B7}" type="slidenum">
               <a:rPr lang="fr-FR" smtClean="0"/>
-              <a:t>‹N°›</a:t>
+              <a:t>‹#›</a:t>
             </a:fld>
             <a:endParaRPr lang="fr-FR"/>
           </a:p>
@@ -7667,7 +7667,7 @@
           <a:p>
             <a:fld id="{DB54FEE0-8431-48BE-B2F4-57DC398B24B7}" type="slidenum">
               <a:rPr lang="fr-FR" smtClean="0"/>
-              <a:t>‹N°›</a:t>
+              <a:t>‹#›</a:t>
             </a:fld>
             <a:endParaRPr lang="fr-FR"/>
           </a:p>
@@ -8133,17 +8133,17 @@
         </p:nvSpPr>
         <p:spPr>
           <a:xfrm>
-            <a:off x="2815750" y="2572158"/>
-            <a:ext cx="6560500" cy="1480457"/>
+            <a:off x="2815750" y="2064774"/>
+            <a:ext cx="6560500" cy="2771952"/>
           </a:xfrm>
         </p:spPr>
         <p:txBody>
           <a:bodyPr/>
           <a:lstStyle/>
           <a:p>
-            <a:pPr>
+            <a:pPr algn="ctr">
               <a:lnSpc>
-                <a:spcPct val="115000"/>
+                <a:spcPct val="150000"/>
               </a:lnSpc>
               <a:spcAft>
                 <a:spcPts val="1000"/>
@@ -8290,13 +8290,13 @@
         </p:nvSpPr>
         <p:spPr>
           <a:xfrm>
-            <a:off x="544286" y="4049486"/>
-            <a:ext cx="4242289" cy="1110312"/>
+            <a:off x="359435" y="5964011"/>
+            <a:ext cx="9104539" cy="893989"/>
           </a:xfrm>
         </p:spPr>
         <p:txBody>
           <a:bodyPr>
-            <a:normAutofit fontScale="25000" lnSpcReduction="20000"/>
+            <a:normAutofit fontScale="70000" lnSpcReduction="20000"/>
           </a:bodyPr>
           <a:lstStyle/>
           <a:p>
@@ -8306,56 +8306,7 @@
               </a:lnSpc>
             </a:pPr>
             <a:r>
-              <a:rPr lang="fr-FR" sz="8000" b="1" dirty="0" err="1">
-                <a:solidFill>
-                  <a:schemeClr val="accent3">
-                    <a:lumMod val="75000"/>
-                  </a:schemeClr>
-                </a:solidFill>
-                <a:effectLst/>
-                <a:latin typeface="Times New Roman" panose="02020603050405020304" pitchFamily="18" charset="0"/>
-                <a:ea typeface="Calibri" panose="020F0502020204030204" pitchFamily="34" charset="0"/>
-                <a:cs typeface="Times New Roman" panose="02020603050405020304" pitchFamily="18" charset="0"/>
-              </a:rPr>
-              <a:t>Assembled</a:t>
-            </a:r>
-            <a:r>
-              <a:rPr lang="fr-FR" sz="8000" b="1" dirty="0">
-                <a:solidFill>
-                  <a:schemeClr val="accent3">
-                    <a:lumMod val="75000"/>
-                  </a:schemeClr>
-                </a:solidFill>
-                <a:effectLst/>
-                <a:latin typeface="Times New Roman" panose="02020603050405020304" pitchFamily="18" charset="0"/>
-                <a:ea typeface="Calibri" panose="020F0502020204030204" pitchFamily="34" charset="0"/>
-                <a:cs typeface="Times New Roman" panose="02020603050405020304" pitchFamily="18" charset="0"/>
-              </a:rPr>
-              <a:t> by: </a:t>
-            </a:r>
-            <a:r>
-              <a:rPr lang="fr-FR" sz="8000" dirty="0">
-                <a:solidFill>
-                  <a:schemeClr val="tx2"/>
-                </a:solidFill>
-                <a:effectLst/>
-                <a:latin typeface="Times New Roman" panose="02020603050405020304" pitchFamily="18" charset="0"/>
-                <a:ea typeface="Calibri" panose="020F0502020204030204" pitchFamily="34" charset="0"/>
-                <a:cs typeface="Times New Roman" panose="02020603050405020304" pitchFamily="18" charset="0"/>
-              </a:rPr>
-              <a:t>group 8</a:t>
-            </a:r>
-          </a:p>
-          <a:p>
-            <a:pPr marL="285750" lvl="0" indent="-285750" algn="just">
-              <a:lnSpc>
-                <a:spcPct val="150000"/>
-              </a:lnSpc>
-              <a:buFont typeface="Arial" panose="020B0604020202020204" pitchFamily="34" charset="0"/>
-              <a:buChar char="•"/>
-            </a:pPr>
-            <a:r>
-              <a:rPr lang="fr-FR" sz="6400" dirty="0" err="1">
+              <a:rPr lang="fr-FR" sz="1900" b="1" dirty="0">
                 <a:solidFill>
                   <a:schemeClr val="tx1"/>
                 </a:solidFill>
@@ -8363,10 +8314,10 @@
                 <a:ea typeface="Calibri" panose="020F0502020204030204" pitchFamily="34" charset="0"/>
                 <a:cs typeface="Times New Roman" panose="02020603050405020304" pitchFamily="18" charset="0"/>
               </a:rPr>
-              <a:t>Balaman</a:t>
-            </a:r>
-            <a:r>
-              <a:rPr lang="fr-FR" sz="6400" dirty="0">
+              <a:t>Group 8 </a:t>
+            </a:r>
+            <a:r>
+              <a:rPr lang="fr-FR" sz="1900" b="1" dirty="0" err="1">
                 <a:solidFill>
                   <a:schemeClr val="tx1"/>
                 </a:solidFill>
@@ -8374,10 +8325,39 @@
                 <a:ea typeface="Calibri" panose="020F0502020204030204" pitchFamily="34" charset="0"/>
                 <a:cs typeface="Times New Roman" panose="02020603050405020304" pitchFamily="18" charset="0"/>
               </a:rPr>
-              <a:t> </a:t>
-            </a:r>
-            <a:r>
-              <a:rPr lang="fr-FR" sz="6400" dirty="0" err="1">
+              <a:t>Members</a:t>
+            </a:r>
+            <a:r>
+              <a:rPr lang="fr-FR" sz="1900" b="1" dirty="0">
+                <a:solidFill>
+                  <a:schemeClr val="tx1"/>
+                </a:solidFill>
+                <a:latin typeface="Times New Roman" panose="02020603050405020304" pitchFamily="18" charset="0"/>
+                <a:ea typeface="Calibri" panose="020F0502020204030204" pitchFamily="34" charset="0"/>
+                <a:cs typeface="Times New Roman" panose="02020603050405020304" pitchFamily="18" charset="0"/>
+              </a:rPr>
+              <a:t> :</a:t>
+            </a:r>
+          </a:p>
+          <a:p>
+            <a:pPr lvl="0" algn="just">
+              <a:lnSpc>
+                <a:spcPct val="150000"/>
+              </a:lnSpc>
+            </a:pPr>
+            <a:r>
+              <a:rPr lang="fr-FR" sz="1900" b="1" dirty="0">
+                <a:solidFill>
+                  <a:schemeClr val="tx1"/>
+                </a:solidFill>
+                <a:latin typeface="Times New Roman" panose="02020603050405020304" pitchFamily="18" charset="0"/>
+                <a:ea typeface="Calibri" panose="020F0502020204030204" pitchFamily="34" charset="0"/>
+                <a:cs typeface="Times New Roman" panose="02020603050405020304" pitchFamily="18" charset="0"/>
+              </a:rPr>
+              <a:t>BALAMAN Hala </a:t>
+            </a:r>
+            <a:r>
+              <a:rPr lang="fr-FR" sz="1900" b="1" dirty="0" err="1">
                 <a:solidFill>
                   <a:schemeClr val="tx1"/>
                 </a:solidFill>
@@ -8388,7 +8368,7 @@
               <a:t>Hadjer</a:t>
             </a:r>
             <a:r>
-              <a:rPr lang="fr-FR" sz="6400" dirty="0">
+              <a:rPr lang="fr-FR" sz="1900" b="1" dirty="0">
                 <a:solidFill>
                   <a:schemeClr val="tx1"/>
                 </a:solidFill>
@@ -8396,8 +8376,49 @@
                 <a:ea typeface="Calibri" panose="020F0502020204030204" pitchFamily="34" charset="0"/>
                 <a:cs typeface="Times New Roman" panose="02020603050405020304" pitchFamily="18" charset="0"/>
               </a:rPr>
-              <a:t> Hala</a:t>
-            </a:r>
+              <a:t>      BOUDIAF </a:t>
+            </a:r>
+            <a:r>
+              <a:rPr lang="fr-FR" sz="1900" b="1" dirty="0" err="1">
+                <a:solidFill>
+                  <a:schemeClr val="tx1"/>
+                </a:solidFill>
+                <a:latin typeface="Times New Roman" panose="02020603050405020304" pitchFamily="18" charset="0"/>
+                <a:ea typeface="Calibri" panose="020F0502020204030204" pitchFamily="34" charset="0"/>
+                <a:cs typeface="Times New Roman" panose="02020603050405020304" pitchFamily="18" charset="0"/>
+              </a:rPr>
+              <a:t>Aisha</a:t>
+            </a:r>
+            <a:r>
+              <a:rPr lang="fr-FR" sz="1900" b="1" dirty="0">
+                <a:solidFill>
+                  <a:schemeClr val="tx1"/>
+                </a:solidFill>
+                <a:latin typeface="Times New Roman" panose="02020603050405020304" pitchFamily="18" charset="0"/>
+                <a:ea typeface="Calibri" panose="020F0502020204030204" pitchFamily="34" charset="0"/>
+                <a:cs typeface="Times New Roman" panose="02020603050405020304" pitchFamily="18" charset="0"/>
+              </a:rPr>
+              <a:t>      HAMZA Noor Nacera      KAMIRI Lilia      YAHYAOUI </a:t>
+            </a:r>
+            <a:r>
+              <a:rPr lang="fr-FR" sz="1900" b="1" dirty="0" err="1">
+                <a:solidFill>
+                  <a:schemeClr val="tx1"/>
+                </a:solidFill>
+                <a:latin typeface="Times New Roman" panose="02020603050405020304" pitchFamily="18" charset="0"/>
+                <a:ea typeface="Calibri" panose="020F0502020204030204" pitchFamily="34" charset="0"/>
+                <a:cs typeface="Times New Roman" panose="02020603050405020304" pitchFamily="18" charset="0"/>
+              </a:rPr>
+              <a:t>Chahinez</a:t>
+            </a:r>
+            <a:endParaRPr lang="fr-FR" sz="1900" b="1" dirty="0">
+              <a:solidFill>
+                <a:schemeClr val="tx1"/>
+              </a:solidFill>
+              <a:latin typeface="Times New Roman" panose="02020603050405020304" pitchFamily="18" charset="0"/>
+              <a:ea typeface="Calibri" panose="020F0502020204030204" pitchFamily="34" charset="0"/>
+              <a:cs typeface="Times New Roman" panose="02020603050405020304" pitchFamily="18" charset="0"/>
+            </a:endParaRPr>
           </a:p>
           <a:p>
             <a:pPr marL="285750" lvl="0" indent="-285750" algn="just">
@@ -8407,125 +8428,7 @@
               <a:buFont typeface="Arial" panose="020B0604020202020204" pitchFamily="34" charset="0"/>
               <a:buChar char="•"/>
             </a:pPr>
-            <a:r>
-              <a:rPr lang="fr-FR" sz="6400" dirty="0">
-                <a:solidFill>
-                  <a:schemeClr val="tx1"/>
-                </a:solidFill>
-                <a:latin typeface="Times New Roman" panose="02020603050405020304" pitchFamily="18" charset="0"/>
-                <a:ea typeface="Calibri" panose="020F0502020204030204" pitchFamily="34" charset="0"/>
-                <a:cs typeface="Times New Roman" panose="02020603050405020304" pitchFamily="18" charset="0"/>
-              </a:rPr>
-              <a:t>Boudiaf Aicha </a:t>
-            </a:r>
-          </a:p>
-          <a:p>
-            <a:pPr marL="285750" lvl="0" indent="-285750" algn="just">
-              <a:lnSpc>
-                <a:spcPct val="150000"/>
-              </a:lnSpc>
-              <a:buFont typeface="Arial" panose="020B0604020202020204" pitchFamily="34" charset="0"/>
-              <a:buChar char="•"/>
-            </a:pPr>
-            <a:r>
-              <a:rPr lang="fr-FR" sz="6400" dirty="0">
-                <a:solidFill>
-                  <a:schemeClr val="tx1"/>
-                </a:solidFill>
-                <a:latin typeface="Times New Roman" panose="02020603050405020304" pitchFamily="18" charset="0"/>
-                <a:ea typeface="Calibri" panose="020F0502020204030204" pitchFamily="34" charset="0"/>
-                <a:cs typeface="Times New Roman" panose="02020603050405020304" pitchFamily="18" charset="0"/>
-              </a:rPr>
-              <a:t>Hamza  Nacera Noor</a:t>
-            </a:r>
-          </a:p>
-          <a:p>
-            <a:pPr marL="285750" indent="-285750" algn="just">
-              <a:lnSpc>
-                <a:spcPct val="150000"/>
-              </a:lnSpc>
-              <a:buFont typeface="Arial" panose="020B0604020202020204" pitchFamily="34" charset="0"/>
-              <a:buChar char="•"/>
-            </a:pPr>
-            <a:r>
-              <a:rPr lang="en-US" sz="6400" dirty="0" err="1">
-                <a:solidFill>
-                  <a:schemeClr val="tx2"/>
-                </a:solidFill>
-                <a:effectLst/>
-                <a:latin typeface="Times New Roman" panose="02020603050405020304" pitchFamily="18" charset="0"/>
-                <a:ea typeface="Calibri" panose="020F0502020204030204" pitchFamily="34" charset="0"/>
-                <a:cs typeface="Arial" panose="020B0604020202020204" pitchFamily="34" charset="0"/>
-              </a:rPr>
-              <a:t>Kamiri</a:t>
-            </a:r>
-            <a:r>
-              <a:rPr lang="en-US" sz="6400" dirty="0">
-                <a:solidFill>
-                  <a:schemeClr val="tx2"/>
-                </a:solidFill>
-                <a:effectLst/>
-                <a:latin typeface="Times New Roman" panose="02020603050405020304" pitchFamily="18" charset="0"/>
-                <a:ea typeface="Calibri" panose="020F0502020204030204" pitchFamily="34" charset="0"/>
-                <a:cs typeface="Arial" panose="020B0604020202020204" pitchFamily="34" charset="0"/>
-              </a:rPr>
-              <a:t> Lilia</a:t>
-            </a:r>
-            <a:endParaRPr lang="fr-FR" sz="6400" dirty="0">
-              <a:solidFill>
-                <a:schemeClr val="tx1"/>
-              </a:solidFill>
-              <a:latin typeface="Times New Roman" panose="02020603050405020304" pitchFamily="18" charset="0"/>
-              <a:ea typeface="Calibri" panose="020F0502020204030204" pitchFamily="34" charset="0"/>
-              <a:cs typeface="Times New Roman" panose="02020603050405020304" pitchFamily="18" charset="0"/>
-            </a:endParaRPr>
-          </a:p>
-          <a:p>
-            <a:pPr marL="285750" lvl="0" indent="-285750" algn="just">
-              <a:lnSpc>
-                <a:spcPct val="150000"/>
-              </a:lnSpc>
-              <a:buFont typeface="Arial" panose="020B0604020202020204" pitchFamily="34" charset="0"/>
-              <a:buChar char="•"/>
-            </a:pPr>
-            <a:r>
-              <a:rPr lang="fr-FR" sz="6400" dirty="0">
-                <a:solidFill>
-                  <a:schemeClr val="tx1"/>
-                </a:solidFill>
-                <a:latin typeface="Times New Roman" panose="02020603050405020304" pitchFamily="18" charset="0"/>
-                <a:ea typeface="Calibri" panose="020F0502020204030204" pitchFamily="34" charset="0"/>
-                <a:cs typeface="Times New Roman" panose="02020603050405020304" pitchFamily="18" charset="0"/>
-              </a:rPr>
-              <a:t>Yahiaoui Chahinez </a:t>
-            </a:r>
-          </a:p>
-          <a:p>
-            <a:pPr marL="285750" lvl="0" indent="-285750" algn="just">
-              <a:lnSpc>
-                <a:spcPct val="150000"/>
-              </a:lnSpc>
-              <a:buFont typeface="Arial" panose="020B0604020202020204" pitchFamily="34" charset="0"/>
-              <a:buChar char="•"/>
-            </a:pPr>
-            <a:endParaRPr lang="fr-FR" dirty="0">
-              <a:solidFill>
-                <a:schemeClr val="tx1"/>
-              </a:solidFill>
-              <a:latin typeface="Times New Roman" panose="02020603050405020304" pitchFamily="18" charset="0"/>
-              <a:ea typeface="Calibri" panose="020F0502020204030204" pitchFamily="34" charset="0"/>
-              <a:cs typeface="Times New Roman" panose="02020603050405020304" pitchFamily="18" charset="0"/>
-            </a:endParaRPr>
-          </a:p>
-          <a:p>
-            <a:pPr marL="285750" lvl="0" indent="-285750" algn="just">
-              <a:lnSpc>
-                <a:spcPct val="150000"/>
-              </a:lnSpc>
-              <a:buFont typeface="Arial" panose="020B0604020202020204" pitchFamily="34" charset="0"/>
-              <a:buChar char="•"/>
-            </a:pPr>
-            <a:endParaRPr lang="fr-FR" sz="1800" dirty="0">
+            <a:endParaRPr lang="fr-FR" sz="1800" b="1" dirty="0">
               <a:solidFill>
                 <a:schemeClr val="tx1"/>
               </a:solidFill>
@@ -8564,143 +8467,122 @@
       </p:sp>
       <p:pic>
         <p:nvPicPr>
-          <p:cNvPr id="1028" name="Picture 4" descr="ai, artificial intelligence, electronics, light bulb, robotics, science fiction, technology ">
+          <p:cNvPr id="6" name="Picture 5">
             <a:extLst>
               <a:ext uri="{FF2B5EF4-FFF2-40B4-BE49-F238E27FC236}">
-                <a16:creationId xmlns:a16="http://schemas.microsoft.com/office/drawing/2014/main" id="{04ABC423-6655-D657-0CD2-1772A4462BBD}"/>
+                <a16:creationId xmlns:a16="http://schemas.microsoft.com/office/drawing/2014/main" id="{6013C108-0AEC-4E9C-B78C-31AB7FC1770B}"/>
               </a:ext>
             </a:extLst>
           </p:cNvPr>
           <p:cNvPicPr>
-            <a:picLocks noChangeAspect="1" noChangeArrowheads="1"/>
+            <a:picLocks noChangeAspect="1"/>
           </p:cNvPicPr>
           <p:nvPr/>
         </p:nvPicPr>
         <p:blipFill>
-          <a:blip r:embed="rId2">
-            <a:extLst>
-              <a:ext uri="{28A0092B-C50C-407E-A947-70E740481C1C}">
-                <a14:useLocalDpi xmlns:a14="http://schemas.microsoft.com/office/drawing/2010/main" val="0"/>
-              </a:ext>
-            </a:extLst>
-          </a:blip>
-          <a:srcRect/>
+          <a:blip r:embed="rId2"/>
           <a:stretch>
             <a:fillRect/>
           </a:stretch>
         </p:blipFill>
-        <p:spPr bwMode="auto">
+        <p:spPr>
           <a:xfrm>
-            <a:off x="10957560" y="5440680"/>
-            <a:ext cx="1234440" cy="1234440"/>
+            <a:off x="5589988" y="2986634"/>
+            <a:ext cx="1012024" cy="560881"/>
           </a:xfrm>
           <a:prstGeom prst="rect">
             <a:avLst/>
           </a:prstGeom>
-          <a:noFill/>
-          <a:extLst>
-            <a:ext uri="{909E8E84-426E-40DD-AFC4-6F175D3DCCD1}">
-              <a14:hiddenFill xmlns:a14="http://schemas.microsoft.com/office/drawing/2010/main">
-                <a:solidFill>
-                  <a:srgbClr val="FFFFFF"/>
-                </a:solidFill>
-              </a14:hiddenFill>
-            </a:ext>
-          </a:extLst>
         </p:spPr>
       </p:pic>
       <p:pic>
         <p:nvPicPr>
-          <p:cNvPr id="1030" name="Picture 6" descr="reality, technology, virtual, vr ">
+          <p:cNvPr id="7" name="Picture 6">
             <a:extLst>
               <a:ext uri="{FF2B5EF4-FFF2-40B4-BE49-F238E27FC236}">
-                <a16:creationId xmlns:a16="http://schemas.microsoft.com/office/drawing/2014/main" id="{EBDED86A-68A8-E672-3EB5-01DC7FD0F4A8}"/>
+                <a16:creationId xmlns:a16="http://schemas.microsoft.com/office/drawing/2014/main" id="{537F081B-D945-48EF-A6CC-3B05081A19F1}"/>
               </a:ext>
             </a:extLst>
           </p:cNvPr>
           <p:cNvPicPr>
-            <a:picLocks noChangeAspect="1" noChangeArrowheads="1"/>
+            <a:picLocks noChangeAspect="1"/>
           </p:cNvPicPr>
           <p:nvPr/>
         </p:nvPicPr>
         <p:blipFill>
-          <a:blip r:embed="rId3">
-            <a:extLst>
-              <a:ext uri="{28A0092B-C50C-407E-A947-70E740481C1C}">
-                <a14:useLocalDpi xmlns:a14="http://schemas.microsoft.com/office/drawing/2010/main" val="0"/>
-              </a:ext>
-            </a:extLst>
-          </a:blip>
-          <a:srcRect/>
+          <a:blip r:embed="rId3"/>
           <a:stretch>
             <a:fillRect/>
           </a:stretch>
         </p:blipFill>
-        <p:spPr bwMode="auto">
+        <p:spPr>
           <a:xfrm>
-            <a:off x="1049990" y="211517"/>
-            <a:ext cx="2363770" cy="2363770"/>
+            <a:off x="359435" y="190500"/>
+            <a:ext cx="2366700" cy="2438400"/>
           </a:xfrm>
           <a:prstGeom prst="rect">
             <a:avLst/>
           </a:prstGeom>
-          <a:noFill/>
-          <a:extLst>
-            <a:ext uri="{909E8E84-426E-40DD-AFC4-6F175D3DCCD1}">
-              <a14:hiddenFill xmlns:a14="http://schemas.microsoft.com/office/drawing/2010/main">
-                <a:solidFill>
-                  <a:srgbClr val="FFFFFF"/>
-                </a:solidFill>
-              </a14:hiddenFill>
-            </a:ext>
-          </a:extLst>
         </p:spPr>
       </p:pic>
       <p:pic>
         <p:nvPicPr>
-          <p:cNvPr id="1036" name="Picture 12" descr="internet of things, internet, iot, wireless, mechanic, gear, settings ">
+          <p:cNvPr id="9" name="Picture 8">
             <a:extLst>
               <a:ext uri="{FF2B5EF4-FFF2-40B4-BE49-F238E27FC236}">
-                <a16:creationId xmlns:a16="http://schemas.microsoft.com/office/drawing/2014/main" id="{FDA02079-ADDA-688A-4EE1-67173983FF91}"/>
+                <a16:creationId xmlns:a16="http://schemas.microsoft.com/office/drawing/2014/main" id="{ED71A0E3-9563-4171-BDC0-53E43C3F062A}"/>
               </a:ext>
             </a:extLst>
           </p:cNvPr>
           <p:cNvPicPr>
-            <a:picLocks noChangeAspect="1" noChangeArrowheads="1"/>
+            <a:picLocks noChangeAspect="1"/>
           </p:cNvPicPr>
           <p:nvPr/>
         </p:nvPicPr>
         <p:blipFill>
-          <a:blip r:embed="rId4">
-            <a:extLst>
-              <a:ext uri="{28A0092B-C50C-407E-A947-70E740481C1C}">
-                <a14:useLocalDpi xmlns:a14="http://schemas.microsoft.com/office/drawing/2010/main" val="0"/>
-              </a:ext>
-            </a:extLst>
-          </a:blip>
-          <a:srcRect/>
+          <a:blip r:embed="rId4"/>
           <a:stretch>
             <a:fillRect/>
           </a:stretch>
         </p:blipFill>
-        <p:spPr bwMode="auto">
+        <p:spPr>
           <a:xfrm>
-            <a:off x="9555480" y="30480"/>
-            <a:ext cx="2636520" cy="2636520"/>
+            <a:off x="9591368" y="254892"/>
+            <a:ext cx="2518250" cy="2438400"/>
           </a:xfrm>
           <a:prstGeom prst="rect">
             <a:avLst/>
           </a:prstGeom>
-          <a:noFill/>
-          <a:extLst>
-            <a:ext uri="{909E8E84-426E-40DD-AFC4-6F175D3DCCD1}">
-              <a14:hiddenFill xmlns:a14="http://schemas.microsoft.com/office/drawing/2010/main">
-                <a:solidFill>
-                  <a:srgbClr val="FFFFFF"/>
-                </a:solidFill>
-              </a14:hiddenFill>
-            </a:ext>
-          </a:extLst>
+        </p:spPr>
+      </p:pic>
+      <p:pic>
+        <p:nvPicPr>
+          <p:cNvPr id="14" name="Picture 13">
+            <a:extLst>
+              <a:ext uri="{FF2B5EF4-FFF2-40B4-BE49-F238E27FC236}">
+                <a16:creationId xmlns:a16="http://schemas.microsoft.com/office/drawing/2014/main" id="{80F50B8F-4C72-479E-9D1D-77D1E5C2FC34}"/>
+              </a:ext>
+            </a:extLst>
+          </p:cNvPr>
+          <p:cNvPicPr>
+            <a:picLocks noChangeAspect="1"/>
+          </p:cNvPicPr>
+          <p:nvPr/>
+        </p:nvPicPr>
+        <p:blipFill>
+          <a:blip r:embed="rId5"/>
+          <a:stretch>
+            <a:fillRect/>
+          </a:stretch>
+        </p:blipFill>
+        <p:spPr>
+          <a:xfrm>
+            <a:off x="10536456" y="5324914"/>
+            <a:ext cx="1278194" cy="1278194"/>
+          </a:xfrm>
+          <a:prstGeom prst="rect">
+            <a:avLst/>
+          </a:prstGeom>
         </p:spPr>
       </p:pic>
     </p:spTree>
@@ -8748,14 +8630,14 @@
           <p:nvPr>
             <p:extLst>
               <p:ext uri="{D42A27DB-BD31-4B8C-83A1-F6EECF244321}">
-                <p14:modId xmlns:p14="http://schemas.microsoft.com/office/powerpoint/2010/main" val="2887812542"/>
+                <p14:modId xmlns:p14="http://schemas.microsoft.com/office/powerpoint/2010/main" val="807086934"/>
               </p:ext>
             </p:extLst>
           </p:nvPr>
         </p:nvGraphicFramePr>
         <p:xfrm>
           <a:off x="402770" y="533402"/>
-          <a:ext cx="8338459" cy="5428233"/>
+          <a:ext cx="8338459" cy="5315310"/>
         </p:xfrm>
         <a:graphic>
           <a:graphicData uri="http://schemas.openxmlformats.org/drawingml/2006/table">
@@ -8779,7 +8661,7 @@
                   </a:extLst>
                 </a:gridCol>
               </a:tblGrid>
-              <a:tr h="722521">
+              <a:tr h="609598">
                 <a:tc gridSpan="2">
                   <a:txBody>
                     <a:bodyPr/>
@@ -8796,26 +8678,30 @@
                       <a:r>
                         <a:rPr lang="en-US" sz="2000" dirty="0">
                           <a:solidFill>
-                            <a:srgbClr val="C00000"/>
+                            <a:schemeClr val="tx1"/>
                           </a:solidFill>
                           <a:effectLst/>
-                          <a:latin typeface="Times New Roman" panose="02020603050405020304" pitchFamily="18" charset="0"/>
+                          <a:latin typeface="Arial Black" panose="020B0A04020102020204" pitchFamily="34" charset="0"/>
                           <a:cs typeface="Times New Roman" panose="02020603050405020304" pitchFamily="18" charset="0"/>
                         </a:rPr>
                         <a:t>GOOGLE WORKSPACE</a:t>
                       </a:r>
                       <a:endParaRPr lang="fr-FR" sz="2000" dirty="0">
                         <a:solidFill>
-                          <a:srgbClr val="C00000"/>
+                          <a:schemeClr val="tx1"/>
                         </a:solidFill>
                         <a:effectLst/>
-                        <a:latin typeface="Times New Roman" panose="02020603050405020304" pitchFamily="18" charset="0"/>
+                        <a:latin typeface="Arial Black" panose="020B0A04020102020204" pitchFamily="34" charset="0"/>
                         <a:ea typeface="Calibri" panose="020F0502020204030204" pitchFamily="34" charset="0"/>
                         <a:cs typeface="Times New Roman" panose="02020603050405020304" pitchFamily="18" charset="0"/>
                       </a:endParaRPr>
                     </a:p>
                   </a:txBody>
-                  <a:tcPr marL="68580" marR="68580" marT="0" marB="0"/>
+                  <a:tcPr marL="68580" marR="68580" marT="0" marB="0">
+                    <a:solidFill>
+                      <a:schemeClr val="accent2"/>
+                    </a:solidFill>
+                  </a:tcPr>
                 </a:tc>
                 <a:tc hMerge="1">
                   <a:txBody>
@@ -8861,7 +8747,14 @@
                       </a:endParaRPr>
                     </a:p>
                   </a:txBody>
-                  <a:tcPr marL="68580" marR="68580" marT="0" marB="0"/>
+                  <a:tcPr marL="68580" marR="68580" marT="0" marB="0">
+                    <a:solidFill>
+                      <a:schemeClr val="accent1">
+                        <a:lumMod val="40000"/>
+                        <a:lumOff val="60000"/>
+                      </a:schemeClr>
+                    </a:solidFill>
+                  </a:tcPr>
                 </a:tc>
                 <a:tc>
                   <a:txBody>
@@ -8892,7 +8785,14 @@
                       </a:endParaRPr>
                     </a:p>
                   </a:txBody>
-                  <a:tcPr marL="68580" marR="68580" marT="0" marB="0"/>
+                  <a:tcPr marL="68580" marR="68580" marT="0" marB="0">
+                    <a:solidFill>
+                      <a:schemeClr val="accent1">
+                        <a:lumMod val="20000"/>
+                        <a:lumOff val="80000"/>
+                      </a:schemeClr>
+                    </a:solidFill>
+                  </a:tcPr>
                 </a:tc>
                 <a:extLst>
                   <a:ext uri="{0D108BD9-81ED-4DB2-BD59-A6C34878D82A}">
@@ -8914,7 +8814,7 @@
                           <a:spcPts val="1000"/>
                         </a:spcAft>
                       </a:pPr>
-                      <a:endParaRPr lang="fr-FR" sz="1100">
+                      <a:endParaRPr lang="fr-FR" sz="1100" dirty="0">
                         <a:effectLst/>
                         <a:latin typeface="Calibri" panose="020F0502020204030204" pitchFamily="34" charset="0"/>
                         <a:ea typeface="Calibri" panose="020F0502020204030204" pitchFamily="34" charset="0"/>
@@ -8922,7 +8822,23 @@
                       </a:endParaRPr>
                     </a:p>
                   </a:txBody>
-                  <a:tcPr marL="68580" marR="68580" marT="0" marB="0"/>
+                  <a:tcPr marL="68580" marR="68580" marT="0" marB="0">
+                    <a:lnB w="12700" cap="flat" cmpd="sng" algn="ctr">
+                      <a:solidFill>
+                        <a:schemeClr val="tx1"/>
+                      </a:solidFill>
+                      <a:prstDash val="solid"/>
+                      <a:round/>
+                      <a:headEnd type="none" w="med" len="med"/>
+                      <a:tailEnd type="none" w="med" len="med"/>
+                    </a:lnB>
+                    <a:solidFill>
+                      <a:schemeClr val="accent1">
+                        <a:lumMod val="40000"/>
+                        <a:lumOff val="60000"/>
+                      </a:schemeClr>
+                    </a:solidFill>
+                  </a:tcPr>
                 </a:tc>
                 <a:tc>
                   <a:txBody>
@@ -8953,7 +8869,14 @@
                       </a:endParaRPr>
                     </a:p>
                   </a:txBody>
-                  <a:tcPr marL="68580" marR="68580" marT="0" marB="0"/>
+                  <a:tcPr marL="68580" marR="68580" marT="0" marB="0">
+                    <a:solidFill>
+                      <a:schemeClr val="accent1">
+                        <a:lumMod val="20000"/>
+                        <a:lumOff val="80000"/>
+                      </a:schemeClr>
+                    </a:solidFill>
+                  </a:tcPr>
                 </a:tc>
                 <a:extLst>
                   <a:ext uri="{0D108BD9-81ED-4DB2-BD59-A6C34878D82A}">
@@ -8975,7 +8898,7 @@
                           <a:spcPts val="1000"/>
                         </a:spcAft>
                       </a:pPr>
-                      <a:endParaRPr lang="fr-FR" sz="1100">
+                      <a:endParaRPr lang="fr-FR" sz="1100" dirty="0">
                         <a:effectLst/>
                         <a:latin typeface="Calibri" panose="020F0502020204030204" pitchFamily="34" charset="0"/>
                         <a:ea typeface="Calibri" panose="020F0502020204030204" pitchFamily="34" charset="0"/>
@@ -8983,7 +8906,50 @@
                       </a:endParaRPr>
                     </a:p>
                   </a:txBody>
-                  <a:tcPr marL="68580" marR="68580" marT="0" marB="0"/>
+                  <a:tcPr marL="68580" marR="68580" marT="0" marB="0">
+                    <a:lnL w="12700" cap="flat" cmpd="sng" algn="ctr">
+                      <a:solidFill>
+                        <a:schemeClr val="tx1"/>
+                      </a:solidFill>
+                      <a:prstDash val="solid"/>
+                      <a:round/>
+                      <a:headEnd type="none" w="med" len="med"/>
+                      <a:tailEnd type="none" w="med" len="med"/>
+                    </a:lnL>
+                    <a:lnR w="12700" cap="flat" cmpd="sng" algn="ctr">
+                      <a:solidFill>
+                        <a:schemeClr val="tx1"/>
+                      </a:solidFill>
+                      <a:prstDash val="solid"/>
+                      <a:round/>
+                      <a:headEnd type="none" w="med" len="med"/>
+                      <a:tailEnd type="none" w="med" len="med"/>
+                    </a:lnR>
+                    <a:lnT w="12700" cap="flat" cmpd="sng" algn="ctr">
+                      <a:solidFill>
+                        <a:schemeClr val="tx1"/>
+                      </a:solidFill>
+                      <a:prstDash val="solid"/>
+                      <a:round/>
+                      <a:headEnd type="none" w="med" len="med"/>
+                      <a:tailEnd type="none" w="med" len="med"/>
+                    </a:lnT>
+                    <a:lnB w="12700" cap="flat" cmpd="sng" algn="ctr">
+                      <a:solidFill>
+                        <a:schemeClr val="tx1"/>
+                      </a:solidFill>
+                      <a:prstDash val="solid"/>
+                      <a:round/>
+                      <a:headEnd type="none" w="med" len="med"/>
+                      <a:tailEnd type="none" w="med" len="med"/>
+                    </a:lnB>
+                    <a:solidFill>
+                      <a:schemeClr val="accent1">
+                        <a:lumMod val="40000"/>
+                        <a:lumOff val="60000"/>
+                      </a:schemeClr>
+                    </a:solidFill>
+                  </a:tcPr>
                 </a:tc>
                 <a:tc>
                   <a:txBody>
@@ -9014,7 +8980,23 @@
                       </a:endParaRPr>
                     </a:p>
                   </a:txBody>
-                  <a:tcPr marL="68580" marR="68580" marT="0" marB="0"/>
+                  <a:tcPr marL="68580" marR="68580" marT="0" marB="0">
+                    <a:lnL w="12700" cap="flat" cmpd="sng" algn="ctr">
+                      <a:solidFill>
+                        <a:schemeClr val="tx1"/>
+                      </a:solidFill>
+                      <a:prstDash val="solid"/>
+                      <a:round/>
+                      <a:headEnd type="none" w="med" len="med"/>
+                      <a:tailEnd type="none" w="med" len="med"/>
+                    </a:lnL>
+                    <a:solidFill>
+                      <a:schemeClr val="accent1">
+                        <a:lumMod val="20000"/>
+                        <a:lumOff val="80000"/>
+                      </a:schemeClr>
+                    </a:solidFill>
+                  </a:tcPr>
                 </a:tc>
                 <a:extLst>
                   <a:ext uri="{0D108BD9-81ED-4DB2-BD59-A6C34878D82A}">
@@ -9551,14 +9533,14 @@
           <p:nvPr>
             <p:extLst>
               <p:ext uri="{D42A27DB-BD31-4B8C-83A1-F6EECF244321}">
-                <p14:modId xmlns:p14="http://schemas.microsoft.com/office/powerpoint/2010/main" val="3499599186"/>
+                <p14:modId xmlns:p14="http://schemas.microsoft.com/office/powerpoint/2010/main" val="3002545246"/>
               </p:ext>
             </p:extLst>
           </p:nvPr>
         </p:nvGraphicFramePr>
         <p:xfrm>
           <a:off x="612647" y="656243"/>
-          <a:ext cx="8125333" cy="5217708"/>
+          <a:ext cx="8125333" cy="5222008"/>
         </p:xfrm>
         <a:graphic>
           <a:graphicData uri="http://schemas.openxmlformats.org/drawingml/2006/table">
@@ -9567,14 +9549,14 @@
                 <a:tableStyleId>{F5AB1C69-6EDB-4FF4-983F-18BD219EF322}</a:tableStyleId>
               </a:tblPr>
               <a:tblGrid>
-                <a:gridCol w="1806766">
+                <a:gridCol w="1778128">
                   <a:extLst>
                     <a:ext uri="{9D8B030D-6E8A-4147-A177-3AD203B41FA5}">
                       <a16:colId xmlns:a16="http://schemas.microsoft.com/office/drawing/2014/main" val="4037179507"/>
                     </a:ext>
                   </a:extLst>
                 </a:gridCol>
-                <a:gridCol w="6318567">
+                <a:gridCol w="6347205">
                   <a:extLst>
                     <a:ext uri="{9D8B030D-6E8A-4147-A177-3AD203B41FA5}">
                       <a16:colId xmlns:a16="http://schemas.microsoft.com/office/drawing/2014/main" val="1696896879"/>
@@ -9582,7 +9564,7 @@
                   </a:extLst>
                 </a:gridCol>
               </a:tblGrid>
-              <a:tr h="1798106">
+              <a:tr h="1848364">
                 <a:tc>
                   <a:txBody>
                     <a:bodyPr/>
@@ -9604,7 +9586,14 @@
                       </a:endParaRPr>
                     </a:p>
                   </a:txBody>
-                  <a:tcPr marL="68580" marR="68580" marT="0" marB="0"/>
+                  <a:tcPr marL="68580" marR="68580" marT="0" marB="0">
+                    <a:solidFill>
+                      <a:schemeClr val="accent1">
+                        <a:lumMod val="40000"/>
+                        <a:lumOff val="60000"/>
+                      </a:schemeClr>
+                    </a:solidFill>
+                  </a:tcPr>
                 </a:tc>
                 <a:tc>
                   <a:txBody>
@@ -9613,7 +9602,7 @@
                     <a:p>
                       <a:pPr algn="just">
                         <a:lnSpc>
-                          <a:spcPct val="115000"/>
+                          <a:spcPct val="100000"/>
                         </a:lnSpc>
                         <a:spcAft>
                           <a:spcPts val="1000"/>
@@ -9643,9 +9632,9 @@
                   </a:txBody>
                   <a:tcPr marL="68580" marR="68580" marT="0" marB="0">
                     <a:solidFill>
-                      <a:schemeClr val="accent3">
-                        <a:lumMod val="40000"/>
-                        <a:lumOff val="60000"/>
+                      <a:schemeClr val="accent1">
+                        <a:lumMod val="20000"/>
+                        <a:lumOff val="80000"/>
                       </a:schemeClr>
                     </a:solidFill>
                   </a:tcPr>
@@ -9656,7 +9645,7 @@
                   </a:ext>
                 </a:extLst>
               </a:tr>
-              <a:tr h="1476689">
+              <a:tr h="1601490">
                 <a:tc>
                   <a:txBody>
                     <a:bodyPr/>
@@ -9670,7 +9659,7 @@
                           <a:spcPts val="1000"/>
                         </a:spcAft>
                       </a:pPr>
-                      <a:endParaRPr lang="fr-FR" sz="1100">
+                      <a:endParaRPr lang="fr-FR" sz="1100" dirty="0">
                         <a:effectLst/>
                         <a:latin typeface="Calibri" panose="020F0502020204030204" pitchFamily="34" charset="0"/>
                         <a:ea typeface="Calibri" panose="020F0502020204030204" pitchFamily="34" charset="0"/>
@@ -9678,7 +9667,14 @@
                       </a:endParaRPr>
                     </a:p>
                   </a:txBody>
-                  <a:tcPr marL="68580" marR="68580" marT="0" marB="0"/>
+                  <a:tcPr marL="68580" marR="68580" marT="0" marB="0">
+                    <a:solidFill>
+                      <a:schemeClr val="accent1">
+                        <a:lumMod val="40000"/>
+                        <a:lumOff val="60000"/>
+                      </a:schemeClr>
+                    </a:solidFill>
+                  </a:tcPr>
                 </a:tc>
                 <a:tc>
                   <a:txBody>
@@ -9687,7 +9683,7 @@
                     <a:p>
                       <a:pPr algn="just">
                         <a:lnSpc>
-                          <a:spcPct val="115000"/>
+                          <a:spcPct val="100000"/>
                         </a:lnSpc>
                         <a:spcAft>
                           <a:spcPts val="1000"/>
@@ -9838,7 +9834,14 @@
                       </a:endParaRPr>
                     </a:p>
                   </a:txBody>
-                  <a:tcPr marL="68580" marR="68580" marT="0" marB="0"/>
+                  <a:tcPr marL="68580" marR="68580" marT="0" marB="0">
+                    <a:solidFill>
+                      <a:schemeClr val="accent1">
+                        <a:lumMod val="20000"/>
+                        <a:lumOff val="80000"/>
+                      </a:schemeClr>
+                    </a:solidFill>
+                  </a:tcPr>
                 </a:tc>
                 <a:extLst>
                   <a:ext uri="{0D108BD9-81ED-4DB2-BD59-A6C34878D82A}">
@@ -9868,7 +9871,14 @@
                       </a:endParaRPr>
                     </a:p>
                   </a:txBody>
-                  <a:tcPr marL="68580" marR="68580" marT="0" marB="0"/>
+                  <a:tcPr marL="68580" marR="68580" marT="0" marB="0">
+                    <a:solidFill>
+                      <a:schemeClr val="accent1">
+                        <a:lumMod val="40000"/>
+                        <a:lumOff val="60000"/>
+                      </a:schemeClr>
+                    </a:solidFill>
+                  </a:tcPr>
                 </a:tc>
                 <a:tc>
                   <a:txBody>
@@ -9877,7 +9887,7 @@
                     <a:p>
                       <a:pPr algn="just">
                         <a:lnSpc>
-                          <a:spcPct val="115000"/>
+                          <a:spcPct val="100000"/>
                         </a:lnSpc>
                         <a:spcAft>
                           <a:spcPts val="1000"/>
@@ -9899,7 +9909,14 @@
                       </a:endParaRPr>
                     </a:p>
                   </a:txBody>
-                  <a:tcPr marL="68580" marR="68580" marT="0" marB="0"/>
+                  <a:tcPr marL="68580" marR="68580" marT="0" marB="0">
+                    <a:solidFill>
+                      <a:schemeClr val="accent1">
+                        <a:lumMod val="20000"/>
+                        <a:lumOff val="80000"/>
+                      </a:schemeClr>
+                    </a:solidFill>
+                  </a:tcPr>
                 </a:tc>
                 <a:extLst>
                   <a:ext uri="{0D108BD9-81ED-4DB2-BD59-A6C34878D82A}">
@@ -10557,14 +10574,14 @@
           <p:nvPr>
             <p:extLst>
               <p:ext uri="{D42A27DB-BD31-4B8C-83A1-F6EECF244321}">
-                <p14:modId xmlns:p14="http://schemas.microsoft.com/office/powerpoint/2010/main" val="4086498567"/>
+                <p14:modId xmlns:p14="http://schemas.microsoft.com/office/powerpoint/2010/main" val="3102818673"/>
               </p:ext>
             </p:extLst>
           </p:nvPr>
         </p:nvGraphicFramePr>
         <p:xfrm>
           <a:off x="667166" y="2118524"/>
-          <a:ext cx="7645707" cy="4134168"/>
+          <a:ext cx="7645707" cy="4313838"/>
         </p:xfrm>
         <a:graphic>
           <a:graphicData uri="http://schemas.openxmlformats.org/drawingml/2006/table">
@@ -10588,7 +10605,7 @@
                   </a:extLst>
                 </a:gridCol>
               </a:tblGrid>
-              <a:tr h="363340">
+              <a:tr h="463887">
                 <a:tc gridSpan="2">
                   <a:txBody>
                     <a:bodyPr/>
@@ -10605,26 +10622,30 @@
                       <a:r>
                         <a:rPr lang="en-US" sz="2000" dirty="0">
                           <a:solidFill>
-                            <a:srgbClr val="C00000"/>
+                            <a:schemeClr val="tx1"/>
                           </a:solidFill>
                           <a:effectLst/>
-                          <a:latin typeface="Times New Roman" panose="02020603050405020304" pitchFamily="18" charset="0"/>
+                          <a:latin typeface="Arial Black" panose="020B0A04020102020204" pitchFamily="34" charset="0"/>
                           <a:cs typeface="Times New Roman" panose="02020603050405020304" pitchFamily="18" charset="0"/>
                         </a:rPr>
                         <a:t>MICROSOFT 365</a:t>
                       </a:r>
                       <a:endParaRPr lang="fr-FR" sz="2000" dirty="0">
                         <a:solidFill>
-                          <a:srgbClr val="C00000"/>
+                          <a:schemeClr val="tx1"/>
                         </a:solidFill>
                         <a:effectLst/>
-                        <a:latin typeface="Times New Roman" panose="02020603050405020304" pitchFamily="18" charset="0"/>
+                        <a:latin typeface="Arial Black" panose="020B0A04020102020204" pitchFamily="34" charset="0"/>
                         <a:ea typeface="Calibri" panose="020F0502020204030204" pitchFamily="34" charset="0"/>
                         <a:cs typeface="Times New Roman" panose="02020603050405020304" pitchFamily="18" charset="0"/>
                       </a:endParaRPr>
                     </a:p>
                   </a:txBody>
-                  <a:tcPr marL="68580" marR="68580" marT="0" marB="0"/>
+                  <a:tcPr marL="68580" marR="68580" marT="0" marB="0">
+                    <a:solidFill>
+                      <a:schemeClr val="accent2"/>
+                    </a:solidFill>
+                  </a:tcPr>
                 </a:tc>
                 <a:tc hMerge="1">
                   <a:txBody>
@@ -10642,7 +10663,7 @@
                   </a:ext>
                 </a:extLst>
               </a:tr>
-              <a:tr h="1579057">
+              <a:tr h="1714827">
                 <a:tc>
                   <a:txBody>
                     <a:bodyPr/>
@@ -10664,7 +10685,14 @@
                       </a:endParaRPr>
                     </a:p>
                   </a:txBody>
-                  <a:tcPr marL="68580" marR="68580" marT="0" marB="0"/>
+                  <a:tcPr marL="68580" marR="68580" marT="0" marB="0">
+                    <a:solidFill>
+                      <a:schemeClr val="accent1">
+                        <a:lumMod val="40000"/>
+                        <a:lumOff val="60000"/>
+                      </a:schemeClr>
+                    </a:solidFill>
+                  </a:tcPr>
                 </a:tc>
                 <a:tc>
                   <a:txBody>
@@ -10680,11 +10708,11 @@
                         </a:spcAft>
                       </a:pPr>
                       <a:r>
-                        <a:rPr lang="en-US" sz="1800" dirty="0">
+                        <a:rPr lang="en-US" sz="1800" b="1" dirty="0">
+                          <a:solidFill>
+                            <a:srgbClr val="002060"/>
+                          </a:solidFill>
                           <a:effectLst/>
-                          <a:highlight>
-                            <a:srgbClr val="C0C0C0"/>
-                          </a:highlight>
                           <a:latin typeface="Times New Roman" panose="02020603050405020304" pitchFamily="18" charset="0"/>
                           <a:cs typeface="Times New Roman" panose="02020603050405020304" pitchFamily="18" charset="0"/>
                         </a:rPr>
@@ -10741,7 +10769,14 @@
                       </a:endParaRPr>
                     </a:p>
                   </a:txBody>
-                  <a:tcPr marL="68580" marR="68580" marT="0" marB="0"/>
+                  <a:tcPr marL="68580" marR="68580" marT="0" marB="0">
+                    <a:solidFill>
+                      <a:schemeClr val="accent1">
+                        <a:lumMod val="20000"/>
+                        <a:lumOff val="80000"/>
+                      </a:schemeClr>
+                    </a:solidFill>
+                  </a:tcPr>
                 </a:tc>
                 <a:extLst>
                   <a:ext uri="{0D108BD9-81ED-4DB2-BD59-A6C34878D82A}">
@@ -10771,7 +10806,14 @@
                       </a:endParaRPr>
                     </a:p>
                   </a:txBody>
-                  <a:tcPr marL="68580" marR="68580" marT="0" marB="0"/>
+                  <a:tcPr marL="68580" marR="68580" marT="0" marB="0">
+                    <a:solidFill>
+                      <a:schemeClr val="accent1">
+                        <a:lumMod val="40000"/>
+                        <a:lumOff val="60000"/>
+                      </a:schemeClr>
+                    </a:solidFill>
+                  </a:tcPr>
                 </a:tc>
                 <a:tc>
                   <a:txBody>
@@ -10796,7 +10838,10 @@
                         <a:defRPr/>
                       </a:pPr>
                       <a:r>
-                        <a:rPr lang="en-US" sz="1800" dirty="0">
+                        <a:rPr lang="en-US" sz="1800" b="1" dirty="0">
+                          <a:solidFill>
+                            <a:srgbClr val="00B050"/>
+                          </a:solidFill>
                           <a:effectLst/>
                           <a:highlight>
                             <a:srgbClr val="C0C0C0"/>
@@ -10837,7 +10882,14 @@
                       </a:endParaRPr>
                     </a:p>
                   </a:txBody>
-                  <a:tcPr marL="68580" marR="68580" marT="0" marB="0"/>
+                  <a:tcPr marL="68580" marR="68580" marT="0" marB="0">
+                    <a:solidFill>
+                      <a:schemeClr val="accent1">
+                        <a:lumMod val="20000"/>
+                        <a:lumOff val="80000"/>
+                      </a:schemeClr>
+                    </a:solidFill>
+                  </a:tcPr>
                 </a:tc>
                 <a:extLst>
                   <a:ext uri="{0D108BD9-81ED-4DB2-BD59-A6C34878D82A}">
@@ -10851,10 +10903,10 @@
       </p:graphicFrame>
       <p:pic>
         <p:nvPicPr>
-          <p:cNvPr id="10" name="Image 9" descr="Une image contenant symbole, Rectangle, Police, Graphique&#10;&#10;Description générée automatiquement">
+          <p:cNvPr id="4" name="Picture 3">
             <a:extLst>
               <a:ext uri="{FF2B5EF4-FFF2-40B4-BE49-F238E27FC236}">
-                <a16:creationId xmlns:a16="http://schemas.microsoft.com/office/drawing/2014/main" id="{F683813E-3B9B-2847-38AA-2E7E87B4B791}"/>
+                <a16:creationId xmlns:a16="http://schemas.microsoft.com/office/drawing/2014/main" id="{51E49D9B-6293-4E1F-9BC4-503AB11F5E43}"/>
               </a:ext>
             </a:extLst>
           </p:cNvPr>
@@ -10871,8 +10923,8 @@
         </p:blipFill>
         <p:spPr>
           <a:xfrm>
-            <a:off x="885885" y="4670531"/>
-            <a:ext cx="866132" cy="750151"/>
+            <a:off x="787801" y="3104722"/>
+            <a:ext cx="1062300" cy="599893"/>
           </a:xfrm>
           <a:prstGeom prst="rect">
             <a:avLst/>
@@ -10881,10 +10933,10 @@
       </p:pic>
       <p:pic>
         <p:nvPicPr>
-          <p:cNvPr id="12" name="Image 11" descr="Une image contenant capture d’écran, Graphique, Bleu électrique, Police&#10;&#10;Description générée automatiquement">
+          <p:cNvPr id="7" name="Picture 6">
             <a:extLst>
               <a:ext uri="{FF2B5EF4-FFF2-40B4-BE49-F238E27FC236}">
-                <a16:creationId xmlns:a16="http://schemas.microsoft.com/office/drawing/2014/main" id="{5DB4802A-FBDA-D415-E470-8619AA52C68E}"/>
+                <a16:creationId xmlns:a16="http://schemas.microsoft.com/office/drawing/2014/main" id="{BF9617ED-F174-490A-9AB7-07CE9019429C}"/>
               </a:ext>
             </a:extLst>
           </p:cNvPr>
@@ -10901,8 +10953,8 @@
         </p:blipFill>
         <p:spPr>
           <a:xfrm>
-            <a:off x="1123629" y="2972305"/>
-            <a:ext cx="705172" cy="750151"/>
+            <a:off x="1030660" y="4855028"/>
+            <a:ext cx="576582" cy="603504"/>
           </a:xfrm>
           <a:prstGeom prst="rect">
             <a:avLst/>
@@ -10966,14 +11018,14 @@
           <p:nvPr>
             <p:extLst>
               <p:ext uri="{D42A27DB-BD31-4B8C-83A1-F6EECF244321}">
-                <p14:modId xmlns:p14="http://schemas.microsoft.com/office/powerpoint/2010/main" val="3762115238"/>
+                <p14:modId xmlns:p14="http://schemas.microsoft.com/office/powerpoint/2010/main" val="61411734"/>
               </p:ext>
             </p:extLst>
           </p:nvPr>
         </p:nvGraphicFramePr>
         <p:xfrm>
           <a:off x="338328" y="274147"/>
-          <a:ext cx="8476488" cy="5617459"/>
+          <a:ext cx="8476488" cy="5884612"/>
         </p:xfrm>
         <a:graphic>
           <a:graphicData uri="http://schemas.openxmlformats.org/drawingml/2006/table">
@@ -10997,7 +11049,7 @@
                   </a:extLst>
                 </a:gridCol>
               </a:tblGrid>
-              <a:tr h="1164311">
+              <a:tr h="1265445">
                 <a:tc>
                   <a:txBody>
                     <a:bodyPr/>
@@ -11019,7 +11071,14 @@
                       </a:endParaRPr>
                     </a:p>
                   </a:txBody>
-                  <a:tcPr marL="45429" marR="45429" marT="0" marB="0"/>
+                  <a:tcPr marL="45429" marR="45429" marT="0" marB="0">
+                    <a:solidFill>
+                      <a:schemeClr val="accent1">
+                        <a:lumMod val="40000"/>
+                        <a:lumOff val="60000"/>
+                      </a:schemeClr>
+                    </a:solidFill>
+                  </a:tcPr>
                 </a:tc>
                 <a:tc>
                   <a:txBody>
@@ -11035,14 +11094,11 @@
                         </a:spcAft>
                       </a:pPr>
                       <a:r>
-                        <a:rPr lang="en-US" sz="1800" b="0" dirty="0">
+                        <a:rPr lang="en-US" sz="1800" b="1" dirty="0">
                           <a:solidFill>
-                            <a:schemeClr val="bg1"/>
+                            <a:srgbClr val="C00000"/>
                           </a:solidFill>
                           <a:effectLst/>
-                          <a:highlight>
-                            <a:srgbClr val="C0C0C0"/>
-                          </a:highlight>
                           <a:latin typeface="Times New Roman" panose="02020603050405020304" pitchFamily="18" charset="0"/>
                           <a:cs typeface="Times New Roman" panose="02020603050405020304" pitchFamily="18" charset="0"/>
                         </a:rPr>
@@ -11070,7 +11126,14 @@
                       </a:endParaRPr>
                     </a:p>
                   </a:txBody>
-                  <a:tcPr marL="45429" marR="45429" marT="0" marB="0"/>
+                  <a:tcPr marL="45429" marR="45429" marT="0" marB="0">
+                    <a:solidFill>
+                      <a:schemeClr val="accent1">
+                        <a:lumMod val="20000"/>
+                        <a:lumOff val="80000"/>
+                      </a:schemeClr>
+                    </a:solidFill>
+                  </a:tcPr>
                 </a:tc>
                 <a:extLst>
                   <a:ext uri="{0D108BD9-81ED-4DB2-BD59-A6C34878D82A}">
@@ -11078,7 +11141,7 @@
                   </a:ext>
                 </a:extLst>
               </a:tr>
-              <a:tr h="1340933">
+              <a:tr h="1431766">
                 <a:tc>
                   <a:txBody>
                     <a:bodyPr/>
@@ -11100,7 +11163,14 @@
                       </a:endParaRPr>
                     </a:p>
                   </a:txBody>
-                  <a:tcPr marL="45429" marR="45429" marT="0" marB="0"/>
+                  <a:tcPr marL="45429" marR="45429" marT="0" marB="0">
+                    <a:solidFill>
+                      <a:schemeClr val="accent1">
+                        <a:lumMod val="40000"/>
+                        <a:lumOff val="60000"/>
+                      </a:schemeClr>
+                    </a:solidFill>
+                  </a:tcPr>
                 </a:tc>
                 <a:tc>
                   <a:txBody>
@@ -11116,18 +11186,15 @@
                         </a:spcAft>
                       </a:pPr>
                       <a:r>
-                        <a:rPr lang="en-US" sz="1800" dirty="0">
+                        <a:rPr lang="en-US" sz="1800" b="1" dirty="0">
                           <a:solidFill>
-                            <a:schemeClr val="bg1"/>
+                            <a:srgbClr val="002060"/>
                           </a:solidFill>
                           <a:effectLst/>
-                          <a:highlight>
-                            <a:srgbClr val="C0C0C0"/>
-                          </a:highlight>
                           <a:latin typeface="Times New Roman" panose="02020603050405020304" pitchFamily="18" charset="0"/>
                           <a:cs typeface="Times New Roman" panose="02020603050405020304" pitchFamily="18" charset="0"/>
                         </a:rPr>
-                        <a:t>Microsoft Outlook: </a:t>
+                        <a:t>Microsoft Outlook:</a:t>
                       </a:r>
                       <a:r>
                         <a:rPr lang="en-US" sz="1800" dirty="0">
@@ -11138,7 +11205,7 @@
                           <a:latin typeface="Times New Roman" panose="02020603050405020304" pitchFamily="18" charset="0"/>
                           <a:cs typeface="Times New Roman" panose="02020603050405020304" pitchFamily="18" charset="0"/>
                         </a:rPr>
-                        <a:t>is a personal information manager software system from Microsoft, available as a part of the Microsoft 365 software suites. Though primarily being popular as an email client for businesses.</a:t>
+                        <a:t> is a personal information manager software system from Microsoft, available as a part of the Microsoft 365 software suites. Though primarily being popular as an email client for businesses.</a:t>
                       </a:r>
                       <a:endParaRPr lang="en-US" sz="1800" dirty="0">
                         <a:solidFill>
@@ -11151,7 +11218,14 @@
                       </a:endParaRPr>
                     </a:p>
                   </a:txBody>
-                  <a:tcPr marL="45429" marR="45429" marT="0" marB="0"/>
+                  <a:tcPr marL="45429" marR="45429" marT="0" marB="0">
+                    <a:solidFill>
+                      <a:schemeClr val="accent1">
+                        <a:lumMod val="20000"/>
+                        <a:lumOff val="80000"/>
+                      </a:schemeClr>
+                    </a:solidFill>
+                  </a:tcPr>
                 </a:tc>
                 <a:extLst>
                   <a:ext uri="{0D108BD9-81ED-4DB2-BD59-A6C34878D82A}">
@@ -11159,7 +11233,7 @@
                   </a:ext>
                 </a:extLst>
               </a:tr>
-              <a:tr h="1164311">
+              <a:tr h="1265445">
                 <a:tc>
                   <a:txBody>
                     <a:bodyPr/>
@@ -11181,7 +11255,14 @@
                       </a:endParaRPr>
                     </a:p>
                   </a:txBody>
-                  <a:tcPr marL="45429" marR="45429" marT="0" marB="0"/>
+                  <a:tcPr marL="45429" marR="45429" marT="0" marB="0">
+                    <a:solidFill>
+                      <a:schemeClr val="accent1">
+                        <a:lumMod val="40000"/>
+                        <a:lumOff val="60000"/>
+                      </a:schemeClr>
+                    </a:solidFill>
+                  </a:tcPr>
                 </a:tc>
                 <a:tc>
                   <a:txBody>
@@ -11197,14 +11278,11 @@
                         </a:spcAft>
                       </a:pPr>
                       <a:r>
-                        <a:rPr lang="en-US" sz="1800" dirty="0">
+                        <a:rPr lang="en-US" sz="1800" b="1" dirty="0">
                           <a:solidFill>
-                            <a:schemeClr val="bg1"/>
+                            <a:srgbClr val="7030A0"/>
                           </a:solidFill>
                           <a:effectLst/>
-                          <a:highlight>
-                            <a:srgbClr val="C0C0C0"/>
-                          </a:highlight>
                           <a:latin typeface="Times New Roman" panose="02020603050405020304" pitchFamily="18" charset="0"/>
                           <a:cs typeface="Times New Roman" panose="02020603050405020304" pitchFamily="18" charset="0"/>
                         </a:rPr>
@@ -11232,7 +11310,14 @@
                       </a:endParaRPr>
                     </a:p>
                   </a:txBody>
-                  <a:tcPr marL="45429" marR="45429" marT="0" marB="0"/>
+                  <a:tcPr marL="45429" marR="45429" marT="0" marB="0">
+                    <a:solidFill>
+                      <a:schemeClr val="accent1">
+                        <a:lumMod val="20000"/>
+                        <a:lumOff val="80000"/>
+                      </a:schemeClr>
+                    </a:solidFill>
+                  </a:tcPr>
                 </a:tc>
                 <a:extLst>
                   <a:ext uri="{0D108BD9-81ED-4DB2-BD59-A6C34878D82A}">
@@ -11240,7 +11325,7 @@
                   </a:ext>
                 </a:extLst>
               </a:tr>
-              <a:tr h="355831">
+              <a:tr h="459022">
                 <a:tc gridSpan="2">
                   <a:txBody>
                     <a:bodyPr/>
@@ -11257,26 +11342,30 @@
                       <a:r>
                         <a:rPr lang="en-US" sz="1800" dirty="0">
                           <a:solidFill>
-                            <a:schemeClr val="bg1"/>
+                            <a:schemeClr val="tx1"/>
                           </a:solidFill>
                           <a:effectLst/>
-                          <a:latin typeface="Times New Roman" panose="02020603050405020304" pitchFamily="18" charset="0"/>
+                          <a:latin typeface="Arial Black" panose="020B0A04020102020204" pitchFamily="34" charset="0"/>
                           <a:cs typeface="Times New Roman" panose="02020603050405020304" pitchFamily="18" charset="0"/>
                         </a:rPr>
                         <a:t>VISUAL STUDIO</a:t>
                       </a:r>
                       <a:endParaRPr lang="fr-FR" sz="1800" dirty="0">
                         <a:solidFill>
-                          <a:schemeClr val="bg1"/>
+                          <a:schemeClr val="tx1"/>
                         </a:solidFill>
                         <a:effectLst/>
-                        <a:latin typeface="Times New Roman" panose="02020603050405020304" pitchFamily="18" charset="0"/>
+                        <a:latin typeface="Arial Black" panose="020B0A04020102020204" pitchFamily="34" charset="0"/>
                         <a:ea typeface="Calibri" panose="020F0502020204030204" pitchFamily="34" charset="0"/>
                         <a:cs typeface="Times New Roman" panose="02020603050405020304" pitchFamily="18" charset="0"/>
                       </a:endParaRPr>
                     </a:p>
                   </a:txBody>
-                  <a:tcPr marL="45429" marR="45429" marT="0" marB="0"/>
+                  <a:tcPr marL="45429" marR="45429" marT="0" marB="0">
+                    <a:solidFill>
+                      <a:schemeClr val="accent2"/>
+                    </a:solidFill>
+                  </a:tcPr>
                 </a:tc>
                 <a:tc hMerge="1">
                   <a:txBody>
@@ -11294,7 +11383,7 @@
                   </a:ext>
                 </a:extLst>
               </a:tr>
-              <a:tr h="995354">
+              <a:tr h="877130">
                 <a:tc rowSpan="2">
                   <a:txBody>
                     <a:bodyPr/>
@@ -11308,7 +11397,7 @@
                           <a:spcPts val="1000"/>
                         </a:spcAft>
                       </a:pPr>
-                      <a:endParaRPr lang="en-US" sz="1800">
+                      <a:endParaRPr lang="en-US" sz="1800" dirty="0">
                         <a:effectLst/>
                         <a:latin typeface="Times New Roman" panose="02020603050405020304" pitchFamily="18" charset="0"/>
                         <a:ea typeface="Calibri" panose="020F0502020204030204" pitchFamily="34" charset="0"/>
@@ -11316,7 +11405,14 @@
                       </a:endParaRPr>
                     </a:p>
                   </a:txBody>
-                  <a:tcPr marL="45429" marR="45429" marT="0" marB="0"/>
+                  <a:tcPr marL="45429" marR="45429" marT="0" marB="0">
+                    <a:solidFill>
+                      <a:schemeClr val="accent1">
+                        <a:lumMod val="40000"/>
+                        <a:lumOff val="60000"/>
+                      </a:schemeClr>
+                    </a:solidFill>
+                  </a:tcPr>
                 </a:tc>
                 <a:tc>
                   <a:txBody>
@@ -11332,14 +11428,13 @@
                         </a:spcAft>
                       </a:pPr>
                       <a:r>
-                        <a:rPr lang="en-US" sz="1800" dirty="0">
+                        <a:rPr lang="en-US" sz="1800" b="1" dirty="0">
                           <a:solidFill>
-                            <a:schemeClr val="bg1"/>
+                            <a:schemeClr val="accent2">
+                              <a:lumMod val="50000"/>
+                            </a:schemeClr>
                           </a:solidFill>
                           <a:effectLst/>
-                          <a:highlight>
-                            <a:srgbClr val="C0C0C0"/>
-                          </a:highlight>
                           <a:latin typeface="Times New Roman" panose="02020603050405020304" pitchFamily="18" charset="0"/>
                           <a:cs typeface="Times New Roman" panose="02020603050405020304" pitchFamily="18" charset="0"/>
                         </a:rPr>
@@ -11358,7 +11453,14 @@
                       </a:r>
                     </a:p>
                   </a:txBody>
-                  <a:tcPr marL="45429" marR="45429" marT="0" marB="0"/>
+                  <a:tcPr marL="45429" marR="45429" marT="0" marB="0">
+                    <a:solidFill>
+                      <a:schemeClr val="accent1">
+                        <a:lumMod val="20000"/>
+                        <a:lumOff val="80000"/>
+                      </a:schemeClr>
+                    </a:solidFill>
+                  </a:tcPr>
                 </a:tc>
                 <a:extLst>
                   <a:ext uri="{0D108BD9-81ED-4DB2-BD59-A6C34878D82A}">
@@ -11366,7 +11468,7 @@
                   </a:ext>
                 </a:extLst>
               </a:tr>
-              <a:tr h="538986">
+              <a:tr h="585804">
                 <a:tc vMerge="1">
                   <a:txBody>
                     <a:bodyPr/>
@@ -11383,14 +11485,13 @@
                     <a:lstStyle/>
                     <a:p>
                       <a:r>
-                        <a:rPr lang="en-US" sz="1800" dirty="0">
+                        <a:rPr lang="en-US" sz="1800" b="1" dirty="0">
                           <a:solidFill>
-                            <a:schemeClr val="bg1"/>
+                            <a:schemeClr val="accent2">
+                              <a:lumMod val="50000"/>
+                            </a:schemeClr>
                           </a:solidFill>
                           <a:effectLst/>
-                          <a:highlight>
-                            <a:srgbClr val="C0C0C0"/>
-                          </a:highlight>
                           <a:latin typeface="Times New Roman" panose="02020603050405020304" pitchFamily="18" charset="0"/>
                           <a:cs typeface="Times New Roman" panose="02020603050405020304" pitchFamily="18" charset="0"/>
                         </a:rPr>
@@ -11416,7 +11517,14 @@
                       </a:endParaRPr>
                     </a:p>
                   </a:txBody>
-                  <a:tcPr marL="45429" marR="45429" marT="0" marB="0"/>
+                  <a:tcPr marL="45429" marR="45429" marT="0" marB="0">
+                    <a:solidFill>
+                      <a:schemeClr val="accent1">
+                        <a:lumMod val="20000"/>
+                        <a:lumOff val="80000"/>
+                      </a:schemeClr>
+                    </a:solidFill>
+                  </a:tcPr>
                 </a:tc>
                 <a:extLst>
                   <a:ext uri="{0D108BD9-81ED-4DB2-BD59-A6C34878D82A}">
@@ -11457,8 +11565,8 @@
         </p:blipFill>
         <p:spPr bwMode="auto">
           <a:xfrm>
-            <a:off x="966176" y="575335"/>
-            <a:ext cx="528637" cy="492125"/>
+            <a:off x="937602" y="587353"/>
+            <a:ext cx="557212" cy="492125"/>
           </a:xfrm>
           <a:prstGeom prst="rect">
             <a:avLst/>
@@ -11504,7 +11612,7 @@
         </p:blipFill>
         <p:spPr bwMode="auto">
           <a:xfrm>
-            <a:off x="937601" y="1860774"/>
+            <a:off x="937601" y="1884810"/>
             <a:ext cx="557212" cy="517525"/>
           </a:xfrm>
           <a:prstGeom prst="rect">
@@ -11551,8 +11659,8 @@
         </p:blipFill>
         <p:spPr bwMode="auto">
           <a:xfrm>
-            <a:off x="945538" y="3047627"/>
-            <a:ext cx="541338" cy="541337"/>
+            <a:off x="937601" y="3323094"/>
+            <a:ext cx="557212" cy="541337"/>
           </a:xfrm>
           <a:prstGeom prst="rect">
             <a:avLst/>
@@ -11598,8 +11706,8 @@
         </p:blipFill>
         <p:spPr bwMode="auto">
           <a:xfrm>
-            <a:off x="1025952" y="4927620"/>
-            <a:ext cx="401637" cy="365125"/>
+            <a:off x="937601" y="5105400"/>
+            <a:ext cx="493711" cy="434995"/>
           </a:xfrm>
           <a:prstGeom prst="rect">
             <a:avLst/>
@@ -12698,49 +12806,32 @@
       </p:sp>
       <p:pic>
         <p:nvPicPr>
-          <p:cNvPr id="8194" name="Picture 2" descr="ai, artificial intelligence, automaton, brain, electronics, robotics, technology ">
+          <p:cNvPr id="4" name="Picture 3">
             <a:extLst>
               <a:ext uri="{FF2B5EF4-FFF2-40B4-BE49-F238E27FC236}">
-                <a16:creationId xmlns:a16="http://schemas.microsoft.com/office/drawing/2014/main" id="{CFFFBF47-A7AB-CA09-AE5F-745C08EB6712}"/>
+                <a16:creationId xmlns:a16="http://schemas.microsoft.com/office/drawing/2014/main" id="{84C4E5D0-2DED-47B2-90D6-A88674129919}"/>
               </a:ext>
             </a:extLst>
           </p:cNvPr>
           <p:cNvPicPr>
-            <a:picLocks noChangeAspect="1" noChangeArrowheads="1"/>
+            <a:picLocks noChangeAspect="1"/>
           </p:cNvPicPr>
           <p:nvPr/>
         </p:nvPicPr>
         <p:blipFill>
-          <a:blip r:embed="rId2">
-            <a:extLst>
-              <a:ext uri="{28A0092B-C50C-407E-A947-70E740481C1C}">
-                <a14:useLocalDpi xmlns:a14="http://schemas.microsoft.com/office/drawing/2010/main" val="0"/>
-              </a:ext>
-            </a:extLst>
-          </a:blip>
-          <a:srcRect/>
+          <a:blip r:embed="rId2"/>
           <a:stretch>
             <a:fillRect/>
           </a:stretch>
         </p:blipFill>
-        <p:spPr bwMode="auto">
+        <p:spPr>
           <a:xfrm>
-            <a:off x="9815904" y="3429000"/>
-            <a:ext cx="2133600" cy="2133600"/>
+            <a:off x="9820276" y="2306198"/>
+            <a:ext cx="2274868" cy="2245603"/>
           </a:xfrm>
           <a:prstGeom prst="rect">
             <a:avLst/>
           </a:prstGeom>
-          <a:noFill/>
-          <a:extLst>
-            <a:ext uri="{909E8E84-426E-40DD-AFC4-6F175D3DCCD1}">
-              <a14:hiddenFill xmlns:a14="http://schemas.microsoft.com/office/drawing/2010/main">
-                <a:solidFill>
-                  <a:srgbClr val="FFFFFF"/>
-                </a:solidFill>
-              </a14:hiddenFill>
-            </a:ext>
-          </a:extLst>
         </p:spPr>
       </p:pic>
     </p:spTree>
@@ -13215,49 +13306,32 @@
       </p:sp>
       <p:pic>
         <p:nvPicPr>
-          <p:cNvPr id="4100" name="Picture 4" descr="computer, network protection, safe, syber security ">
+          <p:cNvPr id="4" name="Picture 3">
             <a:extLst>
               <a:ext uri="{FF2B5EF4-FFF2-40B4-BE49-F238E27FC236}">
-                <a16:creationId xmlns:a16="http://schemas.microsoft.com/office/drawing/2014/main" id="{C7B08CED-8D06-9C83-D6DE-213DB4562724}"/>
+                <a16:creationId xmlns:a16="http://schemas.microsoft.com/office/drawing/2014/main" id="{766076D0-7DDB-405C-BECB-BBD6C08C61F9}"/>
               </a:ext>
             </a:extLst>
           </p:cNvPr>
           <p:cNvPicPr>
-            <a:picLocks noChangeAspect="1" noChangeArrowheads="1"/>
+            <a:picLocks noChangeAspect="1"/>
           </p:cNvPicPr>
           <p:nvPr/>
         </p:nvPicPr>
         <p:blipFill>
-          <a:blip r:embed="rId2">
-            <a:extLst>
-              <a:ext uri="{28A0092B-C50C-407E-A947-70E740481C1C}">
-                <a14:useLocalDpi xmlns:a14="http://schemas.microsoft.com/office/drawing/2010/main" val="0"/>
-              </a:ext>
-            </a:extLst>
-          </a:blip>
-          <a:srcRect/>
+          <a:blip r:embed="rId2"/>
           <a:stretch>
             <a:fillRect/>
           </a:stretch>
         </p:blipFill>
-        <p:spPr bwMode="auto">
+        <p:spPr>
           <a:xfrm>
-            <a:off x="10003132" y="2129860"/>
-            <a:ext cx="1935480" cy="1996440"/>
+            <a:off x="9725025" y="2124516"/>
+            <a:ext cx="2362200" cy="2018859"/>
           </a:xfrm>
           <a:prstGeom prst="rect">
             <a:avLst/>
           </a:prstGeom>
-          <a:noFill/>
-          <a:extLst>
-            <a:ext uri="{909E8E84-426E-40DD-AFC4-6F175D3DCCD1}">
-              <a14:hiddenFill xmlns:a14="http://schemas.microsoft.com/office/drawing/2010/main">
-                <a:solidFill>
-                  <a:srgbClr val="FFFFFF"/>
-                </a:solidFill>
-              </a14:hiddenFill>
-            </a:ext>
-          </a:extLst>
         </p:spPr>
       </p:pic>
     </p:spTree>
@@ -14354,10 +14428,10 @@
       </p:sp>
       <p:pic>
         <p:nvPicPr>
-          <p:cNvPr id="9218" name="Picture 2" descr="doc, document, list, paper, todo, checklist, tasks ">
+          <p:cNvPr id="4" name="Picture 2" descr="doc, document, list, paper, todo, checklist, tasks ">
             <a:extLst>
               <a:ext uri="{FF2B5EF4-FFF2-40B4-BE49-F238E27FC236}">
-                <a16:creationId xmlns:a16="http://schemas.microsoft.com/office/drawing/2014/main" id="{8981E45E-A9EC-7F76-052C-71F30538C155}"/>
+                <a16:creationId xmlns:a16="http://schemas.microsoft.com/office/drawing/2014/main" id="{ABF42BB0-96B2-4081-87C2-038EF38FF104}"/>
               </a:ext>
             </a:extLst>
           </p:cNvPr>
@@ -14381,7 +14455,7 @@
         </p:blipFill>
         <p:spPr bwMode="auto">
           <a:xfrm>
-            <a:off x="6964495" y="1813560"/>
+            <a:off x="7288960" y="1862722"/>
             <a:ext cx="3657600" cy="3657600"/>
           </a:xfrm>
           <a:prstGeom prst="rect">
@@ -15089,100 +15163,139 @@
           <a:chExt cx="0" cy="0"/>
         </a:xfrm>
       </p:grpSpPr>
-      <p:pic>
-        <p:nvPicPr>
-          <p:cNvPr id="7174" name="Picture 6" descr="movie, movie theater, movies, screen, the end, theater, theatre ">
+      <p:sp>
+        <p:nvSpPr>
+          <p:cNvPr id="3" name="Rectangle 2">
             <a:extLst>
               <a:ext uri="{FF2B5EF4-FFF2-40B4-BE49-F238E27FC236}">
-                <a16:creationId xmlns:a16="http://schemas.microsoft.com/office/drawing/2014/main" id="{8700CBF7-C2EB-4A2B-0E9E-321B31B73E5E}"/>
+                <a16:creationId xmlns:a16="http://schemas.microsoft.com/office/drawing/2014/main" id="{E1B1B529-9D0D-4D97-936C-C7AA42B62BAB}"/>
               </a:ext>
             </a:extLst>
           </p:cNvPr>
-          <p:cNvPicPr>
-            <a:picLocks noChangeAspect="1" noChangeArrowheads="1"/>
-          </p:cNvPicPr>
+          <p:cNvSpPr/>
           <p:nvPr/>
-        </p:nvPicPr>
-        <p:blipFill>
-          <a:blip r:embed="rId2">
-            <a:extLst>
-              <a:ext uri="{28A0092B-C50C-407E-A947-70E740481C1C}">
-                <a14:useLocalDpi xmlns:a14="http://schemas.microsoft.com/office/drawing/2010/main" val="0"/>
-              </a:ext>
-            </a:extLst>
-          </a:blip>
-          <a:srcRect/>
-          <a:stretch>
-            <a:fillRect/>
-          </a:stretch>
-        </p:blipFill>
-        <p:spPr bwMode="auto">
+        </p:nvSpPr>
+        <p:spPr>
           <a:xfrm>
-            <a:off x="441960" y="-335280"/>
-            <a:ext cx="5425440" cy="5425440"/>
+            <a:off x="4352925" y="971550"/>
+            <a:ext cx="3505200" cy="4152900"/>
           </a:xfrm>
           <a:prstGeom prst="rect">
             <a:avLst/>
           </a:prstGeom>
           <a:noFill/>
-          <a:extLst>
-            <a:ext uri="{909E8E84-426E-40DD-AFC4-6F175D3DCCD1}">
-              <a14:hiddenFill xmlns:a14="http://schemas.microsoft.com/office/drawing/2010/main">
-                <a:solidFill>
-                  <a:srgbClr val="FFFFFF"/>
-                </a:solidFill>
-              </a14:hiddenFill>
-            </a:ext>
-          </a:extLst>
+          <a:ln>
+            <a:solidFill>
+              <a:schemeClr val="tx1"/>
+            </a:solidFill>
+          </a:ln>
+          <a:effectLst>
+            <a:outerShdw blurRad="76200" dir="18900000" sy="23000" kx="-1200000" algn="bl" rotWithShape="0">
+              <a:prstClr val="black">
+                <a:alpha val="20000"/>
+              </a:prstClr>
+            </a:outerShdw>
+          </a:effectLst>
         </p:spPr>
-      </p:pic>
-      <p:pic>
-        <p:nvPicPr>
-          <p:cNvPr id="7178" name="Picture 10" descr="letter, saying, thank, thank you, thanks, thanksgiving ">
+        <p:style>
+          <a:lnRef idx="2">
+            <a:schemeClr val="accent1">
+              <a:shade val="50000"/>
+            </a:schemeClr>
+          </a:lnRef>
+          <a:fillRef idx="1">
+            <a:schemeClr val="accent1"/>
+          </a:fillRef>
+          <a:effectRef idx="0">
+            <a:schemeClr val="accent1"/>
+          </a:effectRef>
+          <a:fontRef idx="minor">
+            <a:schemeClr val="lt1"/>
+          </a:fontRef>
+        </p:style>
+        <p:txBody>
+          <a:bodyPr rtlCol="0" anchor="ctr"/>
+          <a:lstStyle/>
+          <a:p>
+            <a:pPr algn="ctr"/>
+            <a:endParaRPr lang="en-US"/>
+          </a:p>
+        </p:txBody>
+      </p:sp>
+      <p:sp>
+        <p:nvSpPr>
+          <p:cNvPr id="4" name="TextBox 3">
             <a:extLst>
               <a:ext uri="{FF2B5EF4-FFF2-40B4-BE49-F238E27FC236}">
-                <a16:creationId xmlns:a16="http://schemas.microsoft.com/office/drawing/2014/main" id="{EEADC155-B0DC-11DD-4127-6F21EC377085}"/>
+                <a16:creationId xmlns:a16="http://schemas.microsoft.com/office/drawing/2014/main" id="{EA30323B-C5FB-4E2F-A774-FAC07624DEA1}"/>
               </a:ext>
             </a:extLst>
           </p:cNvPr>
-          <p:cNvPicPr>
-            <a:picLocks noChangeAspect="1" noChangeArrowheads="1"/>
-          </p:cNvPicPr>
+          <p:cNvSpPr txBox="1"/>
           <p:nvPr/>
-        </p:nvPicPr>
-        <p:blipFill>
-          <a:blip r:embed="rId3">
-            <a:extLst>
-              <a:ext uri="{28A0092B-C50C-407E-A947-70E740481C1C}">
-                <a14:useLocalDpi xmlns:a14="http://schemas.microsoft.com/office/drawing/2010/main" val="0"/>
-              </a:ext>
-            </a:extLst>
-          </a:blip>
-          <a:srcRect/>
-          <a:stretch>
-            <a:fillRect/>
-          </a:stretch>
-        </p:blipFill>
-        <p:spPr bwMode="auto">
+        </p:nvSpPr>
+        <p:spPr>
           <a:xfrm>
-            <a:off x="6614160" y="3840480"/>
-            <a:ext cx="2209802" cy="1996440"/>
+            <a:off x="3209924" y="1478518"/>
+            <a:ext cx="6467475" cy="1569660"/>
           </a:xfrm>
           <a:prstGeom prst="rect">
             <a:avLst/>
           </a:prstGeom>
           <a:noFill/>
-          <a:extLst>
-            <a:ext uri="{909E8E84-426E-40DD-AFC4-6F175D3DCCD1}">
-              <a14:hiddenFill xmlns:a14="http://schemas.microsoft.com/office/drawing/2010/main">
-                <a:solidFill>
-                  <a:srgbClr val="FFFFFF"/>
-                </a:solidFill>
-              </a14:hiddenFill>
-            </a:ext>
-          </a:extLst>
         </p:spPr>
-      </p:pic>
+        <p:txBody>
+          <a:bodyPr wrap="square" rtlCol="0">
+            <a:spAutoFit/>
+          </a:bodyPr>
+          <a:lstStyle/>
+          <a:p>
+            <a:r>
+              <a:rPr lang="en-US" sz="9600" dirty="0">
+                <a:latin typeface="Engravers MT" panose="02090707080505020304" pitchFamily="18" charset="0"/>
+              </a:rPr>
+              <a:t>THANK</a:t>
+            </a:r>
+          </a:p>
+        </p:txBody>
+      </p:sp>
+      <p:sp>
+        <p:nvSpPr>
+          <p:cNvPr id="5" name="TextBox 4">
+            <a:extLst>
+              <a:ext uri="{FF2B5EF4-FFF2-40B4-BE49-F238E27FC236}">
+                <a16:creationId xmlns:a16="http://schemas.microsoft.com/office/drawing/2014/main" id="{708A6DA4-D64E-4D21-9E00-C4711841B953}"/>
+              </a:ext>
+            </a:extLst>
+          </p:cNvPr>
+          <p:cNvSpPr txBox="1"/>
+          <p:nvPr/>
+        </p:nvSpPr>
+        <p:spPr>
+          <a:xfrm>
+            <a:off x="4181473" y="3063182"/>
+            <a:ext cx="4524375" cy="1569660"/>
+          </a:xfrm>
+          <a:prstGeom prst="rect">
+            <a:avLst/>
+          </a:prstGeom>
+          <a:noFill/>
+        </p:spPr>
+        <p:txBody>
+          <a:bodyPr wrap="square" rtlCol="0">
+            <a:spAutoFit/>
+          </a:bodyPr>
+          <a:lstStyle/>
+          <a:p>
+            <a:r>
+              <a:rPr lang="en-US" sz="9600" dirty="0">
+                <a:latin typeface="Engravers MT" panose="02090707080505020304" pitchFamily="18" charset="0"/>
+              </a:rPr>
+              <a:t>YOU</a:t>
+            </a:r>
+          </a:p>
+        </p:txBody>
+      </p:sp>
     </p:spTree>
     <p:extLst>
       <p:ext uri="{BB962C8B-B14F-4D97-AF65-F5344CB8AC3E}">
@@ -16784,57 +16897,40 @@
       </p:sp>
       <p:pic>
         <p:nvPicPr>
-          <p:cNvPr id="2050" name="Picture 2" descr="ai, artificial intelligence, automaton, brain, electronics, robotics, technology ">
+          <p:cNvPr id="8" name="Picture 7">
             <a:extLst>
               <a:ext uri="{FF2B5EF4-FFF2-40B4-BE49-F238E27FC236}">
-                <a16:creationId xmlns:a16="http://schemas.microsoft.com/office/drawing/2014/main" id="{14DA07E4-562A-B1D6-7AFD-B4A59A61B68E}"/>
+                <a16:creationId xmlns:a16="http://schemas.microsoft.com/office/drawing/2014/main" id="{2686878A-7FC9-41C0-A64E-FFF2BF87122A}"/>
               </a:ext>
             </a:extLst>
           </p:cNvPr>
           <p:cNvPicPr>
-            <a:picLocks noChangeAspect="1" noChangeArrowheads="1"/>
+            <a:picLocks noChangeAspect="1"/>
           </p:cNvPicPr>
           <p:nvPr/>
         </p:nvPicPr>
         <p:blipFill>
-          <a:blip r:embed="rId4">
-            <a:extLst>
-              <a:ext uri="{28A0092B-C50C-407E-A947-70E740481C1C}">
-                <a14:useLocalDpi xmlns:a14="http://schemas.microsoft.com/office/drawing/2010/main" val="0"/>
-              </a:ext>
-            </a:extLst>
-          </a:blip>
-          <a:srcRect/>
+          <a:blip r:embed="rId4"/>
           <a:stretch>
             <a:fillRect/>
           </a:stretch>
         </p:blipFill>
-        <p:spPr bwMode="auto">
+        <p:spPr>
           <a:xfrm>
-            <a:off x="10012680" y="607296"/>
-            <a:ext cx="1645920" cy="1572024"/>
+            <a:off x="9852062" y="145223"/>
+            <a:ext cx="2152651" cy="2074208"/>
           </a:xfrm>
           <a:prstGeom prst="rect">
             <a:avLst/>
           </a:prstGeom>
-          <a:noFill/>
-          <a:extLst>
-            <a:ext uri="{909E8E84-426E-40DD-AFC4-6F175D3DCCD1}">
-              <a14:hiddenFill xmlns:a14="http://schemas.microsoft.com/office/drawing/2010/main">
-                <a:solidFill>
-                  <a:srgbClr val="FFFFFF"/>
-                </a:solidFill>
-              </a14:hiddenFill>
-            </a:ext>
-          </a:extLst>
         </p:spPr>
       </p:pic>
       <p:pic>
         <p:nvPicPr>
-          <p:cNvPr id="2052" name="Picture 4" descr="ai, artificial intelligence, automaton, brain, electronics, robotics, technology ">
+          <p:cNvPr id="3074" name="Picture 2" descr="Ai, artificial intelligence, automaton, brain, electronics, robotics, technology icon - Free download">
             <a:extLst>
               <a:ext uri="{FF2B5EF4-FFF2-40B4-BE49-F238E27FC236}">
-                <a16:creationId xmlns:a16="http://schemas.microsoft.com/office/drawing/2014/main" id="{9318C93A-E516-1B2F-BCB1-FDC015F199D1}"/>
+                <a16:creationId xmlns:a16="http://schemas.microsoft.com/office/drawing/2014/main" id="{8E13453E-CA5B-48DF-97FE-D5080A157649}"/>
               </a:ext>
             </a:extLst>
           </p:cNvPr>
@@ -16858,8 +16954,8 @@
         </p:blipFill>
         <p:spPr bwMode="auto">
           <a:xfrm>
-            <a:off x="10570002" y="5447465"/>
-            <a:ext cx="1214374" cy="1214374"/>
+            <a:off x="10146534" y="4868225"/>
+            <a:ext cx="2045466" cy="1844552"/>
           </a:xfrm>
           <a:prstGeom prst="rect">
             <a:avLst/>
@@ -17469,49 +17565,32 @@
       </p:sp>
       <p:pic>
         <p:nvPicPr>
-          <p:cNvPr id="3076" name="Picture 4" descr="course, degree, laptop, learning, online, study ">
+          <p:cNvPr id="4" name="Picture 3">
             <a:extLst>
               <a:ext uri="{FF2B5EF4-FFF2-40B4-BE49-F238E27FC236}">
-                <a16:creationId xmlns:a16="http://schemas.microsoft.com/office/drawing/2014/main" id="{ED88606E-C50C-3EF1-53ED-3AD0050305B6}"/>
+                <a16:creationId xmlns:a16="http://schemas.microsoft.com/office/drawing/2014/main" id="{8B4B5E06-563D-4485-9E3E-B028590D54D5}"/>
               </a:ext>
             </a:extLst>
           </p:cNvPr>
           <p:cNvPicPr>
-            <a:picLocks noChangeAspect="1" noChangeArrowheads="1"/>
+            <a:picLocks noChangeAspect="1"/>
           </p:cNvPicPr>
           <p:nvPr/>
         </p:nvPicPr>
         <p:blipFill>
-          <a:blip r:embed="rId2">
-            <a:extLst>
-              <a:ext uri="{28A0092B-C50C-407E-A947-70E740481C1C}">
-                <a14:useLocalDpi xmlns:a14="http://schemas.microsoft.com/office/drawing/2010/main" val="0"/>
-              </a:ext>
-            </a:extLst>
-          </a:blip>
-          <a:srcRect/>
+          <a:blip r:embed="rId2"/>
           <a:stretch>
             <a:fillRect/>
           </a:stretch>
         </p:blipFill>
-        <p:spPr bwMode="auto">
+        <p:spPr>
           <a:xfrm>
-            <a:off x="9964783" y="1877095"/>
-            <a:ext cx="2227217" cy="2227217"/>
+            <a:off x="9624332" y="2438401"/>
+            <a:ext cx="2371725" cy="1909762"/>
           </a:xfrm>
           <a:prstGeom prst="rect">
             <a:avLst/>
           </a:prstGeom>
-          <a:noFill/>
-          <a:extLst>
-            <a:ext uri="{909E8E84-426E-40DD-AFC4-6F175D3DCCD1}">
-              <a14:hiddenFill xmlns:a14="http://schemas.microsoft.com/office/drawing/2010/main">
-                <a:solidFill>
-                  <a:srgbClr val="FFFFFF"/>
-                </a:solidFill>
-              </a14:hiddenFill>
-            </a:ext>
-          </a:extLst>
         </p:spPr>
       </p:pic>
     </p:spTree>

--- a/TIC_PP.pptx
+++ b/TIC_PP.pptx
@@ -10574,7 +10574,7 @@
           <p:nvPr>
             <p:extLst>
               <p:ext uri="{D42A27DB-BD31-4B8C-83A1-F6EECF244321}">
-                <p14:modId xmlns:p14="http://schemas.microsoft.com/office/powerpoint/2010/main" val="3102818673"/>
+                <p14:modId xmlns:p14="http://schemas.microsoft.com/office/powerpoint/2010/main" val="641296877"/>
               </p:ext>
             </p:extLst>
           </p:nvPr>
@@ -10724,18 +10724,18 @@
                           <a:latin typeface="Times New Roman" panose="02020603050405020304" pitchFamily="18" charset="0"/>
                           <a:cs typeface="Times New Roman" panose="02020603050405020304" pitchFamily="18" charset="0"/>
                         </a:rPr>
-                        <a:t>A word processing application for creating and editing documents that was developed by Microsoft . It was first released on October 25, 1983, under the name</a:t>
+                        <a:t>A word processing application for creating and editing documents that was developed by Microsoft . It was first released on October 25, 1983, under the name </a:t>
                       </a:r>
                       <a:r>
                         <a:rPr lang="en-US" sz="1800" dirty="0">
                           <a:effectLst/>
                           <a:highlight>
-                            <a:srgbClr val="C0C0C0"/>
+                            <a:srgbClr val="66CCFF"/>
                           </a:highlight>
                           <a:latin typeface="Times New Roman" panose="02020603050405020304" pitchFamily="18" charset="0"/>
                           <a:cs typeface="Times New Roman" panose="02020603050405020304" pitchFamily="18" charset="0"/>
                         </a:rPr>
-                        <a:t> Multi-Tool </a:t>
+                        <a:t>Multi-Tool</a:t>
                       </a:r>
                       <a:r>
                         <a:rPr lang="en-US" sz="1800" dirty="0">
@@ -10743,7 +10743,7 @@
                           <a:latin typeface="Times New Roman" panose="02020603050405020304" pitchFamily="18" charset="0"/>
                           <a:cs typeface="Times New Roman" panose="02020603050405020304" pitchFamily="18" charset="0"/>
                         </a:rPr>
-                        <a:t>Word for </a:t>
+                        <a:t> Word for </a:t>
                       </a:r>
                       <a:r>
                         <a:rPr lang="en-US" sz="1800" dirty="0" err="1">
@@ -10843,9 +10843,6 @@
                             <a:srgbClr val="00B050"/>
                           </a:solidFill>
                           <a:effectLst/>
-                          <a:highlight>
-                            <a:srgbClr val="C0C0C0"/>
-                          </a:highlight>
                           <a:latin typeface="Times New Roman" panose="02020603050405020304" pitchFamily="18" charset="0"/>
                           <a:cs typeface="Times New Roman" panose="02020603050405020304" pitchFamily="18" charset="0"/>
                         </a:rPr>
@@ -15236,7 +15233,7 @@
         </p:nvSpPr>
         <p:spPr>
           <a:xfrm>
-            <a:off x="3209924" y="1478518"/>
+            <a:off x="3209922" y="1493522"/>
             <a:ext cx="6467475" cy="1569660"/>
           </a:xfrm>
           <a:prstGeom prst="rect">
@@ -15919,14 +15916,11 @@
               <a:t>The second stage of ICT applications was marked by the rise of computing. This began in the mid-20th century with the invention of the </a:t>
             </a:r>
             <a:r>
-              <a:rPr lang="en-US" sz="1800" spc="-5" dirty="0">
+              <a:rPr lang="en-US" sz="1800" b="1" spc="-5" dirty="0">
                 <a:solidFill>
-                  <a:srgbClr val="C00000"/>
+                  <a:schemeClr val="accent2"/>
                 </a:solidFill>
                 <a:effectLst/>
-                <a:highlight>
-                  <a:srgbClr val="D3D3D3"/>
-                </a:highlight>
                 <a:latin typeface="Times New Roman" panose="02020603050405020304" pitchFamily="18" charset="0"/>
                 <a:ea typeface="Calibri" panose="020F0502020204030204" pitchFamily="34" charset="0"/>
               </a:rPr>
@@ -15996,15 +15990,13 @@
         </p:nvSpPr>
         <p:spPr>
           <a:xfrm>
-            <a:off x="936617" y="5265708"/>
-            <a:ext cx="2026920" cy="182880"/>
+            <a:off x="1445254" y="5172482"/>
+            <a:ext cx="2177254" cy="369332"/>
           </a:xfrm>
           <a:prstGeom prst="rect">
             <a:avLst/>
           </a:prstGeom>
-          <a:solidFill>
-            <a:prstClr val="white"/>
-          </a:solidFill>
+          <a:noFill/>
           <a:ln>
             <a:noFill/>
           </a:ln>
@@ -16024,11 +16016,9 @@
               </a:spcAft>
             </a:pPr>
             <a:r>
-              <a:rPr lang="en-US" i="1" dirty="0">
+              <a:rPr lang="en-US" b="1" i="1" dirty="0">
                 <a:solidFill>
-                  <a:schemeClr val="accent6">
-                    <a:lumMod val="75000"/>
-                  </a:schemeClr>
+                  <a:schemeClr val="accent2"/>
                 </a:solidFill>
                 <a:effectLst/>
                 <a:latin typeface="Time new roma"/>
@@ -16037,11 +16027,9 @@
               </a:rPr>
               <a:t>Figure 1: a Telegraph</a:t>
             </a:r>
-            <a:endParaRPr lang="fr-FR" i="1" dirty="0">
+            <a:endParaRPr lang="fr-FR" b="1" i="1" dirty="0">
               <a:solidFill>
-                <a:schemeClr val="accent6">
-                  <a:lumMod val="75000"/>
-                </a:schemeClr>
+                <a:schemeClr val="accent2"/>
               </a:solidFill>
               <a:effectLst/>
               <a:latin typeface="Time new roma"/>
@@ -16095,7 +16083,7 @@
         </p:nvSpPr>
         <p:spPr>
           <a:xfrm>
-            <a:off x="5552502" y="5172482"/>
+            <a:off x="5348345" y="5172482"/>
             <a:ext cx="3646582" cy="369332"/>
           </a:xfrm>
           <a:prstGeom prst="rect">
@@ -16110,22 +16098,18 @@
           <a:lstStyle/>
           <a:p>
             <a:r>
-              <a:rPr lang="fr-FR" i="1" dirty="0">
+              <a:rPr lang="fr-FR" b="1" i="1" dirty="0">
                 <a:solidFill>
-                  <a:schemeClr val="accent6">
-                    <a:lumMod val="75000"/>
-                  </a:schemeClr>
+                  <a:schemeClr val="accent2"/>
                 </a:solidFill>
                 <a:latin typeface="Time new roma"/>
               </a:rPr>
               <a:t>Figure 2 : </a:t>
             </a:r>
             <a:r>
-              <a:rPr lang="en-US" sz="1800" i="1" dirty="0">
+              <a:rPr lang="en-US" sz="1800" b="1" i="1" dirty="0">
                 <a:solidFill>
-                  <a:schemeClr val="accent6">
-                    <a:lumMod val="75000"/>
-                  </a:schemeClr>
+                  <a:schemeClr val="accent2"/>
                 </a:solidFill>
                 <a:effectLst/>
                 <a:latin typeface="Time new roma"/>
@@ -16134,11 +16118,9 @@
               </a:rPr>
               <a:t>First electronic computer</a:t>
             </a:r>
-            <a:endParaRPr lang="fr-FR" i="1" dirty="0">
+            <a:endParaRPr lang="fr-FR" b="1" i="1" dirty="0">
               <a:solidFill>
-                <a:schemeClr val="accent6">
-                  <a:lumMod val="75000"/>
-                </a:schemeClr>
+                <a:schemeClr val="accent2"/>
               </a:solidFill>
               <a:latin typeface="Time new roma"/>
             </a:endParaRPr>
@@ -16735,7 +16717,7 @@
         </p:blipFill>
         <p:spPr>
           <a:xfrm>
-            <a:off x="5277079" y="3690650"/>
+            <a:off x="5277079" y="3695469"/>
             <a:ext cx="3712684" cy="1972019"/>
           </a:xfrm>
           <a:prstGeom prst="rect">
@@ -16787,7 +16769,7 @@
         </p:nvSpPr>
         <p:spPr>
           <a:xfrm>
-            <a:off x="5387249" y="5662669"/>
+            <a:off x="5387249" y="5731486"/>
             <a:ext cx="3712683" cy="646331"/>
           </a:xfrm>
           <a:prstGeom prst="rect">
@@ -16856,7 +16838,7 @@
         </p:nvSpPr>
         <p:spPr>
           <a:xfrm>
-            <a:off x="771181" y="5685320"/>
+            <a:off x="1219449" y="5731486"/>
             <a:ext cx="2089033" cy="369332"/>
           </a:xfrm>
           <a:prstGeom prst="rect">

--- a/TIC_PP.pptx
+++ b/TIC_PP.pptx
@@ -8215,15 +8215,15 @@
         </p:nvSpPr>
         <p:spPr>
           <a:xfrm>
-            <a:off x="2815750" y="2572158"/>
-            <a:ext cx="6560500" cy="1480457"/>
+            <a:off x="2491274" y="2099389"/>
+            <a:ext cx="8924886" cy="1856754"/>
           </a:xfrm>
         </p:spPr>
         <p:txBody>
           <a:bodyPr/>
           <a:lstStyle/>
           <a:p>
-            <a:pPr>
+            <a:pPr algn="ctr">
               <a:lnSpc>
                 <a:spcPct val="115000"/>
               </a:lnSpc>
@@ -8232,7 +8232,7 @@
               </a:spcAft>
             </a:pPr>
             <a:r>
-              <a:rPr lang="en-US" sz="3200" b="1" dirty="0">
+              <a:rPr lang="en-US" sz="3000" b="1" dirty="0">
                 <a:solidFill>
                   <a:schemeClr val="accent2">
                     <a:lumMod val="60000"/>
@@ -8253,7 +8253,7 @@
               <a:t>Final Project of TIC </a:t>
             </a:r>
             <a:br>
-              <a:rPr lang="fr-FR" sz="3200" b="1" dirty="0">
+              <a:rPr lang="fr-FR" sz="3000" b="1" dirty="0">
                 <a:solidFill>
                   <a:schemeClr val="accent2">
                     <a:lumMod val="60000"/>
@@ -8273,7 +8273,7 @@
               </a:rPr>
             </a:br>
             <a:r>
-              <a:rPr lang="en-US" sz="3200" b="1" dirty="0">
+              <a:rPr lang="en-US" sz="3000" b="1" dirty="0">
                 <a:solidFill>
                   <a:schemeClr val="accent2">
                     <a:lumMod val="60000"/>
@@ -8294,7 +8294,7 @@
               <a:t>Information and Communication Technologies ICT </a:t>
             </a:r>
             <a:br>
-              <a:rPr lang="fr-FR" sz="3200" b="1" dirty="0">
+              <a:rPr lang="en-US" sz="3000" b="1" dirty="0">
                 <a:solidFill>
                   <a:schemeClr val="accent2">
                     <a:lumMod val="60000"/>
@@ -8314,7 +8314,7 @@
               </a:rPr>
             </a:br>
             <a:r>
-              <a:rPr lang="en-US" sz="3200" b="1" dirty="0">
+              <a:rPr lang="en-US" sz="3000" b="1" dirty="0">
                 <a:solidFill>
                   <a:schemeClr val="accent2">
                     <a:lumMod val="60000"/>
@@ -8334,7 +8334,7 @@
               </a:rPr>
               <a:t>&amp; Technologies related to ICT</a:t>
             </a:r>
-            <a:endParaRPr lang="fr-FR" sz="3200" b="1" dirty="0">
+            <a:endParaRPr lang="fr-FR" sz="3000" b="1" dirty="0">
               <a:solidFill>
                 <a:schemeClr val="accent2">
                   <a:lumMod val="60000"/>
@@ -8720,55 +8720,8 @@
         </p:blipFill>
         <p:spPr bwMode="auto">
           <a:xfrm>
-            <a:off x="1049990" y="211517"/>
+            <a:off x="1049990" y="174195"/>
             <a:ext cx="2363770" cy="2363770"/>
-          </a:xfrm>
-          <a:prstGeom prst="rect">
-            <a:avLst/>
-          </a:prstGeom>
-          <a:noFill/>
-          <a:extLst>
-            <a:ext uri="{909E8E84-426E-40DD-AFC4-6F175D3DCCD1}">
-              <a14:hiddenFill xmlns:a14="http://schemas.microsoft.com/office/drawing/2010/main">
-                <a:solidFill>
-                  <a:srgbClr val="FFFFFF"/>
-                </a:solidFill>
-              </a14:hiddenFill>
-            </a:ext>
-          </a:extLst>
-        </p:spPr>
-      </p:pic>
-      <p:pic>
-        <p:nvPicPr>
-          <p:cNvPr id="1036" name="Picture 12" descr="internet of things, internet, iot, wireless, mechanic, gear, settings ">
-            <a:extLst>
-              <a:ext uri="{FF2B5EF4-FFF2-40B4-BE49-F238E27FC236}">
-                <a16:creationId xmlns:a16="http://schemas.microsoft.com/office/drawing/2014/main" id="{FDA02079-ADDA-688A-4EE1-67173983FF91}"/>
-              </a:ext>
-            </a:extLst>
-          </p:cNvPr>
-          <p:cNvPicPr>
-            <a:picLocks noChangeAspect="1" noChangeArrowheads="1"/>
-          </p:cNvPicPr>
-          <p:nvPr/>
-        </p:nvPicPr>
-        <p:blipFill>
-          <a:blip r:embed="rId5">
-            <a:extLst>
-              <a:ext uri="{28A0092B-C50C-407E-A947-70E740481C1C}">
-                <a14:useLocalDpi xmlns:a14="http://schemas.microsoft.com/office/drawing/2010/main" val="0"/>
-              </a:ext>
-            </a:extLst>
-          </a:blip>
-          <a:srcRect/>
-          <a:stretch>
-            <a:fillRect/>
-          </a:stretch>
-        </p:blipFill>
-        <p:spPr bwMode="auto">
-          <a:xfrm>
-            <a:off x="9555480" y="30480"/>
-            <a:ext cx="2636520" cy="2636520"/>
           </a:xfrm>
           <a:prstGeom prst="rect">
             <a:avLst/>
@@ -17535,11 +17488,11 @@
   <p:clrMapOvr>
     <a:masterClrMapping/>
   </p:clrMapOvr>
-  <mc:AlternateContent xmlns:mc="http://schemas.openxmlformats.org/markup-compatibility/2006">
-    <mc:Choice xmlns:p14="http://schemas.microsoft.com/office/powerpoint/2010/main" Requires="p14">
+  <mc:AlternateContent xmlns:mc="http://schemas.openxmlformats.org/markup-compatibility/2006" xmlns:p14="http://schemas.microsoft.com/office/powerpoint/2010/main">
+    <mc:Choice Requires="p14">
       <p:transition spd="slow" p14:dur="1500"/>
     </mc:Choice>
-    <mc:Fallback>
+    <mc:Fallback xmlns="">
       <p:transition spd="slow"/>
     </mc:Fallback>
   </mc:AlternateContent>

--- a/TIC_PP.pptx
+++ b/TIC_PP.pptx
@@ -8215,8 +8215,8 @@
         </p:nvSpPr>
         <p:spPr>
           <a:xfrm>
-            <a:off x="2491274" y="2099389"/>
-            <a:ext cx="8924886" cy="1856754"/>
+            <a:off x="1436915" y="2024743"/>
+            <a:ext cx="8924886" cy="2556552"/>
           </a:xfrm>
         </p:spPr>
         <p:txBody>
@@ -8225,7 +8225,7 @@
           <a:p>
             <a:pPr algn="ctr">
               <a:lnSpc>
-                <a:spcPct val="115000"/>
+                <a:spcPct val="200000"/>
               </a:lnSpc>
               <a:spcAft>
                 <a:spcPts val="1000"/>
@@ -8354,31 +8354,91 @@
           </a:p>
         </p:txBody>
       </p:sp>
-      <p:sp>
-        <p:nvSpPr>
-          <p:cNvPr id="3" name="Sous-titre 2">
+      <p:pic>
+        <p:nvPicPr>
+          <p:cNvPr id="4" name="Picture 3">
             <a:extLst>
               <a:ext uri="{FF2B5EF4-FFF2-40B4-BE49-F238E27FC236}">
-                <a16:creationId xmlns:a16="http://schemas.microsoft.com/office/drawing/2014/main" id="{2C2340CA-2A19-E594-DE9F-DC411A42B8CF}"/>
+                <a16:creationId xmlns:a16="http://schemas.microsoft.com/office/drawing/2014/main" id="{B3626A85-93BE-4AA2-91B0-30F1432817C5}"/>
               </a:ext>
             </a:extLst>
           </p:cNvPr>
-          <p:cNvSpPr>
-            <a:spLocks noGrp="1"/>
-          </p:cNvSpPr>
-          <p:nvPr>
-            <p:ph type="subTitle" idx="1"/>
-          </p:nvPr>
+          <p:cNvPicPr>
+            <a:picLocks noChangeAspect="1"/>
+          </p:cNvPicPr>
+          <p:nvPr/>
+        </p:nvPicPr>
+        <p:blipFill>
+          <a:blip r:embed="rId3"/>
+          <a:stretch>
+            <a:fillRect/>
+          </a:stretch>
+        </p:blipFill>
+        <p:spPr>
+          <a:xfrm>
+            <a:off x="10683551" y="5265574"/>
+            <a:ext cx="1331168" cy="1331168"/>
+          </a:xfrm>
+          <a:prstGeom prst="rect">
+            <a:avLst/>
+          </a:prstGeom>
+        </p:spPr>
+      </p:pic>
+      <p:pic>
+        <p:nvPicPr>
+          <p:cNvPr id="7" name="Picture 6">
+            <a:extLst>
+              <a:ext uri="{FF2B5EF4-FFF2-40B4-BE49-F238E27FC236}">
+                <a16:creationId xmlns:a16="http://schemas.microsoft.com/office/drawing/2014/main" id="{D0909886-41D6-415D-94C5-10CBCC191B5B}"/>
+              </a:ext>
+            </a:extLst>
+          </p:cNvPr>
+          <p:cNvPicPr>
+            <a:picLocks noChangeAspect="1"/>
+          </p:cNvPicPr>
+          <p:nvPr/>
+        </p:nvPicPr>
+        <p:blipFill>
+          <a:blip r:embed="rId4"/>
+          <a:stretch>
+            <a:fillRect/>
+          </a:stretch>
+        </p:blipFill>
+        <p:spPr>
+          <a:xfrm>
+            <a:off x="555379" y="232986"/>
+            <a:ext cx="1916893" cy="1974966"/>
+          </a:xfrm>
+          <a:prstGeom prst="rect">
+            <a:avLst/>
+          </a:prstGeom>
+        </p:spPr>
+      </p:pic>
+      <p:sp>
+        <p:nvSpPr>
+          <p:cNvPr id="9" name="TextBox 8">
+            <a:extLst>
+              <a:ext uri="{FF2B5EF4-FFF2-40B4-BE49-F238E27FC236}">
+                <a16:creationId xmlns:a16="http://schemas.microsoft.com/office/drawing/2014/main" id="{9F8E808C-398E-4BE1-9F97-F4A822F614B6}"/>
+              </a:ext>
+            </a:extLst>
+          </p:cNvPr>
+          <p:cNvSpPr txBox="1"/>
+          <p:nvPr/>
         </p:nvSpPr>
         <p:spPr>
           <a:xfrm>
-            <a:off x="544286" y="4049485"/>
-            <a:ext cx="4242289" cy="2732315"/>
+            <a:off x="177281" y="5931158"/>
+            <a:ext cx="10251232" cy="700000"/>
           </a:xfrm>
+          <a:prstGeom prst="rect">
+            <a:avLst/>
+          </a:prstGeom>
+          <a:noFill/>
         </p:spPr>
         <p:txBody>
-          <a:bodyPr>
-            <a:normAutofit fontScale="25000" lnSpcReduction="20000"/>
+          <a:bodyPr wrap="square">
+            <a:spAutoFit/>
           </a:bodyPr>
           <a:lstStyle/>
           <a:p>
@@ -8388,56 +8448,7 @@
               </a:lnSpc>
             </a:pPr>
             <a:r>
-              <a:rPr lang="fr-FR" sz="8000" b="1" dirty="0" err="1">
-                <a:solidFill>
-                  <a:schemeClr val="accent3">
-                    <a:lumMod val="75000"/>
-                  </a:schemeClr>
-                </a:solidFill>
-                <a:effectLst/>
-                <a:latin typeface="Times New Roman" panose="02020603050405020304" pitchFamily="18" charset="0"/>
-                <a:ea typeface="Calibri" panose="020F0502020204030204" pitchFamily="34" charset="0"/>
-                <a:cs typeface="Times New Roman" panose="02020603050405020304" pitchFamily="18" charset="0"/>
-              </a:rPr>
-              <a:t>Assembled</a:t>
-            </a:r>
-            <a:r>
-              <a:rPr lang="fr-FR" sz="8000" b="1" dirty="0">
-                <a:solidFill>
-                  <a:schemeClr val="accent3">
-                    <a:lumMod val="75000"/>
-                  </a:schemeClr>
-                </a:solidFill>
-                <a:effectLst/>
-                <a:latin typeface="Times New Roman" panose="02020603050405020304" pitchFamily="18" charset="0"/>
-                <a:ea typeface="Calibri" panose="020F0502020204030204" pitchFamily="34" charset="0"/>
-                <a:cs typeface="Times New Roman" panose="02020603050405020304" pitchFamily="18" charset="0"/>
-              </a:rPr>
-              <a:t> by: </a:t>
-            </a:r>
-            <a:r>
-              <a:rPr lang="fr-FR" sz="8000" dirty="0">
-                <a:solidFill>
-                  <a:schemeClr val="tx2"/>
-                </a:solidFill>
-                <a:effectLst/>
-                <a:latin typeface="Times New Roman" panose="02020603050405020304" pitchFamily="18" charset="0"/>
-                <a:ea typeface="Calibri" panose="020F0502020204030204" pitchFamily="34" charset="0"/>
-                <a:cs typeface="Times New Roman" panose="02020603050405020304" pitchFamily="18" charset="0"/>
-              </a:rPr>
-              <a:t>group 8</a:t>
-            </a:r>
-          </a:p>
-          <a:p>
-            <a:pPr marL="285750" lvl="0" indent="-285750" algn="just">
-              <a:lnSpc>
-                <a:spcPct val="150000"/>
-              </a:lnSpc>
-              <a:buFont typeface="Arial" panose="020B0604020202020204" pitchFamily="34" charset="0"/>
-              <a:buChar char="•"/>
-            </a:pPr>
-            <a:r>
-              <a:rPr lang="fr-FR" sz="6400" dirty="0" err="1">
+              <a:rPr lang="fr-FR" sz="1400" b="1" dirty="0">
                 <a:solidFill>
                   <a:schemeClr val="tx1"/>
                 </a:solidFill>
@@ -8445,10 +8456,10 @@
                 <a:ea typeface="Calibri" panose="020F0502020204030204" pitchFamily="34" charset="0"/>
                 <a:cs typeface="Times New Roman" panose="02020603050405020304" pitchFamily="18" charset="0"/>
               </a:rPr>
-              <a:t>Balaman</a:t>
+              <a:t>Group 8 </a:t>
             </a:r>
             <a:r>
-              <a:rPr lang="fr-FR" sz="6400" dirty="0">
+              <a:rPr lang="fr-FR" sz="1400" b="1" dirty="0" err="1">
                 <a:solidFill>
                   <a:schemeClr val="tx1"/>
                 </a:solidFill>
@@ -8456,10 +8467,39 @@
                 <a:ea typeface="Calibri" panose="020F0502020204030204" pitchFamily="34" charset="0"/>
                 <a:cs typeface="Times New Roman" panose="02020603050405020304" pitchFamily="18" charset="0"/>
               </a:rPr>
-              <a:t> </a:t>
+              <a:t>Members</a:t>
             </a:r>
             <a:r>
-              <a:rPr lang="fr-FR" sz="6400" dirty="0" err="1">
+              <a:rPr lang="fr-FR" sz="1400" b="1" dirty="0">
+                <a:solidFill>
+                  <a:schemeClr val="tx1"/>
+                </a:solidFill>
+                <a:latin typeface="Times New Roman" panose="02020603050405020304" pitchFamily="18" charset="0"/>
+                <a:ea typeface="Calibri" panose="020F0502020204030204" pitchFamily="34" charset="0"/>
+                <a:cs typeface="Times New Roman" panose="02020603050405020304" pitchFamily="18" charset="0"/>
+              </a:rPr>
+              <a:t> :</a:t>
+            </a:r>
+          </a:p>
+          <a:p>
+            <a:pPr lvl="0" algn="just">
+              <a:lnSpc>
+                <a:spcPct val="150000"/>
+              </a:lnSpc>
+            </a:pPr>
+            <a:r>
+              <a:rPr lang="fr-FR" sz="1400" b="1" dirty="0">
+                <a:solidFill>
+                  <a:schemeClr val="tx1"/>
+                </a:solidFill>
+                <a:latin typeface="Times New Roman" panose="02020603050405020304" pitchFamily="18" charset="0"/>
+                <a:ea typeface="Calibri" panose="020F0502020204030204" pitchFamily="34" charset="0"/>
+                <a:cs typeface="Times New Roman" panose="02020603050405020304" pitchFamily="18" charset="0"/>
+              </a:rPr>
+              <a:t>BALAMAN Hala </a:t>
+            </a:r>
+            <a:r>
+              <a:rPr lang="fr-FR" sz="1400" b="1" dirty="0" err="1">
                 <a:solidFill>
                   <a:schemeClr val="tx1"/>
                 </a:solidFill>
@@ -8470,7 +8510,7 @@
               <a:t>Hadjer</a:t>
             </a:r>
             <a:r>
-              <a:rPr lang="fr-FR" sz="6400" dirty="0">
+              <a:rPr lang="fr-FR" sz="1400" b="1" dirty="0">
                 <a:solidFill>
                   <a:schemeClr val="tx1"/>
                 </a:solidFill>
@@ -8478,19 +8518,10 @@
                 <a:ea typeface="Calibri" panose="020F0502020204030204" pitchFamily="34" charset="0"/>
                 <a:cs typeface="Times New Roman" panose="02020603050405020304" pitchFamily="18" charset="0"/>
               </a:rPr>
-              <a:t> Hala</a:t>
+              <a:t>      BOUDIAF </a:t>
             </a:r>
-          </a:p>
-          <a:p>
-            <a:pPr marL="285750" lvl="0" indent="-285750" algn="just">
-              <a:lnSpc>
-                <a:spcPct val="150000"/>
-              </a:lnSpc>
-              <a:buFont typeface="Arial" panose="020B0604020202020204" pitchFamily="34" charset="0"/>
-              <a:buChar char="•"/>
-            </a:pPr>
             <a:r>
-              <a:rPr lang="fr-FR" sz="6400" dirty="0">
+              <a:rPr lang="fr-FR" sz="1400" b="1" dirty="0" err="1">
                 <a:solidFill>
                   <a:schemeClr val="tx1"/>
                 </a:solidFill>
@@ -8498,19 +8529,10 @@
                 <a:ea typeface="Calibri" panose="020F0502020204030204" pitchFamily="34" charset="0"/>
                 <a:cs typeface="Times New Roman" panose="02020603050405020304" pitchFamily="18" charset="0"/>
               </a:rPr>
-              <a:t>Boudiaf Aicha </a:t>
+              <a:t>Aisha</a:t>
             </a:r>
-          </a:p>
-          <a:p>
-            <a:pPr marL="285750" lvl="0" indent="-285750" algn="just">
-              <a:lnSpc>
-                <a:spcPct val="150000"/>
-              </a:lnSpc>
-              <a:buFont typeface="Arial" panose="020B0604020202020204" pitchFamily="34" charset="0"/>
-              <a:buChar char="•"/>
-            </a:pPr>
             <a:r>
-              <a:rPr lang="fr-FR" sz="6400" dirty="0">
+              <a:rPr lang="fr-FR" sz="1400" b="1" dirty="0">
                 <a:solidFill>
                   <a:schemeClr val="tx1"/>
                 </a:solidFill>
@@ -8518,42 +8540,20 @@
                 <a:ea typeface="Calibri" panose="020F0502020204030204" pitchFamily="34" charset="0"/>
                 <a:cs typeface="Times New Roman" panose="02020603050405020304" pitchFamily="18" charset="0"/>
               </a:rPr>
-              <a:t>Hamza  Nacera Noor</a:t>
+              <a:t>      HAMZA Noor Nacera      KAMIRI Lilia      YAHYAOUI </a:t>
             </a:r>
-          </a:p>
-          <a:p>
-            <a:pPr marL="285750" indent="-285750" algn="just">
-              <a:lnSpc>
-                <a:spcPct val="150000"/>
-              </a:lnSpc>
-              <a:buFont typeface="Arial" panose="020B0604020202020204" pitchFamily="34" charset="0"/>
-              <a:buChar char="•"/>
-            </a:pPr>
             <a:r>
-              <a:rPr lang="en-US" sz="6400" dirty="0" err="1">
+              <a:rPr lang="fr-FR" sz="1400" b="1" dirty="0" err="1">
                 <a:solidFill>
-                  <a:schemeClr val="tx2"/>
+                  <a:schemeClr val="tx1"/>
                 </a:solidFill>
-                <a:effectLst/>
                 <a:latin typeface="Times New Roman" panose="02020603050405020304" pitchFamily="18" charset="0"/>
                 <a:ea typeface="Calibri" panose="020F0502020204030204" pitchFamily="34" charset="0"/>
-                <a:cs typeface="Arial" panose="020B0604020202020204" pitchFamily="34" charset="0"/>
+                <a:cs typeface="Times New Roman" panose="02020603050405020304" pitchFamily="18" charset="0"/>
               </a:rPr>
-              <a:t>Kamiri</a:t>
+              <a:t>Chahinez</a:t>
             </a:r>
-            <a:r>
-              <a:rPr lang="en-US" sz="6400" dirty="0">
-                <a:solidFill>
-                  <a:schemeClr val="tx2"/>
-                </a:solidFill>
-                <a:effectLst/>
-                <a:latin typeface="Times New Roman" panose="02020603050405020304" pitchFamily="18" charset="0"/>
-                <a:ea typeface="Calibri" panose="020F0502020204030204" pitchFamily="34" charset="0"/>
-                <a:cs typeface="Arial" panose="020B0604020202020204" pitchFamily="34" charset="0"/>
-              </a:rPr>
-              <a:t> Lilia</a:t>
-            </a:r>
-            <a:endParaRPr lang="fr-FR" sz="6400" dirty="0">
+            <a:endParaRPr lang="fr-FR" sz="1400" b="1" dirty="0">
               <a:solidFill>
                 <a:schemeClr val="tx1"/>
               </a:solidFill>
@@ -8562,182 +8562,8 @@
               <a:cs typeface="Times New Roman" panose="02020603050405020304" pitchFamily="18" charset="0"/>
             </a:endParaRPr>
           </a:p>
-          <a:p>
-            <a:pPr marL="285750" lvl="0" indent="-285750" algn="just">
-              <a:lnSpc>
-                <a:spcPct val="150000"/>
-              </a:lnSpc>
-              <a:buFont typeface="Arial" panose="020B0604020202020204" pitchFamily="34" charset="0"/>
-              <a:buChar char="•"/>
-            </a:pPr>
-            <a:r>
-              <a:rPr lang="fr-FR" sz="6400" dirty="0">
-                <a:solidFill>
-                  <a:schemeClr val="tx1"/>
-                </a:solidFill>
-                <a:latin typeface="Times New Roman" panose="02020603050405020304" pitchFamily="18" charset="0"/>
-                <a:ea typeface="Calibri" panose="020F0502020204030204" pitchFamily="34" charset="0"/>
-                <a:cs typeface="Times New Roman" panose="02020603050405020304" pitchFamily="18" charset="0"/>
-              </a:rPr>
-              <a:t>Yahiaoui Chahinez </a:t>
-            </a:r>
-          </a:p>
-          <a:p>
-            <a:pPr marL="285750" lvl="0" indent="-285750" algn="just">
-              <a:lnSpc>
-                <a:spcPct val="150000"/>
-              </a:lnSpc>
-              <a:buFont typeface="Arial" panose="020B0604020202020204" pitchFamily="34" charset="0"/>
-              <a:buChar char="•"/>
-            </a:pPr>
-            <a:endParaRPr lang="fr-FR" dirty="0">
-              <a:solidFill>
-                <a:schemeClr val="tx1"/>
-              </a:solidFill>
-              <a:latin typeface="Times New Roman" panose="02020603050405020304" pitchFamily="18" charset="0"/>
-              <a:ea typeface="Calibri" panose="020F0502020204030204" pitchFamily="34" charset="0"/>
-              <a:cs typeface="Times New Roman" panose="02020603050405020304" pitchFamily="18" charset="0"/>
-            </a:endParaRPr>
-          </a:p>
-          <a:p>
-            <a:pPr marL="285750" lvl="0" indent="-285750" algn="just">
-              <a:lnSpc>
-                <a:spcPct val="150000"/>
-              </a:lnSpc>
-              <a:buFont typeface="Arial" panose="020B0604020202020204" pitchFamily="34" charset="0"/>
-              <a:buChar char="•"/>
-            </a:pPr>
-            <a:endParaRPr lang="fr-FR" sz="1800" dirty="0">
-              <a:solidFill>
-                <a:schemeClr val="tx1"/>
-              </a:solidFill>
-              <a:effectLst/>
-              <a:latin typeface="Times New Roman" panose="02020603050405020304" pitchFamily="18" charset="0"/>
-              <a:ea typeface="Calibri" panose="020F0502020204030204" pitchFamily="34" charset="0"/>
-              <a:cs typeface="Times New Roman" panose="02020603050405020304" pitchFamily="18" charset="0"/>
-            </a:endParaRPr>
-          </a:p>
-          <a:p>
-            <a:pPr algn="just">
-              <a:lnSpc>
-                <a:spcPct val="150000"/>
-              </a:lnSpc>
-              <a:spcAft>
-                <a:spcPts val="1000"/>
-              </a:spcAft>
-            </a:pPr>
-            <a:endParaRPr lang="fr-FR" sz="6400" dirty="0">
-              <a:effectLst/>
-              <a:latin typeface="Times New Roman" panose="02020603050405020304" pitchFamily="18" charset="0"/>
-              <a:ea typeface="Calibri" panose="020F0502020204030204" pitchFamily="34" charset="0"/>
-              <a:cs typeface="Times New Roman" panose="02020603050405020304" pitchFamily="18" charset="0"/>
-            </a:endParaRPr>
-          </a:p>
-          <a:p>
-            <a:endParaRPr lang="fr-FR" dirty="0">
-              <a:solidFill>
-                <a:schemeClr val="tx1"/>
-              </a:solidFill>
-              <a:latin typeface="Times New Roman" panose="02020603050405020304" pitchFamily="18" charset="0"/>
-              <a:cs typeface="Times New Roman" panose="02020603050405020304" pitchFamily="18" charset="0"/>
-            </a:endParaRPr>
-          </a:p>
         </p:txBody>
       </p:sp>
-      <p:pic>
-        <p:nvPicPr>
-          <p:cNvPr id="1028" name="Picture 4" descr="ai, artificial intelligence, electronics, light bulb, robotics, science fiction, technology ">
-            <a:extLst>
-              <a:ext uri="{FF2B5EF4-FFF2-40B4-BE49-F238E27FC236}">
-                <a16:creationId xmlns:a16="http://schemas.microsoft.com/office/drawing/2014/main" id="{04ABC423-6655-D657-0CD2-1772A4462BBD}"/>
-              </a:ext>
-            </a:extLst>
-          </p:cNvPr>
-          <p:cNvPicPr>
-            <a:picLocks noChangeAspect="1" noChangeArrowheads="1"/>
-          </p:cNvPicPr>
-          <p:nvPr/>
-        </p:nvPicPr>
-        <p:blipFill>
-          <a:blip r:embed="rId3">
-            <a:extLst>
-              <a:ext uri="{28A0092B-C50C-407E-A947-70E740481C1C}">
-                <a14:useLocalDpi xmlns:a14="http://schemas.microsoft.com/office/drawing/2010/main" val="0"/>
-              </a:ext>
-            </a:extLst>
-          </a:blip>
-          <a:srcRect/>
-          <a:stretch>
-            <a:fillRect/>
-          </a:stretch>
-        </p:blipFill>
-        <p:spPr bwMode="auto">
-          <a:xfrm>
-            <a:off x="10957560" y="5440680"/>
-            <a:ext cx="1234440" cy="1234440"/>
-          </a:xfrm>
-          <a:prstGeom prst="rect">
-            <a:avLst/>
-          </a:prstGeom>
-          <a:noFill/>
-          <a:extLst>
-            <a:ext uri="{909E8E84-426E-40DD-AFC4-6F175D3DCCD1}">
-              <a14:hiddenFill xmlns:a14="http://schemas.microsoft.com/office/drawing/2010/main">
-                <a:solidFill>
-                  <a:srgbClr val="FFFFFF"/>
-                </a:solidFill>
-              </a14:hiddenFill>
-            </a:ext>
-          </a:extLst>
-        </p:spPr>
-      </p:pic>
-      <p:pic>
-        <p:nvPicPr>
-          <p:cNvPr id="1030" name="Picture 6" descr="reality, technology, virtual, vr ">
-            <a:extLst>
-              <a:ext uri="{FF2B5EF4-FFF2-40B4-BE49-F238E27FC236}">
-                <a16:creationId xmlns:a16="http://schemas.microsoft.com/office/drawing/2014/main" id="{EBDED86A-68A8-E672-3EB5-01DC7FD0F4A8}"/>
-              </a:ext>
-            </a:extLst>
-          </p:cNvPr>
-          <p:cNvPicPr>
-            <a:picLocks noChangeAspect="1" noChangeArrowheads="1"/>
-          </p:cNvPicPr>
-          <p:nvPr/>
-        </p:nvPicPr>
-        <p:blipFill>
-          <a:blip r:embed="rId4">
-            <a:extLst>
-              <a:ext uri="{28A0092B-C50C-407E-A947-70E740481C1C}">
-                <a14:useLocalDpi xmlns:a14="http://schemas.microsoft.com/office/drawing/2010/main" val="0"/>
-              </a:ext>
-            </a:extLst>
-          </a:blip>
-          <a:srcRect/>
-          <a:stretch>
-            <a:fillRect/>
-          </a:stretch>
-        </p:blipFill>
-        <p:spPr bwMode="auto">
-          <a:xfrm>
-            <a:off x="1049990" y="174195"/>
-            <a:ext cx="2363770" cy="2363770"/>
-          </a:xfrm>
-          <a:prstGeom prst="rect">
-            <a:avLst/>
-          </a:prstGeom>
-          <a:noFill/>
-          <a:extLst>
-            <a:ext uri="{909E8E84-426E-40DD-AFC4-6F175D3DCCD1}">
-              <a14:hiddenFill xmlns:a14="http://schemas.microsoft.com/office/drawing/2010/main">
-                <a:solidFill>
-                  <a:srgbClr val="FFFFFF"/>
-                </a:solidFill>
-              </a14:hiddenFill>
-            </a:ext>
-          </a:extLst>
-        </p:spPr>
-      </p:pic>
     </p:spTree>
     <p:extLst>
       <p:ext uri="{BB962C8B-B14F-4D97-AF65-F5344CB8AC3E}">
@@ -14420,53 +14246,6 @@
           </a:p>
         </p:txBody>
       </p:sp>
-      <p:pic>
-        <p:nvPicPr>
-          <p:cNvPr id="8194" name="Picture 2" descr="ai, artificial intelligence, automaton, brain, electronics, robotics, technology ">
-            <a:extLst>
-              <a:ext uri="{FF2B5EF4-FFF2-40B4-BE49-F238E27FC236}">
-                <a16:creationId xmlns:a16="http://schemas.microsoft.com/office/drawing/2014/main" id="{CFFFBF47-A7AB-CA09-AE5F-745C08EB6712}"/>
-              </a:ext>
-            </a:extLst>
-          </p:cNvPr>
-          <p:cNvPicPr>
-            <a:picLocks noChangeAspect="1" noChangeArrowheads="1"/>
-          </p:cNvPicPr>
-          <p:nvPr/>
-        </p:nvPicPr>
-        <p:blipFill>
-          <a:blip r:embed="rId2">
-            <a:extLst>
-              <a:ext uri="{28A0092B-C50C-407E-A947-70E740481C1C}">
-                <a14:useLocalDpi xmlns:a14="http://schemas.microsoft.com/office/drawing/2010/main" val="0"/>
-              </a:ext>
-            </a:extLst>
-          </a:blip>
-          <a:srcRect/>
-          <a:stretch>
-            <a:fillRect/>
-          </a:stretch>
-        </p:blipFill>
-        <p:spPr bwMode="auto">
-          <a:xfrm>
-            <a:off x="9612928" y="782614"/>
-            <a:ext cx="1996440" cy="1996440"/>
-          </a:xfrm>
-          <a:prstGeom prst="rect">
-            <a:avLst/>
-          </a:prstGeom>
-          <a:noFill/>
-          <a:extLst>
-            <a:ext uri="{909E8E84-426E-40DD-AFC4-6F175D3DCCD1}">
-              <a14:hiddenFill xmlns:a14="http://schemas.microsoft.com/office/drawing/2010/main">
-                <a:solidFill>
-                  <a:srgbClr val="FFFFFF"/>
-                </a:solidFill>
-              </a14:hiddenFill>
-            </a:ext>
-          </a:extLst>
-        </p:spPr>
-      </p:pic>
       <p:sp>
         <p:nvSpPr>
           <p:cNvPr id="3" name="TextBox 2">
@@ -14546,7 +14325,7 @@
           <p:nvPr/>
         </p:nvPicPr>
         <p:blipFill>
-          <a:blip r:embed="rId3">
+          <a:blip r:embed="rId2">
             <a:extLst>
               <a:ext uri="{28A0092B-C50C-407E-A947-70E740481C1C}">
                 <a14:useLocalDpi xmlns:a14="http://schemas.microsoft.com/office/drawing/2010/main" val="0"/>
@@ -14576,6 +14355,36 @@
               </a14:hiddenFill>
             </a:ext>
           </a:extLst>
+        </p:spPr>
+      </p:pic>
+      <p:pic>
+        <p:nvPicPr>
+          <p:cNvPr id="4" name="Picture 3">
+            <a:extLst>
+              <a:ext uri="{FF2B5EF4-FFF2-40B4-BE49-F238E27FC236}">
+                <a16:creationId xmlns:a16="http://schemas.microsoft.com/office/drawing/2014/main" id="{1E52C153-0BFC-4D4E-BCEC-D299351C945B}"/>
+              </a:ext>
+            </a:extLst>
+          </p:cNvPr>
+          <p:cNvPicPr>
+            <a:picLocks noChangeAspect="1"/>
+          </p:cNvPicPr>
+          <p:nvPr/>
+        </p:nvPicPr>
+        <p:blipFill>
+          <a:blip r:embed="rId3"/>
+          <a:stretch>
+            <a:fillRect/>
+          </a:stretch>
+        </p:blipFill>
+        <p:spPr>
+          <a:xfrm>
+            <a:off x="9841207" y="673359"/>
+            <a:ext cx="1593980" cy="1593980"/>
+          </a:xfrm>
+          <a:prstGeom prst="rect">
+            <a:avLst/>
+          </a:prstGeom>
         </p:spPr>
       </p:pic>
     </p:spTree>
@@ -15377,53 +15186,6 @@
           <a:chExt cx="0" cy="0"/>
         </a:xfrm>
       </p:grpSpPr>
-      <p:pic>
-        <p:nvPicPr>
-          <p:cNvPr id="7178" name="Picture 10" descr="letter, saying, thank, thank you, thanks, thanksgiving ">
-            <a:extLst>
-              <a:ext uri="{FF2B5EF4-FFF2-40B4-BE49-F238E27FC236}">
-                <a16:creationId xmlns:a16="http://schemas.microsoft.com/office/drawing/2014/main" id="{EEADC155-B0DC-11DD-4127-6F21EC377085}"/>
-              </a:ext>
-            </a:extLst>
-          </p:cNvPr>
-          <p:cNvPicPr>
-            <a:picLocks noChangeAspect="1" noChangeArrowheads="1"/>
-          </p:cNvPicPr>
-          <p:nvPr/>
-        </p:nvPicPr>
-        <p:blipFill>
-          <a:blip r:embed="rId2">
-            <a:extLst>
-              <a:ext uri="{28A0092B-C50C-407E-A947-70E740481C1C}">
-                <a14:useLocalDpi xmlns:a14="http://schemas.microsoft.com/office/drawing/2010/main" val="0"/>
-              </a:ext>
-            </a:extLst>
-          </a:blip>
-          <a:srcRect/>
-          <a:stretch>
-            <a:fillRect/>
-          </a:stretch>
-        </p:blipFill>
-        <p:spPr bwMode="auto">
-          <a:xfrm>
-            <a:off x="9624060" y="4107180"/>
-            <a:ext cx="2209802" cy="1996440"/>
-          </a:xfrm>
-          <a:prstGeom prst="rect">
-            <a:avLst/>
-          </a:prstGeom>
-          <a:noFill/>
-          <a:extLst>
-            <a:ext uri="{909E8E84-426E-40DD-AFC4-6F175D3DCCD1}">
-              <a14:hiddenFill xmlns:a14="http://schemas.microsoft.com/office/drawing/2010/main">
-                <a:solidFill>
-                  <a:srgbClr val="FFFFFF"/>
-                </a:solidFill>
-              </a14:hiddenFill>
-            </a:ext>
-          </a:extLst>
-        </p:spPr>
-      </p:pic>
       <p:sp>
         <p:nvSpPr>
           <p:cNvPr id="3" name="Oval 2">
@@ -15473,6 +15235,36 @@
           </a:p>
         </p:txBody>
       </p:sp>
+      <p:pic>
+        <p:nvPicPr>
+          <p:cNvPr id="2" name="Picture 1">
+            <a:extLst>
+              <a:ext uri="{FF2B5EF4-FFF2-40B4-BE49-F238E27FC236}">
+                <a16:creationId xmlns:a16="http://schemas.microsoft.com/office/drawing/2014/main" id="{C393518E-758F-4961-9976-3F3EB45FE1ED}"/>
+              </a:ext>
+            </a:extLst>
+          </p:cNvPr>
+          <p:cNvPicPr>
+            <a:picLocks noChangeAspect="1"/>
+          </p:cNvPicPr>
+          <p:nvPr/>
+        </p:nvPicPr>
+        <p:blipFill>
+          <a:blip r:embed="rId2"/>
+          <a:stretch>
+            <a:fillRect/>
+          </a:stretch>
+        </p:blipFill>
+        <p:spPr>
+          <a:xfrm>
+            <a:off x="9757877" y="4320074"/>
+            <a:ext cx="1998306" cy="1998306"/>
+          </a:xfrm>
+          <a:prstGeom prst="rect">
+            <a:avLst/>
+          </a:prstGeom>
+        </p:spPr>
+      </p:pic>
     </p:spTree>
     <p:extLst>
       <p:ext uri="{BB962C8B-B14F-4D97-AF65-F5344CB8AC3E}">
@@ -16074,49 +15866,32 @@
       </p:sp>
       <p:pic>
         <p:nvPicPr>
-          <p:cNvPr id="9218" name="Picture 2" descr="doc, document, list, paper, todo, checklist, tasks ">
+          <p:cNvPr id="2" name="Picture 1">
             <a:extLst>
               <a:ext uri="{FF2B5EF4-FFF2-40B4-BE49-F238E27FC236}">
-                <a16:creationId xmlns:a16="http://schemas.microsoft.com/office/drawing/2014/main" id="{8981E45E-A9EC-7F76-052C-71F30538C155}"/>
+                <a16:creationId xmlns:a16="http://schemas.microsoft.com/office/drawing/2014/main" id="{5463B123-E2F8-4F10-8A74-B19A3ADCEBC9}"/>
               </a:ext>
             </a:extLst>
           </p:cNvPr>
           <p:cNvPicPr>
-            <a:picLocks noChangeAspect="1" noChangeArrowheads="1"/>
+            <a:picLocks noChangeAspect="1"/>
           </p:cNvPicPr>
           <p:nvPr/>
         </p:nvPicPr>
         <p:blipFill>
-          <a:blip r:embed="rId2">
-            <a:extLst>
-              <a:ext uri="{28A0092B-C50C-407E-A947-70E740481C1C}">
-                <a14:useLocalDpi xmlns:a14="http://schemas.microsoft.com/office/drawing/2010/main" val="0"/>
-              </a:ext>
-            </a:extLst>
-          </a:blip>
-          <a:srcRect/>
+          <a:blip r:embed="rId2"/>
           <a:stretch>
             <a:fillRect/>
           </a:stretch>
         </p:blipFill>
-        <p:spPr bwMode="auto">
+        <p:spPr>
           <a:xfrm>
-            <a:off x="7831270" y="1609725"/>
-            <a:ext cx="3657600" cy="3657600"/>
+            <a:off x="7106816" y="1556657"/>
+            <a:ext cx="3474846" cy="3474846"/>
           </a:xfrm>
           <a:prstGeom prst="rect">
             <a:avLst/>
           </a:prstGeom>
-          <a:noFill/>
-          <a:extLst>
-            <a:ext uri="{909E8E84-426E-40DD-AFC4-6F175D3DCCD1}">
-              <a14:hiddenFill xmlns:a14="http://schemas.microsoft.com/office/drawing/2010/main">
-                <a:solidFill>
-                  <a:srgbClr val="FFFFFF"/>
-                </a:solidFill>
-              </a14:hiddenFill>
-            </a:ext>
-          </a:extLst>
         </p:spPr>
       </p:pic>
     </p:spTree>
@@ -19471,53 +19246,6 @@
           </a:p>
         </p:txBody>
       </p:sp>
-      <p:pic>
-        <p:nvPicPr>
-          <p:cNvPr id="3076" name="Picture 4" descr="course, degree, laptop, learning, online, study ">
-            <a:extLst>
-              <a:ext uri="{FF2B5EF4-FFF2-40B4-BE49-F238E27FC236}">
-                <a16:creationId xmlns:a16="http://schemas.microsoft.com/office/drawing/2014/main" id="{ED88606E-C50C-3EF1-53ED-3AD0050305B6}"/>
-              </a:ext>
-            </a:extLst>
-          </p:cNvPr>
-          <p:cNvPicPr>
-            <a:picLocks noChangeAspect="1" noChangeArrowheads="1"/>
-          </p:cNvPicPr>
-          <p:nvPr/>
-        </p:nvPicPr>
-        <p:blipFill>
-          <a:blip r:embed="rId2">
-            <a:extLst>
-              <a:ext uri="{28A0092B-C50C-407E-A947-70E740481C1C}">
-                <a14:useLocalDpi xmlns:a14="http://schemas.microsoft.com/office/drawing/2010/main" val="0"/>
-              </a:ext>
-            </a:extLst>
-          </a:blip>
-          <a:srcRect/>
-          <a:stretch>
-            <a:fillRect/>
-          </a:stretch>
-        </p:blipFill>
-        <p:spPr bwMode="auto">
-          <a:xfrm>
-            <a:off x="9645015" y="2781970"/>
-            <a:ext cx="2227217" cy="2227217"/>
-          </a:xfrm>
-          <a:prstGeom prst="rect">
-            <a:avLst/>
-          </a:prstGeom>
-          <a:noFill/>
-          <a:extLst>
-            <a:ext uri="{909E8E84-426E-40DD-AFC4-6F175D3DCCD1}">
-              <a14:hiddenFill xmlns:a14="http://schemas.microsoft.com/office/drawing/2010/main">
-                <a:solidFill>
-                  <a:srgbClr val="FFFFFF"/>
-                </a:solidFill>
-              </a14:hiddenFill>
-            </a:ext>
-          </a:extLst>
-        </p:spPr>
-      </p:pic>
       <p:sp>
         <p:nvSpPr>
           <p:cNvPr id="2" name="TextBox 1">
@@ -19628,6 +19356,36 @@
           </a:p>
         </p:txBody>
       </p:sp>
+      <p:pic>
+        <p:nvPicPr>
+          <p:cNvPr id="5" name="Picture 4">
+            <a:extLst>
+              <a:ext uri="{FF2B5EF4-FFF2-40B4-BE49-F238E27FC236}">
+                <a16:creationId xmlns:a16="http://schemas.microsoft.com/office/drawing/2014/main" id="{DE14D98A-6A67-4E16-A89F-B691280EEC86}"/>
+              </a:ext>
+            </a:extLst>
+          </p:cNvPr>
+          <p:cNvPicPr>
+            <a:picLocks noChangeAspect="1"/>
+          </p:cNvPicPr>
+          <p:nvPr/>
+        </p:nvPicPr>
+        <p:blipFill>
+          <a:blip r:embed="rId2"/>
+          <a:stretch>
+            <a:fillRect/>
+          </a:stretch>
+        </p:blipFill>
+        <p:spPr>
+          <a:xfrm>
+            <a:off x="9153524" y="2704322"/>
+            <a:ext cx="2438400" cy="2772747"/>
+          </a:xfrm>
+          <a:prstGeom prst="rect">
+            <a:avLst/>
+          </a:prstGeom>
+        </p:spPr>
+      </p:pic>
     </p:spTree>
     <p:extLst>
       <p:ext uri="{BB962C8B-B14F-4D97-AF65-F5344CB8AC3E}">
